--- a/ppt/2. 실습환경 및 Python 기초.pptx
+++ b/ppt/2. 실습환경 및 Python 기초.pptx
@@ -14,7 +14,11 @@
     <p:sldId id="308" r:id="rId8"/>
     <p:sldId id="309" r:id="rId9"/>
     <p:sldId id="310" r:id="rId10"/>
-    <p:sldId id="295" r:id="rId11"/>
+    <p:sldId id="311" r:id="rId11"/>
+    <p:sldId id="312" r:id="rId12"/>
+    <p:sldId id="313" r:id="rId13"/>
+    <p:sldId id="314" r:id="rId14"/>
+    <p:sldId id="295" r:id="rId15"/>
   </p:sldIdLst>
   <p:sldSz cx="12192000" cy="6858000"/>
   <p:notesSz cx="6858000" cy="9144000"/>
@@ -254,7 +258,7 @@
           <a:p>
             <a:fld id="{4A61891F-26D4-4EED-9BA8-111B4F671ED2}" type="datetimeFigureOut">
               <a:rPr lang="ko-KR" altLang="en-US" smtClean="0"/>
-              <a:t>2017-07-19</a:t>
+              <a:t>2017-07-20</a:t>
             </a:fld>
             <a:endParaRPr lang="ko-KR" altLang="en-US"/>
           </a:p>
@@ -541,7 +545,7 @@
           <a:p>
             <a:fld id="{4A61891F-26D4-4EED-9BA8-111B4F671ED2}" type="datetimeFigureOut">
               <a:rPr lang="ko-KR" altLang="en-US" smtClean="0"/>
-              <a:t>2017-07-19</a:t>
+              <a:t>2017-07-20</a:t>
             </a:fld>
             <a:endParaRPr lang="ko-KR" altLang="en-US"/>
           </a:p>
@@ -733,7 +737,7 @@
           <a:p>
             <a:fld id="{4A61891F-26D4-4EED-9BA8-111B4F671ED2}" type="datetimeFigureOut">
               <a:rPr lang="ko-KR" altLang="en-US" smtClean="0"/>
-              <a:t>2017-07-19</a:t>
+              <a:t>2017-07-20</a:t>
             </a:fld>
             <a:endParaRPr lang="ko-KR" altLang="en-US"/>
           </a:p>
@@ -994,7 +998,7 @@
           <a:p>
             <a:fld id="{4A61891F-26D4-4EED-9BA8-111B4F671ED2}" type="datetimeFigureOut">
               <a:rPr lang="ko-KR" altLang="en-US" smtClean="0"/>
-              <a:t>2017-07-19</a:t>
+              <a:t>2017-07-20</a:t>
             </a:fld>
             <a:endParaRPr lang="ko-KR" altLang="en-US"/>
           </a:p>
@@ -1418,7 +1422,7 @@
           <a:p>
             <a:fld id="{4A61891F-26D4-4EED-9BA8-111B4F671ED2}" type="datetimeFigureOut">
               <a:rPr lang="ko-KR" altLang="en-US" smtClean="0"/>
-              <a:t>2017-07-19</a:t>
+              <a:t>2017-07-20</a:t>
             </a:fld>
             <a:endParaRPr lang="ko-KR" altLang="en-US"/>
           </a:p>
@@ -1964,7 +1968,7 @@
           <a:p>
             <a:fld id="{4A61891F-26D4-4EED-9BA8-111B4F671ED2}" type="datetimeFigureOut">
               <a:rPr lang="ko-KR" altLang="en-US" smtClean="0"/>
-              <a:t>2017-07-19</a:t>
+              <a:t>2017-07-20</a:t>
             </a:fld>
             <a:endParaRPr lang="ko-KR" altLang="en-US"/>
           </a:p>
@@ -2804,7 +2808,7 @@
           <a:p>
             <a:fld id="{4A61891F-26D4-4EED-9BA8-111B4F671ED2}" type="datetimeFigureOut">
               <a:rPr lang="ko-KR" altLang="en-US" smtClean="0"/>
-              <a:t>2017-07-19</a:t>
+              <a:t>2017-07-20</a:t>
             </a:fld>
             <a:endParaRPr lang="ko-KR" altLang="en-US"/>
           </a:p>
@@ -2974,7 +2978,7 @@
           <a:p>
             <a:fld id="{4A61891F-26D4-4EED-9BA8-111B4F671ED2}" type="datetimeFigureOut">
               <a:rPr lang="ko-KR" altLang="en-US" smtClean="0"/>
-              <a:t>2017-07-19</a:t>
+              <a:t>2017-07-20</a:t>
             </a:fld>
             <a:endParaRPr lang="ko-KR" altLang="en-US"/>
           </a:p>
@@ -3158,7 +3162,7 @@
           <a:p>
             <a:fld id="{4A61891F-26D4-4EED-9BA8-111B4F671ED2}" type="datetimeFigureOut">
               <a:rPr lang="ko-KR" altLang="en-US" smtClean="0"/>
-              <a:t>2017-07-19</a:t>
+              <a:t>2017-07-20</a:t>
             </a:fld>
             <a:endParaRPr lang="ko-KR" altLang="en-US"/>
           </a:p>
@@ -3328,7 +3332,7 @@
           <a:p>
             <a:fld id="{4A61891F-26D4-4EED-9BA8-111B4F671ED2}" type="datetimeFigureOut">
               <a:rPr lang="ko-KR" altLang="en-US" smtClean="0"/>
-              <a:t>2017-07-19</a:t>
+              <a:t>2017-07-20</a:t>
             </a:fld>
             <a:endParaRPr lang="ko-KR" altLang="en-US"/>
           </a:p>
@@ -3576,7 +3580,7 @@
           <a:p>
             <a:fld id="{4A61891F-26D4-4EED-9BA8-111B4F671ED2}" type="datetimeFigureOut">
               <a:rPr lang="ko-KR" altLang="en-US" smtClean="0"/>
-              <a:t>2017-07-19</a:t>
+              <a:t>2017-07-20</a:t>
             </a:fld>
             <a:endParaRPr lang="ko-KR" altLang="en-US"/>
           </a:p>
@@ -3813,7 +3817,7 @@
           <a:p>
             <a:fld id="{4A61891F-26D4-4EED-9BA8-111B4F671ED2}" type="datetimeFigureOut">
               <a:rPr lang="ko-KR" altLang="en-US" smtClean="0"/>
-              <a:t>2017-07-19</a:t>
+              <a:t>2017-07-20</a:t>
             </a:fld>
             <a:endParaRPr lang="ko-KR" altLang="en-US"/>
           </a:p>
@@ -4186,7 +4190,7 @@
           <a:p>
             <a:fld id="{4A61891F-26D4-4EED-9BA8-111B4F671ED2}" type="datetimeFigureOut">
               <a:rPr lang="ko-KR" altLang="en-US" smtClean="0"/>
-              <a:t>2017-07-19</a:t>
+              <a:t>2017-07-20</a:t>
             </a:fld>
             <a:endParaRPr lang="ko-KR" altLang="en-US"/>
           </a:p>
@@ -4304,7 +4308,7 @@
           <a:p>
             <a:fld id="{4A61891F-26D4-4EED-9BA8-111B4F671ED2}" type="datetimeFigureOut">
               <a:rPr lang="ko-KR" altLang="en-US" smtClean="0"/>
-              <a:t>2017-07-19</a:t>
+              <a:t>2017-07-20</a:t>
             </a:fld>
             <a:endParaRPr lang="ko-KR" altLang="en-US"/>
           </a:p>
@@ -4399,7 +4403,7 @@
           <a:p>
             <a:fld id="{4A61891F-26D4-4EED-9BA8-111B4F671ED2}" type="datetimeFigureOut">
               <a:rPr lang="ko-KR" altLang="en-US" smtClean="0"/>
-              <a:t>2017-07-19</a:t>
+              <a:t>2017-07-20</a:t>
             </a:fld>
             <a:endParaRPr lang="ko-KR" altLang="en-US"/>
           </a:p>
@@ -4650,7 +4654,7 @@
           <a:p>
             <a:fld id="{4A61891F-26D4-4EED-9BA8-111B4F671ED2}" type="datetimeFigureOut">
               <a:rPr lang="ko-KR" altLang="en-US" smtClean="0"/>
-              <a:t>2017-07-19</a:t>
+              <a:t>2017-07-20</a:t>
             </a:fld>
             <a:endParaRPr lang="ko-KR" altLang="en-US"/>
           </a:p>
@@ -4937,7 +4941,7 @@
           <a:p>
             <a:fld id="{4A61891F-26D4-4EED-9BA8-111B4F671ED2}" type="datetimeFigureOut">
               <a:rPr lang="ko-KR" altLang="en-US" smtClean="0"/>
-              <a:t>2017-07-19</a:t>
+              <a:t>2017-07-20</a:t>
             </a:fld>
             <a:endParaRPr lang="ko-KR" altLang="en-US"/>
           </a:p>
@@ -5150,7 +5154,7 @@
           <a:p>
             <a:fld id="{4A61891F-26D4-4EED-9BA8-111B4F671ED2}" type="datetimeFigureOut">
               <a:rPr lang="ko-KR" altLang="en-US" smtClean="0"/>
-              <a:t>2017-07-19</a:t>
+              <a:t>2017-07-20</a:t>
             </a:fld>
             <a:endParaRPr lang="ko-KR" altLang="en-US"/>
           </a:p>
@@ -5755,6 +5759,883 @@
             <p:ph type="title"/>
           </p:nvPr>
         </p:nvSpPr>
+        <p:spPr>
+          <a:xfrm>
+            <a:off x="913795" y="590145"/>
+            <a:ext cx="10353761" cy="1326321"/>
+          </a:xfrm>
+        </p:spPr>
+        <p:txBody>
+          <a:bodyPr/>
+          <a:lstStyle/>
+          <a:p>
+            <a:r>
+              <a:rPr lang="ko-KR" altLang="en-US" dirty="0" smtClean="0"/>
+              <a:t>변수와 타입</a:t>
+            </a:r>
+            <a:endParaRPr lang="ko-KR" altLang="en-US" dirty="0"/>
+          </a:p>
+        </p:txBody>
+      </p:sp>
+      <p:sp>
+        <p:nvSpPr>
+          <p:cNvPr id="6" name="내용 개체 틀 3"/>
+          <p:cNvSpPr>
+            <a:spLocks noGrp="1"/>
+          </p:cNvSpPr>
+          <p:nvPr>
+            <p:ph idx="1"/>
+          </p:nvPr>
+        </p:nvSpPr>
+        <p:spPr>
+          <a:xfrm>
+            <a:off x="838200" y="1833790"/>
+            <a:ext cx="10429356" cy="4351338"/>
+          </a:xfrm>
+        </p:spPr>
+        <p:txBody>
+          <a:bodyPr>
+            <a:normAutofit/>
+          </a:bodyPr>
+          <a:lstStyle/>
+          <a:p>
+            <a:r>
+              <a:rPr lang="en-US" altLang="ko-KR" dirty="0" smtClean="0"/>
+              <a:t>Python </a:t>
+            </a:r>
+            <a:r>
+              <a:rPr lang="ko-KR" altLang="en-US" dirty="0" smtClean="0"/>
+              <a:t>타입의 종류</a:t>
+            </a:r>
+            <a:endParaRPr lang="en-US" altLang="ko-KR" dirty="0"/>
+          </a:p>
+          <a:p>
+            <a:pPr lvl="1"/>
+            <a:r>
+              <a:rPr lang="ko-KR" altLang="en-US" dirty="0" smtClean="0"/>
+              <a:t>정수</a:t>
+            </a:r>
+            <a:endParaRPr lang="en-US" altLang="ko-KR" dirty="0" smtClean="0"/>
+          </a:p>
+          <a:p>
+            <a:pPr lvl="1"/>
+            <a:r>
+              <a:rPr lang="ko-KR" altLang="en-US" dirty="0" smtClean="0"/>
+              <a:t>실수</a:t>
+            </a:r>
+            <a:endParaRPr lang="en-US" altLang="ko-KR" dirty="0" smtClean="0"/>
+          </a:p>
+          <a:p>
+            <a:pPr lvl="1"/>
+            <a:r>
+              <a:rPr lang="ko-KR" altLang="en-US" dirty="0" smtClean="0"/>
+              <a:t>문자열</a:t>
+            </a:r>
+            <a:endParaRPr lang="en-US" altLang="ko-KR" dirty="0" smtClean="0"/>
+          </a:p>
+          <a:p>
+            <a:pPr lvl="1"/>
+            <a:r>
+              <a:rPr lang="en-US" altLang="ko-KR" dirty="0" smtClean="0"/>
+              <a:t>Boolean(True or False)</a:t>
+            </a:r>
+          </a:p>
+          <a:p>
+            <a:pPr lvl="1"/>
+            <a:r>
+              <a:rPr lang="ko-KR" altLang="en-US" dirty="0" smtClean="0"/>
+              <a:t>리스트</a:t>
+            </a:r>
+            <a:endParaRPr lang="en-US" altLang="ko-KR" dirty="0" smtClean="0"/>
+          </a:p>
+          <a:p>
+            <a:pPr lvl="1"/>
+            <a:r>
+              <a:rPr lang="ko-KR" altLang="en-US" dirty="0" smtClean="0"/>
+              <a:t>사전</a:t>
+            </a:r>
+            <a:endParaRPr lang="en-US" altLang="ko-KR" dirty="0" smtClean="0"/>
+          </a:p>
+          <a:p>
+            <a:pPr lvl="1"/>
+            <a:r>
+              <a:rPr lang="en-US" altLang="ko-KR" dirty="0" smtClean="0"/>
+              <a:t>Etc.</a:t>
+            </a:r>
+            <a:endParaRPr lang="en-US" altLang="ko-KR" dirty="0"/>
+          </a:p>
+        </p:txBody>
+      </p:sp>
+      <p:pic>
+        <p:nvPicPr>
+          <p:cNvPr id="3" name="그림 2"/>
+          <p:cNvPicPr>
+            <a:picLocks noChangeAspect="1"/>
+          </p:cNvPicPr>
+          <p:nvPr/>
+        </p:nvPicPr>
+        <p:blipFill rotWithShape="1">
+          <a:blip r:embed="rId2"/>
+          <a:srcRect l="27115" t="14528" r="59181" b="71991"/>
+          <a:stretch/>
+        </p:blipFill>
+        <p:spPr>
+          <a:xfrm>
+            <a:off x="4351564" y="1833790"/>
+            <a:ext cx="3670476" cy="2134000"/>
+          </a:xfrm>
+          <a:prstGeom prst="rect">
+            <a:avLst/>
+          </a:prstGeom>
+        </p:spPr>
+      </p:pic>
+      <p:pic>
+        <p:nvPicPr>
+          <p:cNvPr id="4" name="그림 3"/>
+          <p:cNvPicPr>
+            <a:picLocks noChangeAspect="1"/>
+          </p:cNvPicPr>
+          <p:nvPr/>
+        </p:nvPicPr>
+        <p:blipFill rotWithShape="1">
+          <a:blip r:embed="rId3"/>
+          <a:srcRect l="5810" t="68756" r="81707" b="17055"/>
+          <a:stretch/>
+        </p:blipFill>
+        <p:spPr>
+          <a:xfrm>
+            <a:off x="8090807" y="1833789"/>
+            <a:ext cx="3176749" cy="2134001"/>
+          </a:xfrm>
+          <a:prstGeom prst="rect">
+            <a:avLst/>
+          </a:prstGeom>
+        </p:spPr>
+      </p:pic>
+    </p:spTree>
+    <p:extLst>
+      <p:ext uri="{BB962C8B-B14F-4D97-AF65-F5344CB8AC3E}">
+        <p14:creationId xmlns:p14="http://schemas.microsoft.com/office/powerpoint/2010/main" val="2153128656"/>
+      </p:ext>
+    </p:extLst>
+  </p:cSld>
+  <p:clrMapOvr>
+    <a:masterClrMapping/>
+  </p:clrMapOvr>
+  <p:timing>
+    <p:tnLst>
+      <p:par>
+        <p:cTn id="1" dur="indefinite" restart="never" nodeType="tmRoot"/>
+      </p:par>
+    </p:tnLst>
+  </p:timing>
+</p:sld>
+</file>
+
+<file path=ppt/slides/slide11.xml><?xml version="1.0" encoding="utf-8"?>
+<p:sld xmlns:a="http://schemas.openxmlformats.org/drawingml/2006/main" xmlns:r="http://schemas.openxmlformats.org/officeDocument/2006/relationships" xmlns:p="http://schemas.openxmlformats.org/presentationml/2006/main">
+  <p:cSld>
+    <p:spTree>
+      <p:nvGrpSpPr>
+        <p:cNvPr id="1" name=""/>
+        <p:cNvGrpSpPr/>
+        <p:nvPr/>
+      </p:nvGrpSpPr>
+      <p:grpSpPr>
+        <a:xfrm>
+          <a:off x="0" y="0"/>
+          <a:ext cx="0" cy="0"/>
+          <a:chOff x="0" y="0"/>
+          <a:chExt cx="0" cy="0"/>
+        </a:xfrm>
+      </p:grpSpPr>
+      <p:sp>
+        <p:nvSpPr>
+          <p:cNvPr id="2" name="제목 1"/>
+          <p:cNvSpPr>
+            <a:spLocks noGrp="1"/>
+          </p:cNvSpPr>
+          <p:nvPr>
+            <p:ph type="title"/>
+          </p:nvPr>
+        </p:nvSpPr>
+        <p:spPr>
+          <a:xfrm>
+            <a:off x="913795" y="590145"/>
+            <a:ext cx="10353761" cy="1326321"/>
+          </a:xfrm>
+        </p:spPr>
+        <p:txBody>
+          <a:bodyPr/>
+          <a:lstStyle/>
+          <a:p>
+            <a:r>
+              <a:rPr lang="ko-KR" altLang="en-US" dirty="0" smtClean="0"/>
+              <a:t>변수와 타입</a:t>
+            </a:r>
+            <a:endParaRPr lang="ko-KR" altLang="en-US" dirty="0"/>
+          </a:p>
+        </p:txBody>
+      </p:sp>
+      <p:sp>
+        <p:nvSpPr>
+          <p:cNvPr id="6" name="내용 개체 틀 3"/>
+          <p:cNvSpPr>
+            <a:spLocks noGrp="1"/>
+          </p:cNvSpPr>
+          <p:nvPr>
+            <p:ph idx="1"/>
+          </p:nvPr>
+        </p:nvSpPr>
+        <p:spPr>
+          <a:xfrm>
+            <a:off x="838200" y="1833790"/>
+            <a:ext cx="10429356" cy="4351338"/>
+          </a:xfrm>
+        </p:spPr>
+        <p:txBody>
+          <a:bodyPr>
+            <a:normAutofit/>
+          </a:bodyPr>
+          <a:lstStyle/>
+          <a:p>
+            <a:r>
+              <a:rPr lang="ko-KR" altLang="en-US" dirty="0" smtClean="0"/>
+              <a:t>변수</a:t>
+            </a:r>
+            <a:endParaRPr lang="en-US" altLang="ko-KR" dirty="0"/>
+          </a:p>
+          <a:p>
+            <a:pPr lvl="1"/>
+            <a:r>
+              <a:rPr lang="ko-KR" altLang="en-US" dirty="0" smtClean="0"/>
+              <a:t>어떠한</a:t>
+            </a:r>
+            <a:r>
+              <a:rPr lang="ko-KR" altLang="en-US" dirty="0" smtClean="0"/>
+              <a:t> 수를 담을 공간</a:t>
+            </a:r>
+            <a:endParaRPr lang="en-US" altLang="ko-KR" dirty="0" smtClean="0"/>
+          </a:p>
+          <a:p>
+            <a:pPr lvl="1"/>
+            <a:r>
+              <a:rPr lang="ko-KR" altLang="en-US" dirty="0" smtClean="0"/>
+              <a:t>수학에서의 미지수와 비슷한 역할</a:t>
+            </a:r>
+            <a:endParaRPr lang="en-US" altLang="ko-KR" dirty="0" smtClean="0"/>
+          </a:p>
+          <a:p>
+            <a:r>
+              <a:rPr lang="en-US" altLang="ko-KR" dirty="0" err="1"/>
+              <a:t>E</a:t>
+            </a:r>
+            <a:r>
+              <a:rPr lang="en-US" altLang="ko-KR" dirty="0" err="1" smtClean="0"/>
+              <a:t>.g</a:t>
+            </a:r>
+            <a:r>
+              <a:rPr lang="en-US" altLang="ko-KR" dirty="0" smtClean="0"/>
+              <a:t>) f(x) = x + 1</a:t>
+            </a:r>
+          </a:p>
+          <a:p>
+            <a:pPr lvl="1"/>
+            <a:r>
+              <a:rPr lang="ko-KR" altLang="en-US" dirty="0" smtClean="0"/>
+              <a:t>수학에서는 </a:t>
+            </a:r>
+            <a:r>
+              <a:rPr lang="en-US" altLang="ko-KR" dirty="0" smtClean="0"/>
+              <a:t>x</a:t>
+            </a:r>
+            <a:r>
+              <a:rPr lang="ko-KR" altLang="en-US" dirty="0" smtClean="0"/>
+              <a:t>를 미지수라고 부릅니다</a:t>
+            </a:r>
+            <a:r>
+              <a:rPr lang="en-US" altLang="ko-KR" dirty="0" smtClean="0"/>
+              <a:t>.</a:t>
+            </a:r>
+          </a:p>
+          <a:p>
+            <a:pPr lvl="1"/>
+            <a:r>
+              <a:rPr lang="ko-KR" altLang="en-US" dirty="0" smtClean="0"/>
+              <a:t>컴퓨터에서는 미지수 그 자체로 값을 처리할 수 없습니다</a:t>
+            </a:r>
+            <a:r>
+              <a:rPr lang="en-US" altLang="ko-KR" dirty="0" smtClean="0"/>
+              <a:t>.</a:t>
+            </a:r>
+          </a:p>
+          <a:p>
+            <a:pPr lvl="1"/>
+            <a:r>
+              <a:rPr lang="ko-KR" altLang="en-US" dirty="0" smtClean="0"/>
+              <a:t>실제 값을 넣어볼 수 있도록 변수라는 개념을 만든 것입니다</a:t>
+            </a:r>
+            <a:r>
+              <a:rPr lang="en-US" altLang="ko-KR" dirty="0" smtClean="0"/>
+              <a:t>.</a:t>
+            </a:r>
+            <a:endParaRPr lang="en-US" altLang="ko-KR" dirty="0"/>
+          </a:p>
+        </p:txBody>
+      </p:sp>
+    </p:spTree>
+    <p:extLst>
+      <p:ext uri="{BB962C8B-B14F-4D97-AF65-F5344CB8AC3E}">
+        <p14:creationId xmlns:p14="http://schemas.microsoft.com/office/powerpoint/2010/main" val="256526864"/>
+      </p:ext>
+    </p:extLst>
+  </p:cSld>
+  <p:clrMapOvr>
+    <a:masterClrMapping/>
+  </p:clrMapOvr>
+  <p:timing>
+    <p:tnLst>
+      <p:par>
+        <p:cTn id="1" dur="indefinite" restart="never" nodeType="tmRoot"/>
+      </p:par>
+    </p:tnLst>
+  </p:timing>
+</p:sld>
+</file>
+
+<file path=ppt/slides/slide12.xml><?xml version="1.0" encoding="utf-8"?>
+<p:sld xmlns:a="http://schemas.openxmlformats.org/drawingml/2006/main" xmlns:r="http://schemas.openxmlformats.org/officeDocument/2006/relationships" xmlns:p="http://schemas.openxmlformats.org/presentationml/2006/main">
+  <p:cSld>
+    <p:spTree>
+      <p:nvGrpSpPr>
+        <p:cNvPr id="1" name=""/>
+        <p:cNvGrpSpPr/>
+        <p:nvPr/>
+      </p:nvGrpSpPr>
+      <p:grpSpPr>
+        <a:xfrm>
+          <a:off x="0" y="0"/>
+          <a:ext cx="0" cy="0"/>
+          <a:chOff x="0" y="0"/>
+          <a:chExt cx="0" cy="0"/>
+        </a:xfrm>
+      </p:grpSpPr>
+      <p:sp>
+        <p:nvSpPr>
+          <p:cNvPr id="2" name="제목 1"/>
+          <p:cNvSpPr>
+            <a:spLocks noGrp="1"/>
+          </p:cNvSpPr>
+          <p:nvPr>
+            <p:ph type="title"/>
+          </p:nvPr>
+        </p:nvSpPr>
+        <p:spPr>
+          <a:xfrm>
+            <a:off x="913795" y="590145"/>
+            <a:ext cx="10353761" cy="1326321"/>
+          </a:xfrm>
+        </p:spPr>
+        <p:txBody>
+          <a:bodyPr/>
+          <a:lstStyle/>
+          <a:p>
+            <a:r>
+              <a:rPr lang="ko-KR" altLang="en-US" dirty="0" smtClean="0"/>
+              <a:t>변수와 타입</a:t>
+            </a:r>
+            <a:endParaRPr lang="ko-KR" altLang="en-US" dirty="0"/>
+          </a:p>
+        </p:txBody>
+      </p:sp>
+      <p:sp>
+        <p:nvSpPr>
+          <p:cNvPr id="6" name="내용 개체 틀 3"/>
+          <p:cNvSpPr>
+            <a:spLocks noGrp="1"/>
+          </p:cNvSpPr>
+          <p:nvPr>
+            <p:ph idx="1"/>
+          </p:nvPr>
+        </p:nvSpPr>
+        <p:spPr>
+          <a:xfrm>
+            <a:off x="838200" y="1833790"/>
+            <a:ext cx="10429356" cy="4351338"/>
+          </a:xfrm>
+        </p:spPr>
+        <p:txBody>
+          <a:bodyPr>
+            <a:normAutofit/>
+          </a:bodyPr>
+          <a:lstStyle/>
+          <a:p>
+            <a:r>
+              <a:rPr lang="ko-KR" altLang="en-US" dirty="0" smtClean="0"/>
+              <a:t>변수 사용 방법</a:t>
+            </a:r>
+            <a:endParaRPr lang="en-US" altLang="ko-KR" dirty="0" smtClean="0"/>
+          </a:p>
+          <a:p>
+            <a:pPr lvl="1"/>
+            <a:r>
+              <a:rPr lang="en-US" altLang="ko-KR" dirty="0" smtClean="0"/>
+              <a:t>[</a:t>
+            </a:r>
+            <a:r>
+              <a:rPr lang="ko-KR" altLang="en-US" dirty="0" smtClean="0"/>
+              <a:t>변수 이름</a:t>
+            </a:r>
+            <a:r>
+              <a:rPr lang="en-US" altLang="ko-KR" dirty="0" smtClean="0"/>
+              <a:t>] = [</a:t>
+            </a:r>
+            <a:r>
+              <a:rPr lang="ko-KR" altLang="en-US" dirty="0" smtClean="0"/>
+              <a:t>변수에 대입할 값</a:t>
+            </a:r>
+            <a:r>
+              <a:rPr lang="en-US" altLang="ko-KR" dirty="0" smtClean="0"/>
+              <a:t>]</a:t>
+            </a:r>
+          </a:p>
+          <a:p>
+            <a:pPr lvl="1"/>
+            <a:r>
+              <a:rPr lang="ko-KR" altLang="en-US" dirty="0" smtClean="0"/>
+              <a:t>여기서 </a:t>
+            </a:r>
+            <a:r>
+              <a:rPr lang="en-US" altLang="ko-KR" dirty="0" smtClean="0"/>
+              <a:t>‘=’</a:t>
+            </a:r>
+            <a:r>
+              <a:rPr lang="ko-KR" altLang="en-US" dirty="0" smtClean="0"/>
+              <a:t>는 수학에서의 </a:t>
+            </a:r>
+            <a:r>
+              <a:rPr lang="en-US" altLang="ko-KR" dirty="0" smtClean="0"/>
+              <a:t>‘</a:t>
+            </a:r>
+            <a:r>
+              <a:rPr lang="ko-KR" altLang="en-US" dirty="0" smtClean="0"/>
+              <a:t>같다</a:t>
+            </a:r>
+            <a:r>
+              <a:rPr lang="en-US" altLang="ko-KR" dirty="0" smtClean="0"/>
+              <a:t>’</a:t>
+            </a:r>
+            <a:r>
+              <a:rPr lang="ko-KR" altLang="en-US" dirty="0" smtClean="0"/>
+              <a:t>라는 뜻과 다릅니다</a:t>
+            </a:r>
+            <a:r>
+              <a:rPr lang="en-US" altLang="ko-KR" dirty="0" smtClean="0"/>
+              <a:t>.</a:t>
+            </a:r>
+          </a:p>
+          <a:p>
+            <a:pPr lvl="1"/>
+            <a:r>
+              <a:rPr lang="ko-KR" altLang="en-US" dirty="0" smtClean="0"/>
+              <a:t>단순히 대입의 의미로만 사용됩니다</a:t>
+            </a:r>
+            <a:r>
+              <a:rPr lang="en-US" altLang="ko-KR" dirty="0" smtClean="0"/>
+              <a:t>.</a:t>
+            </a:r>
+            <a:endParaRPr lang="en-US" altLang="ko-KR" dirty="0"/>
+          </a:p>
+        </p:txBody>
+      </p:sp>
+      <p:pic>
+        <p:nvPicPr>
+          <p:cNvPr id="3" name="그림 2"/>
+          <p:cNvPicPr>
+            <a:picLocks noChangeAspect="1"/>
+          </p:cNvPicPr>
+          <p:nvPr/>
+        </p:nvPicPr>
+        <p:blipFill rotWithShape="1">
+          <a:blip r:embed="rId2"/>
+          <a:srcRect l="30564" t="14243" r="52569" b="74103"/>
+          <a:stretch/>
+        </p:blipFill>
+        <p:spPr>
+          <a:xfrm>
+            <a:off x="6702878" y="1833790"/>
+            <a:ext cx="4564677" cy="1863913"/>
+          </a:xfrm>
+          <a:prstGeom prst="rect">
+            <a:avLst/>
+          </a:prstGeom>
+        </p:spPr>
+      </p:pic>
+      <p:pic>
+        <p:nvPicPr>
+          <p:cNvPr id="4" name="그림 3"/>
+          <p:cNvPicPr>
+            <a:picLocks noChangeAspect="1"/>
+          </p:cNvPicPr>
+          <p:nvPr/>
+        </p:nvPicPr>
+        <p:blipFill rotWithShape="1">
+          <a:blip r:embed="rId3"/>
+          <a:srcRect l="5449" t="68219" r="81907" b="20446"/>
+          <a:stretch/>
+        </p:blipFill>
+        <p:spPr>
+          <a:xfrm>
+            <a:off x="6702878" y="3724225"/>
+            <a:ext cx="4564677" cy="2418371"/>
+          </a:xfrm>
+          <a:prstGeom prst="rect">
+            <a:avLst/>
+          </a:prstGeom>
+        </p:spPr>
+      </p:pic>
+    </p:spTree>
+    <p:extLst>
+      <p:ext uri="{BB962C8B-B14F-4D97-AF65-F5344CB8AC3E}">
+        <p14:creationId xmlns:p14="http://schemas.microsoft.com/office/powerpoint/2010/main" val="1409785286"/>
+      </p:ext>
+    </p:extLst>
+  </p:cSld>
+  <p:clrMapOvr>
+    <a:masterClrMapping/>
+  </p:clrMapOvr>
+  <p:timing>
+    <p:tnLst>
+      <p:par>
+        <p:cTn id="1" dur="indefinite" restart="never" nodeType="tmRoot"/>
+      </p:par>
+    </p:tnLst>
+  </p:timing>
+</p:sld>
+</file>
+
+<file path=ppt/slides/slide13.xml><?xml version="1.0" encoding="utf-8"?>
+<p:sld xmlns:a="http://schemas.openxmlformats.org/drawingml/2006/main" xmlns:r="http://schemas.openxmlformats.org/officeDocument/2006/relationships" xmlns:p="http://schemas.openxmlformats.org/presentationml/2006/main">
+  <p:cSld>
+    <p:spTree>
+      <p:nvGrpSpPr>
+        <p:cNvPr id="1" name=""/>
+        <p:cNvGrpSpPr/>
+        <p:nvPr/>
+      </p:nvGrpSpPr>
+      <p:grpSpPr>
+        <a:xfrm>
+          <a:off x="0" y="0"/>
+          <a:ext cx="0" cy="0"/>
+          <a:chOff x="0" y="0"/>
+          <a:chExt cx="0" cy="0"/>
+        </a:xfrm>
+      </p:grpSpPr>
+      <p:sp>
+        <p:nvSpPr>
+          <p:cNvPr id="2" name="제목 1"/>
+          <p:cNvSpPr>
+            <a:spLocks noGrp="1"/>
+          </p:cNvSpPr>
+          <p:nvPr>
+            <p:ph type="title"/>
+          </p:nvPr>
+        </p:nvSpPr>
+        <p:spPr>
+          <a:xfrm>
+            <a:off x="913795" y="590145"/>
+            <a:ext cx="10353761" cy="1326321"/>
+          </a:xfrm>
+        </p:spPr>
+        <p:txBody>
+          <a:bodyPr/>
+          <a:lstStyle/>
+          <a:p>
+            <a:r>
+              <a:rPr lang="ko-KR" altLang="en-US" dirty="0" smtClean="0"/>
+              <a:t>연습</a:t>
+            </a:r>
+            <a:r>
+              <a:rPr lang="en-US" altLang="ko-KR" dirty="0" smtClean="0"/>
+              <a:t>1. </a:t>
+            </a:r>
+            <a:r>
+              <a:rPr lang="ko-KR" altLang="en-US" dirty="0" smtClean="0"/>
+              <a:t>간단한 식을 세우고 </a:t>
+            </a:r>
+            <a:r>
+              <a:rPr lang="ko-KR" altLang="en-US" dirty="0" err="1" smtClean="0"/>
+              <a:t>코딩해보자</a:t>
+            </a:r>
+            <a:r>
+              <a:rPr lang="en-US" altLang="ko-KR" dirty="0" smtClean="0"/>
+              <a:t>.</a:t>
+            </a:r>
+            <a:endParaRPr lang="ko-KR" altLang="en-US" dirty="0"/>
+          </a:p>
+        </p:txBody>
+      </p:sp>
+      <mc:AlternateContent xmlns:mc="http://schemas.openxmlformats.org/markup-compatibility/2006">
+        <mc:Choice xmlns:a14="http://schemas.microsoft.com/office/drawing/2010/main" Requires="a14">
+          <p:sp>
+            <p:nvSpPr>
+              <p:cNvPr id="6" name="내용 개체 틀 3"/>
+              <p:cNvSpPr>
+                <a:spLocks noGrp="1"/>
+              </p:cNvSpPr>
+              <p:nvPr>
+                <p:ph idx="1"/>
+              </p:nvPr>
+            </p:nvSpPr>
+            <p:spPr>
+              <a:xfrm>
+                <a:off x="838200" y="1833790"/>
+                <a:ext cx="10429356" cy="4351338"/>
+              </a:xfrm>
+            </p:spPr>
+            <p:txBody>
+              <a:bodyPr>
+                <a:normAutofit/>
+              </a:bodyPr>
+              <a:lstStyle/>
+              <a:p>
+                <a:r>
+                  <a:rPr lang="ko-KR" altLang="en-US" dirty="0" smtClean="0"/>
+                  <a:t>지금까지 배운 변수</a:t>
+                </a:r>
+                <a:r>
+                  <a:rPr lang="en-US" altLang="ko-KR" dirty="0" smtClean="0"/>
+                  <a:t>, </a:t>
+                </a:r>
+                <a:r>
+                  <a:rPr lang="ko-KR" altLang="en-US" dirty="0" smtClean="0"/>
+                  <a:t>연산</a:t>
+                </a:r>
+                <a:r>
+                  <a:rPr lang="en-US" altLang="ko-KR" dirty="0" smtClean="0"/>
+                  <a:t>, </a:t>
+                </a:r>
+                <a:r>
+                  <a:rPr lang="ko-KR" altLang="en-US" dirty="0" err="1" smtClean="0"/>
+                  <a:t>출력문을</a:t>
+                </a:r>
+                <a:r>
+                  <a:rPr lang="ko-KR" altLang="en-US" dirty="0" smtClean="0"/>
+                  <a:t> 이용해서 식을 세워 결과 값을 출력해봅시다</a:t>
+                </a:r>
+                <a:r>
+                  <a:rPr lang="en-US" altLang="ko-KR" dirty="0" smtClean="0"/>
+                  <a:t>.</a:t>
+                </a:r>
+              </a:p>
+              <a:p>
+                <a:r>
+                  <a:rPr lang="en-US" altLang="ko-KR" dirty="0" err="1" smtClean="0"/>
+                  <a:t>E.g</a:t>
+                </a:r>
+                <a:r>
+                  <a:rPr lang="en-US" altLang="ko-KR" dirty="0" smtClean="0"/>
+                  <a:t>) </a:t>
+                </a:r>
+                <a14:m>
+                  <m:oMath xmlns:m="http://schemas.openxmlformats.org/officeDocument/2006/math">
+                    <m:sSup>
+                      <m:sSupPr>
+                        <m:ctrlPr>
+                          <a:rPr lang="en-US" altLang="ko-KR" i="1" smtClean="0">
+                            <a:latin typeface="Cambria Math" panose="02040503050406030204" pitchFamily="18" charset="0"/>
+                          </a:rPr>
+                        </m:ctrlPr>
+                      </m:sSupPr>
+                      <m:e>
+                        <m:r>
+                          <a:rPr lang="en-US" altLang="ko-KR" b="0" i="1" smtClean="0">
+                            <a:latin typeface="Cambria Math" panose="02040503050406030204" pitchFamily="18" charset="0"/>
+                          </a:rPr>
+                          <m:t>𝑥</m:t>
+                        </m:r>
+                      </m:e>
+                      <m:sup>
+                        <m:r>
+                          <a:rPr lang="en-US" altLang="ko-KR" b="0" i="1" smtClean="0">
+                            <a:latin typeface="Cambria Math" panose="02040503050406030204" pitchFamily="18" charset="0"/>
+                          </a:rPr>
+                          <m:t>2</m:t>
+                        </m:r>
+                      </m:sup>
+                    </m:sSup>
+                    <m:r>
+                      <a:rPr lang="en-US" altLang="ko-KR" b="0" i="1" smtClean="0">
+                        <a:latin typeface="Cambria Math" panose="02040503050406030204" pitchFamily="18" charset="0"/>
+                      </a:rPr>
+                      <m:t>+2</m:t>
+                    </m:r>
+                    <m:r>
+                      <a:rPr lang="en-US" altLang="ko-KR" b="0" i="1" smtClean="0">
+                        <a:latin typeface="Cambria Math" panose="02040503050406030204" pitchFamily="18" charset="0"/>
+                      </a:rPr>
+                      <m:t>𝑥</m:t>
+                    </m:r>
+                    <m:r>
+                      <a:rPr lang="en-US" altLang="ko-KR" b="0" i="1" smtClean="0">
+                        <a:latin typeface="Cambria Math" panose="02040503050406030204" pitchFamily="18" charset="0"/>
+                      </a:rPr>
+                      <m:t>+1</m:t>
+                    </m:r>
+                  </m:oMath>
+                </a14:m>
+                <a:r>
+                  <a:rPr lang="ko-KR" altLang="en-US" dirty="0" smtClean="0"/>
+                  <a:t>을</a:t>
+                </a:r>
+                <a:r>
+                  <a:rPr lang="en-US" altLang="ko-KR" dirty="0" smtClean="0"/>
+                  <a:t> </a:t>
+                </a:r>
+                <a:r>
+                  <a:rPr lang="ko-KR" altLang="en-US" dirty="0" smtClean="0"/>
+                  <a:t>계산하여 출력해봅시다</a:t>
+                </a:r>
+                <a:r>
+                  <a:rPr lang="en-US" altLang="ko-KR" dirty="0" smtClean="0"/>
+                  <a:t>.</a:t>
+                </a:r>
+                <a:endParaRPr lang="en-US" altLang="ko-KR" dirty="0"/>
+              </a:p>
+            </p:txBody>
+          </p:sp>
+        </mc:Choice>
+        <mc:Fallback>
+          <p:sp>
+            <p:nvSpPr>
+              <p:cNvPr id="6" name="내용 개체 틀 3"/>
+              <p:cNvSpPr>
+                <a:spLocks noGrp="1" noRot="1" noChangeAspect="1" noMove="1" noResize="1" noEditPoints="1" noAdjustHandles="1" noChangeArrowheads="1" noChangeShapeType="1" noTextEdit="1"/>
+              </p:cNvSpPr>
+              <p:nvPr>
+                <p:ph idx="1"/>
+              </p:nvPr>
+            </p:nvSpPr>
+            <p:spPr>
+              <a:xfrm>
+                <a:off x="838200" y="1833790"/>
+                <a:ext cx="10429356" cy="4351338"/>
+              </a:xfrm>
+              <a:blipFill rotWithShape="0">
+                <a:blip r:embed="rId2"/>
+                <a:stretch>
+                  <a:fillRect l="-643" t="-420"/>
+                </a:stretch>
+              </a:blipFill>
+            </p:spPr>
+            <p:txBody>
+              <a:bodyPr/>
+              <a:lstStyle/>
+              <a:p>
+                <a:r>
+                  <a:rPr lang="ko-KR" altLang="en-US">
+                    <a:noFill/>
+                  </a:rPr>
+                  <a:t> </a:t>
+                </a:r>
+              </a:p>
+            </p:txBody>
+          </p:sp>
+        </mc:Fallback>
+      </mc:AlternateContent>
+      <p:pic>
+        <p:nvPicPr>
+          <p:cNvPr id="5" name="그림 4"/>
+          <p:cNvPicPr>
+            <a:picLocks noChangeAspect="1"/>
+          </p:cNvPicPr>
+          <p:nvPr/>
+        </p:nvPicPr>
+        <p:blipFill rotWithShape="1">
+          <a:blip r:embed="rId3"/>
+          <a:srcRect l="30702" t="15053" r="58185" b="76336"/>
+          <a:stretch/>
+        </p:blipFill>
+        <p:spPr>
+          <a:xfrm>
+            <a:off x="913795" y="2760060"/>
+            <a:ext cx="4598498" cy="2105853"/>
+          </a:xfrm>
+          <a:prstGeom prst="rect">
+            <a:avLst/>
+          </a:prstGeom>
+        </p:spPr>
+      </p:pic>
+      <p:pic>
+        <p:nvPicPr>
+          <p:cNvPr id="7" name="그림 6"/>
+          <p:cNvPicPr>
+            <a:picLocks noChangeAspect="1"/>
+          </p:cNvPicPr>
+          <p:nvPr/>
+        </p:nvPicPr>
+        <p:blipFill rotWithShape="1">
+          <a:blip r:embed="rId3"/>
+          <a:srcRect l="5645" t="68084" r="81996" b="22954"/>
+          <a:stretch/>
+        </p:blipFill>
+        <p:spPr>
+          <a:xfrm>
+            <a:off x="5512293" y="2760059"/>
+            <a:ext cx="4913664" cy="2105853"/>
+          </a:xfrm>
+          <a:prstGeom prst="rect">
+            <a:avLst/>
+          </a:prstGeom>
+        </p:spPr>
+      </p:pic>
+    </p:spTree>
+    <p:extLst>
+      <p:ext uri="{BB962C8B-B14F-4D97-AF65-F5344CB8AC3E}">
+        <p14:creationId xmlns:p14="http://schemas.microsoft.com/office/powerpoint/2010/main" val="1198375358"/>
+      </p:ext>
+    </p:extLst>
+  </p:cSld>
+  <p:clrMapOvr>
+    <a:masterClrMapping/>
+  </p:clrMapOvr>
+  <p:timing>
+    <p:tnLst>
+      <p:par>
+        <p:cTn id="1" dur="indefinite" restart="never" nodeType="tmRoot"/>
+      </p:par>
+    </p:tnLst>
+  </p:timing>
+</p:sld>
+</file>
+
+<file path=ppt/slides/slide14.xml><?xml version="1.0" encoding="utf-8"?>
+<p:sld xmlns:a="http://schemas.openxmlformats.org/drawingml/2006/main" xmlns:r="http://schemas.openxmlformats.org/officeDocument/2006/relationships" xmlns:p="http://schemas.openxmlformats.org/presentationml/2006/main">
+  <p:cSld>
+    <p:spTree>
+      <p:nvGrpSpPr>
+        <p:cNvPr id="1" name=""/>
+        <p:cNvGrpSpPr/>
+        <p:nvPr/>
+      </p:nvGrpSpPr>
+      <p:grpSpPr>
+        <a:xfrm>
+          <a:off x="0" y="0"/>
+          <a:ext cx="0" cy="0"/>
+          <a:chOff x="0" y="0"/>
+          <a:chExt cx="0" cy="0"/>
+        </a:xfrm>
+      </p:grpSpPr>
+      <p:sp>
+        <p:nvSpPr>
+          <p:cNvPr id="2" name="제목 1"/>
+          <p:cNvSpPr>
+            <a:spLocks noGrp="1"/>
+          </p:cNvSpPr>
+          <p:nvPr>
+            <p:ph type="title"/>
+          </p:nvPr>
+        </p:nvSpPr>
         <p:spPr/>
         <p:txBody>
           <a:bodyPr/>
@@ -6454,25 +7335,15 @@
             <a:pPr lvl="1"/>
             <a:r>
               <a:rPr lang="en-US" altLang="ko-KR" dirty="0" smtClean="0"/>
-              <a:t>CPU: </a:t>
-            </a:r>
+              <a:t>CPU: Intel i3-4130 3.40GHz * 4 cores</a:t>
+            </a:r>
+          </a:p>
+          <a:p>
+            <a:pPr lvl="1"/>
             <a:r>
               <a:rPr lang="en-US" altLang="ko-KR" dirty="0" smtClean="0"/>
-              <a:t>Intel i3-4130 3.40GHz * 4 cores</a:t>
-            </a:r>
-            <a:endParaRPr lang="en-US" altLang="ko-KR" dirty="0" smtClean="0"/>
-          </a:p>
-          <a:p>
-            <a:pPr lvl="1"/>
-            <a:r>
-              <a:rPr lang="en-US" altLang="ko-KR" dirty="0" smtClean="0"/>
-              <a:t>RAM: </a:t>
-            </a:r>
-            <a:r>
-              <a:rPr lang="en-US" altLang="ko-KR" dirty="0" smtClean="0"/>
-              <a:t>4GB</a:t>
-            </a:r>
-            <a:endParaRPr lang="en-US" altLang="ko-KR" dirty="0" smtClean="0"/>
+              <a:t>RAM: 4GB</a:t>
+            </a:r>
           </a:p>
           <a:p>
             <a:pPr lvl="1"/>
@@ -7384,6 +8255,133 @@
           </a:bodyPr>
           <a:lstStyle/>
           <a:p>
+            <a:r>
+              <a:rPr lang="ko-KR" altLang="en-US" dirty="0" smtClean="0"/>
+              <a:t>타입</a:t>
+            </a:r>
+            <a:r>
+              <a:rPr lang="en-US" altLang="ko-KR" dirty="0" smtClean="0"/>
+              <a:t>: </a:t>
+            </a:r>
+            <a:r>
+              <a:rPr lang="ko-KR" altLang="en-US" dirty="0" smtClean="0"/>
+              <a:t>컴퓨터는 기본적으로 </a:t>
+            </a:r>
+            <a:r>
+              <a:rPr lang="en-US" altLang="ko-KR" dirty="0" smtClean="0"/>
+              <a:t>0</a:t>
+            </a:r>
+            <a:r>
+              <a:rPr lang="ko-KR" altLang="en-US" dirty="0" smtClean="0"/>
+              <a:t>과 </a:t>
+            </a:r>
+            <a:r>
+              <a:rPr lang="en-US" altLang="ko-KR" dirty="0" smtClean="0"/>
+              <a:t>1</a:t>
+            </a:r>
+            <a:r>
+              <a:rPr lang="ko-KR" altLang="en-US" dirty="0" smtClean="0"/>
+              <a:t>의 배열인 이진수를 다루지만 해석 방법에 따라 다른 유형의 값으로 볼 수 있습니다</a:t>
+            </a:r>
+            <a:r>
+              <a:rPr lang="en-US" altLang="ko-KR" dirty="0" smtClean="0"/>
+              <a:t>.</a:t>
+            </a:r>
+          </a:p>
+          <a:p>
+            <a:endParaRPr lang="en-US" altLang="ko-KR" dirty="0"/>
+          </a:p>
+          <a:p>
+            <a:r>
+              <a:rPr lang="en-US" altLang="ko-KR" dirty="0" err="1" smtClean="0"/>
+              <a:t>E.g</a:t>
+            </a:r>
+            <a:r>
+              <a:rPr lang="en-US" altLang="ko-KR" dirty="0" smtClean="0"/>
+              <a:t>) </a:t>
+            </a:r>
+            <a:r>
+              <a:rPr lang="en-US" altLang="ko-KR" dirty="0" smtClean="0"/>
+              <a:t>1011011001100110</a:t>
+            </a:r>
+          </a:p>
+          <a:p>
+            <a:pPr lvl="1"/>
+            <a:r>
+              <a:rPr lang="en-US" altLang="ko-KR" dirty="0" smtClean="0"/>
+              <a:t>2</a:t>
+            </a:r>
+            <a:r>
+              <a:rPr lang="ko-KR" altLang="en-US" dirty="0" smtClean="0"/>
+              <a:t>의 보수인 정수</a:t>
+            </a:r>
+            <a:r>
+              <a:rPr lang="ko-KR" altLang="en-US" dirty="0" smtClean="0"/>
+              <a:t>로 해석</a:t>
+            </a:r>
+            <a:r>
+              <a:rPr lang="en-US" altLang="ko-KR" dirty="0" smtClean="0"/>
+              <a:t>: -18842</a:t>
+            </a:r>
+          </a:p>
+          <a:p>
+            <a:pPr lvl="1"/>
+            <a:r>
+              <a:rPr lang="ko-KR" altLang="en-US" dirty="0" smtClean="0"/>
+              <a:t>실수로 해석</a:t>
+            </a:r>
+            <a:r>
+              <a:rPr lang="en-US" altLang="ko-KR" dirty="0" smtClean="0"/>
+              <a:t>: -0.4</a:t>
+            </a:r>
+          </a:p>
+          <a:p>
+            <a:pPr lvl="1"/>
+            <a:r>
+              <a:rPr lang="ko-KR" altLang="en-US" dirty="0" smtClean="0"/>
+              <a:t>사람이 </a:t>
+            </a:r>
+            <a:r>
+              <a:rPr lang="en-US" altLang="ko-KR" dirty="0" smtClean="0"/>
+              <a:t>10</a:t>
+            </a:r>
+            <a:r>
+              <a:rPr lang="ko-KR" altLang="en-US" dirty="0" smtClean="0"/>
+              <a:t>진수로 수를 표현하는 것과 완전히 다릅니다</a:t>
+            </a:r>
+            <a:r>
+              <a:rPr lang="en-US" altLang="ko-KR" dirty="0" smtClean="0"/>
+              <a:t>.</a:t>
+            </a:r>
+          </a:p>
+          <a:p>
+            <a:endParaRPr lang="en-US" altLang="ko-KR" dirty="0"/>
+          </a:p>
+          <a:p>
+            <a:r>
+              <a:rPr lang="ko-KR" altLang="en-US" dirty="0" smtClean="0"/>
+              <a:t>이와 같은 것과 다른 이유들로 인해 타입</a:t>
+            </a:r>
+            <a:r>
+              <a:rPr lang="en-US" altLang="ko-KR" dirty="0" smtClean="0"/>
+              <a:t>(</a:t>
+            </a:r>
+            <a:r>
+              <a:rPr lang="ko-KR" altLang="en-US" dirty="0" err="1" smtClean="0"/>
+              <a:t>자료형</a:t>
+            </a:r>
+            <a:r>
+              <a:rPr lang="en-US" altLang="ko-KR" dirty="0" smtClean="0"/>
+              <a:t>)</a:t>
+            </a:r>
+            <a:r>
+              <a:rPr lang="ko-KR" altLang="en-US" dirty="0" smtClean="0"/>
+              <a:t>이라는 개념이 생겼습니다</a:t>
+            </a:r>
+            <a:r>
+              <a:rPr lang="en-US" altLang="ko-KR" dirty="0" smtClean="0"/>
+              <a:t>.</a:t>
+            </a:r>
             <a:endParaRPr lang="en-US" altLang="ko-KR" dirty="0"/>
           </a:p>
         </p:txBody>

--- a/ppt/2. 실습환경 및 Python 기초.pptx
+++ b/ppt/2. 실습환경 및 Python 기초.pptx
@@ -9,16 +9,20 @@
     <p:sldId id="257" r:id="rId3"/>
     <p:sldId id="258" r:id="rId4"/>
     <p:sldId id="305" r:id="rId5"/>
-    <p:sldId id="306" r:id="rId6"/>
-    <p:sldId id="307" r:id="rId7"/>
-    <p:sldId id="308" r:id="rId8"/>
-    <p:sldId id="309" r:id="rId9"/>
-    <p:sldId id="310" r:id="rId10"/>
-    <p:sldId id="311" r:id="rId11"/>
-    <p:sldId id="312" r:id="rId12"/>
-    <p:sldId id="313" r:id="rId13"/>
-    <p:sldId id="314" r:id="rId14"/>
-    <p:sldId id="295" r:id="rId15"/>
+    <p:sldId id="318" r:id="rId6"/>
+    <p:sldId id="306" r:id="rId7"/>
+    <p:sldId id="307" r:id="rId8"/>
+    <p:sldId id="308" r:id="rId9"/>
+    <p:sldId id="309" r:id="rId10"/>
+    <p:sldId id="310" r:id="rId11"/>
+    <p:sldId id="311" r:id="rId12"/>
+    <p:sldId id="312" r:id="rId13"/>
+    <p:sldId id="313" r:id="rId14"/>
+    <p:sldId id="314" r:id="rId15"/>
+    <p:sldId id="315" r:id="rId16"/>
+    <p:sldId id="317" r:id="rId17"/>
+    <p:sldId id="316" r:id="rId18"/>
+    <p:sldId id="295" r:id="rId19"/>
   </p:sldIdLst>
   <p:sldSz cx="12192000" cy="6858000"/>
   <p:notesSz cx="6858000" cy="9144000"/>
@@ -258,7 +262,7 @@
           <a:p>
             <a:fld id="{4A61891F-26D4-4EED-9BA8-111B4F671ED2}" type="datetimeFigureOut">
               <a:rPr lang="ko-KR" altLang="en-US" smtClean="0"/>
-              <a:t>2017-07-20</a:t>
+              <a:t>2017-07-23</a:t>
             </a:fld>
             <a:endParaRPr lang="ko-KR" altLang="en-US"/>
           </a:p>
@@ -545,7 +549,7 @@
           <a:p>
             <a:fld id="{4A61891F-26D4-4EED-9BA8-111B4F671ED2}" type="datetimeFigureOut">
               <a:rPr lang="ko-KR" altLang="en-US" smtClean="0"/>
-              <a:t>2017-07-20</a:t>
+              <a:t>2017-07-23</a:t>
             </a:fld>
             <a:endParaRPr lang="ko-KR" altLang="en-US"/>
           </a:p>
@@ -737,7 +741,7 @@
           <a:p>
             <a:fld id="{4A61891F-26D4-4EED-9BA8-111B4F671ED2}" type="datetimeFigureOut">
               <a:rPr lang="ko-KR" altLang="en-US" smtClean="0"/>
-              <a:t>2017-07-20</a:t>
+              <a:t>2017-07-23</a:t>
             </a:fld>
             <a:endParaRPr lang="ko-KR" altLang="en-US"/>
           </a:p>
@@ -998,7 +1002,7 @@
           <a:p>
             <a:fld id="{4A61891F-26D4-4EED-9BA8-111B4F671ED2}" type="datetimeFigureOut">
               <a:rPr lang="ko-KR" altLang="en-US" smtClean="0"/>
-              <a:t>2017-07-20</a:t>
+              <a:t>2017-07-23</a:t>
             </a:fld>
             <a:endParaRPr lang="ko-KR" altLang="en-US"/>
           </a:p>
@@ -1422,7 +1426,7 @@
           <a:p>
             <a:fld id="{4A61891F-26D4-4EED-9BA8-111B4F671ED2}" type="datetimeFigureOut">
               <a:rPr lang="ko-KR" altLang="en-US" smtClean="0"/>
-              <a:t>2017-07-20</a:t>
+              <a:t>2017-07-23</a:t>
             </a:fld>
             <a:endParaRPr lang="ko-KR" altLang="en-US"/>
           </a:p>
@@ -1968,7 +1972,7 @@
           <a:p>
             <a:fld id="{4A61891F-26D4-4EED-9BA8-111B4F671ED2}" type="datetimeFigureOut">
               <a:rPr lang="ko-KR" altLang="en-US" smtClean="0"/>
-              <a:t>2017-07-20</a:t>
+              <a:t>2017-07-23</a:t>
             </a:fld>
             <a:endParaRPr lang="ko-KR" altLang="en-US"/>
           </a:p>
@@ -2808,7 +2812,7 @@
           <a:p>
             <a:fld id="{4A61891F-26D4-4EED-9BA8-111B4F671ED2}" type="datetimeFigureOut">
               <a:rPr lang="ko-KR" altLang="en-US" smtClean="0"/>
-              <a:t>2017-07-20</a:t>
+              <a:t>2017-07-23</a:t>
             </a:fld>
             <a:endParaRPr lang="ko-KR" altLang="en-US"/>
           </a:p>
@@ -2978,7 +2982,7 @@
           <a:p>
             <a:fld id="{4A61891F-26D4-4EED-9BA8-111B4F671ED2}" type="datetimeFigureOut">
               <a:rPr lang="ko-KR" altLang="en-US" smtClean="0"/>
-              <a:t>2017-07-20</a:t>
+              <a:t>2017-07-23</a:t>
             </a:fld>
             <a:endParaRPr lang="ko-KR" altLang="en-US"/>
           </a:p>
@@ -3162,7 +3166,7 @@
           <a:p>
             <a:fld id="{4A61891F-26D4-4EED-9BA8-111B4F671ED2}" type="datetimeFigureOut">
               <a:rPr lang="ko-KR" altLang="en-US" smtClean="0"/>
-              <a:t>2017-07-20</a:t>
+              <a:t>2017-07-23</a:t>
             </a:fld>
             <a:endParaRPr lang="ko-KR" altLang="en-US"/>
           </a:p>
@@ -3332,7 +3336,7 @@
           <a:p>
             <a:fld id="{4A61891F-26D4-4EED-9BA8-111B4F671ED2}" type="datetimeFigureOut">
               <a:rPr lang="ko-KR" altLang="en-US" smtClean="0"/>
-              <a:t>2017-07-20</a:t>
+              <a:t>2017-07-23</a:t>
             </a:fld>
             <a:endParaRPr lang="ko-KR" altLang="en-US"/>
           </a:p>
@@ -3580,7 +3584,7 @@
           <a:p>
             <a:fld id="{4A61891F-26D4-4EED-9BA8-111B4F671ED2}" type="datetimeFigureOut">
               <a:rPr lang="ko-KR" altLang="en-US" smtClean="0"/>
-              <a:t>2017-07-20</a:t>
+              <a:t>2017-07-23</a:t>
             </a:fld>
             <a:endParaRPr lang="ko-KR" altLang="en-US"/>
           </a:p>
@@ -3817,7 +3821,7 @@
           <a:p>
             <a:fld id="{4A61891F-26D4-4EED-9BA8-111B4F671ED2}" type="datetimeFigureOut">
               <a:rPr lang="ko-KR" altLang="en-US" smtClean="0"/>
-              <a:t>2017-07-20</a:t>
+              <a:t>2017-07-23</a:t>
             </a:fld>
             <a:endParaRPr lang="ko-KR" altLang="en-US"/>
           </a:p>
@@ -4190,7 +4194,7 @@
           <a:p>
             <a:fld id="{4A61891F-26D4-4EED-9BA8-111B4F671ED2}" type="datetimeFigureOut">
               <a:rPr lang="ko-KR" altLang="en-US" smtClean="0"/>
-              <a:t>2017-07-20</a:t>
+              <a:t>2017-07-23</a:t>
             </a:fld>
             <a:endParaRPr lang="ko-KR" altLang="en-US"/>
           </a:p>
@@ -4308,7 +4312,7 @@
           <a:p>
             <a:fld id="{4A61891F-26D4-4EED-9BA8-111B4F671ED2}" type="datetimeFigureOut">
               <a:rPr lang="ko-KR" altLang="en-US" smtClean="0"/>
-              <a:t>2017-07-20</a:t>
+              <a:t>2017-07-23</a:t>
             </a:fld>
             <a:endParaRPr lang="ko-KR" altLang="en-US"/>
           </a:p>
@@ -4403,7 +4407,7 @@
           <a:p>
             <a:fld id="{4A61891F-26D4-4EED-9BA8-111B4F671ED2}" type="datetimeFigureOut">
               <a:rPr lang="ko-KR" altLang="en-US" smtClean="0"/>
-              <a:t>2017-07-20</a:t>
+              <a:t>2017-07-23</a:t>
             </a:fld>
             <a:endParaRPr lang="ko-KR" altLang="en-US"/>
           </a:p>
@@ -4654,7 +4658,7 @@
           <a:p>
             <a:fld id="{4A61891F-26D4-4EED-9BA8-111B4F671ED2}" type="datetimeFigureOut">
               <a:rPr lang="ko-KR" altLang="en-US" smtClean="0"/>
-              <a:t>2017-07-20</a:t>
+              <a:t>2017-07-23</a:t>
             </a:fld>
             <a:endParaRPr lang="ko-KR" altLang="en-US"/>
           </a:p>
@@ -4941,7 +4945,7 @@
           <a:p>
             <a:fld id="{4A61891F-26D4-4EED-9BA8-111B4F671ED2}" type="datetimeFigureOut">
               <a:rPr lang="ko-KR" altLang="en-US" smtClean="0"/>
-              <a:t>2017-07-20</a:t>
+              <a:t>2017-07-23</a:t>
             </a:fld>
             <a:endParaRPr lang="ko-KR" altLang="en-US"/>
           </a:p>
@@ -5154,7 +5158,7 @@
           <a:p>
             <a:fld id="{4A61891F-26D4-4EED-9BA8-111B4F671ED2}" type="datetimeFigureOut">
               <a:rPr lang="ko-KR" altLang="en-US" smtClean="0"/>
-              <a:t>2017-07-20</a:t>
+              <a:t>2017-07-23</a:t>
             </a:fld>
             <a:endParaRPr lang="ko-KR" altLang="en-US"/>
           </a:p>
@@ -5800,6 +5804,216 @@
           <a:lstStyle/>
           <a:p>
             <a:r>
+              <a:rPr lang="ko-KR" altLang="en-US" dirty="0" smtClean="0"/>
+              <a:t>타입</a:t>
+            </a:r>
+            <a:r>
+              <a:rPr lang="en-US" altLang="ko-KR" dirty="0" smtClean="0"/>
+              <a:t>: </a:t>
+            </a:r>
+            <a:r>
+              <a:rPr lang="ko-KR" altLang="en-US" dirty="0" smtClean="0"/>
+              <a:t>컴퓨터는 기본적으로 </a:t>
+            </a:r>
+            <a:r>
+              <a:rPr lang="en-US" altLang="ko-KR" dirty="0" smtClean="0"/>
+              <a:t>0</a:t>
+            </a:r>
+            <a:r>
+              <a:rPr lang="ko-KR" altLang="en-US" dirty="0" smtClean="0"/>
+              <a:t>과 </a:t>
+            </a:r>
+            <a:r>
+              <a:rPr lang="en-US" altLang="ko-KR" dirty="0" smtClean="0"/>
+              <a:t>1</a:t>
+            </a:r>
+            <a:r>
+              <a:rPr lang="ko-KR" altLang="en-US" dirty="0" smtClean="0"/>
+              <a:t>의 배열인 이진수를 다루지만 해석 방법에 따라 다른 유형의 값으로 볼 수 있습니다</a:t>
+            </a:r>
+            <a:r>
+              <a:rPr lang="en-US" altLang="ko-KR" dirty="0" smtClean="0"/>
+              <a:t>.</a:t>
+            </a:r>
+          </a:p>
+          <a:p>
+            <a:endParaRPr lang="en-US" altLang="ko-KR" dirty="0"/>
+          </a:p>
+          <a:p>
+            <a:r>
+              <a:rPr lang="en-US" altLang="ko-KR" dirty="0" err="1" smtClean="0"/>
+              <a:t>E.g</a:t>
+            </a:r>
+            <a:r>
+              <a:rPr lang="en-US" altLang="ko-KR" dirty="0" smtClean="0"/>
+              <a:t>) 1011011001100110</a:t>
+            </a:r>
+          </a:p>
+          <a:p>
+            <a:pPr lvl="1"/>
+            <a:r>
+              <a:rPr lang="en-US" altLang="ko-KR" dirty="0" smtClean="0"/>
+              <a:t>2</a:t>
+            </a:r>
+            <a:r>
+              <a:rPr lang="ko-KR" altLang="en-US" dirty="0" smtClean="0"/>
+              <a:t>의 보수인 정수로 해석</a:t>
+            </a:r>
+            <a:r>
+              <a:rPr lang="en-US" altLang="ko-KR" dirty="0" smtClean="0"/>
+              <a:t>: -18842</a:t>
+            </a:r>
+          </a:p>
+          <a:p>
+            <a:pPr lvl="1"/>
+            <a:r>
+              <a:rPr lang="ko-KR" altLang="en-US" dirty="0" smtClean="0"/>
+              <a:t>실수로 해석</a:t>
+            </a:r>
+            <a:r>
+              <a:rPr lang="en-US" altLang="ko-KR" dirty="0" smtClean="0"/>
+              <a:t>: -0.4</a:t>
+            </a:r>
+          </a:p>
+          <a:p>
+            <a:pPr lvl="1"/>
+            <a:r>
+              <a:rPr lang="ko-KR" altLang="en-US" dirty="0" smtClean="0"/>
+              <a:t>사람이 </a:t>
+            </a:r>
+            <a:r>
+              <a:rPr lang="en-US" altLang="ko-KR" dirty="0" smtClean="0"/>
+              <a:t>10</a:t>
+            </a:r>
+            <a:r>
+              <a:rPr lang="ko-KR" altLang="en-US" dirty="0" smtClean="0"/>
+              <a:t>진수로 수를 표현하는 것과 완전히 다릅니다</a:t>
+            </a:r>
+            <a:r>
+              <a:rPr lang="en-US" altLang="ko-KR" dirty="0" smtClean="0"/>
+              <a:t>.</a:t>
+            </a:r>
+          </a:p>
+          <a:p>
+            <a:endParaRPr lang="en-US" altLang="ko-KR" dirty="0"/>
+          </a:p>
+          <a:p>
+            <a:r>
+              <a:rPr lang="ko-KR" altLang="en-US" dirty="0" smtClean="0"/>
+              <a:t>이와 같은 것과 다른 이유들로 인해 타입</a:t>
+            </a:r>
+            <a:r>
+              <a:rPr lang="en-US" altLang="ko-KR" dirty="0" smtClean="0"/>
+              <a:t>(</a:t>
+            </a:r>
+            <a:r>
+              <a:rPr lang="ko-KR" altLang="en-US" dirty="0" err="1" smtClean="0"/>
+              <a:t>자료형</a:t>
+            </a:r>
+            <a:r>
+              <a:rPr lang="en-US" altLang="ko-KR" dirty="0" smtClean="0"/>
+              <a:t>)</a:t>
+            </a:r>
+            <a:r>
+              <a:rPr lang="ko-KR" altLang="en-US" dirty="0" smtClean="0"/>
+              <a:t>이라는 개념이 생겼습니다</a:t>
+            </a:r>
+            <a:r>
+              <a:rPr lang="en-US" altLang="ko-KR" dirty="0" smtClean="0"/>
+              <a:t>.</a:t>
+            </a:r>
+            <a:endParaRPr lang="en-US" altLang="ko-KR" dirty="0"/>
+          </a:p>
+        </p:txBody>
+      </p:sp>
+    </p:spTree>
+    <p:extLst>
+      <p:ext uri="{BB962C8B-B14F-4D97-AF65-F5344CB8AC3E}">
+        <p14:creationId xmlns:p14="http://schemas.microsoft.com/office/powerpoint/2010/main" val="2334649258"/>
+      </p:ext>
+    </p:extLst>
+  </p:cSld>
+  <p:clrMapOvr>
+    <a:masterClrMapping/>
+  </p:clrMapOvr>
+  <p:timing>
+    <p:tnLst>
+      <p:par>
+        <p:cTn id="1" dur="indefinite" restart="never" nodeType="tmRoot"/>
+      </p:par>
+    </p:tnLst>
+  </p:timing>
+</p:sld>
+</file>
+
+<file path=ppt/slides/slide11.xml><?xml version="1.0" encoding="utf-8"?>
+<p:sld xmlns:a="http://schemas.openxmlformats.org/drawingml/2006/main" xmlns:r="http://schemas.openxmlformats.org/officeDocument/2006/relationships" xmlns:p="http://schemas.openxmlformats.org/presentationml/2006/main">
+  <p:cSld>
+    <p:spTree>
+      <p:nvGrpSpPr>
+        <p:cNvPr id="1" name=""/>
+        <p:cNvGrpSpPr/>
+        <p:nvPr/>
+      </p:nvGrpSpPr>
+      <p:grpSpPr>
+        <a:xfrm>
+          <a:off x="0" y="0"/>
+          <a:ext cx="0" cy="0"/>
+          <a:chOff x="0" y="0"/>
+          <a:chExt cx="0" cy="0"/>
+        </a:xfrm>
+      </p:grpSpPr>
+      <p:sp>
+        <p:nvSpPr>
+          <p:cNvPr id="2" name="제목 1"/>
+          <p:cNvSpPr>
+            <a:spLocks noGrp="1"/>
+          </p:cNvSpPr>
+          <p:nvPr>
+            <p:ph type="title"/>
+          </p:nvPr>
+        </p:nvSpPr>
+        <p:spPr>
+          <a:xfrm>
+            <a:off x="913795" y="590145"/>
+            <a:ext cx="10353761" cy="1326321"/>
+          </a:xfrm>
+        </p:spPr>
+        <p:txBody>
+          <a:bodyPr/>
+          <a:lstStyle/>
+          <a:p>
+            <a:r>
+              <a:rPr lang="ko-KR" altLang="en-US" dirty="0" smtClean="0"/>
+              <a:t>변수와 타입</a:t>
+            </a:r>
+            <a:endParaRPr lang="ko-KR" altLang="en-US" dirty="0"/>
+          </a:p>
+        </p:txBody>
+      </p:sp>
+      <p:sp>
+        <p:nvSpPr>
+          <p:cNvPr id="6" name="내용 개체 틀 3"/>
+          <p:cNvSpPr>
+            <a:spLocks noGrp="1"/>
+          </p:cNvSpPr>
+          <p:nvPr>
+            <p:ph idx="1"/>
+          </p:nvPr>
+        </p:nvSpPr>
+        <p:spPr>
+          <a:xfrm>
+            <a:off x="838200" y="1833790"/>
+            <a:ext cx="10429356" cy="4351338"/>
+          </a:xfrm>
+        </p:spPr>
+        <p:txBody>
+          <a:bodyPr>
+            <a:normAutofit/>
+          </a:bodyPr>
+          <a:lstStyle/>
+          <a:p>
+            <a:r>
               <a:rPr lang="en-US" altLang="ko-KR" dirty="0" smtClean="0"/>
               <a:t>Python </a:t>
             </a:r>
@@ -5932,7 +6146,7 @@
 </p:sld>
 </file>
 
-<file path=ppt/slides/slide11.xml><?xml version="1.0" encoding="utf-8"?>
+<file path=ppt/slides/slide12.xml><?xml version="1.0" encoding="utf-8"?>
 <p:sld xmlns:a="http://schemas.openxmlformats.org/drawingml/2006/main" xmlns:r="http://schemas.openxmlformats.org/officeDocument/2006/relationships" xmlns:p="http://schemas.openxmlformats.org/presentationml/2006/main">
   <p:cSld>
     <p:spTree>
@@ -6009,11 +6223,7 @@
             <a:pPr lvl="1"/>
             <a:r>
               <a:rPr lang="ko-KR" altLang="en-US" dirty="0" smtClean="0"/>
-              <a:t>어떠한</a:t>
-            </a:r>
-            <a:r>
-              <a:rPr lang="ko-KR" altLang="en-US" dirty="0" smtClean="0"/>
-              <a:t> 수를 담을 공간</a:t>
+              <a:t>어떠한 수를 담을 공간</a:t>
             </a:r>
             <a:endParaRPr lang="en-US" altLang="ko-KR" dirty="0" smtClean="0"/>
           </a:p>
@@ -6103,7 +6313,7 @@
 </p:sld>
 </file>
 
-<file path=ppt/slides/slide12.xml><?xml version="1.0" encoding="utf-8"?>
+<file path=ppt/slides/slide13.xml><?xml version="1.0" encoding="utf-8"?>
 <p:sld xmlns:a="http://schemas.openxmlformats.org/drawingml/2006/main" xmlns:r="http://schemas.openxmlformats.org/officeDocument/2006/relationships" xmlns:p="http://schemas.openxmlformats.org/presentationml/2006/main">
   <p:cSld>
     <p:spTree>
@@ -6286,7 +6496,7 @@
         </p:blipFill>
         <p:spPr>
           <a:xfrm>
-            <a:off x="6702878" y="3724225"/>
+            <a:off x="6702878" y="3944661"/>
             <a:ext cx="4564677" cy="2418371"/>
           </a:xfrm>
           <a:prstGeom prst="rect">
@@ -6314,7 +6524,7 @@
 </p:sld>
 </file>
 
-<file path=ppt/slides/slide13.xml><?xml version="1.0" encoding="utf-8"?>
+<file path=ppt/slides/slide14.xml><?xml version="1.0" encoding="utf-8"?>
 <p:sld xmlns:a="http://schemas.openxmlformats.org/drawingml/2006/main" xmlns:r="http://schemas.openxmlformats.org/officeDocument/2006/relationships" xmlns:p="http://schemas.openxmlformats.org/presentationml/2006/main">
   <p:cSld>
     <p:spTree>
@@ -6375,8 +6585,8 @@
           </a:p>
         </p:txBody>
       </p:sp>
-      <mc:AlternateContent xmlns:mc="http://schemas.openxmlformats.org/markup-compatibility/2006">
-        <mc:Choice xmlns:a14="http://schemas.microsoft.com/office/drawing/2010/main" Requires="a14">
+      <mc:AlternateContent xmlns:mc="http://schemas.openxmlformats.org/markup-compatibility/2006" xmlns:a14="http://schemas.microsoft.com/office/drawing/2010/main">
+        <mc:Choice Requires="a14">
           <p:sp>
             <p:nvSpPr>
               <p:cNvPr id="6" name="내용 개체 틀 3"/>
@@ -6505,7 +6715,7 @@
             </p:txBody>
           </p:sp>
         </mc:Choice>
-        <mc:Fallback>
+        <mc:Fallback xmlns="">
           <p:sp>
             <p:nvSpPr>
               <p:cNvPr id="6" name="내용 개체 틀 3"/>
@@ -6581,7 +6791,7 @@
         </p:blipFill>
         <p:spPr>
           <a:xfrm>
-            <a:off x="5512293" y="2760059"/>
+            <a:off x="6353892" y="2760059"/>
             <a:ext cx="4913664" cy="2105853"/>
           </a:xfrm>
           <a:prstGeom prst="rect">
@@ -6609,7 +6819,641 @@
 </p:sld>
 </file>
 
-<file path=ppt/slides/slide14.xml><?xml version="1.0" encoding="utf-8"?>
+<file path=ppt/slides/slide15.xml><?xml version="1.0" encoding="utf-8"?>
+<p:sld xmlns:a="http://schemas.openxmlformats.org/drawingml/2006/main" xmlns:r="http://schemas.openxmlformats.org/officeDocument/2006/relationships" xmlns:p="http://schemas.openxmlformats.org/presentationml/2006/main">
+  <p:cSld>
+    <p:spTree>
+      <p:nvGrpSpPr>
+        <p:cNvPr id="1" name=""/>
+        <p:cNvGrpSpPr/>
+        <p:nvPr/>
+      </p:nvGrpSpPr>
+      <p:grpSpPr>
+        <a:xfrm>
+          <a:off x="0" y="0"/>
+          <a:ext cx="0" cy="0"/>
+          <a:chOff x="0" y="0"/>
+          <a:chExt cx="0" cy="0"/>
+        </a:xfrm>
+      </p:grpSpPr>
+      <p:sp>
+        <p:nvSpPr>
+          <p:cNvPr id="2" name="제목 1"/>
+          <p:cNvSpPr>
+            <a:spLocks noGrp="1"/>
+          </p:cNvSpPr>
+          <p:nvPr>
+            <p:ph type="title"/>
+          </p:nvPr>
+        </p:nvSpPr>
+        <p:spPr>
+          <a:xfrm>
+            <a:off x="913795" y="590145"/>
+            <a:ext cx="10353761" cy="1326321"/>
+          </a:xfrm>
+        </p:spPr>
+        <p:txBody>
+          <a:bodyPr/>
+          <a:lstStyle/>
+          <a:p>
+            <a:r>
+              <a:rPr lang="ko-KR" altLang="en-US" dirty="0" smtClean="0"/>
+              <a:t>조건을 이용하자</a:t>
+            </a:r>
+            <a:r>
+              <a:rPr lang="en-US" altLang="ko-KR" dirty="0" smtClean="0"/>
+              <a:t>: IF</a:t>
+            </a:r>
+            <a:endParaRPr lang="ko-KR" altLang="en-US" dirty="0"/>
+          </a:p>
+        </p:txBody>
+      </p:sp>
+      <p:sp>
+        <p:nvSpPr>
+          <p:cNvPr id="6" name="내용 개체 틀 3"/>
+          <p:cNvSpPr>
+            <a:spLocks noGrp="1"/>
+          </p:cNvSpPr>
+          <p:nvPr>
+            <p:ph idx="1"/>
+          </p:nvPr>
+        </p:nvSpPr>
+        <p:spPr>
+          <a:xfrm>
+            <a:off x="838200" y="1833790"/>
+            <a:ext cx="10429356" cy="4351338"/>
+          </a:xfrm>
+        </p:spPr>
+        <p:txBody>
+          <a:bodyPr>
+            <a:normAutofit/>
+          </a:bodyPr>
+          <a:lstStyle/>
+          <a:p>
+            <a:r>
+              <a:rPr lang="ko-KR" altLang="en-US" dirty="0" smtClean="0"/>
+              <a:t>조건</a:t>
+            </a:r>
+            <a:r>
+              <a:rPr lang="en-US" altLang="ko-KR" dirty="0" smtClean="0"/>
+              <a:t>: </a:t>
+            </a:r>
+            <a:r>
+              <a:rPr lang="ko-KR" altLang="en-US" dirty="0" smtClean="0"/>
+              <a:t>참과 거짓으로 나타낼 수 있는 식</a:t>
+            </a:r>
+            <a:endParaRPr lang="en-US" altLang="ko-KR" dirty="0" smtClean="0"/>
+          </a:p>
+          <a:p>
+            <a:pPr lvl="1"/>
+            <a:r>
+              <a:rPr lang="en-US" altLang="ko-KR" dirty="0" smtClean="0"/>
+              <a:t>100 &gt; 50</a:t>
+            </a:r>
+            <a:r>
+              <a:rPr lang="ko-KR" altLang="en-US" dirty="0" smtClean="0"/>
+              <a:t>이라는 식은 참이다</a:t>
+            </a:r>
+            <a:r>
+              <a:rPr lang="en-US" altLang="ko-KR" dirty="0" smtClean="0"/>
+              <a:t>.</a:t>
+            </a:r>
+          </a:p>
+          <a:p>
+            <a:pPr lvl="1"/>
+            <a:r>
+              <a:rPr lang="en-US" altLang="ko-KR" dirty="0" smtClean="0"/>
+              <a:t>100 &lt; 50</a:t>
+            </a:r>
+            <a:r>
+              <a:rPr lang="ko-KR" altLang="en-US" dirty="0" smtClean="0"/>
+              <a:t>이라는 식은 거짓이다</a:t>
+            </a:r>
+            <a:r>
+              <a:rPr lang="en-US" altLang="ko-KR" dirty="0" smtClean="0"/>
+              <a:t>.</a:t>
+            </a:r>
+            <a:endParaRPr lang="en-US" altLang="ko-KR" dirty="0"/>
+          </a:p>
+        </p:txBody>
+      </p:sp>
+      <p:pic>
+        <p:nvPicPr>
+          <p:cNvPr id="5" name="그림 4"/>
+          <p:cNvPicPr>
+            <a:picLocks noChangeAspect="1"/>
+          </p:cNvPicPr>
+          <p:nvPr/>
+        </p:nvPicPr>
+        <p:blipFill rotWithShape="1">
+          <a:blip r:embed="rId2"/>
+          <a:srcRect l="20203" t="13765" r="71345" b="79438"/>
+          <a:stretch/>
+        </p:blipFill>
+        <p:spPr>
+          <a:xfrm>
+            <a:off x="8172450" y="1916465"/>
+            <a:ext cx="3095105" cy="1472065"/>
+          </a:xfrm>
+          <a:prstGeom prst="rect">
+            <a:avLst/>
+          </a:prstGeom>
+        </p:spPr>
+      </p:pic>
+      <p:pic>
+        <p:nvPicPr>
+          <p:cNvPr id="7" name="그림 6"/>
+          <p:cNvPicPr>
+            <a:picLocks noChangeAspect="1"/>
+          </p:cNvPicPr>
+          <p:nvPr/>
+        </p:nvPicPr>
+        <p:blipFill rotWithShape="1">
+          <a:blip r:embed="rId3"/>
+          <a:srcRect l="5568" t="53499" r="82248" b="36128"/>
+          <a:stretch/>
+        </p:blipFill>
+        <p:spPr>
+          <a:xfrm>
+            <a:off x="8172450" y="3944661"/>
+            <a:ext cx="3095106" cy="1558528"/>
+          </a:xfrm>
+          <a:prstGeom prst="rect">
+            <a:avLst/>
+          </a:prstGeom>
+        </p:spPr>
+      </p:pic>
+    </p:spTree>
+    <p:extLst>
+      <p:ext uri="{BB962C8B-B14F-4D97-AF65-F5344CB8AC3E}">
+        <p14:creationId xmlns:p14="http://schemas.microsoft.com/office/powerpoint/2010/main" val="465171079"/>
+      </p:ext>
+    </p:extLst>
+  </p:cSld>
+  <p:clrMapOvr>
+    <a:masterClrMapping/>
+  </p:clrMapOvr>
+  <p:timing>
+    <p:tnLst>
+      <p:par>
+        <p:cTn id="1" dur="indefinite" restart="never" nodeType="tmRoot"/>
+      </p:par>
+    </p:tnLst>
+  </p:timing>
+</p:sld>
+</file>
+
+<file path=ppt/slides/slide16.xml><?xml version="1.0" encoding="utf-8"?>
+<p:sld xmlns:a="http://schemas.openxmlformats.org/drawingml/2006/main" xmlns:r="http://schemas.openxmlformats.org/officeDocument/2006/relationships" xmlns:p="http://schemas.openxmlformats.org/presentationml/2006/main">
+  <p:cSld>
+    <p:spTree>
+      <p:nvGrpSpPr>
+        <p:cNvPr id="1" name=""/>
+        <p:cNvGrpSpPr/>
+        <p:nvPr/>
+      </p:nvGrpSpPr>
+      <p:grpSpPr>
+        <a:xfrm>
+          <a:off x="0" y="0"/>
+          <a:ext cx="0" cy="0"/>
+          <a:chOff x="0" y="0"/>
+          <a:chExt cx="0" cy="0"/>
+        </a:xfrm>
+      </p:grpSpPr>
+      <p:sp>
+        <p:nvSpPr>
+          <p:cNvPr id="2" name="제목 1"/>
+          <p:cNvSpPr>
+            <a:spLocks noGrp="1"/>
+          </p:cNvSpPr>
+          <p:nvPr>
+            <p:ph type="title"/>
+          </p:nvPr>
+        </p:nvSpPr>
+        <p:spPr>
+          <a:xfrm>
+            <a:off x="913795" y="590145"/>
+            <a:ext cx="10353761" cy="1326321"/>
+          </a:xfrm>
+        </p:spPr>
+        <p:txBody>
+          <a:bodyPr/>
+          <a:lstStyle/>
+          <a:p>
+            <a:r>
+              <a:rPr lang="ko-KR" altLang="en-US" dirty="0" smtClean="0"/>
+              <a:t>조건을 이용하자</a:t>
+            </a:r>
+            <a:r>
+              <a:rPr lang="en-US" altLang="ko-KR" dirty="0" smtClean="0"/>
+              <a:t>: IF</a:t>
+            </a:r>
+            <a:endParaRPr lang="ko-KR" altLang="en-US" dirty="0"/>
+          </a:p>
+        </p:txBody>
+      </p:sp>
+      <p:sp>
+        <p:nvSpPr>
+          <p:cNvPr id="6" name="내용 개체 틀 3"/>
+          <p:cNvSpPr>
+            <a:spLocks noGrp="1"/>
+          </p:cNvSpPr>
+          <p:nvPr>
+            <p:ph idx="1"/>
+          </p:nvPr>
+        </p:nvSpPr>
+        <p:spPr>
+          <a:xfrm>
+            <a:off x="838200" y="1833790"/>
+            <a:ext cx="10429356" cy="4351338"/>
+          </a:xfrm>
+        </p:spPr>
+        <p:txBody>
+          <a:bodyPr>
+            <a:normAutofit/>
+          </a:bodyPr>
+          <a:lstStyle/>
+          <a:p>
+            <a:r>
+              <a:rPr lang="en-US" altLang="ko-KR" dirty="0" smtClean="0"/>
+              <a:t>IF</a:t>
+            </a:r>
+            <a:r>
+              <a:rPr lang="ko-KR" altLang="en-US" dirty="0" smtClean="0"/>
+              <a:t>문</a:t>
+            </a:r>
+            <a:r>
+              <a:rPr lang="en-US" altLang="ko-KR" dirty="0" smtClean="0"/>
+              <a:t>: </a:t>
+            </a:r>
+            <a:r>
+              <a:rPr lang="ko-KR" altLang="en-US" dirty="0" smtClean="0"/>
+              <a:t>어떤 조건이 참일 경우 실행시켜주는 문장</a:t>
+            </a:r>
+            <a:endParaRPr lang="en-US" altLang="ko-KR" dirty="0" smtClean="0"/>
+          </a:p>
+          <a:p>
+            <a:pPr lvl="1"/>
+            <a:r>
+              <a:rPr lang="ko-KR" altLang="en-US" dirty="0" smtClean="0"/>
+              <a:t>사용법</a:t>
+            </a:r>
+            <a:endParaRPr lang="en-US" altLang="ko-KR" dirty="0"/>
+          </a:p>
+          <a:p>
+            <a:pPr lvl="2"/>
+            <a:r>
+              <a:rPr lang="en-US" altLang="ko-KR" dirty="0" smtClean="0"/>
+              <a:t>if </a:t>
+            </a:r>
+            <a:r>
+              <a:rPr lang="ko-KR" altLang="en-US" dirty="0" smtClean="0"/>
+              <a:t>조건</a:t>
+            </a:r>
+            <a:r>
+              <a:rPr lang="en-US" altLang="ko-KR" dirty="0" smtClean="0"/>
+              <a:t>:</a:t>
+            </a:r>
+            <a:endParaRPr lang="en-US" altLang="ko-KR" dirty="0"/>
+          </a:p>
+          <a:p>
+            <a:pPr marL="914400" lvl="2" indent="0">
+              <a:buNone/>
+            </a:pPr>
+            <a:r>
+              <a:rPr lang="en-US" altLang="ko-KR" dirty="0"/>
+              <a:t> </a:t>
+            </a:r>
+            <a:r>
+              <a:rPr lang="en-US" altLang="ko-KR" dirty="0" smtClean="0"/>
+              <a:t>         </a:t>
+            </a:r>
+            <a:r>
+              <a:rPr lang="ko-KR" altLang="en-US" dirty="0" smtClean="0"/>
+              <a:t>실행시킬 문장</a:t>
+            </a:r>
+            <a:r>
+              <a:rPr lang="en-US" altLang="ko-KR" dirty="0" smtClean="0"/>
+              <a:t>1</a:t>
+            </a:r>
+          </a:p>
+          <a:p>
+            <a:pPr marL="914400" lvl="2" indent="0">
+              <a:buNone/>
+            </a:pPr>
+            <a:r>
+              <a:rPr lang="en-US" altLang="ko-KR" dirty="0"/>
+              <a:t> </a:t>
+            </a:r>
+            <a:r>
+              <a:rPr lang="en-US" altLang="ko-KR" dirty="0" smtClean="0"/>
+              <a:t>         </a:t>
+            </a:r>
+            <a:r>
+              <a:rPr lang="ko-KR" altLang="en-US" dirty="0" smtClean="0"/>
+              <a:t>실행시킬 문장</a:t>
+            </a:r>
+            <a:r>
+              <a:rPr lang="en-US" altLang="ko-KR" dirty="0" smtClean="0"/>
+              <a:t>2</a:t>
+            </a:r>
+          </a:p>
+          <a:p>
+            <a:pPr marL="914400" lvl="2" indent="0">
+              <a:buNone/>
+            </a:pPr>
+            <a:r>
+              <a:rPr lang="en-US" altLang="ko-KR" dirty="0"/>
+              <a:t> </a:t>
+            </a:r>
+            <a:r>
+              <a:rPr lang="en-US" altLang="ko-KR" dirty="0" smtClean="0"/>
+              <a:t>         …</a:t>
+            </a:r>
+            <a:endParaRPr lang="en-US" altLang="ko-KR" dirty="0"/>
+          </a:p>
+          <a:p>
+            <a:pPr lvl="1"/>
+            <a:r>
+              <a:rPr lang="en-US" altLang="ko-KR" dirty="0" smtClean="0"/>
+              <a:t>100 &gt; 50</a:t>
+            </a:r>
+            <a:r>
+              <a:rPr lang="ko-KR" altLang="en-US" dirty="0" smtClean="0"/>
+              <a:t>이 참이라면 </a:t>
+            </a:r>
+            <a:r>
+              <a:rPr lang="en-US" altLang="ko-KR" dirty="0" smtClean="0"/>
+              <a:t>100 &gt; 50</a:t>
+            </a:r>
+            <a:r>
+              <a:rPr lang="ko-KR" altLang="en-US" dirty="0" smtClean="0"/>
+              <a:t>이 참이라는 문장을 출력하는 프로그램</a:t>
+            </a:r>
+            <a:endParaRPr lang="en-US" altLang="ko-KR" dirty="0" smtClean="0"/>
+          </a:p>
+        </p:txBody>
+      </p:sp>
+      <p:pic>
+        <p:nvPicPr>
+          <p:cNvPr id="4" name="그림 3"/>
+          <p:cNvPicPr>
+            <a:picLocks noChangeAspect="1"/>
+          </p:cNvPicPr>
+          <p:nvPr/>
+        </p:nvPicPr>
+        <p:blipFill rotWithShape="1">
+          <a:blip r:embed="rId2"/>
+          <a:srcRect l="20556" t="25417" r="57436" b="68568"/>
+          <a:stretch/>
+        </p:blipFill>
+        <p:spPr>
+          <a:xfrm>
+            <a:off x="1600200" y="4514850"/>
+            <a:ext cx="7315420" cy="1183822"/>
+          </a:xfrm>
+          <a:prstGeom prst="rect">
+            <a:avLst/>
+          </a:prstGeom>
+        </p:spPr>
+      </p:pic>
+      <p:pic>
+        <p:nvPicPr>
+          <p:cNvPr id="8" name="그림 7"/>
+          <p:cNvPicPr>
+            <a:picLocks noChangeAspect="1"/>
+          </p:cNvPicPr>
+          <p:nvPr/>
+        </p:nvPicPr>
+        <p:blipFill rotWithShape="1">
+          <a:blip r:embed="rId3"/>
+          <a:srcRect l="5545" t="53588" r="82186" b="38345"/>
+          <a:stretch/>
+        </p:blipFill>
+        <p:spPr>
+          <a:xfrm>
+            <a:off x="7676007" y="1953446"/>
+            <a:ext cx="3591549" cy="1398234"/>
+          </a:xfrm>
+          <a:prstGeom prst="rect">
+            <a:avLst/>
+          </a:prstGeom>
+        </p:spPr>
+      </p:pic>
+    </p:spTree>
+    <p:extLst>
+      <p:ext uri="{BB962C8B-B14F-4D97-AF65-F5344CB8AC3E}">
+        <p14:creationId xmlns:p14="http://schemas.microsoft.com/office/powerpoint/2010/main" val="2271834175"/>
+      </p:ext>
+    </p:extLst>
+  </p:cSld>
+  <p:clrMapOvr>
+    <a:masterClrMapping/>
+  </p:clrMapOvr>
+  <p:timing>
+    <p:tnLst>
+      <p:par>
+        <p:cTn id="1" dur="indefinite" restart="never" nodeType="tmRoot"/>
+      </p:par>
+    </p:tnLst>
+  </p:timing>
+</p:sld>
+</file>
+
+<file path=ppt/slides/slide17.xml><?xml version="1.0" encoding="utf-8"?>
+<p:sld xmlns:a="http://schemas.openxmlformats.org/drawingml/2006/main" xmlns:r="http://schemas.openxmlformats.org/officeDocument/2006/relationships" xmlns:p="http://schemas.openxmlformats.org/presentationml/2006/main">
+  <p:cSld>
+    <p:spTree>
+      <p:nvGrpSpPr>
+        <p:cNvPr id="1" name=""/>
+        <p:cNvGrpSpPr/>
+        <p:nvPr/>
+      </p:nvGrpSpPr>
+      <p:grpSpPr>
+        <a:xfrm>
+          <a:off x="0" y="0"/>
+          <a:ext cx="0" cy="0"/>
+          <a:chOff x="0" y="0"/>
+          <a:chExt cx="0" cy="0"/>
+        </a:xfrm>
+      </p:grpSpPr>
+      <p:sp>
+        <p:nvSpPr>
+          <p:cNvPr id="2" name="제목 1"/>
+          <p:cNvSpPr>
+            <a:spLocks noGrp="1"/>
+          </p:cNvSpPr>
+          <p:nvPr>
+            <p:ph type="title"/>
+          </p:nvPr>
+        </p:nvSpPr>
+        <p:spPr>
+          <a:xfrm>
+            <a:off x="913795" y="590145"/>
+            <a:ext cx="10353761" cy="1326321"/>
+          </a:xfrm>
+        </p:spPr>
+        <p:txBody>
+          <a:bodyPr/>
+          <a:lstStyle/>
+          <a:p>
+            <a:r>
+              <a:rPr lang="ko-KR" altLang="en-US" dirty="0" smtClean="0"/>
+              <a:t>연습</a:t>
+            </a:r>
+            <a:r>
+              <a:rPr lang="en-US" altLang="ko-KR" dirty="0" smtClean="0"/>
+              <a:t>2. </a:t>
+            </a:r>
+            <a:r>
+              <a:rPr lang="ko-KR" altLang="en-US" dirty="0" smtClean="0"/>
+              <a:t>좌표와 직선과의 관계</a:t>
+            </a:r>
+            <a:r>
+              <a:rPr lang="en-US" altLang="ko-KR" dirty="0" smtClean="0"/>
+              <a:t>.</a:t>
+            </a:r>
+            <a:endParaRPr lang="ko-KR" altLang="en-US" dirty="0"/>
+          </a:p>
+        </p:txBody>
+      </p:sp>
+      <p:sp>
+        <p:nvSpPr>
+          <p:cNvPr id="6" name="내용 개체 틀 3"/>
+          <p:cNvSpPr>
+            <a:spLocks noGrp="1"/>
+          </p:cNvSpPr>
+          <p:nvPr>
+            <p:ph idx="1"/>
+          </p:nvPr>
+        </p:nvSpPr>
+        <p:spPr>
+          <a:xfrm>
+            <a:off x="838200" y="1833790"/>
+            <a:ext cx="10429356" cy="4351338"/>
+          </a:xfrm>
+        </p:spPr>
+        <p:txBody>
+          <a:bodyPr>
+            <a:normAutofit/>
+          </a:bodyPr>
+          <a:lstStyle/>
+          <a:p>
+            <a:r>
+              <a:rPr lang="en-US" altLang="ko-KR" dirty="0" smtClean="0"/>
+              <a:t>Example) (1, 2)</a:t>
+            </a:r>
+            <a:r>
+              <a:rPr lang="ko-KR" altLang="en-US" dirty="0" smtClean="0"/>
+              <a:t>라는 좌표</a:t>
+            </a:r>
+            <a:r>
+              <a:rPr lang="ko-KR" altLang="en-US" dirty="0" smtClean="0"/>
+              <a:t>가 직선 </a:t>
+            </a:r>
+            <a:r>
+              <a:rPr lang="en-US" altLang="ko-KR" dirty="0" smtClean="0"/>
+              <a:t>y=2x+1</a:t>
+            </a:r>
+            <a:r>
+              <a:rPr lang="ko-KR" altLang="en-US" dirty="0" smtClean="0"/>
+              <a:t>에 대해 위쪽에 있는지 아래쪽에 있는지 혹은 직선 바로 위에 있는지 알아보자</a:t>
+            </a:r>
+            <a:r>
+              <a:rPr lang="en-US" altLang="ko-KR" dirty="0" smtClean="0"/>
+              <a:t>.</a:t>
+            </a:r>
+          </a:p>
+          <a:p>
+            <a:pPr lvl="1"/>
+            <a:r>
+              <a:rPr lang="en-US" altLang="ko-KR" dirty="0" smtClean="0"/>
+              <a:t>(1, 2)</a:t>
+            </a:r>
+            <a:r>
+              <a:rPr lang="ko-KR" altLang="en-US" dirty="0" smtClean="0"/>
+              <a:t>라는 좌표는 </a:t>
+            </a:r>
+            <a:r>
+              <a:rPr lang="en-US" altLang="ko-KR" dirty="0" smtClean="0"/>
+              <a:t>x=1</a:t>
+            </a:r>
+            <a:r>
+              <a:rPr lang="ko-KR" altLang="en-US" dirty="0" smtClean="0"/>
+              <a:t>일 때</a:t>
+            </a:r>
+            <a:r>
+              <a:rPr lang="en-US" altLang="ko-KR" dirty="0" smtClean="0"/>
+              <a:t>, y=2</a:t>
+            </a:r>
+            <a:r>
+              <a:rPr lang="ko-KR" altLang="en-US" dirty="0" smtClean="0"/>
+              <a:t>라는 의미로도 해석할 수 있다</a:t>
+            </a:r>
+            <a:r>
+              <a:rPr lang="en-US" altLang="ko-KR" dirty="0" smtClean="0"/>
+              <a:t>.</a:t>
+            </a:r>
+          </a:p>
+          <a:p>
+            <a:pPr lvl="1"/>
+            <a:r>
+              <a:rPr lang="ko-KR" altLang="en-US" dirty="0" smtClean="0"/>
+              <a:t>따라서</a:t>
+            </a:r>
+            <a:r>
+              <a:rPr lang="en-US" altLang="ko-KR" dirty="0" smtClean="0"/>
+              <a:t>, 2x+1</a:t>
+            </a:r>
+            <a:r>
+              <a:rPr lang="ko-KR" altLang="en-US" dirty="0" smtClean="0"/>
+              <a:t>에 </a:t>
+            </a:r>
+            <a:r>
+              <a:rPr lang="en-US" altLang="ko-KR" dirty="0" smtClean="0"/>
+              <a:t>x=1</a:t>
+            </a:r>
+            <a:r>
+              <a:rPr lang="ko-KR" altLang="en-US" dirty="0" smtClean="0"/>
+              <a:t>을 대입한 결과와 </a:t>
+            </a:r>
+            <a:r>
+              <a:rPr lang="en-US" altLang="ko-KR" dirty="0" smtClean="0"/>
+              <a:t>2</a:t>
+            </a:r>
+            <a:r>
+              <a:rPr lang="ko-KR" altLang="en-US" dirty="0" smtClean="0"/>
+              <a:t>를 비교해보면 알 수 있을 것이다</a:t>
+            </a:r>
+            <a:r>
+              <a:rPr lang="en-US" altLang="ko-KR" dirty="0" smtClean="0"/>
+              <a:t>.</a:t>
+            </a:r>
+            <a:endParaRPr lang="en-US" altLang="ko-KR" dirty="0"/>
+          </a:p>
+        </p:txBody>
+      </p:sp>
+    </p:spTree>
+    <p:extLst>
+      <p:ext uri="{BB962C8B-B14F-4D97-AF65-F5344CB8AC3E}">
+        <p14:creationId xmlns:p14="http://schemas.microsoft.com/office/powerpoint/2010/main" val="341006222"/>
+      </p:ext>
+    </p:extLst>
+  </p:cSld>
+  <p:clrMapOvr>
+    <a:masterClrMapping/>
+  </p:clrMapOvr>
+  <p:timing>
+    <p:tnLst>
+      <p:par>
+        <p:cTn id="1" dur="indefinite" restart="never" nodeType="tmRoot"/>
+      </p:par>
+    </p:tnLst>
+  </p:timing>
+</p:sld>
+</file>
+
+<file path=ppt/slides/slide18.xml><?xml version="1.0" encoding="utf-8"?>
 <p:sld xmlns:a="http://schemas.openxmlformats.org/drawingml/2006/main" xmlns:r="http://schemas.openxmlformats.org/officeDocument/2006/relationships" xmlns:p="http://schemas.openxmlformats.org/presentationml/2006/main">
   <p:cSld>
     <p:spTree>
@@ -7135,8 +7979,8 @@
               <a:t>: </a:t>
             </a:r>
             <a:r>
-              <a:rPr lang="en-US" altLang="ko-KR" dirty="0" err="1" smtClean="0"/>
-              <a:t>Pycharm</a:t>
+              <a:rPr lang="en-US" altLang="ko-KR" dirty="0" smtClean="0"/>
+              <a:t>PYCHARM</a:t>
             </a:r>
             <a:endParaRPr lang="en-US" altLang="ko-KR" dirty="0" smtClean="0"/>
           </a:p>
@@ -7147,7 +7991,7 @@
             </a:pPr>
             <a:r>
               <a:rPr lang="en-US" altLang="ko-KR" dirty="0" smtClean="0"/>
-              <a:t>Python </a:t>
+              <a:t>PYTHON </a:t>
             </a:r>
             <a:r>
               <a:rPr lang="ko-KR" altLang="en-US" dirty="0" smtClean="0"/>
@@ -7155,8 +7999,13 @@
             </a:r>
             <a:r>
               <a:rPr lang="en-US" altLang="ko-KR" dirty="0" smtClean="0"/>
-              <a:t>: Hello World</a:t>
-            </a:r>
+              <a:t>: </a:t>
+            </a:r>
+            <a:r>
+              <a:rPr lang="en-US" altLang="ko-KR" dirty="0" smtClean="0"/>
+              <a:t>HELLO WORLD</a:t>
+            </a:r>
+            <a:endParaRPr lang="en-US" altLang="ko-KR" dirty="0" smtClean="0"/>
           </a:p>
           <a:p>
             <a:pPr marL="514350" indent="-514350">
@@ -7176,7 +8025,26 @@
             </a:pPr>
             <a:r>
               <a:rPr lang="ko-KR" altLang="en-US" dirty="0" smtClean="0"/>
-              <a:t>변수와 타입</a:t>
+              <a:t>변수와 </a:t>
+            </a:r>
+            <a:r>
+              <a:rPr lang="ko-KR" altLang="en-US" dirty="0" smtClean="0"/>
+              <a:t>타입</a:t>
+            </a:r>
+            <a:endParaRPr lang="en-US" altLang="ko-KR" dirty="0" smtClean="0"/>
+          </a:p>
+          <a:p>
+            <a:pPr marL="514350" indent="-514350">
+              <a:buFont typeface="+mj-lt"/>
+              <a:buAutoNum type="arabicPeriod"/>
+            </a:pPr>
+            <a:r>
+              <a:rPr lang="ko-KR" altLang="en-US" dirty="0" smtClean="0"/>
+              <a:t>조건을 이용하자</a:t>
+            </a:r>
+            <a:r>
+              <a:rPr lang="en-US" altLang="ko-KR" dirty="0" smtClean="0"/>
+              <a:t>: IF</a:t>
             </a:r>
             <a:endParaRPr lang="en-US" altLang="ko-KR" dirty="0" smtClean="0"/>
           </a:p>
@@ -7330,6 +8198,11 @@
               <a:rPr lang="en-US" altLang="ko-KR" dirty="0" smtClean="0"/>
               <a:t>: Windows </a:t>
             </a:r>
+            <a:r>
+              <a:rPr lang="en-US" altLang="ko-KR" dirty="0" smtClean="0"/>
+              <a:t>10 Pro</a:t>
+            </a:r>
+            <a:endParaRPr lang="en-US" altLang="ko-KR" dirty="0" smtClean="0"/>
           </a:p>
           <a:p>
             <a:pPr lvl="1"/>
@@ -7545,6 +8418,152 @@
           <a:lstStyle/>
           <a:p>
             <a:r>
+              <a:rPr lang="ko-KR" altLang="en-US" dirty="0" smtClean="0"/>
+              <a:t>실습도구</a:t>
+            </a:r>
+            <a:r>
+              <a:rPr lang="en-US" altLang="ko-KR" dirty="0" smtClean="0"/>
+              <a:t>: </a:t>
+            </a:r>
+            <a:r>
+              <a:rPr lang="en-US" altLang="ko-KR" dirty="0" err="1" smtClean="0"/>
+              <a:t>Pycharm</a:t>
+            </a:r>
+            <a:endParaRPr lang="ko-KR" altLang="en-US" dirty="0"/>
+          </a:p>
+        </p:txBody>
+      </p:sp>
+      <p:sp>
+        <p:nvSpPr>
+          <p:cNvPr id="6" name="내용 개체 틀 3"/>
+          <p:cNvSpPr>
+            <a:spLocks noGrp="1"/>
+          </p:cNvSpPr>
+          <p:nvPr>
+            <p:ph idx="1"/>
+          </p:nvPr>
+        </p:nvSpPr>
+        <p:spPr>
+          <a:xfrm>
+            <a:off x="838200" y="1825625"/>
+            <a:ext cx="10429356" cy="4351338"/>
+          </a:xfrm>
+        </p:spPr>
+        <p:txBody>
+          <a:bodyPr>
+            <a:normAutofit/>
+          </a:bodyPr>
+          <a:lstStyle/>
+          <a:p>
+            <a:r>
+              <a:rPr lang="ko-KR" altLang="en-US" dirty="0" smtClean="0"/>
+              <a:t>혹시나 캠프에서 본인의 결과물을 가져가실 분들이라면</a:t>
+            </a:r>
+            <a:r>
+              <a:rPr lang="en-US" altLang="ko-KR" dirty="0" smtClean="0"/>
+              <a:t>?</a:t>
+            </a:r>
+            <a:endParaRPr lang="en-US" altLang="ko-KR" dirty="0"/>
+          </a:p>
+          <a:p>
+            <a:pPr marL="0" indent="0">
+              <a:buNone/>
+            </a:pPr>
+            <a:r>
+              <a:rPr lang="en-US" altLang="ko-KR" dirty="0" smtClean="0"/>
+              <a:t>=&gt; </a:t>
+            </a:r>
+            <a:r>
+              <a:rPr lang="ko-KR" altLang="en-US" dirty="0" err="1" smtClean="0"/>
+              <a:t>틈틈히</a:t>
+            </a:r>
+            <a:r>
+              <a:rPr lang="ko-KR" altLang="en-US" dirty="0" smtClean="0"/>
+              <a:t> 저장해주세요</a:t>
+            </a:r>
+            <a:r>
+              <a:rPr lang="en-US" altLang="ko-KR" dirty="0" smtClean="0"/>
+              <a:t>~</a:t>
+            </a:r>
+          </a:p>
+        </p:txBody>
+      </p:sp>
+      <p:pic>
+        <p:nvPicPr>
+          <p:cNvPr id="4" name="그림 3"/>
+          <p:cNvPicPr>
+            <a:picLocks noChangeAspect="1"/>
+          </p:cNvPicPr>
+          <p:nvPr/>
+        </p:nvPicPr>
+        <p:blipFill rotWithShape="1">
+          <a:blip r:embed="rId2"/>
+          <a:srcRect r="81447" b="55479"/>
+          <a:stretch/>
+        </p:blipFill>
+        <p:spPr>
+          <a:xfrm>
+            <a:off x="8033657" y="1581928"/>
+            <a:ext cx="3233899" cy="4595035"/>
+          </a:xfrm>
+          <a:prstGeom prst="rect">
+            <a:avLst/>
+          </a:prstGeom>
+        </p:spPr>
+      </p:pic>
+    </p:spTree>
+    <p:extLst>
+      <p:ext uri="{BB962C8B-B14F-4D97-AF65-F5344CB8AC3E}">
+        <p14:creationId xmlns:p14="http://schemas.microsoft.com/office/powerpoint/2010/main" val="2218926556"/>
+      </p:ext>
+    </p:extLst>
+  </p:cSld>
+  <p:clrMapOvr>
+    <a:masterClrMapping/>
+  </p:clrMapOvr>
+  <p:timing>
+    <p:tnLst>
+      <p:par>
+        <p:cTn id="1" dur="indefinite" restart="never" nodeType="tmRoot"/>
+      </p:par>
+    </p:tnLst>
+  </p:timing>
+</p:sld>
+</file>
+
+<file path=ppt/slides/slide6.xml><?xml version="1.0" encoding="utf-8"?>
+<p:sld xmlns:a="http://schemas.openxmlformats.org/drawingml/2006/main" xmlns:r="http://schemas.openxmlformats.org/officeDocument/2006/relationships" xmlns:p="http://schemas.openxmlformats.org/presentationml/2006/main">
+  <p:cSld>
+    <p:spTree>
+      <p:nvGrpSpPr>
+        <p:cNvPr id="1" name=""/>
+        <p:cNvGrpSpPr/>
+        <p:nvPr/>
+      </p:nvGrpSpPr>
+      <p:grpSpPr>
+        <a:xfrm>
+          <a:off x="0" y="0"/>
+          <a:ext cx="0" cy="0"/>
+          <a:chOff x="0" y="0"/>
+          <a:chExt cx="0" cy="0"/>
+        </a:xfrm>
+      </p:grpSpPr>
+      <p:sp>
+        <p:nvSpPr>
+          <p:cNvPr id="2" name="제목 1"/>
+          <p:cNvSpPr>
+            <a:spLocks noGrp="1"/>
+          </p:cNvSpPr>
+          <p:nvPr>
+            <p:ph type="title"/>
+          </p:nvPr>
+        </p:nvSpPr>
+        <p:spPr/>
+        <p:txBody>
+          <a:bodyPr/>
+          <a:lstStyle/>
+          <a:p>
+            <a:r>
               <a:rPr lang="en-US" altLang="ko-KR" dirty="0" smtClean="0"/>
               <a:t>Python </a:t>
             </a:r>
@@ -7656,7 +8675,7 @@
 </p:sld>
 </file>
 
-<file path=ppt/slides/slide6.xml><?xml version="1.0" encoding="utf-8"?>
+<file path=ppt/slides/slide7.xml><?xml version="1.0" encoding="utf-8"?>
 <p:sld xmlns:a="http://schemas.openxmlformats.org/drawingml/2006/main" xmlns:r="http://schemas.openxmlformats.org/officeDocument/2006/relationships" xmlns:p="http://schemas.openxmlformats.org/presentationml/2006/main">
   <p:cSld>
     <p:spTree>
@@ -7806,7 +8825,7 @@
 </p:sld>
 </file>
 
-<file path=ppt/slides/slide7.xml><?xml version="1.0" encoding="utf-8"?>
+<file path=ppt/slides/slide8.xml><?xml version="1.0" encoding="utf-8"?>
 <p:sld xmlns:a="http://schemas.openxmlformats.org/drawingml/2006/main" xmlns:r="http://schemas.openxmlformats.org/officeDocument/2006/relationships" xmlns:p="http://schemas.openxmlformats.org/presentationml/2006/main">
   <p:cSld>
     <p:spTree>
@@ -7973,7 +8992,7 @@
 </p:sld>
 </file>
 
-<file path=ppt/slides/slide8.xml><?xml version="1.0" encoding="utf-8"?>
+<file path=ppt/slides/slide9.xml><?xml version="1.0" encoding="utf-8"?>
 <p:sld xmlns:a="http://schemas.openxmlformats.org/drawingml/2006/main" xmlns:r="http://schemas.openxmlformats.org/officeDocument/2006/relationships" xmlns:p="http://schemas.openxmlformats.org/presentationml/2006/main">
   <p:cSld>
     <p:spTree>
@@ -8137,7 +9156,7 @@
         </p:blipFill>
         <p:spPr>
           <a:xfrm>
-            <a:off x="3180945" y="1916466"/>
+            <a:off x="2944181" y="1916465"/>
             <a:ext cx="4185820" cy="4114879"/>
           </a:xfrm>
           <a:prstGeom prst="rect">
@@ -8172,224 +9191,6 @@
     <p:extLst>
       <p:ext uri="{BB962C8B-B14F-4D97-AF65-F5344CB8AC3E}">
         <p14:creationId xmlns:p14="http://schemas.microsoft.com/office/powerpoint/2010/main" val="2437160666"/>
-      </p:ext>
-    </p:extLst>
-  </p:cSld>
-  <p:clrMapOvr>
-    <a:masterClrMapping/>
-  </p:clrMapOvr>
-  <p:timing>
-    <p:tnLst>
-      <p:par>
-        <p:cTn id="1" dur="indefinite" restart="never" nodeType="tmRoot"/>
-      </p:par>
-    </p:tnLst>
-  </p:timing>
-</p:sld>
-</file>
-
-<file path=ppt/slides/slide9.xml><?xml version="1.0" encoding="utf-8"?>
-<p:sld xmlns:a="http://schemas.openxmlformats.org/drawingml/2006/main" xmlns:r="http://schemas.openxmlformats.org/officeDocument/2006/relationships" xmlns:p="http://schemas.openxmlformats.org/presentationml/2006/main">
-  <p:cSld>
-    <p:spTree>
-      <p:nvGrpSpPr>
-        <p:cNvPr id="1" name=""/>
-        <p:cNvGrpSpPr/>
-        <p:nvPr/>
-      </p:nvGrpSpPr>
-      <p:grpSpPr>
-        <a:xfrm>
-          <a:off x="0" y="0"/>
-          <a:ext cx="0" cy="0"/>
-          <a:chOff x="0" y="0"/>
-          <a:chExt cx="0" cy="0"/>
-        </a:xfrm>
-      </p:grpSpPr>
-      <p:sp>
-        <p:nvSpPr>
-          <p:cNvPr id="2" name="제목 1"/>
-          <p:cNvSpPr>
-            <a:spLocks noGrp="1"/>
-          </p:cNvSpPr>
-          <p:nvPr>
-            <p:ph type="title"/>
-          </p:nvPr>
-        </p:nvSpPr>
-        <p:spPr>
-          <a:xfrm>
-            <a:off x="913795" y="590145"/>
-            <a:ext cx="10353761" cy="1326321"/>
-          </a:xfrm>
-        </p:spPr>
-        <p:txBody>
-          <a:bodyPr/>
-          <a:lstStyle/>
-          <a:p>
-            <a:r>
-              <a:rPr lang="ko-KR" altLang="en-US" dirty="0" smtClean="0"/>
-              <a:t>변수와 타입</a:t>
-            </a:r>
-            <a:endParaRPr lang="ko-KR" altLang="en-US" dirty="0"/>
-          </a:p>
-        </p:txBody>
-      </p:sp>
-      <p:sp>
-        <p:nvSpPr>
-          <p:cNvPr id="6" name="내용 개체 틀 3"/>
-          <p:cNvSpPr>
-            <a:spLocks noGrp="1"/>
-          </p:cNvSpPr>
-          <p:nvPr>
-            <p:ph idx="1"/>
-          </p:nvPr>
-        </p:nvSpPr>
-        <p:spPr>
-          <a:xfrm>
-            <a:off x="838200" y="1833790"/>
-            <a:ext cx="10429356" cy="4351338"/>
-          </a:xfrm>
-        </p:spPr>
-        <p:txBody>
-          <a:bodyPr>
-            <a:normAutofit/>
-          </a:bodyPr>
-          <a:lstStyle/>
-          <a:p>
-            <a:r>
-              <a:rPr lang="ko-KR" altLang="en-US" dirty="0" smtClean="0"/>
-              <a:t>타입</a:t>
-            </a:r>
-            <a:r>
-              <a:rPr lang="en-US" altLang="ko-KR" dirty="0" smtClean="0"/>
-              <a:t>: </a:t>
-            </a:r>
-            <a:r>
-              <a:rPr lang="ko-KR" altLang="en-US" dirty="0" smtClean="0"/>
-              <a:t>컴퓨터는 기본적으로 </a:t>
-            </a:r>
-            <a:r>
-              <a:rPr lang="en-US" altLang="ko-KR" dirty="0" smtClean="0"/>
-              <a:t>0</a:t>
-            </a:r>
-            <a:r>
-              <a:rPr lang="ko-KR" altLang="en-US" dirty="0" smtClean="0"/>
-              <a:t>과 </a:t>
-            </a:r>
-            <a:r>
-              <a:rPr lang="en-US" altLang="ko-KR" dirty="0" smtClean="0"/>
-              <a:t>1</a:t>
-            </a:r>
-            <a:r>
-              <a:rPr lang="ko-KR" altLang="en-US" dirty="0" smtClean="0"/>
-              <a:t>의 배열인 이진수를 다루지만 해석 방법에 따라 다른 유형의 값으로 볼 수 있습니다</a:t>
-            </a:r>
-            <a:r>
-              <a:rPr lang="en-US" altLang="ko-KR" dirty="0" smtClean="0"/>
-              <a:t>.</a:t>
-            </a:r>
-          </a:p>
-          <a:p>
-            <a:endParaRPr lang="en-US" altLang="ko-KR" dirty="0"/>
-          </a:p>
-          <a:p>
-            <a:r>
-              <a:rPr lang="en-US" altLang="ko-KR" dirty="0" err="1" smtClean="0"/>
-              <a:t>E.g</a:t>
-            </a:r>
-            <a:r>
-              <a:rPr lang="en-US" altLang="ko-KR" dirty="0" smtClean="0"/>
-              <a:t>) </a:t>
-            </a:r>
-            <a:r>
-              <a:rPr lang="en-US" altLang="ko-KR" dirty="0" smtClean="0"/>
-              <a:t>1011011001100110</a:t>
-            </a:r>
-          </a:p>
-          <a:p>
-            <a:pPr lvl="1"/>
-            <a:r>
-              <a:rPr lang="en-US" altLang="ko-KR" dirty="0" smtClean="0"/>
-              <a:t>2</a:t>
-            </a:r>
-            <a:r>
-              <a:rPr lang="ko-KR" altLang="en-US" dirty="0" smtClean="0"/>
-              <a:t>의 보수인 정수</a:t>
-            </a:r>
-            <a:r>
-              <a:rPr lang="ko-KR" altLang="en-US" dirty="0" smtClean="0"/>
-              <a:t>로 해석</a:t>
-            </a:r>
-            <a:r>
-              <a:rPr lang="en-US" altLang="ko-KR" dirty="0" smtClean="0"/>
-              <a:t>: -18842</a:t>
-            </a:r>
-          </a:p>
-          <a:p>
-            <a:pPr lvl="1"/>
-            <a:r>
-              <a:rPr lang="ko-KR" altLang="en-US" dirty="0" smtClean="0"/>
-              <a:t>실수로 해석</a:t>
-            </a:r>
-            <a:r>
-              <a:rPr lang="en-US" altLang="ko-KR" dirty="0" smtClean="0"/>
-              <a:t>: -0.4</a:t>
-            </a:r>
-          </a:p>
-          <a:p>
-            <a:pPr lvl="1"/>
-            <a:r>
-              <a:rPr lang="ko-KR" altLang="en-US" dirty="0" smtClean="0"/>
-              <a:t>사람이 </a:t>
-            </a:r>
-            <a:r>
-              <a:rPr lang="en-US" altLang="ko-KR" dirty="0" smtClean="0"/>
-              <a:t>10</a:t>
-            </a:r>
-            <a:r>
-              <a:rPr lang="ko-KR" altLang="en-US" dirty="0" smtClean="0"/>
-              <a:t>진수로 수를 표현하는 것과 완전히 다릅니다</a:t>
-            </a:r>
-            <a:r>
-              <a:rPr lang="en-US" altLang="ko-KR" dirty="0" smtClean="0"/>
-              <a:t>.</a:t>
-            </a:r>
-          </a:p>
-          <a:p>
-            <a:endParaRPr lang="en-US" altLang="ko-KR" dirty="0"/>
-          </a:p>
-          <a:p>
-            <a:r>
-              <a:rPr lang="ko-KR" altLang="en-US" dirty="0" smtClean="0"/>
-              <a:t>이와 같은 것과 다른 이유들로 인해 타입</a:t>
-            </a:r>
-            <a:r>
-              <a:rPr lang="en-US" altLang="ko-KR" dirty="0" smtClean="0"/>
-              <a:t>(</a:t>
-            </a:r>
-            <a:r>
-              <a:rPr lang="ko-KR" altLang="en-US" dirty="0" err="1" smtClean="0"/>
-              <a:t>자료형</a:t>
-            </a:r>
-            <a:r>
-              <a:rPr lang="en-US" altLang="ko-KR" dirty="0" smtClean="0"/>
-              <a:t>)</a:t>
-            </a:r>
-            <a:r>
-              <a:rPr lang="ko-KR" altLang="en-US" dirty="0" smtClean="0"/>
-              <a:t>이라는 개념이 생겼습니다</a:t>
-            </a:r>
-            <a:r>
-              <a:rPr lang="en-US" altLang="ko-KR" dirty="0" smtClean="0"/>
-              <a:t>.</a:t>
-            </a:r>
-            <a:endParaRPr lang="en-US" altLang="ko-KR" dirty="0"/>
-          </a:p>
-        </p:txBody>
-      </p:sp>
-    </p:spTree>
-    <p:extLst>
-      <p:ext uri="{BB962C8B-B14F-4D97-AF65-F5344CB8AC3E}">
-        <p14:creationId xmlns:p14="http://schemas.microsoft.com/office/powerpoint/2010/main" val="2334649258"/>
       </p:ext>
     </p:extLst>
   </p:cSld>

--- a/ppt/2. 실습환경 및 Python 기초.pptx
+++ b/ppt/2. 실습환경 및 Python 기초.pptx
@@ -21,8 +21,12 @@
     <p:sldId id="314" r:id="rId15"/>
     <p:sldId id="315" r:id="rId16"/>
     <p:sldId id="317" r:id="rId17"/>
-    <p:sldId id="316" r:id="rId18"/>
-    <p:sldId id="295" r:id="rId19"/>
+    <p:sldId id="320" r:id="rId18"/>
+    <p:sldId id="319" r:id="rId19"/>
+    <p:sldId id="321" r:id="rId20"/>
+    <p:sldId id="322" r:id="rId21"/>
+    <p:sldId id="316" r:id="rId22"/>
+    <p:sldId id="295" r:id="rId23"/>
   </p:sldIdLst>
   <p:sldSz cx="12192000" cy="6858000"/>
   <p:notesSz cx="6858000" cy="9144000"/>
@@ -262,7 +266,7 @@
           <a:p>
             <a:fld id="{4A61891F-26D4-4EED-9BA8-111B4F671ED2}" type="datetimeFigureOut">
               <a:rPr lang="ko-KR" altLang="en-US" smtClean="0"/>
-              <a:t>2017-07-23</a:t>
+              <a:t>2017-07-25</a:t>
             </a:fld>
             <a:endParaRPr lang="ko-KR" altLang="en-US"/>
           </a:p>
@@ -549,7 +553,7 @@
           <a:p>
             <a:fld id="{4A61891F-26D4-4EED-9BA8-111B4F671ED2}" type="datetimeFigureOut">
               <a:rPr lang="ko-KR" altLang="en-US" smtClean="0"/>
-              <a:t>2017-07-23</a:t>
+              <a:t>2017-07-25</a:t>
             </a:fld>
             <a:endParaRPr lang="ko-KR" altLang="en-US"/>
           </a:p>
@@ -741,7 +745,7 @@
           <a:p>
             <a:fld id="{4A61891F-26D4-4EED-9BA8-111B4F671ED2}" type="datetimeFigureOut">
               <a:rPr lang="ko-KR" altLang="en-US" smtClean="0"/>
-              <a:t>2017-07-23</a:t>
+              <a:t>2017-07-25</a:t>
             </a:fld>
             <a:endParaRPr lang="ko-KR" altLang="en-US"/>
           </a:p>
@@ -1002,7 +1006,7 @@
           <a:p>
             <a:fld id="{4A61891F-26D4-4EED-9BA8-111B4F671ED2}" type="datetimeFigureOut">
               <a:rPr lang="ko-KR" altLang="en-US" smtClean="0"/>
-              <a:t>2017-07-23</a:t>
+              <a:t>2017-07-25</a:t>
             </a:fld>
             <a:endParaRPr lang="ko-KR" altLang="en-US"/>
           </a:p>
@@ -1426,7 +1430,7 @@
           <a:p>
             <a:fld id="{4A61891F-26D4-4EED-9BA8-111B4F671ED2}" type="datetimeFigureOut">
               <a:rPr lang="ko-KR" altLang="en-US" smtClean="0"/>
-              <a:t>2017-07-23</a:t>
+              <a:t>2017-07-25</a:t>
             </a:fld>
             <a:endParaRPr lang="ko-KR" altLang="en-US"/>
           </a:p>
@@ -1972,7 +1976,7 @@
           <a:p>
             <a:fld id="{4A61891F-26D4-4EED-9BA8-111B4F671ED2}" type="datetimeFigureOut">
               <a:rPr lang="ko-KR" altLang="en-US" smtClean="0"/>
-              <a:t>2017-07-23</a:t>
+              <a:t>2017-07-25</a:t>
             </a:fld>
             <a:endParaRPr lang="ko-KR" altLang="en-US"/>
           </a:p>
@@ -2812,7 +2816,7 @@
           <a:p>
             <a:fld id="{4A61891F-26D4-4EED-9BA8-111B4F671ED2}" type="datetimeFigureOut">
               <a:rPr lang="ko-KR" altLang="en-US" smtClean="0"/>
-              <a:t>2017-07-23</a:t>
+              <a:t>2017-07-25</a:t>
             </a:fld>
             <a:endParaRPr lang="ko-KR" altLang="en-US"/>
           </a:p>
@@ -2982,7 +2986,7 @@
           <a:p>
             <a:fld id="{4A61891F-26D4-4EED-9BA8-111B4F671ED2}" type="datetimeFigureOut">
               <a:rPr lang="ko-KR" altLang="en-US" smtClean="0"/>
-              <a:t>2017-07-23</a:t>
+              <a:t>2017-07-25</a:t>
             </a:fld>
             <a:endParaRPr lang="ko-KR" altLang="en-US"/>
           </a:p>
@@ -3166,7 +3170,7 @@
           <a:p>
             <a:fld id="{4A61891F-26D4-4EED-9BA8-111B4F671ED2}" type="datetimeFigureOut">
               <a:rPr lang="ko-KR" altLang="en-US" smtClean="0"/>
-              <a:t>2017-07-23</a:t>
+              <a:t>2017-07-25</a:t>
             </a:fld>
             <a:endParaRPr lang="ko-KR" altLang="en-US"/>
           </a:p>
@@ -3336,7 +3340,7 @@
           <a:p>
             <a:fld id="{4A61891F-26D4-4EED-9BA8-111B4F671ED2}" type="datetimeFigureOut">
               <a:rPr lang="ko-KR" altLang="en-US" smtClean="0"/>
-              <a:t>2017-07-23</a:t>
+              <a:t>2017-07-25</a:t>
             </a:fld>
             <a:endParaRPr lang="ko-KR" altLang="en-US"/>
           </a:p>
@@ -3584,7 +3588,7 @@
           <a:p>
             <a:fld id="{4A61891F-26D4-4EED-9BA8-111B4F671ED2}" type="datetimeFigureOut">
               <a:rPr lang="ko-KR" altLang="en-US" smtClean="0"/>
-              <a:t>2017-07-23</a:t>
+              <a:t>2017-07-25</a:t>
             </a:fld>
             <a:endParaRPr lang="ko-KR" altLang="en-US"/>
           </a:p>
@@ -3821,7 +3825,7 @@
           <a:p>
             <a:fld id="{4A61891F-26D4-4EED-9BA8-111B4F671ED2}" type="datetimeFigureOut">
               <a:rPr lang="ko-KR" altLang="en-US" smtClean="0"/>
-              <a:t>2017-07-23</a:t>
+              <a:t>2017-07-25</a:t>
             </a:fld>
             <a:endParaRPr lang="ko-KR" altLang="en-US"/>
           </a:p>
@@ -4194,7 +4198,7 @@
           <a:p>
             <a:fld id="{4A61891F-26D4-4EED-9BA8-111B4F671ED2}" type="datetimeFigureOut">
               <a:rPr lang="ko-KR" altLang="en-US" smtClean="0"/>
-              <a:t>2017-07-23</a:t>
+              <a:t>2017-07-25</a:t>
             </a:fld>
             <a:endParaRPr lang="ko-KR" altLang="en-US"/>
           </a:p>
@@ -4312,7 +4316,7 @@
           <a:p>
             <a:fld id="{4A61891F-26D4-4EED-9BA8-111B4F671ED2}" type="datetimeFigureOut">
               <a:rPr lang="ko-KR" altLang="en-US" smtClean="0"/>
-              <a:t>2017-07-23</a:t>
+              <a:t>2017-07-25</a:t>
             </a:fld>
             <a:endParaRPr lang="ko-KR" altLang="en-US"/>
           </a:p>
@@ -4407,7 +4411,7 @@
           <a:p>
             <a:fld id="{4A61891F-26D4-4EED-9BA8-111B4F671ED2}" type="datetimeFigureOut">
               <a:rPr lang="ko-KR" altLang="en-US" smtClean="0"/>
-              <a:t>2017-07-23</a:t>
+              <a:t>2017-07-25</a:t>
             </a:fld>
             <a:endParaRPr lang="ko-KR" altLang="en-US"/>
           </a:p>
@@ -4658,7 +4662,7 @@
           <a:p>
             <a:fld id="{4A61891F-26D4-4EED-9BA8-111B4F671ED2}" type="datetimeFigureOut">
               <a:rPr lang="ko-KR" altLang="en-US" smtClean="0"/>
-              <a:t>2017-07-23</a:t>
+              <a:t>2017-07-25</a:t>
             </a:fld>
             <a:endParaRPr lang="ko-KR" altLang="en-US"/>
           </a:p>
@@ -4945,7 +4949,7 @@
           <a:p>
             <a:fld id="{4A61891F-26D4-4EED-9BA8-111B4F671ED2}" type="datetimeFigureOut">
               <a:rPr lang="ko-KR" altLang="en-US" smtClean="0"/>
-              <a:t>2017-07-23</a:t>
+              <a:t>2017-07-25</a:t>
             </a:fld>
             <a:endParaRPr lang="ko-KR" altLang="en-US"/>
           </a:p>
@@ -5158,7 +5162,7 @@
           <a:p>
             <a:fld id="{4A61891F-26D4-4EED-9BA8-111B4F671ED2}" type="datetimeFigureOut">
               <a:rPr lang="ko-KR" altLang="en-US" smtClean="0"/>
-              <a:t>2017-07-23</a:t>
+              <a:t>2017-07-25</a:t>
             </a:fld>
             <a:endParaRPr lang="ko-KR" altLang="en-US"/>
           </a:p>
@@ -7299,19 +7303,11 @@
           <a:p>
             <a:r>
               <a:rPr lang="ko-KR" altLang="en-US" dirty="0" smtClean="0"/>
-              <a:t>연습</a:t>
-            </a:r>
-            <a:r>
-              <a:rPr lang="en-US" altLang="ko-KR" dirty="0" smtClean="0"/>
-              <a:t>2. </a:t>
-            </a:r>
-            <a:r>
-              <a:rPr lang="ko-KR" altLang="en-US" dirty="0" smtClean="0"/>
-              <a:t>좌표와 직선과의 관계</a:t>
-            </a:r>
-            <a:r>
-              <a:rPr lang="en-US" altLang="ko-KR" dirty="0" smtClean="0"/>
-              <a:t>.</a:t>
+              <a:t>조건을 이용하자</a:t>
+            </a:r>
+            <a:r>
+              <a:rPr lang="en-US" altLang="ko-KR" dirty="0" smtClean="0"/>
+              <a:t>: IF</a:t>
             </a:r>
             <a:endParaRPr lang="ko-KR" altLang="en-US" dirty="0"/>
           </a:p>
@@ -7340,16 +7336,1425 @@
           <a:lstStyle/>
           <a:p>
             <a:r>
+              <a:rPr lang="ko-KR" altLang="en-US" dirty="0" smtClean="0"/>
+              <a:t>주의</a:t>
+            </a:r>
+            <a:r>
+              <a:rPr lang="en-US" altLang="ko-KR" dirty="0" smtClean="0"/>
+              <a:t>!</a:t>
+            </a:r>
+          </a:p>
+          <a:p>
+            <a:pPr lvl="1"/>
+            <a:r>
+              <a:rPr lang="en-US" altLang="ko-KR" dirty="0" smtClean="0"/>
+              <a:t>Python</a:t>
+            </a:r>
+            <a:r>
+              <a:rPr lang="ko-KR" altLang="en-US" dirty="0" smtClean="0"/>
+              <a:t>이라는 아이는 들여쓰기</a:t>
+            </a:r>
+            <a:r>
+              <a:rPr lang="en-US" altLang="ko-KR" dirty="0" smtClean="0"/>
+              <a:t>(indent)</a:t>
+            </a:r>
+            <a:r>
+              <a:rPr lang="ko-KR" altLang="en-US" dirty="0" smtClean="0"/>
+              <a:t>에 굉장히 민감한 아이입니다</a:t>
+            </a:r>
+            <a:r>
+              <a:rPr lang="en-US" altLang="ko-KR" dirty="0" smtClean="0"/>
+              <a:t>.</a:t>
+            </a:r>
+          </a:p>
+          <a:p>
+            <a:pPr lvl="1"/>
+            <a:endParaRPr lang="en-US" altLang="ko-KR" dirty="0" smtClean="0"/>
+          </a:p>
+          <a:p>
+            <a:pPr lvl="1"/>
+            <a:endParaRPr lang="en-US" altLang="ko-KR" dirty="0"/>
+          </a:p>
+          <a:p>
+            <a:pPr lvl="1"/>
+            <a:endParaRPr lang="en-US" altLang="ko-KR" dirty="0" smtClean="0"/>
+          </a:p>
+          <a:p>
+            <a:pPr lvl="1"/>
+            <a:r>
+              <a:rPr lang="ko-KR" altLang="en-US" dirty="0" smtClean="0"/>
+              <a:t>위의 그림과 같이 </a:t>
+            </a:r>
+            <a:r>
+              <a:rPr lang="en-US" altLang="ko-KR" dirty="0" smtClean="0"/>
+              <a:t>if </a:t>
+            </a:r>
+            <a:r>
+              <a:rPr lang="ko-KR" altLang="en-US" dirty="0" smtClean="0"/>
+              <a:t>다음 줄에서 들여쓰기를 하고 있는데 들여쓰기 간격이 일정해야 합니다</a:t>
+            </a:r>
+            <a:r>
+              <a:rPr lang="en-US" altLang="ko-KR" dirty="0" smtClean="0"/>
+              <a:t>.</a:t>
+            </a:r>
+          </a:p>
+          <a:p>
+            <a:pPr lvl="1"/>
+            <a:r>
+              <a:rPr lang="ko-KR" altLang="en-US" dirty="0" smtClean="0"/>
+              <a:t>예를 들어 더 실행할 문장이 있을 때 들여쓰기 간격이 다르다면 에러 띄웁니다</a:t>
+            </a:r>
+            <a:r>
+              <a:rPr lang="en-US" altLang="ko-KR" dirty="0" smtClean="0"/>
+              <a:t>.</a:t>
+            </a:r>
+          </a:p>
+          <a:p>
+            <a:pPr lvl="1"/>
+            <a:r>
+              <a:rPr lang="en-US" altLang="ko-KR" dirty="0" smtClean="0"/>
+              <a:t>PEP 8</a:t>
+            </a:r>
+            <a:r>
+              <a:rPr lang="ko-KR" altLang="en-US" dirty="0" smtClean="0"/>
+              <a:t>이라는 표준에서는 들여쓰기를 공백</a:t>
+            </a:r>
+            <a:r>
+              <a:rPr lang="en-US" altLang="ko-KR" dirty="0" smtClean="0"/>
+              <a:t>(</a:t>
+            </a:r>
+            <a:r>
+              <a:rPr lang="ko-KR" altLang="en-US" dirty="0" smtClean="0"/>
+              <a:t>스페이스</a:t>
+            </a:r>
+            <a:r>
+              <a:rPr lang="en-US" altLang="ko-KR" dirty="0" smtClean="0"/>
+              <a:t>) 4</a:t>
+            </a:r>
+            <a:r>
+              <a:rPr lang="ko-KR" altLang="en-US" dirty="0" smtClean="0"/>
+              <a:t>칸으로 정의하고 있습니다</a:t>
+            </a:r>
+            <a:r>
+              <a:rPr lang="en-US" altLang="ko-KR" dirty="0" smtClean="0"/>
+              <a:t>.</a:t>
+            </a:r>
+            <a:endParaRPr lang="en-US" altLang="ko-KR" dirty="0"/>
+          </a:p>
+        </p:txBody>
+      </p:sp>
+      <p:pic>
+        <p:nvPicPr>
+          <p:cNvPr id="7" name="그림 6"/>
+          <p:cNvPicPr>
+            <a:picLocks noChangeAspect="1"/>
+          </p:cNvPicPr>
+          <p:nvPr/>
+        </p:nvPicPr>
+        <p:blipFill rotWithShape="1">
+          <a:blip r:embed="rId2"/>
+          <a:srcRect l="20556" t="25417" r="57436" b="68568"/>
+          <a:stretch/>
+        </p:blipFill>
+        <p:spPr>
+          <a:xfrm>
+            <a:off x="1306286" y="2694214"/>
+            <a:ext cx="7315420" cy="1183822"/>
+          </a:xfrm>
+          <a:prstGeom prst="rect">
+            <a:avLst/>
+          </a:prstGeom>
+        </p:spPr>
+      </p:pic>
+      <p:pic>
+        <p:nvPicPr>
+          <p:cNvPr id="3" name="그림 2"/>
+          <p:cNvPicPr>
+            <a:picLocks noChangeAspect="1"/>
+          </p:cNvPicPr>
+          <p:nvPr/>
+        </p:nvPicPr>
+        <p:blipFill rotWithShape="1">
+          <a:blip r:embed="rId3"/>
+          <a:srcRect l="20694" t="25124" r="61359" b="62015"/>
+          <a:stretch/>
+        </p:blipFill>
+        <p:spPr>
+          <a:xfrm>
+            <a:off x="1306286" y="5012872"/>
+            <a:ext cx="3673928" cy="1549936"/>
+          </a:xfrm>
+          <a:prstGeom prst="rect">
+            <a:avLst/>
+          </a:prstGeom>
+        </p:spPr>
+      </p:pic>
+    </p:spTree>
+    <p:extLst>
+      <p:ext uri="{BB962C8B-B14F-4D97-AF65-F5344CB8AC3E}">
+        <p14:creationId xmlns:p14="http://schemas.microsoft.com/office/powerpoint/2010/main" val="2216607382"/>
+      </p:ext>
+    </p:extLst>
+  </p:cSld>
+  <p:clrMapOvr>
+    <a:masterClrMapping/>
+  </p:clrMapOvr>
+  <p:timing>
+    <p:tnLst>
+      <p:par>
+        <p:cTn id="1" dur="indefinite" restart="never" nodeType="tmRoot"/>
+      </p:par>
+    </p:tnLst>
+  </p:timing>
+</p:sld>
+</file>
+
+<file path=ppt/slides/slide18.xml><?xml version="1.0" encoding="utf-8"?>
+<p:sld xmlns:a="http://schemas.openxmlformats.org/drawingml/2006/main" xmlns:r="http://schemas.openxmlformats.org/officeDocument/2006/relationships" xmlns:p="http://schemas.openxmlformats.org/presentationml/2006/main">
+  <p:cSld>
+    <p:spTree>
+      <p:nvGrpSpPr>
+        <p:cNvPr id="1" name=""/>
+        <p:cNvGrpSpPr/>
+        <p:nvPr/>
+      </p:nvGrpSpPr>
+      <p:grpSpPr>
+        <a:xfrm>
+          <a:off x="0" y="0"/>
+          <a:ext cx="0" cy="0"/>
+          <a:chOff x="0" y="0"/>
+          <a:chExt cx="0" cy="0"/>
+        </a:xfrm>
+      </p:grpSpPr>
+      <p:sp>
+        <p:nvSpPr>
+          <p:cNvPr id="2" name="제목 1"/>
+          <p:cNvSpPr>
+            <a:spLocks noGrp="1"/>
+          </p:cNvSpPr>
+          <p:nvPr>
+            <p:ph type="title"/>
+          </p:nvPr>
+        </p:nvSpPr>
+        <p:spPr>
+          <a:xfrm>
+            <a:off x="913795" y="590145"/>
+            <a:ext cx="10353761" cy="1326321"/>
+          </a:xfrm>
+        </p:spPr>
+        <p:txBody>
+          <a:bodyPr/>
+          <a:lstStyle/>
+          <a:p>
+            <a:r>
+              <a:rPr lang="ko-KR" altLang="en-US" dirty="0" smtClean="0"/>
+              <a:t>조건을 이용하자</a:t>
+            </a:r>
+            <a:r>
+              <a:rPr lang="en-US" altLang="ko-KR" dirty="0" smtClean="0"/>
+              <a:t>: IF</a:t>
+            </a:r>
+            <a:endParaRPr lang="ko-KR" altLang="en-US" dirty="0"/>
+          </a:p>
+        </p:txBody>
+      </p:sp>
+      <p:sp>
+        <p:nvSpPr>
+          <p:cNvPr id="6" name="내용 개체 틀 3"/>
+          <p:cNvSpPr>
+            <a:spLocks noGrp="1"/>
+          </p:cNvSpPr>
+          <p:nvPr>
+            <p:ph idx="1"/>
+          </p:nvPr>
+        </p:nvSpPr>
+        <p:spPr>
+          <a:xfrm>
+            <a:off x="838200" y="1833790"/>
+            <a:ext cx="10429356" cy="4351338"/>
+          </a:xfrm>
+        </p:spPr>
+        <p:txBody>
+          <a:bodyPr>
+            <a:normAutofit fontScale="92500" lnSpcReduction="10000"/>
+          </a:bodyPr>
+          <a:lstStyle/>
+          <a:p>
+            <a:r>
+              <a:rPr lang="en-US" altLang="ko-KR" dirty="0" err="1" smtClean="0"/>
+              <a:t>elif</a:t>
+            </a:r>
+            <a:r>
+              <a:rPr lang="ko-KR" altLang="en-US" dirty="0" smtClean="0"/>
+              <a:t>문</a:t>
+            </a:r>
+            <a:r>
+              <a:rPr lang="en-US" altLang="ko-KR" dirty="0" smtClean="0"/>
+              <a:t>: </a:t>
+            </a:r>
+            <a:r>
+              <a:rPr lang="ko-KR" altLang="en-US" dirty="0" smtClean="0"/>
+              <a:t>어떤 </a:t>
+            </a:r>
+            <a:r>
+              <a:rPr lang="ko-KR" altLang="en-US" dirty="0" smtClean="0"/>
+              <a:t>조건이 만족하지 않을 때</a:t>
+            </a:r>
+            <a:r>
+              <a:rPr lang="en-US" altLang="ko-KR" dirty="0" smtClean="0"/>
+              <a:t>, </a:t>
+            </a:r>
+            <a:r>
+              <a:rPr lang="ko-KR" altLang="en-US" dirty="0" smtClean="0"/>
+              <a:t>다른 조건인 경우를 추가하여</a:t>
+            </a:r>
+            <a:r>
+              <a:rPr lang="ko-KR" altLang="en-US" dirty="0" smtClean="0"/>
+              <a:t> </a:t>
+            </a:r>
+            <a:r>
+              <a:rPr lang="ko-KR" altLang="en-US" dirty="0" smtClean="0"/>
+              <a:t>실행시켜주는 문장</a:t>
+            </a:r>
+            <a:endParaRPr lang="en-US" altLang="ko-KR" dirty="0" smtClean="0"/>
+          </a:p>
+          <a:p>
+            <a:pPr lvl="1"/>
+            <a:r>
+              <a:rPr lang="ko-KR" altLang="en-US" dirty="0" smtClean="0"/>
+              <a:t>사용법</a:t>
+            </a:r>
+            <a:r>
+              <a:rPr lang="en-US" altLang="ko-KR" dirty="0" smtClean="0"/>
+              <a:t>(</a:t>
+            </a:r>
+            <a:r>
+              <a:rPr lang="ko-KR" altLang="en-US" dirty="0" smtClean="0"/>
+              <a:t>다른 조건을 여러 개도 사용 가능</a:t>
+            </a:r>
+            <a:r>
+              <a:rPr lang="en-US" altLang="ko-KR" dirty="0" smtClean="0"/>
+              <a:t>)</a:t>
+            </a:r>
+            <a:endParaRPr lang="en-US" altLang="ko-KR" dirty="0"/>
+          </a:p>
+          <a:p>
+            <a:pPr lvl="2"/>
+            <a:r>
+              <a:rPr lang="en-US" altLang="ko-KR" dirty="0" smtClean="0"/>
+              <a:t>if </a:t>
+            </a:r>
+            <a:r>
+              <a:rPr lang="ko-KR" altLang="en-US" dirty="0" smtClean="0"/>
+              <a:t>조건</a:t>
+            </a:r>
+            <a:r>
+              <a:rPr lang="en-US" altLang="ko-KR" dirty="0" smtClean="0"/>
+              <a:t>:</a:t>
+            </a:r>
+            <a:endParaRPr lang="en-US" altLang="ko-KR" dirty="0"/>
+          </a:p>
+          <a:p>
+            <a:pPr marL="914400" lvl="2" indent="0">
+              <a:buNone/>
+            </a:pPr>
+            <a:r>
+              <a:rPr lang="en-US" altLang="ko-KR" dirty="0"/>
+              <a:t> </a:t>
+            </a:r>
+            <a:r>
+              <a:rPr lang="en-US" altLang="ko-KR" dirty="0" smtClean="0"/>
+              <a:t>         </a:t>
+            </a:r>
+            <a:r>
+              <a:rPr lang="ko-KR" altLang="en-US" dirty="0" smtClean="0"/>
+              <a:t>실행시킬 문장</a:t>
+            </a:r>
+            <a:r>
+              <a:rPr lang="en-US" altLang="ko-KR" dirty="0" smtClean="0"/>
+              <a:t>1</a:t>
+            </a:r>
+          </a:p>
+          <a:p>
+            <a:pPr marL="914400" lvl="2" indent="0">
+              <a:buNone/>
+            </a:pPr>
+            <a:r>
+              <a:rPr lang="en-US" altLang="ko-KR" dirty="0"/>
+              <a:t> </a:t>
+            </a:r>
+            <a:r>
+              <a:rPr lang="en-US" altLang="ko-KR" dirty="0" smtClean="0"/>
+              <a:t>         </a:t>
+            </a:r>
+            <a:r>
+              <a:rPr lang="ko-KR" altLang="en-US" dirty="0" smtClean="0"/>
+              <a:t>실행시킬 문장</a:t>
+            </a:r>
+            <a:r>
+              <a:rPr lang="en-US" altLang="ko-KR" dirty="0" smtClean="0"/>
+              <a:t>2</a:t>
+            </a:r>
+          </a:p>
+          <a:p>
+            <a:pPr marL="914400" lvl="2" indent="0">
+              <a:buNone/>
+            </a:pPr>
+            <a:r>
+              <a:rPr lang="en-US" altLang="ko-KR" dirty="0"/>
+              <a:t> </a:t>
+            </a:r>
+            <a:r>
+              <a:rPr lang="en-US" altLang="ko-KR" dirty="0" smtClean="0"/>
+              <a:t>         </a:t>
+            </a:r>
+            <a:r>
+              <a:rPr lang="en-US" altLang="ko-KR" dirty="0" smtClean="0"/>
+              <a:t>…</a:t>
+            </a:r>
+          </a:p>
+          <a:p>
+            <a:pPr lvl="2"/>
+            <a:r>
+              <a:rPr lang="en-US" altLang="ko-KR" dirty="0" err="1" smtClean="0"/>
+              <a:t>elif</a:t>
+            </a:r>
+            <a:r>
+              <a:rPr lang="en-US" altLang="ko-KR" dirty="0" smtClean="0"/>
+              <a:t> </a:t>
+            </a:r>
+            <a:r>
+              <a:rPr lang="ko-KR" altLang="en-US" dirty="0"/>
+              <a:t>조건</a:t>
+            </a:r>
+            <a:r>
+              <a:rPr lang="en-US" altLang="ko-KR" dirty="0"/>
+              <a:t>:</a:t>
+            </a:r>
+          </a:p>
+          <a:p>
+            <a:pPr marL="914400" lvl="2" indent="0">
+              <a:buNone/>
+            </a:pPr>
+            <a:r>
+              <a:rPr lang="en-US" altLang="ko-KR" dirty="0"/>
+              <a:t>          </a:t>
+            </a:r>
+            <a:r>
+              <a:rPr lang="ko-KR" altLang="en-US" dirty="0"/>
+              <a:t>실행시킬 문장</a:t>
+            </a:r>
+            <a:r>
+              <a:rPr lang="en-US" altLang="ko-KR" dirty="0"/>
+              <a:t>1</a:t>
+            </a:r>
+          </a:p>
+          <a:p>
+            <a:pPr marL="914400" lvl="2" indent="0">
+              <a:buNone/>
+            </a:pPr>
+            <a:r>
+              <a:rPr lang="en-US" altLang="ko-KR" dirty="0"/>
+              <a:t>          </a:t>
+            </a:r>
+            <a:r>
+              <a:rPr lang="ko-KR" altLang="en-US" dirty="0"/>
+              <a:t>실행시킬 문장</a:t>
+            </a:r>
+            <a:r>
+              <a:rPr lang="en-US" altLang="ko-KR" dirty="0"/>
+              <a:t>2</a:t>
+            </a:r>
+          </a:p>
+          <a:p>
+            <a:pPr marL="914400" lvl="2" indent="0">
+              <a:buNone/>
+            </a:pPr>
+            <a:r>
+              <a:rPr lang="en-US" altLang="ko-KR" dirty="0"/>
+              <a:t>          …</a:t>
+            </a:r>
+          </a:p>
+          <a:p>
+            <a:pPr marL="914400" lvl="2" indent="0">
+              <a:buNone/>
+            </a:pPr>
+            <a:endParaRPr lang="en-US" altLang="ko-KR" dirty="0"/>
+          </a:p>
+          <a:p>
+            <a:pPr lvl="1"/>
+            <a:r>
+              <a:rPr lang="en-US" altLang="ko-KR" dirty="0"/>
+              <a:t>a</a:t>
+            </a:r>
+            <a:r>
+              <a:rPr lang="en-US" altLang="ko-KR" dirty="0" smtClean="0"/>
+              <a:t> </a:t>
+            </a:r>
+            <a:r>
+              <a:rPr lang="en-US" altLang="ko-KR" dirty="0" smtClean="0"/>
+              <a:t>&gt; </a:t>
+            </a:r>
+            <a:r>
+              <a:rPr lang="en-US" altLang="ko-KR" dirty="0" smtClean="0"/>
+              <a:t>b</a:t>
+            </a:r>
+            <a:r>
+              <a:rPr lang="ko-KR" altLang="en-US" dirty="0"/>
+              <a:t>가</a:t>
+            </a:r>
+            <a:r>
+              <a:rPr lang="ko-KR" altLang="en-US" dirty="0" smtClean="0"/>
+              <a:t> </a:t>
+            </a:r>
+            <a:r>
+              <a:rPr lang="ko-KR" altLang="en-US" dirty="0" smtClean="0"/>
+              <a:t>참이라면 </a:t>
+            </a:r>
+            <a:r>
+              <a:rPr lang="en-US" altLang="ko-KR" dirty="0" smtClean="0"/>
+              <a:t>“</a:t>
+            </a:r>
+            <a:r>
+              <a:rPr lang="en-US" altLang="ko-KR" dirty="0" smtClean="0"/>
+              <a:t>a</a:t>
+            </a:r>
+            <a:r>
+              <a:rPr lang="ko-KR" altLang="en-US" dirty="0" smtClean="0"/>
+              <a:t>는 </a:t>
+            </a:r>
+            <a:r>
+              <a:rPr lang="en-US" altLang="ko-KR" dirty="0" smtClean="0"/>
+              <a:t>b</a:t>
+            </a:r>
+            <a:r>
+              <a:rPr lang="ko-KR" altLang="en-US" dirty="0" smtClean="0"/>
+              <a:t>보다 크다</a:t>
+            </a:r>
+            <a:r>
+              <a:rPr lang="en-US" altLang="ko-KR" dirty="0" smtClean="0"/>
+              <a:t>”</a:t>
+            </a:r>
+            <a:r>
+              <a:rPr lang="ko-KR" altLang="en-US" dirty="0" smtClean="0"/>
+              <a:t>라고 출력</a:t>
+            </a:r>
+            <a:endParaRPr lang="en-US" altLang="ko-KR" dirty="0" smtClean="0"/>
+          </a:p>
+          <a:p>
+            <a:pPr lvl="1"/>
+            <a:r>
+              <a:rPr lang="en-US" altLang="ko-KR" dirty="0" smtClean="0"/>
+              <a:t>a &lt; b</a:t>
+            </a:r>
+            <a:r>
+              <a:rPr lang="ko-KR" altLang="en-US" dirty="0" smtClean="0"/>
+              <a:t>가 참이라면 </a:t>
+            </a:r>
+            <a:r>
+              <a:rPr lang="en-US" altLang="ko-KR" dirty="0" smtClean="0"/>
+              <a:t>“a</a:t>
+            </a:r>
+            <a:r>
+              <a:rPr lang="ko-KR" altLang="en-US" dirty="0" smtClean="0"/>
+              <a:t>는 </a:t>
+            </a:r>
+            <a:r>
+              <a:rPr lang="en-US" altLang="ko-KR" dirty="0" smtClean="0"/>
+              <a:t>b</a:t>
+            </a:r>
+            <a:r>
+              <a:rPr lang="ko-KR" altLang="en-US" dirty="0" smtClean="0"/>
+              <a:t>보다 작다</a:t>
+            </a:r>
+            <a:r>
+              <a:rPr lang="en-US" altLang="ko-KR" dirty="0" smtClean="0"/>
+              <a:t>”</a:t>
+            </a:r>
+            <a:r>
+              <a:rPr lang="ko-KR" altLang="en-US" dirty="0" smtClean="0"/>
+              <a:t>라고 출력</a:t>
+            </a:r>
+            <a:endParaRPr lang="en-US" altLang="ko-KR" dirty="0" smtClean="0"/>
+          </a:p>
+        </p:txBody>
+      </p:sp>
+      <p:pic>
+        <p:nvPicPr>
+          <p:cNvPr id="3" name="그림 2"/>
+          <p:cNvPicPr>
+            <a:picLocks noChangeAspect="1"/>
+          </p:cNvPicPr>
+          <p:nvPr/>
+        </p:nvPicPr>
+        <p:blipFill rotWithShape="1">
+          <a:blip r:embed="rId2"/>
+          <a:srcRect l="4963" t="52647" r="81558" b="37925"/>
+          <a:stretch/>
+        </p:blipFill>
+        <p:spPr>
+          <a:xfrm>
+            <a:off x="7528408" y="4645479"/>
+            <a:ext cx="3739148" cy="1539649"/>
+          </a:xfrm>
+          <a:prstGeom prst="rect">
+            <a:avLst/>
+          </a:prstGeom>
+        </p:spPr>
+      </p:pic>
+      <p:pic>
+        <p:nvPicPr>
+          <p:cNvPr id="7" name="그림 6"/>
+          <p:cNvPicPr>
+            <a:picLocks noChangeAspect="1"/>
+          </p:cNvPicPr>
+          <p:nvPr/>
+        </p:nvPicPr>
+        <p:blipFill rotWithShape="1">
+          <a:blip r:embed="rId2"/>
+          <a:srcRect l="20160" t="20379" r="63189" b="61776"/>
+          <a:stretch/>
+        </p:blipFill>
+        <p:spPr>
+          <a:xfrm>
+            <a:off x="7541790" y="2294696"/>
+            <a:ext cx="3725766" cy="2350783"/>
+          </a:xfrm>
+          <a:prstGeom prst="rect">
+            <a:avLst/>
+          </a:prstGeom>
+        </p:spPr>
+      </p:pic>
+    </p:spTree>
+    <p:extLst>
+      <p:ext uri="{BB962C8B-B14F-4D97-AF65-F5344CB8AC3E}">
+        <p14:creationId xmlns:p14="http://schemas.microsoft.com/office/powerpoint/2010/main" val="1818526057"/>
+      </p:ext>
+    </p:extLst>
+  </p:cSld>
+  <p:clrMapOvr>
+    <a:masterClrMapping/>
+  </p:clrMapOvr>
+  <p:timing>
+    <p:tnLst>
+      <p:par>
+        <p:cTn id="1" dur="indefinite" restart="never" nodeType="tmRoot"/>
+      </p:par>
+    </p:tnLst>
+  </p:timing>
+</p:sld>
+</file>
+
+<file path=ppt/slides/slide19.xml><?xml version="1.0" encoding="utf-8"?>
+<p:sld xmlns:a="http://schemas.openxmlformats.org/drawingml/2006/main" xmlns:r="http://schemas.openxmlformats.org/officeDocument/2006/relationships" xmlns:p="http://schemas.openxmlformats.org/presentationml/2006/main">
+  <p:cSld>
+    <p:spTree>
+      <p:nvGrpSpPr>
+        <p:cNvPr id="1" name=""/>
+        <p:cNvGrpSpPr/>
+        <p:nvPr/>
+      </p:nvGrpSpPr>
+      <p:grpSpPr>
+        <a:xfrm>
+          <a:off x="0" y="0"/>
+          <a:ext cx="0" cy="0"/>
+          <a:chOff x="0" y="0"/>
+          <a:chExt cx="0" cy="0"/>
+        </a:xfrm>
+      </p:grpSpPr>
+      <p:sp>
+        <p:nvSpPr>
+          <p:cNvPr id="2" name="제목 1"/>
+          <p:cNvSpPr>
+            <a:spLocks noGrp="1"/>
+          </p:cNvSpPr>
+          <p:nvPr>
+            <p:ph type="title"/>
+          </p:nvPr>
+        </p:nvSpPr>
+        <p:spPr>
+          <a:xfrm>
+            <a:off x="913795" y="590145"/>
+            <a:ext cx="10353761" cy="1326321"/>
+          </a:xfrm>
+        </p:spPr>
+        <p:txBody>
+          <a:bodyPr/>
+          <a:lstStyle/>
+          <a:p>
+            <a:r>
+              <a:rPr lang="ko-KR" altLang="en-US" dirty="0" smtClean="0"/>
+              <a:t>조건을 이용하자</a:t>
+            </a:r>
+            <a:r>
+              <a:rPr lang="en-US" altLang="ko-KR" dirty="0" smtClean="0"/>
+              <a:t>: IF</a:t>
+            </a:r>
+            <a:endParaRPr lang="ko-KR" altLang="en-US" dirty="0"/>
+          </a:p>
+        </p:txBody>
+      </p:sp>
+      <p:sp>
+        <p:nvSpPr>
+          <p:cNvPr id="6" name="내용 개체 틀 3"/>
+          <p:cNvSpPr>
+            <a:spLocks noGrp="1"/>
+          </p:cNvSpPr>
+          <p:nvPr>
+            <p:ph idx="1"/>
+          </p:nvPr>
+        </p:nvSpPr>
+        <p:spPr>
+          <a:xfrm>
+            <a:off x="838200" y="1833790"/>
+            <a:ext cx="10429356" cy="4351338"/>
+          </a:xfrm>
+        </p:spPr>
+        <p:txBody>
+          <a:bodyPr>
+            <a:normAutofit/>
+          </a:bodyPr>
+          <a:lstStyle/>
+          <a:p>
+            <a:r>
+              <a:rPr lang="en-US" altLang="ko-KR" dirty="0" smtClean="0"/>
+              <a:t>else</a:t>
+            </a:r>
+            <a:r>
+              <a:rPr lang="ko-KR" altLang="en-US" dirty="0" smtClean="0"/>
+              <a:t>문</a:t>
+            </a:r>
+            <a:r>
+              <a:rPr lang="en-US" altLang="ko-KR" dirty="0" smtClean="0"/>
+              <a:t>: </a:t>
+            </a:r>
+            <a:r>
+              <a:rPr lang="en-US" altLang="ko-KR" dirty="0" smtClean="0"/>
+              <a:t>if</a:t>
+            </a:r>
+            <a:r>
+              <a:rPr lang="ko-KR" altLang="en-US" dirty="0" smtClean="0"/>
+              <a:t>와 </a:t>
+            </a:r>
+            <a:r>
+              <a:rPr lang="en-US" altLang="ko-KR" dirty="0" err="1" smtClean="0"/>
+              <a:t>elif</a:t>
+            </a:r>
+            <a:r>
+              <a:rPr lang="ko-KR" altLang="en-US" dirty="0" smtClean="0"/>
+              <a:t>에서 실행되지 않는 모든 조건에 대해 </a:t>
+            </a:r>
+            <a:r>
+              <a:rPr lang="ko-KR" altLang="en-US" dirty="0" smtClean="0"/>
+              <a:t>실행시켜주는 문장</a:t>
+            </a:r>
+            <a:endParaRPr lang="en-US" altLang="ko-KR" dirty="0" smtClean="0"/>
+          </a:p>
+          <a:p>
+            <a:pPr lvl="1"/>
+            <a:r>
+              <a:rPr lang="ko-KR" altLang="en-US" dirty="0" smtClean="0"/>
+              <a:t>사용법</a:t>
+            </a:r>
+            <a:endParaRPr lang="en-US" altLang="ko-KR" dirty="0"/>
+          </a:p>
+        </p:txBody>
+      </p:sp>
+      <p:sp>
+        <p:nvSpPr>
+          <p:cNvPr id="4" name="직사각형 3"/>
+          <p:cNvSpPr/>
+          <p:nvPr/>
+        </p:nvSpPr>
+        <p:spPr>
+          <a:xfrm>
+            <a:off x="1545772" y="2567987"/>
+            <a:ext cx="2707822" cy="4154984"/>
+          </a:xfrm>
+          <a:prstGeom prst="rect">
+            <a:avLst/>
+          </a:prstGeom>
+        </p:spPr>
+        <p:txBody>
+          <a:bodyPr wrap="square">
+            <a:spAutoFit/>
+          </a:bodyPr>
+          <a:lstStyle/>
+          <a:p>
+            <a:r>
+              <a:rPr lang="en-US" altLang="ko-KR" sz="2200" dirty="0"/>
+              <a:t>if </a:t>
+            </a:r>
+            <a:r>
+              <a:rPr lang="ko-KR" altLang="en-US" sz="2200" dirty="0"/>
+              <a:t>조건</a:t>
+            </a:r>
+            <a:r>
+              <a:rPr lang="en-US" altLang="ko-KR" sz="2200" dirty="0"/>
+              <a:t>:</a:t>
+            </a:r>
+          </a:p>
+          <a:p>
+            <a:r>
+              <a:rPr lang="en-US" altLang="ko-KR" sz="2200" dirty="0"/>
+              <a:t>          </a:t>
+            </a:r>
+            <a:r>
+              <a:rPr lang="ko-KR" altLang="en-US" sz="2200" dirty="0"/>
+              <a:t>실행시킬 문장</a:t>
+            </a:r>
+            <a:r>
+              <a:rPr lang="en-US" altLang="ko-KR" sz="2200" dirty="0"/>
+              <a:t>1</a:t>
+            </a:r>
+          </a:p>
+          <a:p>
+            <a:r>
+              <a:rPr lang="en-US" altLang="ko-KR" sz="2200" dirty="0"/>
+              <a:t>          </a:t>
+            </a:r>
+            <a:r>
+              <a:rPr lang="ko-KR" altLang="en-US" sz="2200" dirty="0"/>
+              <a:t>실행시킬 문장</a:t>
+            </a:r>
+            <a:r>
+              <a:rPr lang="en-US" altLang="ko-KR" sz="2200" dirty="0"/>
+              <a:t>2</a:t>
+            </a:r>
+          </a:p>
+          <a:p>
+            <a:r>
+              <a:rPr lang="en-US" altLang="ko-KR" sz="2200" dirty="0"/>
+              <a:t>          </a:t>
+            </a:r>
+            <a:r>
+              <a:rPr lang="en-US" altLang="ko-KR" sz="2200" dirty="0" smtClean="0"/>
+              <a:t>…</a:t>
+            </a:r>
+          </a:p>
+          <a:p>
+            <a:r>
+              <a:rPr lang="en-US" altLang="ko-KR" sz="2200" dirty="0" err="1" smtClean="0"/>
+              <a:t>elif</a:t>
+            </a:r>
+            <a:r>
+              <a:rPr lang="en-US" altLang="ko-KR" sz="2200" dirty="0" smtClean="0"/>
+              <a:t> </a:t>
+            </a:r>
+            <a:r>
+              <a:rPr lang="ko-KR" altLang="en-US" sz="2200" dirty="0"/>
+              <a:t>조건</a:t>
+            </a:r>
+            <a:r>
+              <a:rPr lang="en-US" altLang="ko-KR" sz="2200" dirty="0"/>
+              <a:t>:</a:t>
+            </a:r>
+          </a:p>
+          <a:p>
+            <a:r>
+              <a:rPr lang="en-US" altLang="ko-KR" sz="2200" dirty="0"/>
+              <a:t>          </a:t>
+            </a:r>
+            <a:r>
+              <a:rPr lang="ko-KR" altLang="en-US" sz="2200" dirty="0"/>
+              <a:t>실행시킬 문장</a:t>
+            </a:r>
+            <a:r>
+              <a:rPr lang="en-US" altLang="ko-KR" sz="2200" dirty="0"/>
+              <a:t>1</a:t>
+            </a:r>
+          </a:p>
+          <a:p>
+            <a:r>
+              <a:rPr lang="en-US" altLang="ko-KR" sz="2200" dirty="0"/>
+              <a:t>          </a:t>
+            </a:r>
+            <a:r>
+              <a:rPr lang="ko-KR" altLang="en-US" sz="2200" dirty="0"/>
+              <a:t>실행시킬 문장</a:t>
+            </a:r>
+            <a:r>
+              <a:rPr lang="en-US" altLang="ko-KR" sz="2200" dirty="0"/>
+              <a:t>2</a:t>
+            </a:r>
+          </a:p>
+          <a:p>
+            <a:r>
+              <a:rPr lang="en-US" altLang="ko-KR" sz="2200" dirty="0"/>
+              <a:t>          …</a:t>
+            </a:r>
+          </a:p>
+          <a:p>
+            <a:r>
+              <a:rPr lang="en-US" altLang="ko-KR" sz="2200" dirty="0"/>
+              <a:t>else:</a:t>
+            </a:r>
+          </a:p>
+          <a:p>
+            <a:r>
+              <a:rPr lang="en-US" altLang="ko-KR" sz="2200" dirty="0"/>
+              <a:t>          </a:t>
+            </a:r>
+            <a:r>
+              <a:rPr lang="ko-KR" altLang="en-US" sz="2200" dirty="0"/>
+              <a:t>실행시킬 문장</a:t>
+            </a:r>
+            <a:r>
+              <a:rPr lang="en-US" altLang="ko-KR" sz="2200" dirty="0"/>
+              <a:t>1</a:t>
+            </a:r>
+          </a:p>
+          <a:p>
+            <a:r>
+              <a:rPr lang="en-US" altLang="ko-KR" sz="2200" dirty="0"/>
+              <a:t>          </a:t>
+            </a:r>
+            <a:r>
+              <a:rPr lang="ko-KR" altLang="en-US" sz="2200" dirty="0"/>
+              <a:t>실행시킬 문장</a:t>
+            </a:r>
+            <a:r>
+              <a:rPr lang="en-US" altLang="ko-KR" sz="2200" dirty="0"/>
+              <a:t>2</a:t>
+            </a:r>
+          </a:p>
+          <a:p>
+            <a:r>
+              <a:rPr lang="en-US" altLang="ko-KR" sz="2200" dirty="0"/>
+              <a:t>          …</a:t>
+            </a:r>
+            <a:endParaRPr lang="en-US" altLang="ko-KR" sz="2200" dirty="0"/>
+          </a:p>
+        </p:txBody>
+      </p:sp>
+    </p:spTree>
+    <p:extLst>
+      <p:ext uri="{BB962C8B-B14F-4D97-AF65-F5344CB8AC3E}">
+        <p14:creationId xmlns:p14="http://schemas.microsoft.com/office/powerpoint/2010/main" val="2222454413"/>
+      </p:ext>
+    </p:extLst>
+  </p:cSld>
+  <p:clrMapOvr>
+    <a:masterClrMapping/>
+  </p:clrMapOvr>
+  <p:timing>
+    <p:tnLst>
+      <p:par>
+        <p:cTn id="1" dur="indefinite" restart="never" nodeType="tmRoot"/>
+      </p:par>
+    </p:tnLst>
+  </p:timing>
+</p:sld>
+</file>
+
+<file path=ppt/slides/slide2.xml><?xml version="1.0" encoding="utf-8"?>
+<p:sld xmlns:a="http://schemas.openxmlformats.org/drawingml/2006/main" xmlns:r="http://schemas.openxmlformats.org/officeDocument/2006/relationships" xmlns:p="http://schemas.openxmlformats.org/presentationml/2006/main">
+  <p:cSld>
+    <p:spTree>
+      <p:nvGrpSpPr>
+        <p:cNvPr id="1" name=""/>
+        <p:cNvGrpSpPr/>
+        <p:nvPr/>
+      </p:nvGrpSpPr>
+      <p:grpSpPr>
+        <a:xfrm>
+          <a:off x="0" y="0"/>
+          <a:ext cx="0" cy="0"/>
+          <a:chOff x="0" y="0"/>
+          <a:chExt cx="0" cy="0"/>
+        </a:xfrm>
+      </p:grpSpPr>
+      <p:sp>
+        <p:nvSpPr>
+          <p:cNvPr id="2" name="제목 1"/>
+          <p:cNvSpPr>
+            <a:spLocks noGrp="1"/>
+          </p:cNvSpPr>
+          <p:nvPr>
+            <p:ph type="title"/>
+          </p:nvPr>
+        </p:nvSpPr>
+        <p:spPr/>
+        <p:txBody>
+          <a:bodyPr/>
+          <a:lstStyle/>
+          <a:p>
+            <a:r>
+              <a:rPr lang="en-US" altLang="ko-KR" dirty="0" smtClean="0"/>
+              <a:t>Index</a:t>
+            </a:r>
+            <a:endParaRPr lang="ko-KR" altLang="en-US" dirty="0"/>
+          </a:p>
+        </p:txBody>
+      </p:sp>
+      <p:sp>
+        <p:nvSpPr>
+          <p:cNvPr id="3" name="내용 개체 틀 2"/>
+          <p:cNvSpPr>
+            <a:spLocks noGrp="1"/>
+          </p:cNvSpPr>
+          <p:nvPr>
+            <p:ph idx="1"/>
+          </p:nvPr>
+        </p:nvSpPr>
+        <p:spPr/>
+        <p:txBody>
+          <a:bodyPr>
+            <a:normAutofit/>
+          </a:bodyPr>
+          <a:lstStyle/>
+          <a:p>
+            <a:pPr marL="514350" indent="-514350">
+              <a:buFont typeface="+mj-lt"/>
+              <a:buAutoNum type="arabicPeriod"/>
+            </a:pPr>
+            <a:r>
+              <a:rPr lang="ko-KR" altLang="en-US" dirty="0" smtClean="0"/>
+              <a:t>실습환경</a:t>
+            </a:r>
+            <a:endParaRPr lang="en-US" altLang="ko-KR" dirty="0"/>
+          </a:p>
+          <a:p>
+            <a:pPr marL="514350" indent="-514350">
+              <a:buFont typeface="+mj-lt"/>
+              <a:buAutoNum type="arabicPeriod"/>
+            </a:pPr>
+            <a:r>
+              <a:rPr lang="ko-KR" altLang="en-US" dirty="0" smtClean="0"/>
+              <a:t>실습도구</a:t>
+            </a:r>
+            <a:r>
+              <a:rPr lang="en-US" altLang="ko-KR" dirty="0" smtClean="0"/>
+              <a:t>: PYCHARM</a:t>
+            </a:r>
+          </a:p>
+          <a:p>
+            <a:pPr marL="514350" indent="-514350">
+              <a:buFont typeface="+mj-lt"/>
+              <a:buAutoNum type="arabicPeriod"/>
+            </a:pPr>
+            <a:r>
+              <a:rPr lang="en-US" altLang="ko-KR" dirty="0" smtClean="0"/>
+              <a:t>PYTHON </a:t>
+            </a:r>
+            <a:r>
+              <a:rPr lang="ko-KR" altLang="en-US" dirty="0" smtClean="0"/>
+              <a:t>첫걸음</a:t>
+            </a:r>
+            <a:r>
+              <a:rPr lang="en-US" altLang="ko-KR" dirty="0" smtClean="0"/>
+              <a:t>: HELLO WORLD</a:t>
+            </a:r>
+          </a:p>
+          <a:p>
+            <a:pPr marL="514350" indent="-514350">
+              <a:buFont typeface="+mj-lt"/>
+              <a:buAutoNum type="arabicPeriod"/>
+            </a:pPr>
+            <a:r>
+              <a:rPr lang="ko-KR" altLang="en-US" dirty="0" smtClean="0"/>
+              <a:t>산술 연산</a:t>
+            </a:r>
+            <a:endParaRPr lang="en-US" altLang="ko-KR" dirty="0" smtClean="0"/>
+          </a:p>
+          <a:p>
+            <a:pPr marL="514350" indent="-514350">
+              <a:buFont typeface="+mj-lt"/>
+              <a:buAutoNum type="arabicPeriod"/>
+            </a:pPr>
+            <a:r>
+              <a:rPr lang="ko-KR" altLang="en-US" dirty="0" smtClean="0"/>
+              <a:t>변수와 타입</a:t>
+            </a:r>
+            <a:endParaRPr lang="en-US" altLang="ko-KR" dirty="0" smtClean="0"/>
+          </a:p>
+          <a:p>
+            <a:pPr marL="514350" indent="-514350">
+              <a:buFont typeface="+mj-lt"/>
+              <a:buAutoNum type="arabicPeriod"/>
+            </a:pPr>
+            <a:r>
+              <a:rPr lang="ko-KR" altLang="en-US" dirty="0" smtClean="0"/>
+              <a:t>조건을 이용하자</a:t>
+            </a:r>
+            <a:r>
+              <a:rPr lang="en-US" altLang="ko-KR" dirty="0" smtClean="0"/>
+              <a:t>: IF</a:t>
+            </a:r>
+          </a:p>
+          <a:p>
+            <a:pPr marL="514350" indent="-514350">
+              <a:buFont typeface="+mj-lt"/>
+              <a:buAutoNum type="arabicPeriod"/>
+            </a:pPr>
+            <a:r>
+              <a:rPr lang="ko-KR" altLang="en-US" dirty="0" smtClean="0"/>
+              <a:t>참고 문헌</a:t>
+            </a:r>
+            <a:endParaRPr lang="ko-KR" altLang="en-US" dirty="0"/>
+          </a:p>
+        </p:txBody>
+      </p:sp>
+    </p:spTree>
+    <p:extLst>
+      <p:ext uri="{BB962C8B-B14F-4D97-AF65-F5344CB8AC3E}">
+        <p14:creationId xmlns:p14="http://schemas.microsoft.com/office/powerpoint/2010/main" val="1117209451"/>
+      </p:ext>
+    </p:extLst>
+  </p:cSld>
+  <p:clrMapOvr>
+    <a:masterClrMapping/>
+  </p:clrMapOvr>
+  <p:timing>
+    <p:tnLst>
+      <p:par>
+        <p:cTn id="1" dur="indefinite" restart="never" nodeType="tmRoot"/>
+      </p:par>
+    </p:tnLst>
+  </p:timing>
+</p:sld>
+</file>
+
+<file path=ppt/slides/slide20.xml><?xml version="1.0" encoding="utf-8"?>
+<p:sld xmlns:a="http://schemas.openxmlformats.org/drawingml/2006/main" xmlns:r="http://schemas.openxmlformats.org/officeDocument/2006/relationships" xmlns:p="http://schemas.openxmlformats.org/presentationml/2006/main">
+  <p:cSld>
+    <p:spTree>
+      <p:nvGrpSpPr>
+        <p:cNvPr id="1" name=""/>
+        <p:cNvGrpSpPr/>
+        <p:nvPr/>
+      </p:nvGrpSpPr>
+      <p:grpSpPr>
+        <a:xfrm>
+          <a:off x="0" y="0"/>
+          <a:ext cx="0" cy="0"/>
+          <a:chOff x="0" y="0"/>
+          <a:chExt cx="0" cy="0"/>
+        </a:xfrm>
+      </p:grpSpPr>
+      <p:sp>
+        <p:nvSpPr>
+          <p:cNvPr id="2" name="제목 1"/>
+          <p:cNvSpPr>
+            <a:spLocks noGrp="1"/>
+          </p:cNvSpPr>
+          <p:nvPr>
+            <p:ph type="title"/>
+          </p:nvPr>
+        </p:nvSpPr>
+        <p:spPr>
+          <a:xfrm>
+            <a:off x="913795" y="590145"/>
+            <a:ext cx="10353761" cy="1326321"/>
+          </a:xfrm>
+        </p:spPr>
+        <p:txBody>
+          <a:bodyPr/>
+          <a:lstStyle/>
+          <a:p>
+            <a:r>
+              <a:rPr lang="ko-KR" altLang="en-US" dirty="0" smtClean="0"/>
+              <a:t>조건을 이용하자</a:t>
+            </a:r>
+            <a:r>
+              <a:rPr lang="en-US" altLang="ko-KR" dirty="0" smtClean="0"/>
+              <a:t>: IF</a:t>
+            </a:r>
+            <a:endParaRPr lang="ko-KR" altLang="en-US" dirty="0"/>
+          </a:p>
+        </p:txBody>
+      </p:sp>
+      <p:sp>
+        <p:nvSpPr>
+          <p:cNvPr id="6" name="내용 개체 틀 3"/>
+          <p:cNvSpPr>
+            <a:spLocks noGrp="1"/>
+          </p:cNvSpPr>
+          <p:nvPr>
+            <p:ph idx="1"/>
+          </p:nvPr>
+        </p:nvSpPr>
+        <p:spPr>
+          <a:xfrm>
+            <a:off x="838200" y="1833790"/>
+            <a:ext cx="10429356" cy="4351338"/>
+          </a:xfrm>
+        </p:spPr>
+        <p:txBody>
+          <a:bodyPr>
+            <a:normAutofit/>
+          </a:bodyPr>
+          <a:lstStyle/>
+          <a:p>
+            <a:r>
+              <a:rPr lang="en-US" altLang="ko-KR" dirty="0"/>
+              <a:t>a &gt; b</a:t>
+            </a:r>
+            <a:r>
+              <a:rPr lang="ko-KR" altLang="en-US" dirty="0"/>
+              <a:t>가 참이라면 </a:t>
+            </a:r>
+            <a:r>
+              <a:rPr lang="en-US" altLang="ko-KR" dirty="0"/>
+              <a:t>“a</a:t>
+            </a:r>
+            <a:r>
+              <a:rPr lang="ko-KR" altLang="en-US" dirty="0"/>
+              <a:t>는 </a:t>
+            </a:r>
+            <a:r>
+              <a:rPr lang="en-US" altLang="ko-KR" dirty="0"/>
+              <a:t>b</a:t>
+            </a:r>
+            <a:r>
+              <a:rPr lang="ko-KR" altLang="en-US" dirty="0"/>
+              <a:t>보다 </a:t>
+            </a:r>
+            <a:r>
+              <a:rPr lang="ko-KR" altLang="en-US" dirty="0" smtClean="0"/>
+              <a:t>크다</a:t>
+            </a:r>
+            <a:r>
+              <a:rPr lang="en-US" altLang="ko-KR" dirty="0" smtClean="0"/>
+              <a:t>.”</a:t>
+            </a:r>
+            <a:r>
+              <a:rPr lang="ko-KR" altLang="en-US" dirty="0"/>
+              <a:t>라고 출력</a:t>
+            </a:r>
+            <a:endParaRPr lang="en-US" altLang="ko-KR" dirty="0"/>
+          </a:p>
+          <a:p>
+            <a:r>
+              <a:rPr lang="en-US" altLang="ko-KR" dirty="0"/>
+              <a:t>a &lt; b</a:t>
+            </a:r>
+            <a:r>
+              <a:rPr lang="ko-KR" altLang="en-US" dirty="0"/>
+              <a:t>가 참이라면 </a:t>
+            </a:r>
+            <a:r>
+              <a:rPr lang="en-US" altLang="ko-KR" dirty="0"/>
+              <a:t>“a</a:t>
+            </a:r>
+            <a:r>
+              <a:rPr lang="ko-KR" altLang="en-US" dirty="0"/>
+              <a:t>는 </a:t>
+            </a:r>
+            <a:r>
+              <a:rPr lang="en-US" altLang="ko-KR" dirty="0"/>
+              <a:t>b</a:t>
+            </a:r>
+            <a:r>
+              <a:rPr lang="ko-KR" altLang="en-US" dirty="0"/>
+              <a:t>보다 </a:t>
+            </a:r>
+            <a:r>
+              <a:rPr lang="ko-KR" altLang="en-US" dirty="0" smtClean="0"/>
+              <a:t>작다</a:t>
+            </a:r>
+            <a:r>
+              <a:rPr lang="en-US" altLang="ko-KR" dirty="0" smtClean="0"/>
+              <a:t>.”</a:t>
+            </a:r>
+            <a:r>
+              <a:rPr lang="ko-KR" altLang="en-US" dirty="0"/>
+              <a:t>라고 출력</a:t>
+            </a:r>
+            <a:endParaRPr lang="en-US" altLang="ko-KR" dirty="0"/>
+          </a:p>
+          <a:p>
+            <a:r>
+              <a:rPr lang="ko-KR" altLang="en-US" dirty="0"/>
+              <a:t>그도 아니라면 </a:t>
+            </a:r>
+            <a:r>
+              <a:rPr lang="en-US" altLang="ko-KR" dirty="0"/>
+              <a:t>“a</a:t>
+            </a:r>
+            <a:r>
+              <a:rPr lang="ko-KR" altLang="en-US" dirty="0"/>
+              <a:t>는 </a:t>
+            </a:r>
+            <a:r>
+              <a:rPr lang="en-US" altLang="ko-KR" dirty="0"/>
+              <a:t>b</a:t>
+            </a:r>
+            <a:r>
+              <a:rPr lang="ko-KR" altLang="en-US" dirty="0"/>
+              <a:t>와 </a:t>
+            </a:r>
+            <a:r>
+              <a:rPr lang="ko-KR" altLang="en-US" dirty="0" smtClean="0"/>
+              <a:t>같다</a:t>
+            </a:r>
+            <a:r>
+              <a:rPr lang="en-US" altLang="ko-KR" dirty="0" smtClean="0"/>
+              <a:t>.”</a:t>
+            </a:r>
+            <a:r>
+              <a:rPr lang="ko-KR" altLang="en-US" dirty="0"/>
+              <a:t>라고 출력</a:t>
+            </a:r>
+            <a:endParaRPr lang="en-US" altLang="ko-KR" dirty="0"/>
+          </a:p>
+          <a:p>
+            <a:endParaRPr lang="en-US" altLang="ko-KR" dirty="0"/>
+          </a:p>
+        </p:txBody>
+      </p:sp>
+      <p:pic>
+        <p:nvPicPr>
+          <p:cNvPr id="3" name="그림 2"/>
+          <p:cNvPicPr>
+            <a:picLocks noChangeAspect="1"/>
+          </p:cNvPicPr>
+          <p:nvPr/>
+        </p:nvPicPr>
+        <p:blipFill rotWithShape="1">
+          <a:blip r:embed="rId2"/>
+          <a:srcRect l="6066" t="52971" r="82212" b="38474"/>
+          <a:stretch/>
+        </p:blipFill>
+        <p:spPr>
+          <a:xfrm>
+            <a:off x="6858000" y="3279902"/>
+            <a:ext cx="4409556" cy="1894734"/>
+          </a:xfrm>
+          <a:prstGeom prst="rect">
+            <a:avLst/>
+          </a:prstGeom>
+        </p:spPr>
+      </p:pic>
+      <p:pic>
+        <p:nvPicPr>
+          <p:cNvPr id="7" name="그림 6"/>
+          <p:cNvPicPr>
+            <a:picLocks noChangeAspect="1"/>
+          </p:cNvPicPr>
+          <p:nvPr/>
+        </p:nvPicPr>
+        <p:blipFill rotWithShape="1">
+          <a:blip r:embed="rId2"/>
+          <a:srcRect l="20566" t="20667" r="63224" b="57245"/>
+          <a:stretch/>
+        </p:blipFill>
+        <p:spPr>
+          <a:xfrm>
+            <a:off x="913794" y="3279902"/>
+            <a:ext cx="4066419" cy="3262325"/>
+          </a:xfrm>
+          <a:prstGeom prst="rect">
+            <a:avLst/>
+          </a:prstGeom>
+        </p:spPr>
+      </p:pic>
+    </p:spTree>
+    <p:extLst>
+      <p:ext uri="{BB962C8B-B14F-4D97-AF65-F5344CB8AC3E}">
+        <p14:creationId xmlns:p14="http://schemas.microsoft.com/office/powerpoint/2010/main" val="3229277901"/>
+      </p:ext>
+    </p:extLst>
+  </p:cSld>
+  <p:clrMapOvr>
+    <a:masterClrMapping/>
+  </p:clrMapOvr>
+  <p:timing>
+    <p:tnLst>
+      <p:par>
+        <p:cTn id="1" dur="indefinite" restart="never" nodeType="tmRoot"/>
+      </p:par>
+    </p:tnLst>
+  </p:timing>
+</p:sld>
+</file>
+
+<file path=ppt/slides/slide21.xml><?xml version="1.0" encoding="utf-8"?>
+<p:sld xmlns:a="http://schemas.openxmlformats.org/drawingml/2006/main" xmlns:r="http://schemas.openxmlformats.org/officeDocument/2006/relationships" xmlns:p="http://schemas.openxmlformats.org/presentationml/2006/main">
+  <p:cSld>
+    <p:spTree>
+      <p:nvGrpSpPr>
+        <p:cNvPr id="1" name=""/>
+        <p:cNvGrpSpPr/>
+        <p:nvPr/>
+      </p:nvGrpSpPr>
+      <p:grpSpPr>
+        <a:xfrm>
+          <a:off x="0" y="0"/>
+          <a:ext cx="0" cy="0"/>
+          <a:chOff x="0" y="0"/>
+          <a:chExt cx="0" cy="0"/>
+        </a:xfrm>
+      </p:grpSpPr>
+      <p:sp>
+        <p:nvSpPr>
+          <p:cNvPr id="2" name="제목 1"/>
+          <p:cNvSpPr>
+            <a:spLocks noGrp="1"/>
+          </p:cNvSpPr>
+          <p:nvPr>
+            <p:ph type="title"/>
+          </p:nvPr>
+        </p:nvSpPr>
+        <p:spPr>
+          <a:xfrm>
+            <a:off x="913795" y="590145"/>
+            <a:ext cx="10353761" cy="1326321"/>
+          </a:xfrm>
+        </p:spPr>
+        <p:txBody>
+          <a:bodyPr/>
+          <a:lstStyle/>
+          <a:p>
+            <a:r>
+              <a:rPr lang="ko-KR" altLang="en-US" dirty="0" smtClean="0"/>
+              <a:t>연습</a:t>
+            </a:r>
+            <a:r>
+              <a:rPr lang="en-US" altLang="ko-KR" dirty="0" smtClean="0"/>
+              <a:t>2. </a:t>
+            </a:r>
+            <a:r>
+              <a:rPr lang="ko-KR" altLang="en-US" dirty="0" smtClean="0"/>
+              <a:t>좌표와 직선과의 관계</a:t>
+            </a:r>
+            <a:r>
+              <a:rPr lang="en-US" altLang="ko-KR" dirty="0" smtClean="0"/>
+              <a:t>.</a:t>
+            </a:r>
+            <a:endParaRPr lang="ko-KR" altLang="en-US" dirty="0"/>
+          </a:p>
+        </p:txBody>
+      </p:sp>
+      <p:sp>
+        <p:nvSpPr>
+          <p:cNvPr id="6" name="내용 개체 틀 3"/>
+          <p:cNvSpPr>
+            <a:spLocks noGrp="1"/>
+          </p:cNvSpPr>
+          <p:nvPr>
+            <p:ph idx="1"/>
+          </p:nvPr>
+        </p:nvSpPr>
+        <p:spPr>
+          <a:xfrm>
+            <a:off x="838200" y="1833790"/>
+            <a:ext cx="10429356" cy="4351338"/>
+          </a:xfrm>
+        </p:spPr>
+        <p:txBody>
+          <a:bodyPr>
+            <a:normAutofit/>
+          </a:bodyPr>
+          <a:lstStyle/>
+          <a:p>
+            <a:r>
               <a:rPr lang="en-US" altLang="ko-KR" dirty="0" smtClean="0"/>
               <a:t>Example) (1, 2)</a:t>
             </a:r>
             <a:r>
               <a:rPr lang="ko-KR" altLang="en-US" dirty="0" smtClean="0"/>
-              <a:t>라는 좌표</a:t>
-            </a:r>
-            <a:r>
-              <a:rPr lang="ko-KR" altLang="en-US" dirty="0" smtClean="0"/>
-              <a:t>가 직선 </a:t>
+              <a:t>라는 좌표가 직선 </a:t>
             </a:r>
             <a:r>
               <a:rPr lang="en-US" altLang="ko-KR" dirty="0" smtClean="0"/>
@@ -7361,18 +8766,66 @@
             </a:r>
             <a:r>
               <a:rPr lang="en-US" altLang="ko-KR" dirty="0" smtClean="0"/>
+              <a:t>.(</a:t>
+            </a:r>
+            <a:r>
+              <a:rPr lang="ko-KR" altLang="en-US" dirty="0" smtClean="0"/>
+              <a:t>직선의 모양과 좌표를 고쳐가며 확인해봅시다</a:t>
+            </a:r>
+            <a:r>
+              <a:rPr lang="en-US" altLang="ko-KR" dirty="0" smtClean="0"/>
+              <a:t>.)</a:t>
+            </a:r>
+            <a:endParaRPr lang="en-US" altLang="ko-KR" dirty="0" smtClean="0"/>
+          </a:p>
+          <a:p>
+            <a:pPr lvl="1"/>
+            <a:r>
+              <a:rPr lang="en-US" altLang="ko-KR" dirty="0" smtClean="0"/>
+              <a:t>(1, 2)</a:t>
+            </a:r>
+            <a:r>
+              <a:rPr lang="ko-KR" altLang="en-US" dirty="0" smtClean="0"/>
+              <a:t>라는 좌표는 </a:t>
+            </a:r>
+            <a:r>
+              <a:rPr lang="en-US" altLang="ko-KR" dirty="0" smtClean="0"/>
+              <a:t>x=1</a:t>
+            </a:r>
+            <a:r>
+              <a:rPr lang="ko-KR" altLang="en-US" dirty="0" smtClean="0"/>
+              <a:t>일 때</a:t>
+            </a:r>
+            <a:r>
+              <a:rPr lang="en-US" altLang="ko-KR" dirty="0" smtClean="0"/>
+              <a:t>, y=2</a:t>
+            </a:r>
+            <a:r>
+              <a:rPr lang="ko-KR" altLang="en-US" dirty="0" smtClean="0"/>
+              <a:t>라는 의미로도 해석할 수 </a:t>
+            </a:r>
+            <a:r>
+              <a:rPr lang="ko-KR" altLang="en-US" dirty="0" smtClean="0"/>
+              <a:t>있습니다</a:t>
+            </a:r>
+            <a:r>
+              <a:rPr lang="en-US" altLang="ko-KR" dirty="0" smtClean="0"/>
               <a:t>.</a:t>
             </a:r>
           </a:p>
           <a:p>
             <a:pPr lvl="1"/>
             <a:r>
-              <a:rPr lang="en-US" altLang="ko-KR" dirty="0" smtClean="0"/>
-              <a:t>(1, 2)</a:t>
-            </a:r>
-            <a:r>
-              <a:rPr lang="ko-KR" altLang="en-US" dirty="0" smtClean="0"/>
-              <a:t>라는 좌표는 </a:t>
+              <a:rPr lang="ko-KR" altLang="en-US" dirty="0" smtClean="0"/>
+              <a:t>따라서</a:t>
+            </a:r>
+            <a:r>
+              <a:rPr lang="en-US" altLang="ko-KR" dirty="0" smtClean="0"/>
+              <a:t>, 2x+1</a:t>
+            </a:r>
+            <a:r>
+              <a:rPr lang="ko-KR" altLang="en-US" dirty="0" smtClean="0"/>
+              <a:t>에 </a:t>
             </a:r>
             <a:r>
               <a:rPr lang="en-US" altLang="ko-KR" dirty="0" smtClean="0"/>
@@ -7380,59 +8833,74 @@
             </a:r>
             <a:r>
               <a:rPr lang="ko-KR" altLang="en-US" dirty="0" smtClean="0"/>
-              <a:t>일 때</a:t>
-            </a:r>
-            <a:r>
-              <a:rPr lang="en-US" altLang="ko-KR" dirty="0" smtClean="0"/>
-              <a:t>, y=2</a:t>
-            </a:r>
-            <a:r>
-              <a:rPr lang="ko-KR" altLang="en-US" dirty="0" smtClean="0"/>
-              <a:t>라는 의미로도 해석할 수 있다</a:t>
+              <a:t>을 대입한 결과와 </a:t>
+            </a:r>
+            <a:r>
+              <a:rPr lang="en-US" altLang="ko-KR" dirty="0" smtClean="0"/>
+              <a:t>2</a:t>
+            </a:r>
+            <a:r>
+              <a:rPr lang="ko-KR" altLang="en-US" dirty="0" smtClean="0"/>
+              <a:t>를 비교해보면 알 수 </a:t>
+            </a:r>
+            <a:r>
+              <a:rPr lang="ko-KR" altLang="en-US" dirty="0" smtClean="0"/>
+              <a:t>있습니다</a:t>
             </a:r>
             <a:r>
               <a:rPr lang="en-US" altLang="ko-KR" dirty="0" smtClean="0"/>
               <a:t>.</a:t>
             </a:r>
-          </a:p>
-          <a:p>
-            <a:pPr lvl="1"/>
-            <a:r>
-              <a:rPr lang="ko-KR" altLang="en-US" dirty="0" smtClean="0"/>
-              <a:t>따라서</a:t>
-            </a:r>
-            <a:r>
-              <a:rPr lang="en-US" altLang="ko-KR" dirty="0" smtClean="0"/>
-              <a:t>, 2x+1</a:t>
-            </a:r>
-            <a:r>
-              <a:rPr lang="ko-KR" altLang="en-US" dirty="0" smtClean="0"/>
-              <a:t>에 </a:t>
-            </a:r>
-            <a:r>
-              <a:rPr lang="en-US" altLang="ko-KR" dirty="0" smtClean="0"/>
-              <a:t>x=1</a:t>
-            </a:r>
-            <a:r>
-              <a:rPr lang="ko-KR" altLang="en-US" dirty="0" smtClean="0"/>
-              <a:t>을 대입한 결과와 </a:t>
-            </a:r>
-            <a:r>
-              <a:rPr lang="en-US" altLang="ko-KR" dirty="0" smtClean="0"/>
-              <a:t>2</a:t>
-            </a:r>
-            <a:r>
-              <a:rPr lang="ko-KR" altLang="en-US" dirty="0" smtClean="0"/>
-              <a:t>를 비교해보면 알 수 있을 것이다</a:t>
-            </a:r>
-            <a:r>
-              <a:rPr lang="en-US" altLang="ko-KR" dirty="0" smtClean="0"/>
-              <a:t>.</a:t>
-            </a:r>
             <a:endParaRPr lang="en-US" altLang="ko-KR" dirty="0"/>
           </a:p>
         </p:txBody>
       </p:sp>
+      <p:pic>
+        <p:nvPicPr>
+          <p:cNvPr id="3" name="그림 2"/>
+          <p:cNvPicPr>
+            <a:picLocks noChangeAspect="1"/>
+          </p:cNvPicPr>
+          <p:nvPr/>
+        </p:nvPicPr>
+        <p:blipFill rotWithShape="1">
+          <a:blip r:embed="rId2"/>
+          <a:srcRect l="5253" t="52861" r="82284" b="37437"/>
+          <a:stretch/>
+        </p:blipFill>
+        <p:spPr>
+          <a:xfrm>
+            <a:off x="7279188" y="3434393"/>
+            <a:ext cx="3988368" cy="1828005"/>
+          </a:xfrm>
+          <a:prstGeom prst="rect">
+            <a:avLst/>
+          </a:prstGeom>
+        </p:spPr>
+      </p:pic>
+      <p:pic>
+        <p:nvPicPr>
+          <p:cNvPr id="5" name="그림 4"/>
+          <p:cNvPicPr>
+            <a:picLocks noChangeAspect="1"/>
+          </p:cNvPicPr>
+          <p:nvPr/>
+        </p:nvPicPr>
+        <p:blipFill rotWithShape="1">
+          <a:blip r:embed="rId2"/>
+          <a:srcRect l="20406" t="12966" r="48307" b="53736"/>
+          <a:stretch/>
+        </p:blipFill>
+        <p:spPr>
+          <a:xfrm>
+            <a:off x="913795" y="3434393"/>
+            <a:ext cx="4390247" cy="2750735"/>
+          </a:xfrm>
+          <a:prstGeom prst="rect">
+            <a:avLst/>
+          </a:prstGeom>
+        </p:spPr>
+      </p:pic>
     </p:spTree>
     <p:extLst>
       <p:ext uri="{BB962C8B-B14F-4D97-AF65-F5344CB8AC3E}">
@@ -7453,7 +8921,7 @@
 </p:sld>
 </file>
 
-<file path=ppt/slides/slide18.xml><?xml version="1.0" encoding="utf-8"?>
+<file path=ppt/slides/slide22.xml><?xml version="1.0" encoding="utf-8"?>
 <p:sld xmlns:a="http://schemas.openxmlformats.org/drawingml/2006/main" xmlns:r="http://schemas.openxmlformats.org/officeDocument/2006/relationships" xmlns:p="http://schemas.openxmlformats.org/presentationml/2006/main">
   <p:cSld>
     <p:spTree>
@@ -7898,189 +9366,6 @@
 </p:sld>
 </file>
 
-<file path=ppt/slides/slide2.xml><?xml version="1.0" encoding="utf-8"?>
-<p:sld xmlns:a="http://schemas.openxmlformats.org/drawingml/2006/main" xmlns:r="http://schemas.openxmlformats.org/officeDocument/2006/relationships" xmlns:p="http://schemas.openxmlformats.org/presentationml/2006/main">
-  <p:cSld>
-    <p:spTree>
-      <p:nvGrpSpPr>
-        <p:cNvPr id="1" name=""/>
-        <p:cNvGrpSpPr/>
-        <p:nvPr/>
-      </p:nvGrpSpPr>
-      <p:grpSpPr>
-        <a:xfrm>
-          <a:off x="0" y="0"/>
-          <a:ext cx="0" cy="0"/>
-          <a:chOff x="0" y="0"/>
-          <a:chExt cx="0" cy="0"/>
-        </a:xfrm>
-      </p:grpSpPr>
-      <p:sp>
-        <p:nvSpPr>
-          <p:cNvPr id="2" name="제목 1"/>
-          <p:cNvSpPr>
-            <a:spLocks noGrp="1"/>
-          </p:cNvSpPr>
-          <p:nvPr>
-            <p:ph type="title"/>
-          </p:nvPr>
-        </p:nvSpPr>
-        <p:spPr/>
-        <p:txBody>
-          <a:bodyPr/>
-          <a:lstStyle/>
-          <a:p>
-            <a:r>
-              <a:rPr lang="en-US" altLang="ko-KR" dirty="0" smtClean="0"/>
-              <a:t>Index</a:t>
-            </a:r>
-            <a:endParaRPr lang="ko-KR" altLang="en-US" dirty="0"/>
-          </a:p>
-        </p:txBody>
-      </p:sp>
-      <p:sp>
-        <p:nvSpPr>
-          <p:cNvPr id="3" name="내용 개체 틀 2"/>
-          <p:cNvSpPr>
-            <a:spLocks noGrp="1"/>
-          </p:cNvSpPr>
-          <p:nvPr>
-            <p:ph idx="1"/>
-          </p:nvPr>
-        </p:nvSpPr>
-        <p:spPr/>
-        <p:txBody>
-          <a:bodyPr>
-            <a:normAutofit/>
-          </a:bodyPr>
-          <a:lstStyle/>
-          <a:p>
-            <a:pPr marL="514350" indent="-514350">
-              <a:buFont typeface="+mj-lt"/>
-              <a:buAutoNum type="arabicPeriod"/>
-            </a:pPr>
-            <a:r>
-              <a:rPr lang="ko-KR" altLang="en-US" dirty="0" smtClean="0"/>
-              <a:t>실습환경</a:t>
-            </a:r>
-            <a:endParaRPr lang="en-US" altLang="ko-KR" dirty="0"/>
-          </a:p>
-          <a:p>
-            <a:pPr marL="514350" indent="-514350">
-              <a:buFont typeface="+mj-lt"/>
-              <a:buAutoNum type="arabicPeriod"/>
-            </a:pPr>
-            <a:r>
-              <a:rPr lang="ko-KR" altLang="en-US" dirty="0" smtClean="0"/>
-              <a:t>실습도구</a:t>
-            </a:r>
-            <a:r>
-              <a:rPr lang="en-US" altLang="ko-KR" dirty="0" smtClean="0"/>
-              <a:t>: </a:t>
-            </a:r>
-            <a:r>
-              <a:rPr lang="en-US" altLang="ko-KR" dirty="0" smtClean="0"/>
-              <a:t>PYCHARM</a:t>
-            </a:r>
-            <a:endParaRPr lang="en-US" altLang="ko-KR" dirty="0" smtClean="0"/>
-          </a:p>
-          <a:p>
-            <a:pPr marL="514350" indent="-514350">
-              <a:buFont typeface="+mj-lt"/>
-              <a:buAutoNum type="arabicPeriod"/>
-            </a:pPr>
-            <a:r>
-              <a:rPr lang="en-US" altLang="ko-KR" dirty="0" smtClean="0"/>
-              <a:t>PYTHON </a:t>
-            </a:r>
-            <a:r>
-              <a:rPr lang="ko-KR" altLang="en-US" dirty="0" smtClean="0"/>
-              <a:t>첫걸음</a:t>
-            </a:r>
-            <a:r>
-              <a:rPr lang="en-US" altLang="ko-KR" dirty="0" smtClean="0"/>
-              <a:t>: </a:t>
-            </a:r>
-            <a:r>
-              <a:rPr lang="en-US" altLang="ko-KR" dirty="0" smtClean="0"/>
-              <a:t>HELLO WORLD</a:t>
-            </a:r>
-            <a:endParaRPr lang="en-US" altLang="ko-KR" dirty="0" smtClean="0"/>
-          </a:p>
-          <a:p>
-            <a:pPr marL="514350" indent="-514350">
-              <a:buFont typeface="+mj-lt"/>
-              <a:buAutoNum type="arabicPeriod"/>
-            </a:pPr>
-            <a:r>
-              <a:rPr lang="ko-KR" altLang="en-US" dirty="0" smtClean="0"/>
-              <a:t>산술 연산</a:t>
-            </a:r>
-            <a:endParaRPr lang="en-US" altLang="ko-KR" dirty="0" smtClean="0"/>
-          </a:p>
-          <a:p>
-            <a:pPr marL="514350" indent="-514350">
-              <a:buFont typeface="+mj-lt"/>
-              <a:buAutoNum type="arabicPeriod"/>
-            </a:pPr>
-            <a:r>
-              <a:rPr lang="ko-KR" altLang="en-US" dirty="0" smtClean="0"/>
-              <a:t>변수와 </a:t>
-            </a:r>
-            <a:r>
-              <a:rPr lang="ko-KR" altLang="en-US" dirty="0" smtClean="0"/>
-              <a:t>타입</a:t>
-            </a:r>
-            <a:endParaRPr lang="en-US" altLang="ko-KR" dirty="0" smtClean="0"/>
-          </a:p>
-          <a:p>
-            <a:pPr marL="514350" indent="-514350">
-              <a:buFont typeface="+mj-lt"/>
-              <a:buAutoNum type="arabicPeriod"/>
-            </a:pPr>
-            <a:r>
-              <a:rPr lang="ko-KR" altLang="en-US" dirty="0" smtClean="0"/>
-              <a:t>조건을 이용하자</a:t>
-            </a:r>
-            <a:r>
-              <a:rPr lang="en-US" altLang="ko-KR" dirty="0" smtClean="0"/>
-              <a:t>: IF</a:t>
-            </a:r>
-            <a:endParaRPr lang="en-US" altLang="ko-KR" dirty="0" smtClean="0"/>
-          </a:p>
-          <a:p>
-            <a:pPr marL="514350" indent="-514350">
-              <a:buFont typeface="+mj-lt"/>
-              <a:buAutoNum type="arabicPeriod"/>
-            </a:pPr>
-            <a:r>
-              <a:rPr lang="ko-KR" altLang="en-US" dirty="0" smtClean="0"/>
-              <a:t>참고 문헌</a:t>
-            </a:r>
-            <a:endParaRPr lang="ko-KR" altLang="en-US" dirty="0"/>
-          </a:p>
-        </p:txBody>
-      </p:sp>
-    </p:spTree>
-    <p:extLst>
-      <p:ext uri="{BB962C8B-B14F-4D97-AF65-F5344CB8AC3E}">
-        <p14:creationId xmlns:p14="http://schemas.microsoft.com/office/powerpoint/2010/main" val="1117209451"/>
-      </p:ext>
-    </p:extLst>
-  </p:cSld>
-  <p:clrMapOvr>
-    <a:masterClrMapping/>
-  </p:clrMapOvr>
-  <p:timing>
-    <p:tnLst>
-      <p:par>
-        <p:cTn id="1" dur="indefinite" restart="never" nodeType="tmRoot"/>
-      </p:par>
-    </p:tnLst>
-  </p:timing>
-</p:sld>
-</file>
-
 <file path=ppt/slides/slide3.xml><?xml version="1.0" encoding="utf-8"?>
 <p:sld xmlns:a="http://schemas.openxmlformats.org/drawingml/2006/main" xmlns:r="http://schemas.openxmlformats.org/officeDocument/2006/relationships" xmlns:p="http://schemas.openxmlformats.org/presentationml/2006/main">
   <p:cSld>
@@ -8196,13 +9481,8 @@
             </a:r>
             <a:r>
               <a:rPr lang="en-US" altLang="ko-KR" dirty="0" smtClean="0"/>
-              <a:t>: Windows </a:t>
-            </a:r>
-            <a:r>
-              <a:rPr lang="en-US" altLang="ko-KR" dirty="0" smtClean="0"/>
-              <a:t>10 Pro</a:t>
-            </a:r>
-            <a:endParaRPr lang="en-US" altLang="ko-KR" dirty="0" smtClean="0"/>
+              <a:t>: Windows 10 Pro</a:t>
+            </a:r>
           </a:p>
           <a:p>
             <a:pPr lvl="1"/>

--- a/ppt/2. 실습환경 및 Python 기초.pptx
+++ b/ppt/2. 실습환경 및 Python 기초.pptx
@@ -26,7 +26,12 @@
     <p:sldId id="321" r:id="rId20"/>
     <p:sldId id="322" r:id="rId21"/>
     <p:sldId id="316" r:id="rId22"/>
-    <p:sldId id="295" r:id="rId23"/>
+    <p:sldId id="325" r:id="rId23"/>
+    <p:sldId id="323" r:id="rId24"/>
+    <p:sldId id="326" r:id="rId25"/>
+    <p:sldId id="327" r:id="rId26"/>
+    <p:sldId id="324" r:id="rId27"/>
+    <p:sldId id="295" r:id="rId28"/>
   </p:sldIdLst>
   <p:sldSz cx="12192000" cy="6858000"/>
   <p:notesSz cx="6858000" cy="9144000"/>
@@ -7594,11 +7599,7 @@
             </a:r>
             <a:r>
               <a:rPr lang="ko-KR" altLang="en-US" dirty="0" smtClean="0"/>
-              <a:t>어떤 </a:t>
-            </a:r>
-            <a:r>
-              <a:rPr lang="ko-KR" altLang="en-US" dirty="0" smtClean="0"/>
-              <a:t>조건이 만족하지 않을 때</a:t>
+              <a:t>어떤 조건이 만족하지 않을 때</a:t>
             </a:r>
             <a:r>
               <a:rPr lang="en-US" altLang="ko-KR" dirty="0" smtClean="0"/>
@@ -7606,15 +7607,7 @@
             </a:r>
             <a:r>
               <a:rPr lang="ko-KR" altLang="en-US" dirty="0" smtClean="0"/>
-              <a:t>다른 조건인 경우를 추가하여</a:t>
-            </a:r>
-            <a:r>
-              <a:rPr lang="ko-KR" altLang="en-US" dirty="0" smtClean="0"/>
-              <a:t> </a:t>
-            </a:r>
-            <a:r>
-              <a:rPr lang="ko-KR" altLang="en-US" dirty="0" smtClean="0"/>
-              <a:t>실행시켜주는 문장</a:t>
+              <a:t>다른 조건인 경우를 추가하여 실행시켜주는 문장</a:t>
             </a:r>
             <a:endParaRPr lang="en-US" altLang="ko-KR" dirty="0" smtClean="0"/>
           </a:p>
@@ -7706,11 +7699,7 @@
             </a:r>
             <a:r>
               <a:rPr lang="en-US" altLang="ko-KR" dirty="0" smtClean="0"/>
-              <a:t>         </a:t>
-            </a:r>
-            <a:r>
-              <a:rPr lang="en-US" altLang="ko-KR" dirty="0" smtClean="0"/>
-              <a:t>…</a:t>
+              <a:t>         …</a:t>
             </a:r>
           </a:p>
           <a:p>
@@ -7789,15 +7778,7 @@
             </a:r>
             <a:r>
               <a:rPr lang="en-US" altLang="ko-KR" dirty="0" smtClean="0"/>
-              <a:t> </a:t>
-            </a:r>
-            <a:r>
-              <a:rPr lang="en-US" altLang="ko-KR" dirty="0" smtClean="0"/>
-              <a:t>&gt; </a:t>
-            </a:r>
-            <a:r>
-              <a:rPr lang="en-US" altLang="ko-KR" dirty="0" smtClean="0"/>
-              <a:t>b</a:t>
+              <a:t> &gt; b</a:t>
             </a:r>
             <a:r>
               <a:rPr lang="ko-KR" altLang="en-US" dirty="0"/>
@@ -7805,19 +7786,11 @@
             </a:r>
             <a:r>
               <a:rPr lang="ko-KR" altLang="en-US" dirty="0" smtClean="0"/>
-              <a:t> </a:t>
-            </a:r>
-            <a:r>
-              <a:rPr lang="ko-KR" altLang="en-US" dirty="0" smtClean="0"/>
-              <a:t>참이라면 </a:t>
-            </a:r>
-            <a:r>
-              <a:rPr lang="en-US" altLang="ko-KR" dirty="0" smtClean="0"/>
-              <a:t>“</a:t>
-            </a:r>
-            <a:r>
-              <a:rPr lang="en-US" altLang="ko-KR" dirty="0" smtClean="0"/>
-              <a:t>a</a:t>
+              <a:t> 참이라면 </a:t>
+            </a:r>
+            <a:r>
+              <a:rPr lang="en-US" altLang="ko-KR" dirty="0" smtClean="0"/>
+              <a:t>“a</a:t>
             </a:r>
             <a:r>
               <a:rPr lang="ko-KR" altLang="en-US" dirty="0" smtClean="0"/>
@@ -8026,11 +7999,7 @@
             </a:r>
             <a:r>
               <a:rPr lang="en-US" altLang="ko-KR" dirty="0" smtClean="0"/>
-              <a:t>: </a:t>
-            </a:r>
-            <a:r>
-              <a:rPr lang="en-US" altLang="ko-KR" dirty="0" smtClean="0"/>
-              <a:t>if</a:t>
+              <a:t>: if</a:t>
             </a:r>
             <a:r>
               <a:rPr lang="ko-KR" altLang="en-US" dirty="0" smtClean="0"/>
@@ -8042,11 +8011,7 @@
             </a:r>
             <a:r>
               <a:rPr lang="ko-KR" altLang="en-US" dirty="0" smtClean="0"/>
-              <a:t>에서 실행되지 않는 모든 조건에 대해 </a:t>
-            </a:r>
-            <a:r>
-              <a:rPr lang="ko-KR" altLang="en-US" dirty="0" smtClean="0"/>
-              <a:t>실행시켜주는 문장</a:t>
+              <a:t>에서 실행되지 않는 모든 조건에 대해 실행시켜주는 문장</a:t>
             </a:r>
             <a:endParaRPr lang="en-US" altLang="ko-KR" dirty="0" smtClean="0"/>
           </a:p>
@@ -8223,7 +8188,6 @@
               <a:rPr lang="en-US" altLang="ko-KR" sz="2200" dirty="0"/>
               <a:t>          …</a:t>
             </a:r>
-            <a:endParaRPr lang="en-US" altLang="ko-KR" sz="2200" dirty="0"/>
           </a:p>
         </p:txBody>
       </p:sp>
@@ -8300,7 +8264,7 @@
         <p:spPr/>
         <p:txBody>
           <a:bodyPr>
-            <a:normAutofit/>
+            <a:normAutofit lnSpcReduction="10000"/>
           </a:bodyPr>
           <a:lstStyle/>
           <a:p>
@@ -8379,8 +8343,23 @@
             </a:r>
             <a:r>
               <a:rPr lang="en-US" altLang="ko-KR" dirty="0" smtClean="0"/>
-              <a:t>: IF</a:t>
-            </a:r>
+              <a:t>: </a:t>
+            </a:r>
+            <a:r>
+              <a:rPr lang="en-US" altLang="ko-KR" dirty="0" smtClean="0"/>
+              <a:t>IF</a:t>
+            </a:r>
+          </a:p>
+          <a:p>
+            <a:pPr marL="514350" indent="-514350">
+              <a:buFont typeface="+mj-lt"/>
+              <a:buAutoNum type="arabicPeriod"/>
+            </a:pPr>
+            <a:r>
+              <a:rPr lang="ko-KR" altLang="en-US" dirty="0" smtClean="0"/>
+              <a:t>논리 연산</a:t>
+            </a:r>
+            <a:endParaRPr lang="en-US" altLang="ko-KR" dirty="0" smtClean="0"/>
           </a:p>
           <a:p>
             <a:pPr marL="514350" indent="-514350">
@@ -8776,7 +8755,6 @@
               <a:rPr lang="en-US" altLang="ko-KR" dirty="0" smtClean="0"/>
               <a:t>.)</a:t>
             </a:r>
-            <a:endParaRPr lang="en-US" altLang="ko-KR" dirty="0" smtClean="0"/>
           </a:p>
           <a:p>
             <a:pPr lvl="1"/>
@@ -8802,11 +8780,7 @@
             </a:r>
             <a:r>
               <a:rPr lang="ko-KR" altLang="en-US" dirty="0" smtClean="0"/>
-              <a:t>라는 의미로도 해석할 수 </a:t>
-            </a:r>
-            <a:r>
-              <a:rPr lang="ko-KR" altLang="en-US" dirty="0" smtClean="0"/>
-              <a:t>있습니다</a:t>
+              <a:t>라는 의미로도 해석할 수 있습니다</a:t>
             </a:r>
             <a:r>
               <a:rPr lang="en-US" altLang="ko-KR" dirty="0" smtClean="0"/>
@@ -8841,11 +8815,7 @@
             </a:r>
             <a:r>
               <a:rPr lang="ko-KR" altLang="en-US" dirty="0" smtClean="0"/>
-              <a:t>를 비교해보면 알 수 </a:t>
-            </a:r>
-            <a:r>
-              <a:rPr lang="ko-KR" altLang="en-US" dirty="0" smtClean="0"/>
-              <a:t>있습니다</a:t>
+              <a:t>를 비교해보면 알 수 있습니다</a:t>
             </a:r>
             <a:r>
               <a:rPr lang="en-US" altLang="ko-KR" dirty="0" smtClean="0"/>
@@ -8922,6 +8892,1284 @@
 </file>
 
 <file path=ppt/slides/slide22.xml><?xml version="1.0" encoding="utf-8"?>
+<p:sld xmlns:a="http://schemas.openxmlformats.org/drawingml/2006/main" xmlns:r="http://schemas.openxmlformats.org/officeDocument/2006/relationships" xmlns:p="http://schemas.openxmlformats.org/presentationml/2006/main">
+  <p:cSld>
+    <p:spTree>
+      <p:nvGrpSpPr>
+        <p:cNvPr id="1" name=""/>
+        <p:cNvGrpSpPr/>
+        <p:nvPr/>
+      </p:nvGrpSpPr>
+      <p:grpSpPr>
+        <a:xfrm>
+          <a:off x="0" y="0"/>
+          <a:ext cx="0" cy="0"/>
+          <a:chOff x="0" y="0"/>
+          <a:chExt cx="0" cy="0"/>
+        </a:xfrm>
+      </p:grpSpPr>
+      <p:sp>
+        <p:nvSpPr>
+          <p:cNvPr id="2" name="제목 1"/>
+          <p:cNvSpPr>
+            <a:spLocks noGrp="1"/>
+          </p:cNvSpPr>
+          <p:nvPr>
+            <p:ph type="title"/>
+          </p:nvPr>
+        </p:nvSpPr>
+        <p:spPr>
+          <a:xfrm>
+            <a:off x="913795" y="590145"/>
+            <a:ext cx="10353761" cy="1326321"/>
+          </a:xfrm>
+        </p:spPr>
+        <p:txBody>
+          <a:bodyPr/>
+          <a:lstStyle/>
+          <a:p>
+            <a:r>
+              <a:rPr lang="ko-KR" altLang="en-US" dirty="0" smtClean="0"/>
+              <a:t>논리 연산</a:t>
+            </a:r>
+            <a:endParaRPr lang="ko-KR" altLang="en-US" dirty="0"/>
+          </a:p>
+        </p:txBody>
+      </p:sp>
+      <p:sp>
+        <p:nvSpPr>
+          <p:cNvPr id="6" name="내용 개체 틀 3"/>
+          <p:cNvSpPr>
+            <a:spLocks noGrp="1"/>
+          </p:cNvSpPr>
+          <p:nvPr>
+            <p:ph idx="1"/>
+          </p:nvPr>
+        </p:nvSpPr>
+        <p:spPr>
+          <a:xfrm>
+            <a:off x="838200" y="1833790"/>
+            <a:ext cx="10429356" cy="4351338"/>
+          </a:xfrm>
+        </p:spPr>
+        <p:txBody>
+          <a:bodyPr>
+            <a:normAutofit/>
+          </a:bodyPr>
+          <a:lstStyle/>
+          <a:p>
+            <a:r>
+              <a:rPr lang="ko-KR" altLang="en-US" dirty="0" smtClean="0"/>
+              <a:t>논리 연산</a:t>
+            </a:r>
+            <a:r>
+              <a:rPr lang="en-US" altLang="ko-KR" dirty="0" smtClean="0"/>
+              <a:t>: True</a:t>
+            </a:r>
+            <a:r>
+              <a:rPr lang="ko-KR" altLang="en-US" dirty="0" smtClean="0"/>
+              <a:t>와 </a:t>
+            </a:r>
+            <a:r>
+              <a:rPr lang="en-US" altLang="ko-KR" dirty="0" smtClean="0"/>
+              <a:t>False</a:t>
+            </a:r>
+            <a:r>
+              <a:rPr lang="ko-KR" altLang="en-US" dirty="0" smtClean="0"/>
+              <a:t>에 관련되는 연산</a:t>
+            </a:r>
+            <a:endParaRPr lang="en-US" altLang="ko-KR" dirty="0" smtClean="0"/>
+          </a:p>
+          <a:p>
+            <a:pPr lvl="1"/>
+            <a:r>
+              <a:rPr lang="en-US" altLang="ko-KR" dirty="0" smtClean="0"/>
+              <a:t>AND: </a:t>
+            </a:r>
+            <a:r>
+              <a:rPr lang="ko-KR" altLang="en-US" dirty="0" smtClean="0"/>
+              <a:t>입력</a:t>
+            </a:r>
+            <a:r>
+              <a:rPr lang="ko-KR" altLang="en-US" dirty="0" smtClean="0"/>
+              <a:t>이 </a:t>
+            </a:r>
+            <a:r>
+              <a:rPr lang="en-US" altLang="ko-KR" dirty="0" smtClean="0"/>
+              <a:t>2</a:t>
+            </a:r>
+            <a:r>
+              <a:rPr lang="ko-KR" altLang="en-US" dirty="0" smtClean="0"/>
+              <a:t>개이고 </a:t>
+            </a:r>
+            <a:r>
+              <a:rPr lang="en-US" altLang="ko-KR" dirty="0" smtClean="0"/>
+              <a:t>2</a:t>
+            </a:r>
+            <a:r>
+              <a:rPr lang="ko-KR" altLang="en-US" dirty="0" smtClean="0"/>
+              <a:t>개 모두 </a:t>
+            </a:r>
+            <a:r>
+              <a:rPr lang="en-US" altLang="ko-KR" dirty="0" smtClean="0"/>
+              <a:t>True(1)</a:t>
+            </a:r>
+            <a:r>
+              <a:rPr lang="ko-KR" altLang="en-US" dirty="0" smtClean="0"/>
+              <a:t>인 경우에만 결과가 </a:t>
+            </a:r>
+            <a:r>
+              <a:rPr lang="en-US" altLang="ko-KR" dirty="0" smtClean="0"/>
+              <a:t>True</a:t>
+            </a:r>
+            <a:endParaRPr lang="en-US" altLang="ko-KR" dirty="0" smtClean="0"/>
+          </a:p>
+        </p:txBody>
+      </p:sp>
+      <p:pic>
+        <p:nvPicPr>
+          <p:cNvPr id="7" name="그림 6"/>
+          <p:cNvPicPr>
+            <a:picLocks noChangeAspect="1"/>
+          </p:cNvPicPr>
+          <p:nvPr/>
+        </p:nvPicPr>
+        <p:blipFill rotWithShape="1">
+          <a:blip r:embed="rId2"/>
+          <a:srcRect l="20433" t="31814" r="70755" b="61179"/>
+          <a:stretch/>
+        </p:blipFill>
+        <p:spPr>
+          <a:xfrm>
+            <a:off x="1559467" y="2731041"/>
+            <a:ext cx="3593039" cy="1681843"/>
+          </a:xfrm>
+          <a:prstGeom prst="rect">
+            <a:avLst/>
+          </a:prstGeom>
+        </p:spPr>
+      </p:pic>
+    </p:spTree>
+    <p:extLst>
+      <p:ext uri="{BB962C8B-B14F-4D97-AF65-F5344CB8AC3E}">
+        <p14:creationId xmlns:p14="http://schemas.microsoft.com/office/powerpoint/2010/main" val="3419785505"/>
+      </p:ext>
+    </p:extLst>
+  </p:cSld>
+  <p:clrMapOvr>
+    <a:masterClrMapping/>
+  </p:clrMapOvr>
+  <p:timing>
+    <p:tnLst>
+      <p:par>
+        <p:cTn id="1" dur="indefinite" restart="never" nodeType="tmRoot"/>
+      </p:par>
+    </p:tnLst>
+  </p:timing>
+</p:sld>
+</file>
+
+<file path=ppt/slides/slide23.xml><?xml version="1.0" encoding="utf-8"?>
+<p:sld xmlns:a="http://schemas.openxmlformats.org/drawingml/2006/main" xmlns:r="http://schemas.openxmlformats.org/officeDocument/2006/relationships" xmlns:p="http://schemas.openxmlformats.org/presentationml/2006/main">
+  <p:cSld>
+    <p:spTree>
+      <p:nvGrpSpPr>
+        <p:cNvPr id="1" name=""/>
+        <p:cNvGrpSpPr/>
+        <p:nvPr/>
+      </p:nvGrpSpPr>
+      <p:grpSpPr>
+        <a:xfrm>
+          <a:off x="0" y="0"/>
+          <a:ext cx="0" cy="0"/>
+          <a:chOff x="0" y="0"/>
+          <a:chExt cx="0" cy="0"/>
+        </a:xfrm>
+      </p:grpSpPr>
+      <p:sp>
+        <p:nvSpPr>
+          <p:cNvPr id="2" name="제목 1"/>
+          <p:cNvSpPr>
+            <a:spLocks noGrp="1"/>
+          </p:cNvSpPr>
+          <p:nvPr>
+            <p:ph type="title"/>
+          </p:nvPr>
+        </p:nvSpPr>
+        <p:spPr>
+          <a:xfrm>
+            <a:off x="913795" y="590145"/>
+            <a:ext cx="10353761" cy="1326321"/>
+          </a:xfrm>
+        </p:spPr>
+        <p:txBody>
+          <a:bodyPr/>
+          <a:lstStyle/>
+          <a:p>
+            <a:r>
+              <a:rPr lang="ko-KR" altLang="en-US" dirty="0" smtClean="0"/>
+              <a:t>논리 연산</a:t>
+            </a:r>
+            <a:endParaRPr lang="ko-KR" altLang="en-US" dirty="0"/>
+          </a:p>
+        </p:txBody>
+      </p:sp>
+      <p:sp>
+        <p:nvSpPr>
+          <p:cNvPr id="6" name="내용 개체 틀 3"/>
+          <p:cNvSpPr>
+            <a:spLocks noGrp="1"/>
+          </p:cNvSpPr>
+          <p:nvPr>
+            <p:ph idx="1"/>
+          </p:nvPr>
+        </p:nvSpPr>
+        <p:spPr>
+          <a:xfrm>
+            <a:off x="838200" y="1833790"/>
+            <a:ext cx="10429356" cy="4351338"/>
+          </a:xfrm>
+        </p:spPr>
+        <p:txBody>
+          <a:bodyPr>
+            <a:normAutofit/>
+          </a:bodyPr>
+          <a:lstStyle/>
+          <a:p>
+            <a:r>
+              <a:rPr lang="ko-KR" altLang="en-US" dirty="0" smtClean="0"/>
+              <a:t>논리 연산</a:t>
+            </a:r>
+            <a:r>
+              <a:rPr lang="en-US" altLang="ko-KR" dirty="0" smtClean="0"/>
+              <a:t>: True</a:t>
+            </a:r>
+            <a:r>
+              <a:rPr lang="ko-KR" altLang="en-US" dirty="0" smtClean="0"/>
+              <a:t>와 </a:t>
+            </a:r>
+            <a:r>
+              <a:rPr lang="en-US" altLang="ko-KR" dirty="0" smtClean="0"/>
+              <a:t>False</a:t>
+            </a:r>
+            <a:r>
+              <a:rPr lang="ko-KR" altLang="en-US" dirty="0" smtClean="0"/>
+              <a:t>에 관련되는 연산</a:t>
+            </a:r>
+            <a:endParaRPr lang="en-US" altLang="ko-KR" dirty="0" smtClean="0"/>
+          </a:p>
+          <a:p>
+            <a:pPr lvl="1"/>
+            <a:r>
+              <a:rPr lang="en-US" altLang="ko-KR" dirty="0" smtClean="0"/>
+              <a:t>OR: </a:t>
+            </a:r>
+            <a:r>
+              <a:rPr lang="ko-KR" altLang="en-US" dirty="0" smtClean="0"/>
+              <a:t>입력이 </a:t>
+            </a:r>
+            <a:r>
+              <a:rPr lang="en-US" altLang="ko-KR" dirty="0" smtClean="0"/>
+              <a:t>2</a:t>
+            </a:r>
+            <a:r>
+              <a:rPr lang="ko-KR" altLang="en-US" dirty="0" smtClean="0"/>
+              <a:t>개이고 </a:t>
+            </a:r>
+            <a:r>
+              <a:rPr lang="en-US" altLang="ko-KR" dirty="0" smtClean="0"/>
+              <a:t>2</a:t>
+            </a:r>
+            <a:r>
+              <a:rPr lang="ko-KR" altLang="en-US" dirty="0" smtClean="0"/>
+              <a:t>개 중 하나라도 </a:t>
+            </a:r>
+            <a:r>
+              <a:rPr lang="en-US" altLang="ko-KR" dirty="0" smtClean="0"/>
+              <a:t>True</a:t>
+            </a:r>
+            <a:r>
+              <a:rPr lang="ko-KR" altLang="en-US" dirty="0" smtClean="0"/>
+              <a:t>인 경우에 결과가 </a:t>
+            </a:r>
+            <a:r>
+              <a:rPr lang="en-US" altLang="ko-KR" dirty="0" smtClean="0"/>
+              <a:t>True</a:t>
+            </a:r>
+          </a:p>
+        </p:txBody>
+      </p:sp>
+      <p:pic>
+        <p:nvPicPr>
+          <p:cNvPr id="8" name="그림 7"/>
+          <p:cNvPicPr>
+            <a:picLocks noChangeAspect="1"/>
+          </p:cNvPicPr>
+          <p:nvPr/>
+        </p:nvPicPr>
+        <p:blipFill rotWithShape="1">
+          <a:blip r:embed="rId2"/>
+          <a:srcRect l="20558" t="38502" r="71567" b="54173"/>
+          <a:stretch/>
+        </p:blipFill>
+        <p:spPr>
+          <a:xfrm>
+            <a:off x="1592035" y="2686050"/>
+            <a:ext cx="2489754" cy="1363436"/>
+          </a:xfrm>
+          <a:prstGeom prst="rect">
+            <a:avLst/>
+          </a:prstGeom>
+        </p:spPr>
+      </p:pic>
+    </p:spTree>
+    <p:extLst>
+      <p:ext uri="{BB962C8B-B14F-4D97-AF65-F5344CB8AC3E}">
+        <p14:creationId xmlns:p14="http://schemas.microsoft.com/office/powerpoint/2010/main" val="1121494309"/>
+      </p:ext>
+    </p:extLst>
+  </p:cSld>
+  <p:clrMapOvr>
+    <a:masterClrMapping/>
+  </p:clrMapOvr>
+  <p:timing>
+    <p:tnLst>
+      <p:par>
+        <p:cTn id="1" dur="indefinite" restart="never" nodeType="tmRoot"/>
+      </p:par>
+    </p:tnLst>
+  </p:timing>
+</p:sld>
+</file>
+
+<file path=ppt/slides/slide24.xml><?xml version="1.0" encoding="utf-8"?>
+<p:sld xmlns:a="http://schemas.openxmlformats.org/drawingml/2006/main" xmlns:r="http://schemas.openxmlformats.org/officeDocument/2006/relationships" xmlns:p="http://schemas.openxmlformats.org/presentationml/2006/main">
+  <p:cSld>
+    <p:spTree>
+      <p:nvGrpSpPr>
+        <p:cNvPr id="1" name=""/>
+        <p:cNvGrpSpPr/>
+        <p:nvPr/>
+      </p:nvGrpSpPr>
+      <p:grpSpPr>
+        <a:xfrm>
+          <a:off x="0" y="0"/>
+          <a:ext cx="0" cy="0"/>
+          <a:chOff x="0" y="0"/>
+          <a:chExt cx="0" cy="0"/>
+        </a:xfrm>
+      </p:grpSpPr>
+      <p:sp>
+        <p:nvSpPr>
+          <p:cNvPr id="2" name="제목 1"/>
+          <p:cNvSpPr>
+            <a:spLocks noGrp="1"/>
+          </p:cNvSpPr>
+          <p:nvPr>
+            <p:ph type="title"/>
+          </p:nvPr>
+        </p:nvSpPr>
+        <p:spPr>
+          <a:xfrm>
+            <a:off x="913795" y="590145"/>
+            <a:ext cx="10353761" cy="1326321"/>
+          </a:xfrm>
+        </p:spPr>
+        <p:txBody>
+          <a:bodyPr/>
+          <a:lstStyle/>
+          <a:p>
+            <a:r>
+              <a:rPr lang="ko-KR" altLang="en-US" dirty="0" smtClean="0"/>
+              <a:t>논리 연산</a:t>
+            </a:r>
+            <a:endParaRPr lang="ko-KR" altLang="en-US" dirty="0"/>
+          </a:p>
+        </p:txBody>
+      </p:sp>
+      <p:sp>
+        <p:nvSpPr>
+          <p:cNvPr id="6" name="내용 개체 틀 3"/>
+          <p:cNvSpPr>
+            <a:spLocks noGrp="1"/>
+          </p:cNvSpPr>
+          <p:nvPr>
+            <p:ph idx="1"/>
+          </p:nvPr>
+        </p:nvSpPr>
+        <p:spPr>
+          <a:xfrm>
+            <a:off x="838200" y="1833790"/>
+            <a:ext cx="10429356" cy="4351338"/>
+          </a:xfrm>
+        </p:spPr>
+        <p:txBody>
+          <a:bodyPr>
+            <a:normAutofit/>
+          </a:bodyPr>
+          <a:lstStyle/>
+          <a:p>
+            <a:r>
+              <a:rPr lang="ko-KR" altLang="en-US" dirty="0" smtClean="0"/>
+              <a:t>논리 연산</a:t>
+            </a:r>
+            <a:r>
+              <a:rPr lang="en-US" altLang="ko-KR" dirty="0" smtClean="0"/>
+              <a:t>: True</a:t>
+            </a:r>
+            <a:r>
+              <a:rPr lang="ko-KR" altLang="en-US" dirty="0" smtClean="0"/>
+              <a:t>와 </a:t>
+            </a:r>
+            <a:r>
+              <a:rPr lang="en-US" altLang="ko-KR" dirty="0" smtClean="0"/>
+              <a:t>False</a:t>
+            </a:r>
+            <a:r>
+              <a:rPr lang="ko-KR" altLang="en-US" dirty="0" smtClean="0"/>
+              <a:t>에 관련되는 연산</a:t>
+            </a:r>
+            <a:endParaRPr lang="en-US" altLang="ko-KR" dirty="0" smtClean="0"/>
+          </a:p>
+          <a:p>
+            <a:pPr lvl="1"/>
+            <a:r>
+              <a:rPr lang="en-US" altLang="ko-KR" dirty="0" smtClean="0"/>
+              <a:t>NAND: NOT AND</a:t>
+            </a:r>
+            <a:r>
+              <a:rPr lang="ko-KR" altLang="en-US" dirty="0" smtClean="0"/>
+              <a:t>의 약자로 </a:t>
+            </a:r>
+            <a:r>
+              <a:rPr lang="en-US" altLang="ko-KR" dirty="0" smtClean="0"/>
+              <a:t>AND</a:t>
+            </a:r>
+            <a:r>
+              <a:rPr lang="ko-KR" altLang="en-US" dirty="0" smtClean="0"/>
+              <a:t>와 반대의 결과를 낸다</a:t>
+            </a:r>
+            <a:r>
+              <a:rPr lang="en-US" altLang="ko-KR" dirty="0" smtClean="0"/>
+              <a:t>.</a:t>
+            </a:r>
+          </a:p>
+        </p:txBody>
+      </p:sp>
+      <p:pic>
+        <p:nvPicPr>
+          <p:cNvPr id="8" name="그림 7"/>
+          <p:cNvPicPr>
+            <a:picLocks noChangeAspect="1"/>
+          </p:cNvPicPr>
+          <p:nvPr/>
+        </p:nvPicPr>
+        <p:blipFill rotWithShape="1">
+          <a:blip r:embed="rId2"/>
+          <a:srcRect l="20933" t="46465" r="72317" b="47484"/>
+          <a:stretch/>
+        </p:blipFill>
+        <p:spPr>
+          <a:xfrm>
+            <a:off x="1600200" y="2686049"/>
+            <a:ext cx="2722555" cy="1436915"/>
+          </a:xfrm>
+          <a:prstGeom prst="rect">
+            <a:avLst/>
+          </a:prstGeom>
+        </p:spPr>
+      </p:pic>
+      <p:pic>
+        <p:nvPicPr>
+          <p:cNvPr id="3" name="그림 2"/>
+          <p:cNvPicPr>
+            <a:picLocks noChangeAspect="1"/>
+          </p:cNvPicPr>
+          <p:nvPr/>
+        </p:nvPicPr>
+        <p:blipFill rotWithShape="1">
+          <a:blip r:embed="rId3"/>
+          <a:srcRect l="20663" t="31672" r="68414" b="61068"/>
+          <a:stretch/>
+        </p:blipFill>
+        <p:spPr>
+          <a:xfrm>
+            <a:off x="1600200" y="4292714"/>
+            <a:ext cx="4402352" cy="1722664"/>
+          </a:xfrm>
+          <a:prstGeom prst="rect">
+            <a:avLst/>
+          </a:prstGeom>
+        </p:spPr>
+      </p:pic>
+    </p:spTree>
+    <p:extLst>
+      <p:ext uri="{BB962C8B-B14F-4D97-AF65-F5344CB8AC3E}">
+        <p14:creationId xmlns:p14="http://schemas.microsoft.com/office/powerpoint/2010/main" val="2428736358"/>
+      </p:ext>
+    </p:extLst>
+  </p:cSld>
+  <p:clrMapOvr>
+    <a:masterClrMapping/>
+  </p:clrMapOvr>
+  <p:timing>
+    <p:tnLst>
+      <p:par>
+        <p:cTn id="1" dur="indefinite" restart="never" nodeType="tmRoot"/>
+      </p:par>
+    </p:tnLst>
+  </p:timing>
+</p:sld>
+</file>
+
+<file path=ppt/slides/slide25.xml><?xml version="1.0" encoding="utf-8"?>
+<p:sld xmlns:a="http://schemas.openxmlformats.org/drawingml/2006/main" xmlns:r="http://schemas.openxmlformats.org/officeDocument/2006/relationships" xmlns:p="http://schemas.openxmlformats.org/presentationml/2006/main">
+  <p:cSld>
+    <p:spTree>
+      <p:nvGrpSpPr>
+        <p:cNvPr id="1" name=""/>
+        <p:cNvGrpSpPr/>
+        <p:nvPr/>
+      </p:nvGrpSpPr>
+      <p:grpSpPr>
+        <a:xfrm>
+          <a:off x="0" y="0"/>
+          <a:ext cx="0" cy="0"/>
+          <a:chOff x="0" y="0"/>
+          <a:chExt cx="0" cy="0"/>
+        </a:xfrm>
+      </p:grpSpPr>
+      <p:sp>
+        <p:nvSpPr>
+          <p:cNvPr id="2" name="제목 1"/>
+          <p:cNvSpPr>
+            <a:spLocks noGrp="1"/>
+          </p:cNvSpPr>
+          <p:nvPr>
+            <p:ph type="title"/>
+          </p:nvPr>
+        </p:nvSpPr>
+        <p:spPr>
+          <a:xfrm>
+            <a:off x="913795" y="590145"/>
+            <a:ext cx="10353761" cy="1326321"/>
+          </a:xfrm>
+        </p:spPr>
+        <p:txBody>
+          <a:bodyPr/>
+          <a:lstStyle/>
+          <a:p>
+            <a:r>
+              <a:rPr lang="ko-KR" altLang="en-US" dirty="0" smtClean="0"/>
+              <a:t>논리 연산</a:t>
+            </a:r>
+            <a:endParaRPr lang="ko-KR" altLang="en-US" dirty="0"/>
+          </a:p>
+        </p:txBody>
+      </p:sp>
+      <p:sp>
+        <p:nvSpPr>
+          <p:cNvPr id="6" name="내용 개체 틀 3"/>
+          <p:cNvSpPr>
+            <a:spLocks noGrp="1"/>
+          </p:cNvSpPr>
+          <p:nvPr>
+            <p:ph idx="1"/>
+          </p:nvPr>
+        </p:nvSpPr>
+        <p:spPr>
+          <a:xfrm>
+            <a:off x="838200" y="1833790"/>
+            <a:ext cx="10429356" cy="4351338"/>
+          </a:xfrm>
+        </p:spPr>
+        <p:txBody>
+          <a:bodyPr>
+            <a:normAutofit/>
+          </a:bodyPr>
+          <a:lstStyle/>
+          <a:p>
+            <a:r>
+              <a:rPr lang="ko-KR" altLang="en-US" dirty="0" smtClean="0"/>
+              <a:t>논리 연산</a:t>
+            </a:r>
+            <a:r>
+              <a:rPr lang="en-US" altLang="ko-KR" dirty="0" smtClean="0"/>
+              <a:t>: True</a:t>
+            </a:r>
+            <a:r>
+              <a:rPr lang="ko-KR" altLang="en-US" dirty="0" smtClean="0"/>
+              <a:t>와 </a:t>
+            </a:r>
+            <a:r>
+              <a:rPr lang="en-US" altLang="ko-KR" dirty="0" smtClean="0"/>
+              <a:t>False</a:t>
+            </a:r>
+            <a:r>
+              <a:rPr lang="ko-KR" altLang="en-US" dirty="0" smtClean="0"/>
+              <a:t>에 관련되는 연산</a:t>
+            </a:r>
+            <a:endParaRPr lang="en-US" altLang="ko-KR" dirty="0" smtClean="0"/>
+          </a:p>
+          <a:p>
+            <a:pPr lvl="1"/>
+            <a:r>
+              <a:rPr lang="en-US" altLang="ko-KR" dirty="0" smtClean="0"/>
+              <a:t>XOR: </a:t>
+            </a:r>
+            <a:r>
+              <a:rPr lang="ko-KR" altLang="en-US" dirty="0" smtClean="0"/>
+              <a:t>입력이 </a:t>
+            </a:r>
+            <a:r>
+              <a:rPr lang="en-US" altLang="ko-KR" dirty="0" smtClean="0"/>
+              <a:t>2</a:t>
+            </a:r>
+            <a:r>
+              <a:rPr lang="ko-KR" altLang="en-US" dirty="0" smtClean="0"/>
+              <a:t>개이고 </a:t>
+            </a:r>
+            <a:r>
+              <a:rPr lang="en-US" altLang="ko-KR" dirty="0" smtClean="0"/>
+              <a:t>2</a:t>
+            </a:r>
+            <a:r>
+              <a:rPr lang="ko-KR" altLang="en-US" dirty="0" smtClean="0"/>
+              <a:t>개가 서로 달라야 결과가 </a:t>
+            </a:r>
+            <a:r>
+              <a:rPr lang="en-US" altLang="ko-KR" dirty="0" smtClean="0"/>
+              <a:t>True</a:t>
+            </a:r>
+          </a:p>
+        </p:txBody>
+      </p:sp>
+      <p:pic>
+        <p:nvPicPr>
+          <p:cNvPr id="3" name="그림 2"/>
+          <p:cNvPicPr>
+            <a:picLocks noChangeAspect="1"/>
+          </p:cNvPicPr>
+          <p:nvPr/>
+        </p:nvPicPr>
+        <p:blipFill rotWithShape="1">
+          <a:blip r:embed="rId2"/>
+          <a:srcRect l="20738" t="38622" r="69368" b="54580"/>
+          <a:stretch/>
+        </p:blipFill>
+        <p:spPr>
+          <a:xfrm>
+            <a:off x="1575706" y="2677885"/>
+            <a:ext cx="4622113" cy="1869622"/>
+          </a:xfrm>
+          <a:prstGeom prst="rect">
+            <a:avLst/>
+          </a:prstGeom>
+        </p:spPr>
+      </p:pic>
+    </p:spTree>
+    <p:extLst>
+      <p:ext uri="{BB962C8B-B14F-4D97-AF65-F5344CB8AC3E}">
+        <p14:creationId xmlns:p14="http://schemas.microsoft.com/office/powerpoint/2010/main" val="2516997490"/>
+      </p:ext>
+    </p:extLst>
+  </p:cSld>
+  <p:clrMapOvr>
+    <a:masterClrMapping/>
+  </p:clrMapOvr>
+  <p:timing>
+    <p:tnLst>
+      <p:par>
+        <p:cTn id="1" dur="indefinite" restart="never" nodeType="tmRoot"/>
+      </p:par>
+    </p:tnLst>
+  </p:timing>
+</p:sld>
+</file>
+
+<file path=ppt/slides/slide26.xml><?xml version="1.0" encoding="utf-8"?>
+<p:sld xmlns:a="http://schemas.openxmlformats.org/drawingml/2006/main" xmlns:r="http://schemas.openxmlformats.org/officeDocument/2006/relationships" xmlns:p="http://schemas.openxmlformats.org/presentationml/2006/main">
+  <p:cSld>
+    <p:spTree>
+      <p:nvGrpSpPr>
+        <p:cNvPr id="1" name=""/>
+        <p:cNvGrpSpPr/>
+        <p:nvPr/>
+      </p:nvGrpSpPr>
+      <p:grpSpPr>
+        <a:xfrm>
+          <a:off x="0" y="0"/>
+          <a:ext cx="0" cy="0"/>
+          <a:chOff x="0" y="0"/>
+          <a:chExt cx="0" cy="0"/>
+        </a:xfrm>
+      </p:grpSpPr>
+      <p:sp>
+        <p:nvSpPr>
+          <p:cNvPr id="2" name="제목 1"/>
+          <p:cNvSpPr>
+            <a:spLocks noGrp="1"/>
+          </p:cNvSpPr>
+          <p:nvPr>
+            <p:ph type="title"/>
+          </p:nvPr>
+        </p:nvSpPr>
+        <p:spPr/>
+        <p:txBody>
+          <a:bodyPr/>
+          <a:lstStyle/>
+          <a:p>
+            <a:r>
+              <a:rPr lang="ko-KR" altLang="en-US" dirty="0" smtClean="0"/>
+              <a:t>논리 연산</a:t>
+            </a:r>
+            <a:endParaRPr lang="en-US" altLang="ko-KR" dirty="0"/>
+          </a:p>
+        </p:txBody>
+      </p:sp>
+      <p:sp>
+        <p:nvSpPr>
+          <p:cNvPr id="6" name="내용 개체 틀 3"/>
+          <p:cNvSpPr>
+            <a:spLocks noGrp="1"/>
+          </p:cNvSpPr>
+          <p:nvPr>
+            <p:ph idx="1"/>
+          </p:nvPr>
+        </p:nvSpPr>
+        <p:spPr>
+          <a:xfrm>
+            <a:off x="838200" y="1825625"/>
+            <a:ext cx="10429356" cy="4351338"/>
+          </a:xfrm>
+        </p:spPr>
+        <p:txBody>
+          <a:bodyPr>
+            <a:normAutofit/>
+          </a:bodyPr>
+          <a:lstStyle/>
+          <a:p>
+            <a:endParaRPr lang="en-US" altLang="ko-KR" dirty="0"/>
+          </a:p>
+        </p:txBody>
+      </p:sp>
+      <p:graphicFrame>
+        <p:nvGraphicFramePr>
+          <p:cNvPr id="3" name="표 2"/>
+          <p:cNvGraphicFramePr>
+            <a:graphicFrameLocks noGrp="1"/>
+          </p:cNvGraphicFramePr>
+          <p:nvPr>
+            <p:extLst>
+              <p:ext uri="{D42A27DB-BD31-4B8C-83A1-F6EECF244321}">
+                <p14:modId xmlns:p14="http://schemas.microsoft.com/office/powerpoint/2010/main" val="3063929099"/>
+              </p:ext>
+            </p:extLst>
+          </p:nvPr>
+        </p:nvGraphicFramePr>
+        <p:xfrm>
+          <a:off x="838200" y="1825623"/>
+          <a:ext cx="10429356" cy="4351340"/>
+        </p:xfrm>
+        <a:graphic>
+          <a:graphicData uri="http://schemas.openxmlformats.org/drawingml/2006/table">
+            <a:tbl>
+              <a:tblPr firstRow="1" bandRow="1">
+                <a:tableStyleId>{7E9639D4-E3E2-4D34-9284-5A2195B3D0D7}</a:tableStyleId>
+              </a:tblPr>
+              <a:tblGrid>
+                <a:gridCol w="1738226"/>
+                <a:gridCol w="1738226"/>
+                <a:gridCol w="1738226"/>
+                <a:gridCol w="1738226"/>
+                <a:gridCol w="1738226"/>
+                <a:gridCol w="1738226"/>
+              </a:tblGrid>
+              <a:tr h="870268">
+                <a:tc>
+                  <a:txBody>
+                    <a:bodyPr/>
+                    <a:lstStyle/>
+                    <a:p>
+                      <a:pPr algn="ctr" latinLnBrk="1"/>
+                      <a:r>
+                        <a:rPr lang="en-US" altLang="ko-KR" sz="2800" dirty="0" smtClean="0"/>
+                        <a:t>x1</a:t>
+                      </a:r>
+                      <a:endParaRPr lang="ko-KR" altLang="en-US" sz="2800" dirty="0"/>
+                    </a:p>
+                  </a:txBody>
+                  <a:tcPr anchor="ctr"/>
+                </a:tc>
+                <a:tc>
+                  <a:txBody>
+                    <a:bodyPr/>
+                    <a:lstStyle/>
+                    <a:p>
+                      <a:pPr algn="ctr" latinLnBrk="1"/>
+                      <a:r>
+                        <a:rPr lang="en-US" altLang="ko-KR" sz="2800" dirty="0" smtClean="0"/>
+                        <a:t>x2</a:t>
+                      </a:r>
+                      <a:endParaRPr lang="ko-KR" altLang="en-US" sz="2800" dirty="0"/>
+                    </a:p>
+                  </a:txBody>
+                  <a:tcPr anchor="ctr"/>
+                </a:tc>
+                <a:tc>
+                  <a:txBody>
+                    <a:bodyPr/>
+                    <a:lstStyle/>
+                    <a:p>
+                      <a:pPr algn="ctr" latinLnBrk="1"/>
+                      <a:r>
+                        <a:rPr lang="en-US" altLang="ko-KR" sz="2800" dirty="0" smtClean="0"/>
+                        <a:t>OR</a:t>
+                      </a:r>
+                      <a:endParaRPr lang="ko-KR" altLang="en-US" sz="2800" dirty="0"/>
+                    </a:p>
+                  </a:txBody>
+                  <a:tcPr anchor="ctr"/>
+                </a:tc>
+                <a:tc>
+                  <a:txBody>
+                    <a:bodyPr/>
+                    <a:lstStyle/>
+                    <a:p>
+                      <a:pPr algn="ctr" latinLnBrk="1"/>
+                      <a:r>
+                        <a:rPr lang="en-US" altLang="ko-KR" sz="2800" dirty="0" smtClean="0"/>
+                        <a:t>AND</a:t>
+                      </a:r>
+                      <a:endParaRPr lang="ko-KR" altLang="en-US" sz="2800" dirty="0"/>
+                    </a:p>
+                  </a:txBody>
+                  <a:tcPr anchor="ctr"/>
+                </a:tc>
+                <a:tc>
+                  <a:txBody>
+                    <a:bodyPr/>
+                    <a:lstStyle/>
+                    <a:p>
+                      <a:pPr algn="ctr" latinLnBrk="1"/>
+                      <a:r>
+                        <a:rPr lang="en-US" altLang="ko-KR" sz="2800" dirty="0" smtClean="0"/>
+                        <a:t>NAND</a:t>
+                      </a:r>
+                      <a:endParaRPr lang="ko-KR" altLang="en-US" sz="2800" dirty="0"/>
+                    </a:p>
+                  </a:txBody>
+                  <a:tcPr anchor="ctr"/>
+                </a:tc>
+                <a:tc>
+                  <a:txBody>
+                    <a:bodyPr/>
+                    <a:lstStyle/>
+                    <a:p>
+                      <a:pPr algn="ctr" latinLnBrk="1"/>
+                      <a:r>
+                        <a:rPr lang="en-US" altLang="ko-KR" sz="2800" dirty="0" smtClean="0"/>
+                        <a:t>XOR</a:t>
+                      </a:r>
+                      <a:endParaRPr lang="ko-KR" altLang="en-US" sz="2800" dirty="0"/>
+                    </a:p>
+                  </a:txBody>
+                  <a:tcPr anchor="ctr"/>
+                </a:tc>
+              </a:tr>
+              <a:tr h="870268">
+                <a:tc>
+                  <a:txBody>
+                    <a:bodyPr/>
+                    <a:lstStyle/>
+                    <a:p>
+                      <a:pPr algn="ctr" latinLnBrk="1"/>
+                      <a:r>
+                        <a:rPr lang="en-US" altLang="ko-KR" sz="2800" dirty="0" smtClean="0"/>
+                        <a:t>0</a:t>
+                      </a:r>
+                      <a:endParaRPr lang="ko-KR" altLang="en-US" sz="2800" dirty="0"/>
+                    </a:p>
+                  </a:txBody>
+                  <a:tcPr anchor="ctr"/>
+                </a:tc>
+                <a:tc>
+                  <a:txBody>
+                    <a:bodyPr/>
+                    <a:lstStyle/>
+                    <a:p>
+                      <a:pPr algn="ctr" latinLnBrk="1"/>
+                      <a:r>
+                        <a:rPr lang="en-US" altLang="ko-KR" sz="2800" dirty="0" smtClean="0"/>
+                        <a:t>0</a:t>
+                      </a:r>
+                      <a:endParaRPr lang="ko-KR" altLang="en-US" sz="2800" dirty="0"/>
+                    </a:p>
+                  </a:txBody>
+                  <a:tcPr anchor="ctr"/>
+                </a:tc>
+                <a:tc>
+                  <a:txBody>
+                    <a:bodyPr/>
+                    <a:lstStyle/>
+                    <a:p>
+                      <a:pPr algn="ctr" latinLnBrk="1"/>
+                      <a:r>
+                        <a:rPr lang="en-US" altLang="ko-KR" sz="2800" dirty="0" smtClean="0"/>
+                        <a:t>0</a:t>
+                      </a:r>
+                      <a:endParaRPr lang="ko-KR" altLang="en-US" sz="2800" dirty="0"/>
+                    </a:p>
+                  </a:txBody>
+                  <a:tcPr anchor="ctr"/>
+                </a:tc>
+                <a:tc>
+                  <a:txBody>
+                    <a:bodyPr/>
+                    <a:lstStyle/>
+                    <a:p>
+                      <a:pPr algn="ctr" latinLnBrk="1"/>
+                      <a:r>
+                        <a:rPr lang="en-US" altLang="ko-KR" sz="2800" dirty="0" smtClean="0"/>
+                        <a:t>0</a:t>
+                      </a:r>
+                      <a:endParaRPr lang="ko-KR" altLang="en-US" sz="2800" dirty="0"/>
+                    </a:p>
+                  </a:txBody>
+                  <a:tcPr anchor="ctr"/>
+                </a:tc>
+                <a:tc>
+                  <a:txBody>
+                    <a:bodyPr/>
+                    <a:lstStyle/>
+                    <a:p>
+                      <a:pPr algn="ctr" latinLnBrk="1"/>
+                      <a:r>
+                        <a:rPr lang="en-US" altLang="ko-KR" sz="2800" dirty="0" smtClean="0"/>
+                        <a:t>1</a:t>
+                      </a:r>
+                      <a:endParaRPr lang="ko-KR" altLang="en-US" sz="2800" dirty="0"/>
+                    </a:p>
+                  </a:txBody>
+                  <a:tcPr anchor="ctr"/>
+                </a:tc>
+                <a:tc>
+                  <a:txBody>
+                    <a:bodyPr/>
+                    <a:lstStyle/>
+                    <a:p>
+                      <a:pPr algn="ctr" latinLnBrk="1"/>
+                      <a:r>
+                        <a:rPr lang="en-US" altLang="ko-KR" sz="2800" dirty="0" smtClean="0"/>
+                        <a:t>0</a:t>
+                      </a:r>
+                      <a:endParaRPr lang="ko-KR" altLang="en-US" sz="2800" dirty="0"/>
+                    </a:p>
+                  </a:txBody>
+                  <a:tcPr anchor="ctr"/>
+                </a:tc>
+              </a:tr>
+              <a:tr h="870268">
+                <a:tc>
+                  <a:txBody>
+                    <a:bodyPr/>
+                    <a:lstStyle/>
+                    <a:p>
+                      <a:pPr algn="ctr" latinLnBrk="1"/>
+                      <a:r>
+                        <a:rPr lang="en-US" altLang="ko-KR" sz="2800" dirty="0" smtClean="0"/>
+                        <a:t>0</a:t>
+                      </a:r>
+                      <a:endParaRPr lang="ko-KR" altLang="en-US" sz="2800" dirty="0"/>
+                    </a:p>
+                  </a:txBody>
+                  <a:tcPr anchor="ctr"/>
+                </a:tc>
+                <a:tc>
+                  <a:txBody>
+                    <a:bodyPr/>
+                    <a:lstStyle/>
+                    <a:p>
+                      <a:pPr algn="ctr" latinLnBrk="1"/>
+                      <a:r>
+                        <a:rPr lang="en-US" altLang="ko-KR" sz="2800" dirty="0" smtClean="0"/>
+                        <a:t>1</a:t>
+                      </a:r>
+                      <a:endParaRPr lang="ko-KR" altLang="en-US" sz="2800" dirty="0"/>
+                    </a:p>
+                  </a:txBody>
+                  <a:tcPr anchor="ctr"/>
+                </a:tc>
+                <a:tc>
+                  <a:txBody>
+                    <a:bodyPr/>
+                    <a:lstStyle/>
+                    <a:p>
+                      <a:pPr algn="ctr" latinLnBrk="1"/>
+                      <a:r>
+                        <a:rPr lang="en-US" altLang="ko-KR" sz="2800" dirty="0" smtClean="0"/>
+                        <a:t>1</a:t>
+                      </a:r>
+                      <a:endParaRPr lang="ko-KR" altLang="en-US" sz="2800" dirty="0"/>
+                    </a:p>
+                  </a:txBody>
+                  <a:tcPr anchor="ctr"/>
+                </a:tc>
+                <a:tc>
+                  <a:txBody>
+                    <a:bodyPr/>
+                    <a:lstStyle/>
+                    <a:p>
+                      <a:pPr algn="ctr" latinLnBrk="1"/>
+                      <a:r>
+                        <a:rPr lang="en-US" altLang="ko-KR" sz="2800" dirty="0" smtClean="0"/>
+                        <a:t>0</a:t>
+                      </a:r>
+                      <a:endParaRPr lang="ko-KR" altLang="en-US" sz="2800" dirty="0"/>
+                    </a:p>
+                  </a:txBody>
+                  <a:tcPr anchor="ctr"/>
+                </a:tc>
+                <a:tc>
+                  <a:txBody>
+                    <a:bodyPr/>
+                    <a:lstStyle/>
+                    <a:p>
+                      <a:pPr algn="ctr" latinLnBrk="1"/>
+                      <a:r>
+                        <a:rPr lang="en-US" altLang="ko-KR" sz="2800" dirty="0" smtClean="0"/>
+                        <a:t>1</a:t>
+                      </a:r>
+                      <a:endParaRPr lang="ko-KR" altLang="en-US" sz="2800" dirty="0"/>
+                    </a:p>
+                  </a:txBody>
+                  <a:tcPr anchor="ctr"/>
+                </a:tc>
+                <a:tc>
+                  <a:txBody>
+                    <a:bodyPr/>
+                    <a:lstStyle/>
+                    <a:p>
+                      <a:pPr algn="ctr" latinLnBrk="1"/>
+                      <a:r>
+                        <a:rPr lang="en-US" altLang="ko-KR" sz="2800" dirty="0" smtClean="0"/>
+                        <a:t>1</a:t>
+                      </a:r>
+                      <a:endParaRPr lang="ko-KR" altLang="en-US" sz="2800" dirty="0"/>
+                    </a:p>
+                  </a:txBody>
+                  <a:tcPr anchor="ctr"/>
+                </a:tc>
+              </a:tr>
+              <a:tr h="870268">
+                <a:tc>
+                  <a:txBody>
+                    <a:bodyPr/>
+                    <a:lstStyle/>
+                    <a:p>
+                      <a:pPr algn="ctr" latinLnBrk="1"/>
+                      <a:r>
+                        <a:rPr lang="en-US" altLang="ko-KR" sz="2800" dirty="0" smtClean="0"/>
+                        <a:t>1</a:t>
+                      </a:r>
+                      <a:endParaRPr lang="ko-KR" altLang="en-US" sz="2800" dirty="0"/>
+                    </a:p>
+                  </a:txBody>
+                  <a:tcPr anchor="ctr"/>
+                </a:tc>
+                <a:tc>
+                  <a:txBody>
+                    <a:bodyPr/>
+                    <a:lstStyle/>
+                    <a:p>
+                      <a:pPr algn="ctr" latinLnBrk="1"/>
+                      <a:r>
+                        <a:rPr lang="en-US" altLang="ko-KR" sz="2800" dirty="0" smtClean="0"/>
+                        <a:t>0</a:t>
+                      </a:r>
+                      <a:endParaRPr lang="ko-KR" altLang="en-US" sz="2800" dirty="0"/>
+                    </a:p>
+                  </a:txBody>
+                  <a:tcPr anchor="ctr"/>
+                </a:tc>
+                <a:tc>
+                  <a:txBody>
+                    <a:bodyPr/>
+                    <a:lstStyle/>
+                    <a:p>
+                      <a:pPr algn="ctr" latinLnBrk="1"/>
+                      <a:r>
+                        <a:rPr lang="en-US" altLang="ko-KR" sz="2800" dirty="0" smtClean="0"/>
+                        <a:t>1</a:t>
+                      </a:r>
+                      <a:endParaRPr lang="ko-KR" altLang="en-US" sz="2800" dirty="0"/>
+                    </a:p>
+                  </a:txBody>
+                  <a:tcPr anchor="ctr"/>
+                </a:tc>
+                <a:tc>
+                  <a:txBody>
+                    <a:bodyPr/>
+                    <a:lstStyle/>
+                    <a:p>
+                      <a:pPr algn="ctr" latinLnBrk="1"/>
+                      <a:r>
+                        <a:rPr lang="en-US" altLang="ko-KR" sz="2800" dirty="0" smtClean="0"/>
+                        <a:t>0</a:t>
+                      </a:r>
+                      <a:endParaRPr lang="ko-KR" altLang="en-US" sz="2800" dirty="0"/>
+                    </a:p>
+                  </a:txBody>
+                  <a:tcPr anchor="ctr"/>
+                </a:tc>
+                <a:tc>
+                  <a:txBody>
+                    <a:bodyPr/>
+                    <a:lstStyle/>
+                    <a:p>
+                      <a:pPr algn="ctr" latinLnBrk="1"/>
+                      <a:r>
+                        <a:rPr lang="en-US" altLang="ko-KR" sz="2800" dirty="0" smtClean="0"/>
+                        <a:t>1</a:t>
+                      </a:r>
+                      <a:endParaRPr lang="ko-KR" altLang="en-US" sz="2800" dirty="0"/>
+                    </a:p>
+                  </a:txBody>
+                  <a:tcPr anchor="ctr"/>
+                </a:tc>
+                <a:tc>
+                  <a:txBody>
+                    <a:bodyPr/>
+                    <a:lstStyle/>
+                    <a:p>
+                      <a:pPr algn="ctr" latinLnBrk="1"/>
+                      <a:r>
+                        <a:rPr lang="en-US" altLang="ko-KR" sz="2800" dirty="0" smtClean="0"/>
+                        <a:t>1</a:t>
+                      </a:r>
+                      <a:endParaRPr lang="ko-KR" altLang="en-US" sz="2800" dirty="0"/>
+                    </a:p>
+                  </a:txBody>
+                  <a:tcPr anchor="ctr"/>
+                </a:tc>
+              </a:tr>
+              <a:tr h="870268">
+                <a:tc>
+                  <a:txBody>
+                    <a:bodyPr/>
+                    <a:lstStyle/>
+                    <a:p>
+                      <a:pPr algn="ctr" latinLnBrk="1"/>
+                      <a:r>
+                        <a:rPr lang="en-US" altLang="ko-KR" sz="2800" dirty="0" smtClean="0"/>
+                        <a:t>1</a:t>
+                      </a:r>
+                      <a:endParaRPr lang="ko-KR" altLang="en-US" sz="2800" dirty="0"/>
+                    </a:p>
+                  </a:txBody>
+                  <a:tcPr anchor="ctr"/>
+                </a:tc>
+                <a:tc>
+                  <a:txBody>
+                    <a:bodyPr/>
+                    <a:lstStyle/>
+                    <a:p>
+                      <a:pPr algn="ctr" latinLnBrk="1"/>
+                      <a:r>
+                        <a:rPr lang="en-US" altLang="ko-KR" sz="2800" dirty="0" smtClean="0"/>
+                        <a:t>1</a:t>
+                      </a:r>
+                      <a:endParaRPr lang="ko-KR" altLang="en-US" sz="2800" dirty="0"/>
+                    </a:p>
+                  </a:txBody>
+                  <a:tcPr anchor="ctr"/>
+                </a:tc>
+                <a:tc>
+                  <a:txBody>
+                    <a:bodyPr/>
+                    <a:lstStyle/>
+                    <a:p>
+                      <a:pPr algn="ctr" latinLnBrk="1"/>
+                      <a:r>
+                        <a:rPr lang="en-US" altLang="ko-KR" sz="2800" dirty="0" smtClean="0"/>
+                        <a:t>1</a:t>
+                      </a:r>
+                      <a:endParaRPr lang="ko-KR" altLang="en-US" sz="2800" dirty="0"/>
+                    </a:p>
+                  </a:txBody>
+                  <a:tcPr anchor="ctr"/>
+                </a:tc>
+                <a:tc>
+                  <a:txBody>
+                    <a:bodyPr/>
+                    <a:lstStyle/>
+                    <a:p>
+                      <a:pPr algn="ctr" latinLnBrk="1"/>
+                      <a:r>
+                        <a:rPr lang="en-US" altLang="ko-KR" sz="2800" dirty="0" smtClean="0"/>
+                        <a:t>1</a:t>
+                      </a:r>
+                      <a:endParaRPr lang="ko-KR" altLang="en-US" sz="2800" dirty="0"/>
+                    </a:p>
+                  </a:txBody>
+                  <a:tcPr anchor="ctr"/>
+                </a:tc>
+                <a:tc>
+                  <a:txBody>
+                    <a:bodyPr/>
+                    <a:lstStyle/>
+                    <a:p>
+                      <a:pPr algn="ctr" latinLnBrk="1"/>
+                      <a:r>
+                        <a:rPr lang="en-US" altLang="ko-KR" sz="2800" dirty="0" smtClean="0"/>
+                        <a:t>0</a:t>
+                      </a:r>
+                      <a:endParaRPr lang="ko-KR" altLang="en-US" sz="2800" dirty="0"/>
+                    </a:p>
+                  </a:txBody>
+                  <a:tcPr anchor="ctr"/>
+                </a:tc>
+                <a:tc>
+                  <a:txBody>
+                    <a:bodyPr/>
+                    <a:lstStyle/>
+                    <a:p>
+                      <a:pPr algn="ctr" latinLnBrk="1"/>
+                      <a:r>
+                        <a:rPr lang="en-US" altLang="ko-KR" sz="2800" dirty="0" smtClean="0"/>
+                        <a:t>0</a:t>
+                      </a:r>
+                      <a:endParaRPr lang="ko-KR" altLang="en-US" sz="2800" dirty="0"/>
+                    </a:p>
+                  </a:txBody>
+                  <a:tcPr anchor="ctr"/>
+                </a:tc>
+              </a:tr>
+            </a:tbl>
+          </a:graphicData>
+        </a:graphic>
+      </p:graphicFrame>
+    </p:spTree>
+    <p:extLst>
+      <p:ext uri="{BB962C8B-B14F-4D97-AF65-F5344CB8AC3E}">
+        <p14:creationId xmlns:p14="http://schemas.microsoft.com/office/powerpoint/2010/main" val="4286498982"/>
+      </p:ext>
+    </p:extLst>
+  </p:cSld>
+  <p:clrMapOvr>
+    <a:masterClrMapping/>
+  </p:clrMapOvr>
+  <p:timing>
+    <p:tnLst>
+      <p:par>
+        <p:cTn id="1" dur="indefinite" restart="never" nodeType="tmRoot"/>
+      </p:par>
+    </p:tnLst>
+  </p:timing>
+</p:sld>
+</file>
+
+<file path=ppt/slides/slide27.xml><?xml version="1.0" encoding="utf-8"?>
 <p:sld xmlns:a="http://schemas.openxmlformats.org/drawingml/2006/main" xmlns:r="http://schemas.openxmlformats.org/officeDocument/2006/relationships" xmlns:p="http://schemas.openxmlformats.org/presentationml/2006/main">
   <p:cSld>
     <p:spTree>

--- a/ppt/2. 실습환경 및 Python 기초.pptx
+++ b/ppt/2. 실습환경 및 Python 기초.pptx
@@ -7,31 +7,35 @@
   <p:sldIdLst>
     <p:sldId id="256" r:id="rId2"/>
     <p:sldId id="257" r:id="rId3"/>
-    <p:sldId id="258" r:id="rId4"/>
-    <p:sldId id="305" r:id="rId5"/>
-    <p:sldId id="318" r:id="rId6"/>
-    <p:sldId id="306" r:id="rId7"/>
-    <p:sldId id="307" r:id="rId8"/>
-    <p:sldId id="308" r:id="rId9"/>
-    <p:sldId id="309" r:id="rId10"/>
-    <p:sldId id="310" r:id="rId11"/>
-    <p:sldId id="311" r:id="rId12"/>
-    <p:sldId id="312" r:id="rId13"/>
-    <p:sldId id="313" r:id="rId14"/>
-    <p:sldId id="314" r:id="rId15"/>
-    <p:sldId id="315" r:id="rId16"/>
-    <p:sldId id="317" r:id="rId17"/>
-    <p:sldId id="320" r:id="rId18"/>
-    <p:sldId id="319" r:id="rId19"/>
-    <p:sldId id="321" r:id="rId20"/>
-    <p:sldId id="322" r:id="rId21"/>
-    <p:sldId id="316" r:id="rId22"/>
-    <p:sldId id="325" r:id="rId23"/>
-    <p:sldId id="323" r:id="rId24"/>
-    <p:sldId id="326" r:id="rId25"/>
-    <p:sldId id="327" r:id="rId26"/>
-    <p:sldId id="324" r:id="rId27"/>
-    <p:sldId id="295" r:id="rId28"/>
+    <p:sldId id="329" r:id="rId4"/>
+    <p:sldId id="258" r:id="rId5"/>
+    <p:sldId id="305" r:id="rId6"/>
+    <p:sldId id="318" r:id="rId7"/>
+    <p:sldId id="306" r:id="rId8"/>
+    <p:sldId id="307" r:id="rId9"/>
+    <p:sldId id="308" r:id="rId10"/>
+    <p:sldId id="309" r:id="rId11"/>
+    <p:sldId id="310" r:id="rId12"/>
+    <p:sldId id="311" r:id="rId13"/>
+    <p:sldId id="312" r:id="rId14"/>
+    <p:sldId id="313" r:id="rId15"/>
+    <p:sldId id="314" r:id="rId16"/>
+    <p:sldId id="315" r:id="rId17"/>
+    <p:sldId id="317" r:id="rId18"/>
+    <p:sldId id="320" r:id="rId19"/>
+    <p:sldId id="319" r:id="rId20"/>
+    <p:sldId id="321" r:id="rId21"/>
+    <p:sldId id="322" r:id="rId22"/>
+    <p:sldId id="316" r:id="rId23"/>
+    <p:sldId id="325" r:id="rId24"/>
+    <p:sldId id="323" r:id="rId25"/>
+    <p:sldId id="326" r:id="rId26"/>
+    <p:sldId id="327" r:id="rId27"/>
+    <p:sldId id="324" r:id="rId28"/>
+    <p:sldId id="328" r:id="rId29"/>
+    <p:sldId id="330" r:id="rId30"/>
+    <p:sldId id="331" r:id="rId31"/>
+    <p:sldId id="295" r:id="rId32"/>
   </p:sldIdLst>
   <p:sldSz cx="12192000" cy="6858000"/>
   <p:notesSz cx="6858000" cy="9144000"/>
@@ -271,7 +275,7 @@
           <a:p>
             <a:fld id="{4A61891F-26D4-4EED-9BA8-111B4F671ED2}" type="datetimeFigureOut">
               <a:rPr lang="ko-KR" altLang="en-US" smtClean="0"/>
-              <a:t>2017-07-25</a:t>
+              <a:t>2017-07-26</a:t>
             </a:fld>
             <a:endParaRPr lang="ko-KR" altLang="en-US"/>
           </a:p>
@@ -558,7 +562,7 @@
           <a:p>
             <a:fld id="{4A61891F-26D4-4EED-9BA8-111B4F671ED2}" type="datetimeFigureOut">
               <a:rPr lang="ko-KR" altLang="en-US" smtClean="0"/>
-              <a:t>2017-07-25</a:t>
+              <a:t>2017-07-26</a:t>
             </a:fld>
             <a:endParaRPr lang="ko-KR" altLang="en-US"/>
           </a:p>
@@ -750,7 +754,7 @@
           <a:p>
             <a:fld id="{4A61891F-26D4-4EED-9BA8-111B4F671ED2}" type="datetimeFigureOut">
               <a:rPr lang="ko-KR" altLang="en-US" smtClean="0"/>
-              <a:t>2017-07-25</a:t>
+              <a:t>2017-07-26</a:t>
             </a:fld>
             <a:endParaRPr lang="ko-KR" altLang="en-US"/>
           </a:p>
@@ -1011,7 +1015,7 @@
           <a:p>
             <a:fld id="{4A61891F-26D4-4EED-9BA8-111B4F671ED2}" type="datetimeFigureOut">
               <a:rPr lang="ko-KR" altLang="en-US" smtClean="0"/>
-              <a:t>2017-07-25</a:t>
+              <a:t>2017-07-26</a:t>
             </a:fld>
             <a:endParaRPr lang="ko-KR" altLang="en-US"/>
           </a:p>
@@ -1435,7 +1439,7 @@
           <a:p>
             <a:fld id="{4A61891F-26D4-4EED-9BA8-111B4F671ED2}" type="datetimeFigureOut">
               <a:rPr lang="ko-KR" altLang="en-US" smtClean="0"/>
-              <a:t>2017-07-25</a:t>
+              <a:t>2017-07-26</a:t>
             </a:fld>
             <a:endParaRPr lang="ko-KR" altLang="en-US"/>
           </a:p>
@@ -1981,7 +1985,7 @@
           <a:p>
             <a:fld id="{4A61891F-26D4-4EED-9BA8-111B4F671ED2}" type="datetimeFigureOut">
               <a:rPr lang="ko-KR" altLang="en-US" smtClean="0"/>
-              <a:t>2017-07-25</a:t>
+              <a:t>2017-07-26</a:t>
             </a:fld>
             <a:endParaRPr lang="ko-KR" altLang="en-US"/>
           </a:p>
@@ -2821,7 +2825,7 @@
           <a:p>
             <a:fld id="{4A61891F-26D4-4EED-9BA8-111B4F671ED2}" type="datetimeFigureOut">
               <a:rPr lang="ko-KR" altLang="en-US" smtClean="0"/>
-              <a:t>2017-07-25</a:t>
+              <a:t>2017-07-26</a:t>
             </a:fld>
             <a:endParaRPr lang="ko-KR" altLang="en-US"/>
           </a:p>
@@ -2991,7 +2995,7 @@
           <a:p>
             <a:fld id="{4A61891F-26D4-4EED-9BA8-111B4F671ED2}" type="datetimeFigureOut">
               <a:rPr lang="ko-KR" altLang="en-US" smtClean="0"/>
-              <a:t>2017-07-25</a:t>
+              <a:t>2017-07-26</a:t>
             </a:fld>
             <a:endParaRPr lang="ko-KR" altLang="en-US"/>
           </a:p>
@@ -3175,7 +3179,7 @@
           <a:p>
             <a:fld id="{4A61891F-26D4-4EED-9BA8-111B4F671ED2}" type="datetimeFigureOut">
               <a:rPr lang="ko-KR" altLang="en-US" smtClean="0"/>
-              <a:t>2017-07-25</a:t>
+              <a:t>2017-07-26</a:t>
             </a:fld>
             <a:endParaRPr lang="ko-KR" altLang="en-US"/>
           </a:p>
@@ -3345,7 +3349,7 @@
           <a:p>
             <a:fld id="{4A61891F-26D4-4EED-9BA8-111B4F671ED2}" type="datetimeFigureOut">
               <a:rPr lang="ko-KR" altLang="en-US" smtClean="0"/>
-              <a:t>2017-07-25</a:t>
+              <a:t>2017-07-26</a:t>
             </a:fld>
             <a:endParaRPr lang="ko-KR" altLang="en-US"/>
           </a:p>
@@ -3593,7 +3597,7 @@
           <a:p>
             <a:fld id="{4A61891F-26D4-4EED-9BA8-111B4F671ED2}" type="datetimeFigureOut">
               <a:rPr lang="ko-KR" altLang="en-US" smtClean="0"/>
-              <a:t>2017-07-25</a:t>
+              <a:t>2017-07-26</a:t>
             </a:fld>
             <a:endParaRPr lang="ko-KR" altLang="en-US"/>
           </a:p>
@@ -3830,7 +3834,7 @@
           <a:p>
             <a:fld id="{4A61891F-26D4-4EED-9BA8-111B4F671ED2}" type="datetimeFigureOut">
               <a:rPr lang="ko-KR" altLang="en-US" smtClean="0"/>
-              <a:t>2017-07-25</a:t>
+              <a:t>2017-07-26</a:t>
             </a:fld>
             <a:endParaRPr lang="ko-KR" altLang="en-US"/>
           </a:p>
@@ -4203,7 +4207,7 @@
           <a:p>
             <a:fld id="{4A61891F-26D4-4EED-9BA8-111B4F671ED2}" type="datetimeFigureOut">
               <a:rPr lang="ko-KR" altLang="en-US" smtClean="0"/>
-              <a:t>2017-07-25</a:t>
+              <a:t>2017-07-26</a:t>
             </a:fld>
             <a:endParaRPr lang="ko-KR" altLang="en-US"/>
           </a:p>
@@ -4321,7 +4325,7 @@
           <a:p>
             <a:fld id="{4A61891F-26D4-4EED-9BA8-111B4F671ED2}" type="datetimeFigureOut">
               <a:rPr lang="ko-KR" altLang="en-US" smtClean="0"/>
-              <a:t>2017-07-25</a:t>
+              <a:t>2017-07-26</a:t>
             </a:fld>
             <a:endParaRPr lang="ko-KR" altLang="en-US"/>
           </a:p>
@@ -4416,7 +4420,7 @@
           <a:p>
             <a:fld id="{4A61891F-26D4-4EED-9BA8-111B4F671ED2}" type="datetimeFigureOut">
               <a:rPr lang="ko-KR" altLang="en-US" smtClean="0"/>
-              <a:t>2017-07-25</a:t>
+              <a:t>2017-07-26</a:t>
             </a:fld>
             <a:endParaRPr lang="ko-KR" altLang="en-US"/>
           </a:p>
@@ -4667,7 +4671,7 @@
           <a:p>
             <a:fld id="{4A61891F-26D4-4EED-9BA8-111B4F671ED2}" type="datetimeFigureOut">
               <a:rPr lang="ko-KR" altLang="en-US" smtClean="0"/>
-              <a:t>2017-07-25</a:t>
+              <a:t>2017-07-26</a:t>
             </a:fld>
             <a:endParaRPr lang="ko-KR" altLang="en-US"/>
           </a:p>
@@ -4954,7 +4958,7 @@
           <a:p>
             <a:fld id="{4A61891F-26D4-4EED-9BA8-111B4F671ED2}" type="datetimeFigureOut">
               <a:rPr lang="ko-KR" altLang="en-US" smtClean="0"/>
-              <a:t>2017-07-25</a:t>
+              <a:t>2017-07-26</a:t>
             </a:fld>
             <a:endParaRPr lang="ko-KR" altLang="en-US"/>
           </a:p>
@@ -5167,7 +5171,7 @@
           <a:p>
             <a:fld id="{4A61891F-26D4-4EED-9BA8-111B4F671ED2}" type="datetimeFigureOut">
               <a:rPr lang="ko-KR" altLang="en-US" smtClean="0"/>
-              <a:t>2017-07-25</a:t>
+              <a:t>2017-07-26</a:t>
             </a:fld>
             <a:endParaRPr lang="ko-KR" altLang="en-US"/>
           </a:p>
@@ -5784,7 +5788,7 @@
           <a:p>
             <a:r>
               <a:rPr lang="ko-KR" altLang="en-US" dirty="0" smtClean="0"/>
-              <a:t>변수와 타입</a:t>
+              <a:t>산술 연산</a:t>
             </a:r>
             <a:endParaRPr lang="ko-KR" altLang="en-US" dirty="0"/>
           </a:p>
@@ -5814,131 +5818,136 @@
           <a:p>
             <a:r>
               <a:rPr lang="ko-KR" altLang="en-US" dirty="0" smtClean="0"/>
-              <a:t>타입</a:t>
-            </a:r>
-            <a:r>
-              <a:rPr lang="en-US" altLang="ko-KR" dirty="0" smtClean="0"/>
-              <a:t>: </a:t>
-            </a:r>
-            <a:r>
-              <a:rPr lang="ko-KR" altLang="en-US" dirty="0" smtClean="0"/>
-              <a:t>컴퓨터는 기본적으로 </a:t>
-            </a:r>
-            <a:r>
-              <a:rPr lang="en-US" altLang="ko-KR" dirty="0" smtClean="0"/>
-              <a:t>0</a:t>
-            </a:r>
-            <a:r>
-              <a:rPr lang="ko-KR" altLang="en-US" dirty="0" smtClean="0"/>
-              <a:t>과 </a:t>
-            </a:r>
-            <a:r>
-              <a:rPr lang="en-US" altLang="ko-KR" dirty="0" smtClean="0"/>
-              <a:t>1</a:t>
-            </a:r>
-            <a:r>
-              <a:rPr lang="ko-KR" altLang="en-US" dirty="0" smtClean="0"/>
-              <a:t>의 배열인 이진수를 다루지만 해석 방법에 따라 다른 유형의 값으로 볼 수 있습니다</a:t>
-            </a:r>
-            <a:r>
-              <a:rPr lang="en-US" altLang="ko-KR" dirty="0" smtClean="0"/>
-              <a:t>.</a:t>
-            </a:r>
-          </a:p>
-          <a:p>
+              <a:t>기본적인 계산</a:t>
+            </a:r>
+            <a:endParaRPr lang="en-US" altLang="ko-KR" dirty="0" smtClean="0"/>
+          </a:p>
+          <a:p>
+            <a:pPr lvl="1"/>
+            <a:r>
+              <a:rPr lang="en-US" altLang="ko-KR" dirty="0" smtClean="0"/>
+              <a:t>+</a:t>
+            </a:r>
+          </a:p>
+          <a:p>
+            <a:pPr lvl="1"/>
+            <a:r>
+              <a:rPr lang="en-US" altLang="ko-KR" dirty="0" smtClean="0"/>
+              <a:t>-</a:t>
+            </a:r>
+          </a:p>
+          <a:p>
+            <a:pPr lvl="1"/>
+            <a:r>
+              <a:rPr lang="en-US" altLang="ko-KR" dirty="0" smtClean="0"/>
+              <a:t>*</a:t>
+            </a:r>
+          </a:p>
+          <a:p>
+            <a:pPr lvl="1"/>
+            <a:r>
+              <a:rPr lang="en-US" altLang="ko-KR" dirty="0" smtClean="0"/>
+              <a:t>/</a:t>
+            </a:r>
+          </a:p>
+          <a:p>
+            <a:pPr lvl="1"/>
+            <a:r>
+              <a:rPr lang="en-US" altLang="ko-KR" dirty="0" smtClean="0"/>
+              <a:t>//(</a:t>
+            </a:r>
+            <a:r>
+              <a:rPr lang="ko-KR" altLang="en-US" dirty="0" smtClean="0"/>
+              <a:t>몫</a:t>
+            </a:r>
+            <a:r>
+              <a:rPr lang="en-US" altLang="ko-KR" dirty="0" smtClean="0"/>
+              <a:t>)</a:t>
+            </a:r>
+          </a:p>
+          <a:p>
+            <a:pPr lvl="1"/>
+            <a:r>
+              <a:rPr lang="en-US" altLang="ko-KR" dirty="0" smtClean="0"/>
+              <a:t>**(n</a:t>
+            </a:r>
+            <a:r>
+              <a:rPr lang="ko-KR" altLang="en-US" dirty="0" smtClean="0"/>
+              <a:t>제곱</a:t>
+            </a:r>
+            <a:r>
+              <a:rPr lang="en-US" altLang="ko-KR" dirty="0" smtClean="0"/>
+              <a:t>)</a:t>
+            </a:r>
+          </a:p>
+          <a:p>
+            <a:pPr lvl="1"/>
+            <a:r>
+              <a:rPr lang="en-US" altLang="ko-KR" dirty="0" smtClean="0"/>
+              <a:t>%(</a:t>
+            </a:r>
+            <a:r>
+              <a:rPr lang="ko-KR" altLang="en-US" dirty="0" smtClean="0"/>
+              <a:t>나머지</a:t>
+            </a:r>
+            <a:r>
+              <a:rPr lang="en-US" altLang="ko-KR" dirty="0" smtClean="0"/>
+              <a:t>)</a:t>
+            </a:r>
             <a:endParaRPr lang="en-US" altLang="ko-KR" dirty="0"/>
           </a:p>
-          <a:p>
-            <a:r>
-              <a:rPr lang="en-US" altLang="ko-KR" dirty="0" err="1" smtClean="0"/>
-              <a:t>E.g</a:t>
-            </a:r>
-            <a:r>
-              <a:rPr lang="en-US" altLang="ko-KR" dirty="0" smtClean="0"/>
-              <a:t>) 1011011001100110</a:t>
-            </a:r>
-          </a:p>
-          <a:p>
-            <a:pPr lvl="1"/>
-            <a:r>
-              <a:rPr lang="en-US" altLang="ko-KR" dirty="0" smtClean="0"/>
-              <a:t>2</a:t>
-            </a:r>
-            <a:r>
-              <a:rPr lang="ko-KR" altLang="en-US" dirty="0" smtClean="0"/>
-              <a:t>의 보수인 정수로 해석</a:t>
-            </a:r>
-            <a:r>
-              <a:rPr lang="en-US" altLang="ko-KR" dirty="0" smtClean="0"/>
-              <a:t>: -18842</a:t>
-            </a:r>
-          </a:p>
-          <a:p>
-            <a:pPr lvl="1"/>
-            <a:r>
-              <a:rPr lang="ko-KR" altLang="en-US" dirty="0" smtClean="0"/>
-              <a:t>실수로 해석</a:t>
-            </a:r>
-            <a:r>
-              <a:rPr lang="en-US" altLang="ko-KR" dirty="0" smtClean="0"/>
-              <a:t>: -0.4</a:t>
-            </a:r>
-          </a:p>
-          <a:p>
-            <a:pPr lvl="1"/>
-            <a:r>
-              <a:rPr lang="ko-KR" altLang="en-US" dirty="0" smtClean="0"/>
-              <a:t>사람이 </a:t>
-            </a:r>
-            <a:r>
-              <a:rPr lang="en-US" altLang="ko-KR" dirty="0" smtClean="0"/>
-              <a:t>10</a:t>
-            </a:r>
-            <a:r>
-              <a:rPr lang="ko-KR" altLang="en-US" dirty="0" smtClean="0"/>
-              <a:t>진수로 수를 표현하는 것과 완전히 다릅니다</a:t>
-            </a:r>
-            <a:r>
-              <a:rPr lang="en-US" altLang="ko-KR" dirty="0" smtClean="0"/>
-              <a:t>.</a:t>
-            </a:r>
-          </a:p>
-          <a:p>
-            <a:endParaRPr lang="en-US" altLang="ko-KR" dirty="0"/>
-          </a:p>
-          <a:p>
-            <a:r>
-              <a:rPr lang="ko-KR" altLang="en-US" dirty="0" smtClean="0"/>
-              <a:t>이와 같은 것과 다른 이유들로 인해 타입</a:t>
-            </a:r>
-            <a:r>
-              <a:rPr lang="en-US" altLang="ko-KR" dirty="0" smtClean="0"/>
-              <a:t>(</a:t>
-            </a:r>
-            <a:r>
-              <a:rPr lang="ko-KR" altLang="en-US" dirty="0" err="1" smtClean="0"/>
-              <a:t>자료형</a:t>
-            </a:r>
-            <a:r>
-              <a:rPr lang="en-US" altLang="ko-KR" dirty="0" smtClean="0"/>
-              <a:t>)</a:t>
-            </a:r>
-            <a:r>
-              <a:rPr lang="ko-KR" altLang="en-US" dirty="0" smtClean="0"/>
-              <a:t>이라는 개념이 생겼습니다</a:t>
-            </a:r>
-            <a:r>
-              <a:rPr lang="en-US" altLang="ko-KR" dirty="0" smtClean="0"/>
-              <a:t>.</a:t>
-            </a:r>
-            <a:endParaRPr lang="en-US" altLang="ko-KR" dirty="0"/>
-          </a:p>
-        </p:txBody>
-      </p:sp>
+        </p:txBody>
+      </p:sp>
+      <p:pic>
+        <p:nvPicPr>
+          <p:cNvPr id="3" name="그림 2"/>
+          <p:cNvPicPr>
+            <a:picLocks noChangeAspect="1"/>
+          </p:cNvPicPr>
+          <p:nvPr/>
+        </p:nvPicPr>
+        <p:blipFill rotWithShape="1">
+          <a:blip r:embed="rId2"/>
+          <a:srcRect l="26801" t="14943" r="62588" b="67409"/>
+          <a:stretch/>
+        </p:blipFill>
+        <p:spPr>
+          <a:xfrm>
+            <a:off x="2944181" y="1916465"/>
+            <a:ext cx="4185820" cy="4114879"/>
+          </a:xfrm>
+          <a:prstGeom prst="rect">
+            <a:avLst/>
+          </a:prstGeom>
+        </p:spPr>
+      </p:pic>
+      <p:pic>
+        <p:nvPicPr>
+          <p:cNvPr id="5" name="그림 4"/>
+          <p:cNvPicPr>
+            <a:picLocks noChangeAspect="1"/>
+          </p:cNvPicPr>
+          <p:nvPr/>
+        </p:nvPicPr>
+        <p:blipFill rotWithShape="1">
+          <a:blip r:embed="rId3"/>
+          <a:srcRect l="5520" t="68839" r="81609" b="11971"/>
+          <a:stretch/>
+        </p:blipFill>
+        <p:spPr>
+          <a:xfrm>
+            <a:off x="7366765" y="1916466"/>
+            <a:ext cx="3900791" cy="4114879"/>
+          </a:xfrm>
+          <a:prstGeom prst="rect">
+            <a:avLst/>
+          </a:prstGeom>
+        </p:spPr>
+      </p:pic>
     </p:spTree>
     <p:extLst>
       <p:ext uri="{BB962C8B-B14F-4D97-AF65-F5344CB8AC3E}">
-        <p14:creationId xmlns:p14="http://schemas.microsoft.com/office/powerpoint/2010/main" val="2334649258"/>
+        <p14:creationId xmlns:p14="http://schemas.microsoft.com/office/powerpoint/2010/main" val="2437160666"/>
       </p:ext>
     </p:extLst>
   </p:cSld>
@@ -6023,122 +6032,132 @@
           <a:lstStyle/>
           <a:p>
             <a:r>
-              <a:rPr lang="en-US" altLang="ko-KR" dirty="0" smtClean="0"/>
-              <a:t>Python </a:t>
-            </a:r>
-            <a:r>
-              <a:rPr lang="ko-KR" altLang="en-US" dirty="0" smtClean="0"/>
-              <a:t>타입의 종류</a:t>
-            </a:r>
+              <a:rPr lang="ko-KR" altLang="en-US" dirty="0" smtClean="0"/>
+              <a:t>타입</a:t>
+            </a:r>
+            <a:r>
+              <a:rPr lang="en-US" altLang="ko-KR" dirty="0" smtClean="0"/>
+              <a:t>: </a:t>
+            </a:r>
+            <a:r>
+              <a:rPr lang="ko-KR" altLang="en-US" dirty="0" smtClean="0"/>
+              <a:t>컴퓨터는 기본적으로 </a:t>
+            </a:r>
+            <a:r>
+              <a:rPr lang="en-US" altLang="ko-KR" dirty="0" smtClean="0"/>
+              <a:t>0</a:t>
+            </a:r>
+            <a:r>
+              <a:rPr lang="ko-KR" altLang="en-US" dirty="0" smtClean="0"/>
+              <a:t>과 </a:t>
+            </a:r>
+            <a:r>
+              <a:rPr lang="en-US" altLang="ko-KR" dirty="0" smtClean="0"/>
+              <a:t>1</a:t>
+            </a:r>
+            <a:r>
+              <a:rPr lang="ko-KR" altLang="en-US" dirty="0" smtClean="0"/>
+              <a:t>의 배열인 이진수를 다루지만 해석 방법에 따라 다른 유형의 값으로 볼 수 있습니다</a:t>
+            </a:r>
+            <a:r>
+              <a:rPr lang="en-US" altLang="ko-KR" dirty="0" smtClean="0"/>
+              <a:t>.</a:t>
+            </a:r>
+          </a:p>
+          <a:p>
             <a:endParaRPr lang="en-US" altLang="ko-KR" dirty="0"/>
           </a:p>
           <a:p>
+            <a:r>
+              <a:rPr lang="en-US" altLang="ko-KR" dirty="0" err="1" smtClean="0"/>
+              <a:t>E.g</a:t>
+            </a:r>
+            <a:r>
+              <a:rPr lang="en-US" altLang="ko-KR" dirty="0" smtClean="0"/>
+              <a:t>) 1011011001100110</a:t>
+            </a:r>
+          </a:p>
+          <a:p>
             <a:pPr lvl="1"/>
             <a:r>
-              <a:rPr lang="ko-KR" altLang="en-US" dirty="0" smtClean="0"/>
-              <a:t>정수</a:t>
-            </a:r>
-            <a:endParaRPr lang="en-US" altLang="ko-KR" dirty="0" smtClean="0"/>
+              <a:rPr lang="en-US" altLang="ko-KR" dirty="0" smtClean="0"/>
+              <a:t>2</a:t>
+            </a:r>
+            <a:r>
+              <a:rPr lang="ko-KR" altLang="en-US" dirty="0" smtClean="0"/>
+              <a:t>의 보수인 정수로 해석</a:t>
+            </a:r>
+            <a:r>
+              <a:rPr lang="en-US" altLang="ko-KR" dirty="0" smtClean="0"/>
+              <a:t>: -18842</a:t>
+            </a:r>
           </a:p>
           <a:p>
             <a:pPr lvl="1"/>
             <a:r>
               <a:rPr lang="ko-KR" altLang="en-US" dirty="0" smtClean="0"/>
-              <a:t>실수</a:t>
-            </a:r>
-            <a:endParaRPr lang="en-US" altLang="ko-KR" dirty="0" smtClean="0"/>
+              <a:t>실수로 해석</a:t>
+            </a:r>
+            <a:r>
+              <a:rPr lang="en-US" altLang="ko-KR" dirty="0" smtClean="0"/>
+              <a:t>: -0.4</a:t>
+            </a:r>
           </a:p>
           <a:p>
             <a:pPr lvl="1"/>
             <a:r>
               <a:rPr lang="ko-KR" altLang="en-US" dirty="0" smtClean="0"/>
-              <a:t>문자열</a:t>
-            </a:r>
-            <a:endParaRPr lang="en-US" altLang="ko-KR" dirty="0" smtClean="0"/>
-          </a:p>
-          <a:p>
-            <a:pPr lvl="1"/>
-            <a:r>
-              <a:rPr lang="en-US" altLang="ko-KR" dirty="0" smtClean="0"/>
-              <a:t>Boolean(True or False)</a:t>
-            </a:r>
-          </a:p>
-          <a:p>
-            <a:pPr lvl="1"/>
-            <a:r>
-              <a:rPr lang="ko-KR" altLang="en-US" dirty="0" smtClean="0"/>
-              <a:t>리스트</a:t>
-            </a:r>
-            <a:endParaRPr lang="en-US" altLang="ko-KR" dirty="0" smtClean="0"/>
-          </a:p>
-          <a:p>
-            <a:pPr lvl="1"/>
-            <a:r>
-              <a:rPr lang="ko-KR" altLang="en-US" dirty="0" smtClean="0"/>
-              <a:t>사전</a:t>
-            </a:r>
-            <a:endParaRPr lang="en-US" altLang="ko-KR" dirty="0" smtClean="0"/>
-          </a:p>
-          <a:p>
-            <a:pPr lvl="1"/>
-            <a:r>
-              <a:rPr lang="en-US" altLang="ko-KR" dirty="0" smtClean="0"/>
-              <a:t>Etc.</a:t>
-            </a:r>
+              <a:t>사람이 </a:t>
+            </a:r>
+            <a:r>
+              <a:rPr lang="en-US" altLang="ko-KR" dirty="0" smtClean="0"/>
+              <a:t>10</a:t>
+            </a:r>
+            <a:r>
+              <a:rPr lang="ko-KR" altLang="en-US" dirty="0" smtClean="0"/>
+              <a:t>진수로 수를 표현하는 것과 완전히 다릅니다</a:t>
+            </a:r>
+            <a:r>
+              <a:rPr lang="en-US" altLang="ko-KR" dirty="0" smtClean="0"/>
+              <a:t>.</a:t>
+            </a:r>
+          </a:p>
+          <a:p>
             <a:endParaRPr lang="en-US" altLang="ko-KR" dirty="0"/>
           </a:p>
-        </p:txBody>
-      </p:sp>
-      <p:pic>
-        <p:nvPicPr>
-          <p:cNvPr id="3" name="그림 2"/>
-          <p:cNvPicPr>
-            <a:picLocks noChangeAspect="1"/>
-          </p:cNvPicPr>
-          <p:nvPr/>
-        </p:nvPicPr>
-        <p:blipFill rotWithShape="1">
-          <a:blip r:embed="rId2"/>
-          <a:srcRect l="27115" t="14528" r="59181" b="71991"/>
-          <a:stretch/>
-        </p:blipFill>
-        <p:spPr>
-          <a:xfrm>
-            <a:off x="4351564" y="1833790"/>
-            <a:ext cx="3670476" cy="2134000"/>
-          </a:xfrm>
-          <a:prstGeom prst="rect">
-            <a:avLst/>
-          </a:prstGeom>
-        </p:spPr>
-      </p:pic>
-      <p:pic>
-        <p:nvPicPr>
-          <p:cNvPr id="4" name="그림 3"/>
-          <p:cNvPicPr>
-            <a:picLocks noChangeAspect="1"/>
-          </p:cNvPicPr>
-          <p:nvPr/>
-        </p:nvPicPr>
-        <p:blipFill rotWithShape="1">
-          <a:blip r:embed="rId3"/>
-          <a:srcRect l="5810" t="68756" r="81707" b="17055"/>
-          <a:stretch/>
-        </p:blipFill>
-        <p:spPr>
-          <a:xfrm>
-            <a:off x="8090807" y="1833789"/>
-            <a:ext cx="3176749" cy="2134001"/>
-          </a:xfrm>
-          <a:prstGeom prst="rect">
-            <a:avLst/>
-          </a:prstGeom>
-        </p:spPr>
-      </p:pic>
+          <a:p>
+            <a:r>
+              <a:rPr lang="ko-KR" altLang="en-US" dirty="0" smtClean="0"/>
+              <a:t>이와 같은 것과 다른 이유들로 인해 타입</a:t>
+            </a:r>
+            <a:r>
+              <a:rPr lang="en-US" altLang="ko-KR" dirty="0" smtClean="0"/>
+              <a:t>(</a:t>
+            </a:r>
+            <a:r>
+              <a:rPr lang="ko-KR" altLang="en-US" dirty="0" err="1" smtClean="0"/>
+              <a:t>자료형</a:t>
+            </a:r>
+            <a:r>
+              <a:rPr lang="en-US" altLang="ko-KR" dirty="0" smtClean="0"/>
+              <a:t>)</a:t>
+            </a:r>
+            <a:r>
+              <a:rPr lang="ko-KR" altLang="en-US" dirty="0" smtClean="0"/>
+              <a:t>이라는 개념이 생겼습니다</a:t>
+            </a:r>
+            <a:r>
+              <a:rPr lang="en-US" altLang="ko-KR" dirty="0" smtClean="0"/>
+              <a:t>.</a:t>
+            </a:r>
+            <a:endParaRPr lang="en-US" altLang="ko-KR" dirty="0"/>
+          </a:p>
+        </p:txBody>
+      </p:sp>
     </p:spTree>
     <p:extLst>
       <p:ext uri="{BB962C8B-B14F-4D97-AF65-F5344CB8AC3E}">
-        <p14:creationId xmlns:p14="http://schemas.microsoft.com/office/powerpoint/2010/main" val="2153128656"/>
+        <p14:creationId xmlns:p14="http://schemas.microsoft.com/office/powerpoint/2010/main" val="2334649258"/>
       </p:ext>
     </p:extLst>
   </p:cSld>
@@ -6223,8 +6242,12 @@
           <a:lstStyle/>
           <a:p>
             <a:r>
-              <a:rPr lang="ko-KR" altLang="en-US" dirty="0" smtClean="0"/>
-              <a:t>변수</a:t>
+              <a:rPr lang="en-US" altLang="ko-KR" dirty="0" smtClean="0"/>
+              <a:t>Python </a:t>
+            </a:r>
+            <a:r>
+              <a:rPr lang="ko-KR" altLang="en-US" dirty="0" smtClean="0"/>
+              <a:t>타입의 종류</a:t>
             </a:r>
             <a:endParaRPr lang="en-US" altLang="ko-KR" dirty="0"/>
           </a:p>
@@ -6232,7 +6255,7 @@
             <a:pPr lvl="1"/>
             <a:r>
               <a:rPr lang="ko-KR" altLang="en-US" dirty="0" smtClean="0"/>
-              <a:t>어떠한 수를 담을 공간</a:t>
+              <a:t>정수</a:t>
             </a:r>
             <a:endParaRPr lang="en-US" altLang="ko-KR" dirty="0" smtClean="0"/>
           </a:p>
@@ -6240,72 +6263,101 @@
             <a:pPr lvl="1"/>
             <a:r>
               <a:rPr lang="ko-KR" altLang="en-US" dirty="0" smtClean="0"/>
-              <a:t>수학에서의 미지수와 비슷한 역할</a:t>
+              <a:t>실수</a:t>
             </a:r>
             <a:endParaRPr lang="en-US" altLang="ko-KR" dirty="0" smtClean="0"/>
           </a:p>
           <a:p>
-            <a:r>
-              <a:rPr lang="en-US" altLang="ko-KR" dirty="0" err="1"/>
-              <a:t>E</a:t>
-            </a:r>
-            <a:r>
-              <a:rPr lang="en-US" altLang="ko-KR" dirty="0" err="1" smtClean="0"/>
-              <a:t>.g</a:t>
-            </a:r>
-            <a:r>
-              <a:rPr lang="en-US" altLang="ko-KR" dirty="0" smtClean="0"/>
-              <a:t>) f(x) = x + 1</a:t>
-            </a:r>
-          </a:p>
-          <a:p>
             <a:pPr lvl="1"/>
             <a:r>
               <a:rPr lang="ko-KR" altLang="en-US" dirty="0" smtClean="0"/>
-              <a:t>수학에서는 </a:t>
-            </a:r>
-            <a:r>
-              <a:rPr lang="en-US" altLang="ko-KR" dirty="0" smtClean="0"/>
-              <a:t>x</a:t>
-            </a:r>
-            <a:r>
-              <a:rPr lang="ko-KR" altLang="en-US" dirty="0" smtClean="0"/>
-              <a:t>를 미지수라고 부릅니다</a:t>
-            </a:r>
-            <a:r>
-              <a:rPr lang="en-US" altLang="ko-KR" dirty="0" smtClean="0"/>
-              <a:t>.</a:t>
-            </a:r>
+              <a:t>문자열</a:t>
+            </a:r>
+            <a:endParaRPr lang="en-US" altLang="ko-KR" dirty="0" smtClean="0"/>
           </a:p>
           <a:p>
             <a:pPr lvl="1"/>
             <a:r>
-              <a:rPr lang="ko-KR" altLang="en-US" dirty="0" smtClean="0"/>
-              <a:t>컴퓨터에서는 미지수 그 자체로 값을 처리할 수 없습니다</a:t>
-            </a:r>
-            <a:r>
-              <a:rPr lang="en-US" altLang="ko-KR" dirty="0" smtClean="0"/>
-              <a:t>.</a:t>
+              <a:rPr lang="en-US" altLang="ko-KR" dirty="0" smtClean="0"/>
+              <a:t>Boolean(True or False)</a:t>
             </a:r>
           </a:p>
           <a:p>
             <a:pPr lvl="1"/>
             <a:r>
               <a:rPr lang="ko-KR" altLang="en-US" dirty="0" smtClean="0"/>
-              <a:t>실제 값을 넣어볼 수 있도록 변수라는 개념을 만든 것입니다</a:t>
-            </a:r>
-            <a:r>
-              <a:rPr lang="en-US" altLang="ko-KR" dirty="0" smtClean="0"/>
-              <a:t>.</a:t>
+              <a:t>리스트</a:t>
+            </a:r>
+            <a:endParaRPr lang="en-US" altLang="ko-KR" dirty="0" smtClean="0"/>
+          </a:p>
+          <a:p>
+            <a:pPr lvl="1"/>
+            <a:r>
+              <a:rPr lang="ko-KR" altLang="en-US" dirty="0" smtClean="0"/>
+              <a:t>사전</a:t>
+            </a:r>
+            <a:endParaRPr lang="en-US" altLang="ko-KR" dirty="0" smtClean="0"/>
+          </a:p>
+          <a:p>
+            <a:pPr lvl="1"/>
+            <a:r>
+              <a:rPr lang="en-US" altLang="ko-KR" dirty="0" smtClean="0"/>
+              <a:t>Etc.</a:t>
             </a:r>
             <a:endParaRPr lang="en-US" altLang="ko-KR" dirty="0"/>
           </a:p>
         </p:txBody>
       </p:sp>
+      <p:pic>
+        <p:nvPicPr>
+          <p:cNvPr id="3" name="그림 2"/>
+          <p:cNvPicPr>
+            <a:picLocks noChangeAspect="1"/>
+          </p:cNvPicPr>
+          <p:nvPr/>
+        </p:nvPicPr>
+        <p:blipFill rotWithShape="1">
+          <a:blip r:embed="rId2"/>
+          <a:srcRect l="27115" t="14528" r="59181" b="71991"/>
+          <a:stretch/>
+        </p:blipFill>
+        <p:spPr>
+          <a:xfrm>
+            <a:off x="4351564" y="1833790"/>
+            <a:ext cx="3670476" cy="2134000"/>
+          </a:xfrm>
+          <a:prstGeom prst="rect">
+            <a:avLst/>
+          </a:prstGeom>
+        </p:spPr>
+      </p:pic>
+      <p:pic>
+        <p:nvPicPr>
+          <p:cNvPr id="4" name="그림 3"/>
+          <p:cNvPicPr>
+            <a:picLocks noChangeAspect="1"/>
+          </p:cNvPicPr>
+          <p:nvPr/>
+        </p:nvPicPr>
+        <p:blipFill rotWithShape="1">
+          <a:blip r:embed="rId3"/>
+          <a:srcRect l="5810" t="68756" r="81707" b="17055"/>
+          <a:stretch/>
+        </p:blipFill>
+        <p:spPr>
+          <a:xfrm>
+            <a:off x="8090807" y="1833789"/>
+            <a:ext cx="3176749" cy="2134001"/>
+          </a:xfrm>
+          <a:prstGeom prst="rect">
+            <a:avLst/>
+          </a:prstGeom>
+        </p:spPr>
+      </p:pic>
     </p:spTree>
     <p:extLst>
       <p:ext uri="{BB962C8B-B14F-4D97-AF65-F5344CB8AC3E}">
-        <p14:creationId xmlns:p14="http://schemas.microsoft.com/office/powerpoint/2010/main" val="256526864"/>
+        <p14:creationId xmlns:p14="http://schemas.microsoft.com/office/powerpoint/2010/main" val="2153128656"/>
       </p:ext>
     </p:extLst>
   </p:cSld>
@@ -6391,6 +6443,181 @@
           <a:p>
             <a:r>
               <a:rPr lang="ko-KR" altLang="en-US" dirty="0" smtClean="0"/>
+              <a:t>변수</a:t>
+            </a:r>
+            <a:endParaRPr lang="en-US" altLang="ko-KR" dirty="0"/>
+          </a:p>
+          <a:p>
+            <a:pPr lvl="1"/>
+            <a:r>
+              <a:rPr lang="ko-KR" altLang="en-US" dirty="0" smtClean="0"/>
+              <a:t>어떠한 수를 담을 공간</a:t>
+            </a:r>
+            <a:endParaRPr lang="en-US" altLang="ko-KR" dirty="0" smtClean="0"/>
+          </a:p>
+          <a:p>
+            <a:pPr lvl="1"/>
+            <a:r>
+              <a:rPr lang="ko-KR" altLang="en-US" dirty="0" smtClean="0"/>
+              <a:t>수학에서의 미지수와 비슷한 역할</a:t>
+            </a:r>
+            <a:endParaRPr lang="en-US" altLang="ko-KR" dirty="0" smtClean="0"/>
+          </a:p>
+          <a:p>
+            <a:r>
+              <a:rPr lang="en-US" altLang="ko-KR" dirty="0" err="1"/>
+              <a:t>E</a:t>
+            </a:r>
+            <a:r>
+              <a:rPr lang="en-US" altLang="ko-KR" dirty="0" err="1" smtClean="0"/>
+              <a:t>.g</a:t>
+            </a:r>
+            <a:r>
+              <a:rPr lang="en-US" altLang="ko-KR" dirty="0" smtClean="0"/>
+              <a:t>) f(x) = x + 1</a:t>
+            </a:r>
+          </a:p>
+          <a:p>
+            <a:pPr lvl="1"/>
+            <a:r>
+              <a:rPr lang="ko-KR" altLang="en-US" dirty="0" smtClean="0"/>
+              <a:t>수학에서는 </a:t>
+            </a:r>
+            <a:r>
+              <a:rPr lang="en-US" altLang="ko-KR" dirty="0" smtClean="0"/>
+              <a:t>x</a:t>
+            </a:r>
+            <a:r>
+              <a:rPr lang="ko-KR" altLang="en-US" dirty="0" smtClean="0"/>
+              <a:t>를 미지수라고 부릅니다</a:t>
+            </a:r>
+            <a:r>
+              <a:rPr lang="en-US" altLang="ko-KR" dirty="0" smtClean="0"/>
+              <a:t>.(</a:t>
+            </a:r>
+            <a:r>
+              <a:rPr lang="ko-KR" altLang="en-US" dirty="0" smtClean="0"/>
+              <a:t>함수 부분에서는 변수로 부르기도 합니다</a:t>
+            </a:r>
+            <a:r>
+              <a:rPr lang="en-US" altLang="ko-KR" dirty="0" smtClean="0"/>
+              <a:t>.)</a:t>
+            </a:r>
+          </a:p>
+          <a:p>
+            <a:pPr lvl="1"/>
+            <a:r>
+              <a:rPr lang="ko-KR" altLang="en-US" dirty="0" smtClean="0"/>
+              <a:t>컴퓨터에서는 미지수 그 자체로 값을 처리할 수 없습니다</a:t>
+            </a:r>
+            <a:r>
+              <a:rPr lang="en-US" altLang="ko-KR" dirty="0" smtClean="0"/>
+              <a:t>.</a:t>
+            </a:r>
+          </a:p>
+          <a:p>
+            <a:pPr lvl="1"/>
+            <a:r>
+              <a:rPr lang="ko-KR" altLang="en-US" dirty="0" smtClean="0"/>
+              <a:t>실제 값을 넣어볼 수 있도록 변수라는 개념을 만든 것입니다</a:t>
+            </a:r>
+            <a:r>
+              <a:rPr lang="en-US" altLang="ko-KR" dirty="0" smtClean="0"/>
+              <a:t>.</a:t>
+            </a:r>
+            <a:endParaRPr lang="en-US" altLang="ko-KR" dirty="0"/>
+          </a:p>
+        </p:txBody>
+      </p:sp>
+    </p:spTree>
+    <p:extLst>
+      <p:ext uri="{BB962C8B-B14F-4D97-AF65-F5344CB8AC3E}">
+        <p14:creationId xmlns:p14="http://schemas.microsoft.com/office/powerpoint/2010/main" val="256526864"/>
+      </p:ext>
+    </p:extLst>
+  </p:cSld>
+  <p:clrMapOvr>
+    <a:masterClrMapping/>
+  </p:clrMapOvr>
+  <p:timing>
+    <p:tnLst>
+      <p:par>
+        <p:cTn id="1" dur="indefinite" restart="never" nodeType="tmRoot"/>
+      </p:par>
+    </p:tnLst>
+  </p:timing>
+</p:sld>
+</file>
+
+<file path=ppt/slides/slide14.xml><?xml version="1.0" encoding="utf-8"?>
+<p:sld xmlns:a="http://schemas.openxmlformats.org/drawingml/2006/main" xmlns:r="http://schemas.openxmlformats.org/officeDocument/2006/relationships" xmlns:p="http://schemas.openxmlformats.org/presentationml/2006/main">
+  <p:cSld>
+    <p:spTree>
+      <p:nvGrpSpPr>
+        <p:cNvPr id="1" name=""/>
+        <p:cNvGrpSpPr/>
+        <p:nvPr/>
+      </p:nvGrpSpPr>
+      <p:grpSpPr>
+        <a:xfrm>
+          <a:off x="0" y="0"/>
+          <a:ext cx="0" cy="0"/>
+          <a:chOff x="0" y="0"/>
+          <a:chExt cx="0" cy="0"/>
+        </a:xfrm>
+      </p:grpSpPr>
+      <p:sp>
+        <p:nvSpPr>
+          <p:cNvPr id="2" name="제목 1"/>
+          <p:cNvSpPr>
+            <a:spLocks noGrp="1"/>
+          </p:cNvSpPr>
+          <p:nvPr>
+            <p:ph type="title"/>
+          </p:nvPr>
+        </p:nvSpPr>
+        <p:spPr>
+          <a:xfrm>
+            <a:off x="913795" y="590145"/>
+            <a:ext cx="10353761" cy="1326321"/>
+          </a:xfrm>
+        </p:spPr>
+        <p:txBody>
+          <a:bodyPr/>
+          <a:lstStyle/>
+          <a:p>
+            <a:r>
+              <a:rPr lang="ko-KR" altLang="en-US" dirty="0" smtClean="0"/>
+              <a:t>변수와 타입</a:t>
+            </a:r>
+            <a:endParaRPr lang="ko-KR" altLang="en-US" dirty="0"/>
+          </a:p>
+        </p:txBody>
+      </p:sp>
+      <p:sp>
+        <p:nvSpPr>
+          <p:cNvPr id="6" name="내용 개체 틀 3"/>
+          <p:cNvSpPr>
+            <a:spLocks noGrp="1"/>
+          </p:cNvSpPr>
+          <p:nvPr>
+            <p:ph idx="1"/>
+          </p:nvPr>
+        </p:nvSpPr>
+        <p:spPr>
+          <a:xfrm>
+            <a:off x="838200" y="1833790"/>
+            <a:ext cx="10429356" cy="4351338"/>
+          </a:xfrm>
+        </p:spPr>
+        <p:txBody>
+          <a:bodyPr>
+            <a:normAutofit/>
+          </a:bodyPr>
+          <a:lstStyle/>
+          <a:p>
+            <a:r>
+              <a:rPr lang="ko-KR" altLang="en-US" dirty="0" smtClean="0"/>
               <a:t>변수 사용 방법</a:t>
             </a:r>
             <a:endParaRPr lang="en-US" altLang="ko-KR" dirty="0" smtClean="0"/>
@@ -6533,7 +6760,7 @@
 </p:sld>
 </file>
 
-<file path=ppt/slides/slide14.xml><?xml version="1.0" encoding="utf-8"?>
+<file path=ppt/slides/slide15.xml><?xml version="1.0" encoding="utf-8"?>
 <p:sld xmlns:a="http://schemas.openxmlformats.org/drawingml/2006/main" xmlns:r="http://schemas.openxmlformats.org/officeDocument/2006/relationships" xmlns:p="http://schemas.openxmlformats.org/presentationml/2006/main">
   <p:cSld>
     <p:spTree>
@@ -6828,190 +7055,6 @@
 </p:sld>
 </file>
 
-<file path=ppt/slides/slide15.xml><?xml version="1.0" encoding="utf-8"?>
-<p:sld xmlns:a="http://schemas.openxmlformats.org/drawingml/2006/main" xmlns:r="http://schemas.openxmlformats.org/officeDocument/2006/relationships" xmlns:p="http://schemas.openxmlformats.org/presentationml/2006/main">
-  <p:cSld>
-    <p:spTree>
-      <p:nvGrpSpPr>
-        <p:cNvPr id="1" name=""/>
-        <p:cNvGrpSpPr/>
-        <p:nvPr/>
-      </p:nvGrpSpPr>
-      <p:grpSpPr>
-        <a:xfrm>
-          <a:off x="0" y="0"/>
-          <a:ext cx="0" cy="0"/>
-          <a:chOff x="0" y="0"/>
-          <a:chExt cx="0" cy="0"/>
-        </a:xfrm>
-      </p:grpSpPr>
-      <p:sp>
-        <p:nvSpPr>
-          <p:cNvPr id="2" name="제목 1"/>
-          <p:cNvSpPr>
-            <a:spLocks noGrp="1"/>
-          </p:cNvSpPr>
-          <p:nvPr>
-            <p:ph type="title"/>
-          </p:nvPr>
-        </p:nvSpPr>
-        <p:spPr>
-          <a:xfrm>
-            <a:off x="913795" y="590145"/>
-            <a:ext cx="10353761" cy="1326321"/>
-          </a:xfrm>
-        </p:spPr>
-        <p:txBody>
-          <a:bodyPr/>
-          <a:lstStyle/>
-          <a:p>
-            <a:r>
-              <a:rPr lang="ko-KR" altLang="en-US" dirty="0" smtClean="0"/>
-              <a:t>조건을 이용하자</a:t>
-            </a:r>
-            <a:r>
-              <a:rPr lang="en-US" altLang="ko-KR" dirty="0" smtClean="0"/>
-              <a:t>: IF</a:t>
-            </a:r>
-            <a:endParaRPr lang="ko-KR" altLang="en-US" dirty="0"/>
-          </a:p>
-        </p:txBody>
-      </p:sp>
-      <p:sp>
-        <p:nvSpPr>
-          <p:cNvPr id="6" name="내용 개체 틀 3"/>
-          <p:cNvSpPr>
-            <a:spLocks noGrp="1"/>
-          </p:cNvSpPr>
-          <p:nvPr>
-            <p:ph idx="1"/>
-          </p:nvPr>
-        </p:nvSpPr>
-        <p:spPr>
-          <a:xfrm>
-            <a:off x="838200" y="1833790"/>
-            <a:ext cx="10429356" cy="4351338"/>
-          </a:xfrm>
-        </p:spPr>
-        <p:txBody>
-          <a:bodyPr>
-            <a:normAutofit/>
-          </a:bodyPr>
-          <a:lstStyle/>
-          <a:p>
-            <a:r>
-              <a:rPr lang="ko-KR" altLang="en-US" dirty="0" smtClean="0"/>
-              <a:t>조건</a:t>
-            </a:r>
-            <a:r>
-              <a:rPr lang="en-US" altLang="ko-KR" dirty="0" smtClean="0"/>
-              <a:t>: </a:t>
-            </a:r>
-            <a:r>
-              <a:rPr lang="ko-KR" altLang="en-US" dirty="0" smtClean="0"/>
-              <a:t>참과 거짓으로 나타낼 수 있는 식</a:t>
-            </a:r>
-            <a:endParaRPr lang="en-US" altLang="ko-KR" dirty="0" smtClean="0"/>
-          </a:p>
-          <a:p>
-            <a:pPr lvl="1"/>
-            <a:r>
-              <a:rPr lang="en-US" altLang="ko-KR" dirty="0" smtClean="0"/>
-              <a:t>100 &gt; 50</a:t>
-            </a:r>
-            <a:r>
-              <a:rPr lang="ko-KR" altLang="en-US" dirty="0" smtClean="0"/>
-              <a:t>이라는 식은 참이다</a:t>
-            </a:r>
-            <a:r>
-              <a:rPr lang="en-US" altLang="ko-KR" dirty="0" smtClean="0"/>
-              <a:t>.</a:t>
-            </a:r>
-          </a:p>
-          <a:p>
-            <a:pPr lvl="1"/>
-            <a:r>
-              <a:rPr lang="en-US" altLang="ko-KR" dirty="0" smtClean="0"/>
-              <a:t>100 &lt; 50</a:t>
-            </a:r>
-            <a:r>
-              <a:rPr lang="ko-KR" altLang="en-US" dirty="0" smtClean="0"/>
-              <a:t>이라는 식은 거짓이다</a:t>
-            </a:r>
-            <a:r>
-              <a:rPr lang="en-US" altLang="ko-KR" dirty="0" smtClean="0"/>
-              <a:t>.</a:t>
-            </a:r>
-            <a:endParaRPr lang="en-US" altLang="ko-KR" dirty="0"/>
-          </a:p>
-        </p:txBody>
-      </p:sp>
-      <p:pic>
-        <p:nvPicPr>
-          <p:cNvPr id="5" name="그림 4"/>
-          <p:cNvPicPr>
-            <a:picLocks noChangeAspect="1"/>
-          </p:cNvPicPr>
-          <p:nvPr/>
-        </p:nvPicPr>
-        <p:blipFill rotWithShape="1">
-          <a:blip r:embed="rId2"/>
-          <a:srcRect l="20203" t="13765" r="71345" b="79438"/>
-          <a:stretch/>
-        </p:blipFill>
-        <p:spPr>
-          <a:xfrm>
-            <a:off x="8172450" y="1916465"/>
-            <a:ext cx="3095105" cy="1472065"/>
-          </a:xfrm>
-          <a:prstGeom prst="rect">
-            <a:avLst/>
-          </a:prstGeom>
-        </p:spPr>
-      </p:pic>
-      <p:pic>
-        <p:nvPicPr>
-          <p:cNvPr id="7" name="그림 6"/>
-          <p:cNvPicPr>
-            <a:picLocks noChangeAspect="1"/>
-          </p:cNvPicPr>
-          <p:nvPr/>
-        </p:nvPicPr>
-        <p:blipFill rotWithShape="1">
-          <a:blip r:embed="rId3"/>
-          <a:srcRect l="5568" t="53499" r="82248" b="36128"/>
-          <a:stretch/>
-        </p:blipFill>
-        <p:spPr>
-          <a:xfrm>
-            <a:off x="8172450" y="3944661"/>
-            <a:ext cx="3095106" cy="1558528"/>
-          </a:xfrm>
-          <a:prstGeom prst="rect">
-            <a:avLst/>
-          </a:prstGeom>
-        </p:spPr>
-      </p:pic>
-    </p:spTree>
-    <p:extLst>
-      <p:ext uri="{BB962C8B-B14F-4D97-AF65-F5344CB8AC3E}">
-        <p14:creationId xmlns:p14="http://schemas.microsoft.com/office/powerpoint/2010/main" val="465171079"/>
-      </p:ext>
-    </p:extLst>
-  </p:cSld>
-  <p:clrMapOvr>
-    <a:masterClrMapping/>
-  </p:clrMapOvr>
-  <p:timing>
-    <p:tnLst>
-      <p:par>
-        <p:cTn id="1" dur="indefinite" restart="never" nodeType="tmRoot"/>
-      </p:par>
-    </p:tnLst>
-  </p:timing>
-</p:sld>
-</file>
-
 <file path=ppt/slides/slide16.xml><?xml version="1.0" encoding="utf-8"?>
 <p:sld xmlns:a="http://schemas.openxmlformats.org/drawingml/2006/main" xmlns:r="http://schemas.openxmlformats.org/officeDocument/2006/relationships" xmlns:p="http://schemas.openxmlformats.org/presentationml/2006/main">
   <p:cSld>
@@ -7084,12 +7127,8 @@
           <a:lstStyle/>
           <a:p>
             <a:r>
-              <a:rPr lang="en-US" altLang="ko-KR" dirty="0" smtClean="0"/>
-              <a:t>IF</a:t>
-            </a:r>
-            <a:r>
-              <a:rPr lang="ko-KR" altLang="en-US" dirty="0" smtClean="0"/>
-              <a:t>문</a:t>
+              <a:rPr lang="ko-KR" altLang="en-US" dirty="0" smtClean="0"/>
+              <a:t>조건</a:t>
             </a:r>
             <a:r>
               <a:rPr lang="en-US" altLang="ko-KR" dirty="0" smtClean="0"/>
@@ -7097,115 +7136,46 @@
             </a:r>
             <a:r>
               <a:rPr lang="ko-KR" altLang="en-US" dirty="0" smtClean="0"/>
-              <a:t>어떤 조건이 참일 경우 실행시켜주는 문장</a:t>
+              <a:t>참과 거짓으로 나타낼 수 있는 식</a:t>
             </a:r>
             <a:endParaRPr lang="en-US" altLang="ko-KR" dirty="0" smtClean="0"/>
           </a:p>
           <a:p>
             <a:pPr lvl="1"/>
             <a:r>
-              <a:rPr lang="ko-KR" altLang="en-US" dirty="0" smtClean="0"/>
-              <a:t>사용법</a:t>
+              <a:rPr lang="en-US" altLang="ko-KR" dirty="0" smtClean="0"/>
+              <a:t>100 &gt; 50</a:t>
+            </a:r>
+            <a:r>
+              <a:rPr lang="ko-KR" altLang="en-US" dirty="0" smtClean="0"/>
+              <a:t>이라는 식은 참이다</a:t>
+            </a:r>
+            <a:r>
+              <a:rPr lang="en-US" altLang="ko-KR" dirty="0" smtClean="0"/>
+              <a:t>.</a:t>
+            </a:r>
+          </a:p>
+          <a:p>
+            <a:pPr lvl="1"/>
+            <a:r>
+              <a:rPr lang="en-US" altLang="ko-KR" dirty="0" smtClean="0"/>
+              <a:t>100 &lt; 50</a:t>
+            </a:r>
+            <a:r>
+              <a:rPr lang="ko-KR" altLang="en-US" dirty="0" smtClean="0"/>
+              <a:t>이라는 식은 거짓이다</a:t>
+            </a:r>
+            <a:r>
+              <a:rPr lang="en-US" altLang="ko-KR" dirty="0" smtClean="0"/>
+              <a:t>.</a:t>
             </a:r>
             <a:endParaRPr lang="en-US" altLang="ko-KR" dirty="0"/>
-          </a:p>
-          <a:p>
-            <a:pPr lvl="2"/>
-            <a:r>
-              <a:rPr lang="en-US" altLang="ko-KR" dirty="0" smtClean="0"/>
-              <a:t>if </a:t>
-            </a:r>
-            <a:r>
-              <a:rPr lang="ko-KR" altLang="en-US" dirty="0" smtClean="0"/>
-              <a:t>조건</a:t>
-            </a:r>
-            <a:r>
-              <a:rPr lang="en-US" altLang="ko-KR" dirty="0" smtClean="0"/>
-              <a:t>:</a:t>
-            </a:r>
-            <a:endParaRPr lang="en-US" altLang="ko-KR" dirty="0"/>
-          </a:p>
-          <a:p>
-            <a:pPr marL="914400" lvl="2" indent="0">
-              <a:buNone/>
-            </a:pPr>
-            <a:r>
-              <a:rPr lang="en-US" altLang="ko-KR" dirty="0"/>
-              <a:t> </a:t>
-            </a:r>
-            <a:r>
-              <a:rPr lang="en-US" altLang="ko-KR" dirty="0" smtClean="0"/>
-              <a:t>         </a:t>
-            </a:r>
-            <a:r>
-              <a:rPr lang="ko-KR" altLang="en-US" dirty="0" smtClean="0"/>
-              <a:t>실행시킬 문장</a:t>
-            </a:r>
-            <a:r>
-              <a:rPr lang="en-US" altLang="ko-KR" dirty="0" smtClean="0"/>
-              <a:t>1</a:t>
-            </a:r>
-          </a:p>
-          <a:p>
-            <a:pPr marL="914400" lvl="2" indent="0">
-              <a:buNone/>
-            </a:pPr>
-            <a:r>
-              <a:rPr lang="en-US" altLang="ko-KR" dirty="0"/>
-              <a:t> </a:t>
-            </a:r>
-            <a:r>
-              <a:rPr lang="en-US" altLang="ko-KR" dirty="0" smtClean="0"/>
-              <a:t>         </a:t>
-            </a:r>
-            <a:r>
-              <a:rPr lang="ko-KR" altLang="en-US" dirty="0" smtClean="0"/>
-              <a:t>실행시킬 문장</a:t>
-            </a:r>
-            <a:r>
-              <a:rPr lang="en-US" altLang="ko-KR" dirty="0" smtClean="0"/>
-              <a:t>2</a:t>
-            </a:r>
-          </a:p>
-          <a:p>
-            <a:pPr marL="914400" lvl="2" indent="0">
-              <a:buNone/>
-            </a:pPr>
-            <a:r>
-              <a:rPr lang="en-US" altLang="ko-KR" dirty="0"/>
-              <a:t> </a:t>
-            </a:r>
-            <a:r>
-              <a:rPr lang="en-US" altLang="ko-KR" dirty="0" smtClean="0"/>
-              <a:t>         …</a:t>
-            </a:r>
-            <a:endParaRPr lang="en-US" altLang="ko-KR" dirty="0"/>
-          </a:p>
-          <a:p>
-            <a:pPr lvl="1"/>
-            <a:r>
-              <a:rPr lang="en-US" altLang="ko-KR" dirty="0" smtClean="0"/>
-              <a:t>100 &gt; 50</a:t>
-            </a:r>
-            <a:r>
-              <a:rPr lang="ko-KR" altLang="en-US" dirty="0" smtClean="0"/>
-              <a:t>이 참이라면 </a:t>
-            </a:r>
-            <a:r>
-              <a:rPr lang="en-US" altLang="ko-KR" dirty="0" smtClean="0"/>
-              <a:t>100 &gt; 50</a:t>
-            </a:r>
-            <a:r>
-              <a:rPr lang="ko-KR" altLang="en-US" dirty="0" smtClean="0"/>
-              <a:t>이 참이라는 문장을 출력하는 프로그램</a:t>
-            </a:r>
-            <a:endParaRPr lang="en-US" altLang="ko-KR" dirty="0" smtClean="0"/>
           </a:p>
         </p:txBody>
       </p:sp>
       <p:pic>
         <p:nvPicPr>
-          <p:cNvPr id="4" name="그림 3"/>
+          <p:cNvPr id="5" name="그림 4"/>
           <p:cNvPicPr>
             <a:picLocks noChangeAspect="1"/>
           </p:cNvPicPr>
@@ -7213,13 +7183,13 @@
         </p:nvPicPr>
         <p:blipFill rotWithShape="1">
           <a:blip r:embed="rId2"/>
-          <a:srcRect l="20556" t="25417" r="57436" b="68568"/>
+          <a:srcRect l="20203" t="13765" r="71345" b="79438"/>
           <a:stretch/>
         </p:blipFill>
         <p:spPr>
           <a:xfrm>
-            <a:off x="1600200" y="4514850"/>
-            <a:ext cx="7315420" cy="1183822"/>
+            <a:off x="8172450" y="1916465"/>
+            <a:ext cx="3095105" cy="1472065"/>
           </a:xfrm>
           <a:prstGeom prst="rect">
             <a:avLst/>
@@ -7228,7 +7198,7 @@
       </p:pic>
       <p:pic>
         <p:nvPicPr>
-          <p:cNvPr id="8" name="그림 7"/>
+          <p:cNvPr id="7" name="그림 6"/>
           <p:cNvPicPr>
             <a:picLocks noChangeAspect="1"/>
           </p:cNvPicPr>
@@ -7236,13 +7206,13 @@
         </p:nvPicPr>
         <p:blipFill rotWithShape="1">
           <a:blip r:embed="rId3"/>
-          <a:srcRect l="5545" t="53588" r="82186" b="38345"/>
+          <a:srcRect l="5568" t="53499" r="82248" b="36128"/>
           <a:stretch/>
         </p:blipFill>
         <p:spPr>
           <a:xfrm>
-            <a:off x="7676007" y="1953446"/>
-            <a:ext cx="3591549" cy="1398234"/>
+            <a:off x="8172450" y="3944661"/>
+            <a:ext cx="3095106" cy="1558528"/>
           </a:xfrm>
           <a:prstGeom prst="rect">
             <a:avLst/>
@@ -7252,7 +7222,7 @@
     </p:spTree>
     <p:extLst>
       <p:ext uri="{BB962C8B-B14F-4D97-AF65-F5344CB8AC3E}">
-        <p14:creationId xmlns:p14="http://schemas.microsoft.com/office/powerpoint/2010/main" val="2271834175"/>
+        <p14:creationId xmlns:p14="http://schemas.microsoft.com/office/powerpoint/2010/main" val="465171079"/>
       </p:ext>
     </p:extLst>
   </p:cSld>
@@ -7341,116 +7311,128 @@
           <a:lstStyle/>
           <a:p>
             <a:r>
-              <a:rPr lang="ko-KR" altLang="en-US" dirty="0" smtClean="0"/>
-              <a:t>주의</a:t>
-            </a:r>
-            <a:r>
-              <a:rPr lang="en-US" altLang="ko-KR" dirty="0" smtClean="0"/>
-              <a:t>!</a:t>
-            </a:r>
+              <a:rPr lang="en-US" altLang="ko-KR" dirty="0" smtClean="0"/>
+              <a:t>IF</a:t>
+            </a:r>
+            <a:r>
+              <a:rPr lang="ko-KR" altLang="en-US" dirty="0" smtClean="0"/>
+              <a:t>문</a:t>
+            </a:r>
+            <a:r>
+              <a:rPr lang="en-US" altLang="ko-KR" dirty="0" smtClean="0"/>
+              <a:t>: </a:t>
+            </a:r>
+            <a:r>
+              <a:rPr lang="ko-KR" altLang="en-US" dirty="0" smtClean="0"/>
+              <a:t>어떤 조건이 참일 경우 실행시켜주는 문장</a:t>
+            </a:r>
+            <a:endParaRPr lang="en-US" altLang="ko-KR" dirty="0" smtClean="0"/>
           </a:p>
           <a:p>
             <a:pPr lvl="1"/>
             <a:r>
-              <a:rPr lang="en-US" altLang="ko-KR" dirty="0" smtClean="0"/>
-              <a:t>Python</a:t>
-            </a:r>
-            <a:r>
-              <a:rPr lang="ko-KR" altLang="en-US" dirty="0" smtClean="0"/>
-              <a:t>이라는 아이는 들여쓰기</a:t>
-            </a:r>
-            <a:r>
-              <a:rPr lang="en-US" altLang="ko-KR" dirty="0" smtClean="0"/>
-              <a:t>(indent)</a:t>
-            </a:r>
-            <a:r>
-              <a:rPr lang="ko-KR" altLang="en-US" dirty="0" smtClean="0"/>
-              <a:t>에 굉장히 민감한 아이입니다</a:t>
-            </a:r>
-            <a:r>
-              <a:rPr lang="en-US" altLang="ko-KR" dirty="0" smtClean="0"/>
-              <a:t>.</a:t>
-            </a:r>
+              <a:rPr lang="ko-KR" altLang="en-US" dirty="0" smtClean="0"/>
+              <a:t>사용법</a:t>
+            </a:r>
+            <a:endParaRPr lang="en-US" altLang="ko-KR" dirty="0"/>
+          </a:p>
+          <a:p>
+            <a:pPr lvl="2"/>
+            <a:r>
+              <a:rPr lang="en-US" altLang="ko-KR" dirty="0" smtClean="0"/>
+              <a:t>if </a:t>
+            </a:r>
+            <a:r>
+              <a:rPr lang="ko-KR" altLang="en-US" dirty="0" smtClean="0"/>
+              <a:t>조건</a:t>
+            </a:r>
+            <a:r>
+              <a:rPr lang="en-US" altLang="ko-KR" dirty="0" smtClean="0"/>
+              <a:t>:</a:t>
+            </a:r>
+            <a:endParaRPr lang="en-US" altLang="ko-KR" dirty="0"/>
+          </a:p>
+          <a:p>
+            <a:pPr marL="914400" lvl="2" indent="0">
+              <a:buNone/>
+            </a:pPr>
+            <a:r>
+              <a:rPr lang="en-US" altLang="ko-KR" dirty="0"/>
+              <a:t> </a:t>
+            </a:r>
+            <a:r>
+              <a:rPr lang="en-US" altLang="ko-KR" dirty="0" smtClean="0"/>
+              <a:t>         </a:t>
+            </a:r>
+            <a:r>
+              <a:rPr lang="ko-KR" altLang="en-US" dirty="0" smtClean="0"/>
+              <a:t>실행시킬 문장</a:t>
+            </a:r>
+            <a:r>
+              <a:rPr lang="en-US" altLang="ko-KR" dirty="0" smtClean="0"/>
+              <a:t>1</a:t>
+            </a:r>
+          </a:p>
+          <a:p>
+            <a:pPr marL="914400" lvl="2" indent="0">
+              <a:buNone/>
+            </a:pPr>
+            <a:r>
+              <a:rPr lang="en-US" altLang="ko-KR" dirty="0"/>
+              <a:t> </a:t>
+            </a:r>
+            <a:r>
+              <a:rPr lang="en-US" altLang="ko-KR" dirty="0" smtClean="0"/>
+              <a:t>         </a:t>
+            </a:r>
+            <a:r>
+              <a:rPr lang="ko-KR" altLang="en-US" dirty="0" smtClean="0"/>
+              <a:t>실행시킬 문장</a:t>
+            </a:r>
+            <a:r>
+              <a:rPr lang="en-US" altLang="ko-KR" dirty="0" smtClean="0"/>
+              <a:t>2</a:t>
+            </a:r>
+          </a:p>
+          <a:p>
+            <a:pPr marL="914400" lvl="2" indent="0">
+              <a:buNone/>
+            </a:pPr>
+            <a:r>
+              <a:rPr lang="en-US" altLang="ko-KR" dirty="0"/>
+              <a:t> </a:t>
+            </a:r>
+            <a:r>
+              <a:rPr lang="en-US" altLang="ko-KR" dirty="0" smtClean="0"/>
+              <a:t>         …</a:t>
+            </a:r>
+            <a:endParaRPr lang="en-US" altLang="ko-KR" dirty="0"/>
           </a:p>
           <a:p>
             <a:pPr lvl="1"/>
+            <a:r>
+              <a:rPr lang="en-US" altLang="ko-KR" dirty="0" smtClean="0"/>
+              <a:t>100 &gt; 50</a:t>
+            </a:r>
+            <a:r>
+              <a:rPr lang="ko-KR" altLang="en-US" dirty="0" smtClean="0"/>
+              <a:t>이 참이라면 </a:t>
+            </a:r>
+            <a:r>
+              <a:rPr lang="en-US" altLang="ko-KR" dirty="0" smtClean="0"/>
+              <a:t>100 &gt; 50</a:t>
+            </a:r>
+            <a:r>
+              <a:rPr lang="ko-KR" altLang="en-US" dirty="0" smtClean="0"/>
+              <a:t>이 참이라는 문장을 출력하는 프로그램</a:t>
+            </a:r>
             <a:endParaRPr lang="en-US" altLang="ko-KR" dirty="0" smtClean="0"/>
-          </a:p>
-          <a:p>
-            <a:pPr lvl="1"/>
-            <a:endParaRPr lang="en-US" altLang="ko-KR" dirty="0"/>
-          </a:p>
-          <a:p>
-            <a:pPr lvl="1"/>
-            <a:endParaRPr lang="en-US" altLang="ko-KR" dirty="0" smtClean="0"/>
-          </a:p>
-          <a:p>
-            <a:pPr lvl="1"/>
-            <a:r>
-              <a:rPr lang="ko-KR" altLang="en-US" dirty="0" smtClean="0"/>
-              <a:t>위의 그림과 같이 </a:t>
-            </a:r>
-            <a:r>
-              <a:rPr lang="en-US" altLang="ko-KR" dirty="0" smtClean="0"/>
-              <a:t>if </a:t>
-            </a:r>
-            <a:r>
-              <a:rPr lang="ko-KR" altLang="en-US" dirty="0" smtClean="0"/>
-              <a:t>다음 줄에서 들여쓰기를 하고 있는데 들여쓰기 간격이 일정해야 합니다</a:t>
-            </a:r>
-            <a:r>
-              <a:rPr lang="en-US" altLang="ko-KR" dirty="0" smtClean="0"/>
-              <a:t>.</a:t>
-            </a:r>
-          </a:p>
-          <a:p>
-            <a:pPr lvl="1"/>
-            <a:r>
-              <a:rPr lang="ko-KR" altLang="en-US" dirty="0" smtClean="0"/>
-              <a:t>예를 들어 더 실행할 문장이 있을 때 들여쓰기 간격이 다르다면 에러 띄웁니다</a:t>
-            </a:r>
-            <a:r>
-              <a:rPr lang="en-US" altLang="ko-KR" dirty="0" smtClean="0"/>
-              <a:t>.</a:t>
-            </a:r>
-          </a:p>
-          <a:p>
-            <a:pPr lvl="1"/>
-            <a:r>
-              <a:rPr lang="en-US" altLang="ko-KR" dirty="0" smtClean="0"/>
-              <a:t>PEP 8</a:t>
-            </a:r>
-            <a:r>
-              <a:rPr lang="ko-KR" altLang="en-US" dirty="0" smtClean="0"/>
-              <a:t>이라는 표준에서는 들여쓰기를 공백</a:t>
-            </a:r>
-            <a:r>
-              <a:rPr lang="en-US" altLang="ko-KR" dirty="0" smtClean="0"/>
-              <a:t>(</a:t>
-            </a:r>
-            <a:r>
-              <a:rPr lang="ko-KR" altLang="en-US" dirty="0" smtClean="0"/>
-              <a:t>스페이스</a:t>
-            </a:r>
-            <a:r>
-              <a:rPr lang="en-US" altLang="ko-KR" dirty="0" smtClean="0"/>
-              <a:t>) 4</a:t>
-            </a:r>
-            <a:r>
-              <a:rPr lang="ko-KR" altLang="en-US" dirty="0" smtClean="0"/>
-              <a:t>칸으로 정의하고 있습니다</a:t>
-            </a:r>
-            <a:r>
-              <a:rPr lang="en-US" altLang="ko-KR" dirty="0" smtClean="0"/>
-              <a:t>.</a:t>
-            </a:r>
-            <a:endParaRPr lang="en-US" altLang="ko-KR" dirty="0"/>
           </a:p>
         </p:txBody>
       </p:sp>
       <p:pic>
         <p:nvPicPr>
-          <p:cNvPr id="7" name="그림 6"/>
+          <p:cNvPr id="4" name="그림 3"/>
           <p:cNvPicPr>
             <a:picLocks noChangeAspect="1"/>
           </p:cNvPicPr>
@@ -7463,7 +7445,7 @@
         </p:blipFill>
         <p:spPr>
           <a:xfrm>
-            <a:off x="1306286" y="2694214"/>
+            <a:off x="1600200" y="4514850"/>
             <a:ext cx="7315420" cy="1183822"/>
           </a:xfrm>
           <a:prstGeom prst="rect">
@@ -7473,7 +7455,7 @@
       </p:pic>
       <p:pic>
         <p:nvPicPr>
-          <p:cNvPr id="3" name="그림 2"/>
+          <p:cNvPr id="8" name="그림 7"/>
           <p:cNvPicPr>
             <a:picLocks noChangeAspect="1"/>
           </p:cNvPicPr>
@@ -7481,13 +7463,13 @@
         </p:nvPicPr>
         <p:blipFill rotWithShape="1">
           <a:blip r:embed="rId3"/>
-          <a:srcRect l="20694" t="25124" r="61359" b="62015"/>
+          <a:srcRect l="5545" t="53588" r="82186" b="38345"/>
           <a:stretch/>
         </p:blipFill>
         <p:spPr>
           <a:xfrm>
-            <a:off x="1306286" y="5012872"/>
-            <a:ext cx="3673928" cy="1549936"/>
+            <a:off x="7676007" y="1953446"/>
+            <a:ext cx="3591549" cy="1398234"/>
           </a:xfrm>
           <a:prstGeom prst="rect">
             <a:avLst/>
@@ -7497,7 +7479,7 @@
     </p:spTree>
     <p:extLst>
       <p:ext uri="{BB962C8B-B14F-4D97-AF65-F5344CB8AC3E}">
-        <p14:creationId xmlns:p14="http://schemas.microsoft.com/office/powerpoint/2010/main" val="2216607382"/>
+        <p14:creationId xmlns:p14="http://schemas.microsoft.com/office/powerpoint/2010/main" val="2271834175"/>
       </p:ext>
     </p:extLst>
   </p:cSld>
@@ -7581,41 +7563,93 @@
         </p:spPr>
         <p:txBody>
           <a:bodyPr>
-            <a:normAutofit fontScale="92500" lnSpcReduction="10000"/>
+            <a:normAutofit/>
           </a:bodyPr>
           <a:lstStyle/>
           <a:p>
             <a:r>
-              <a:rPr lang="en-US" altLang="ko-KR" dirty="0" err="1" smtClean="0"/>
-              <a:t>elif</a:t>
-            </a:r>
-            <a:r>
-              <a:rPr lang="ko-KR" altLang="en-US" dirty="0" smtClean="0"/>
-              <a:t>문</a:t>
-            </a:r>
-            <a:r>
-              <a:rPr lang="en-US" altLang="ko-KR" dirty="0" smtClean="0"/>
-              <a:t>: </a:t>
-            </a:r>
-            <a:r>
-              <a:rPr lang="ko-KR" altLang="en-US" dirty="0" smtClean="0"/>
-              <a:t>어떤 조건이 만족하지 않을 때</a:t>
-            </a:r>
-            <a:r>
-              <a:rPr lang="en-US" altLang="ko-KR" dirty="0" smtClean="0"/>
-              <a:t>, </a:t>
-            </a:r>
-            <a:r>
-              <a:rPr lang="ko-KR" altLang="en-US" dirty="0" smtClean="0"/>
-              <a:t>다른 조건인 경우를 추가하여 실행시켜주는 문장</a:t>
-            </a:r>
+              <a:rPr lang="ko-KR" altLang="en-US" dirty="0" smtClean="0"/>
+              <a:t>주의</a:t>
+            </a:r>
+            <a:r>
+              <a:rPr lang="en-US" altLang="ko-KR" dirty="0" smtClean="0"/>
+              <a:t>!</a:t>
+            </a:r>
+          </a:p>
+          <a:p>
+            <a:pPr lvl="1"/>
+            <a:r>
+              <a:rPr lang="en-US" altLang="ko-KR" dirty="0" smtClean="0"/>
+              <a:t>Python</a:t>
+            </a:r>
+            <a:r>
+              <a:rPr lang="ko-KR" altLang="en-US" dirty="0" smtClean="0"/>
+              <a:t>이라는 아이는 들여쓰기</a:t>
+            </a:r>
+            <a:r>
+              <a:rPr lang="en-US" altLang="ko-KR" dirty="0" smtClean="0"/>
+              <a:t>(indent)</a:t>
+            </a:r>
+            <a:r>
+              <a:rPr lang="ko-KR" altLang="en-US" dirty="0" smtClean="0"/>
+              <a:t>에 굉장히 민감한 아이입니다</a:t>
+            </a:r>
+            <a:r>
+              <a:rPr lang="en-US" altLang="ko-KR" dirty="0" smtClean="0"/>
+              <a:t>.</a:t>
+            </a:r>
+          </a:p>
+          <a:p>
+            <a:pPr lvl="1"/>
             <a:endParaRPr lang="en-US" altLang="ko-KR" dirty="0" smtClean="0"/>
           </a:p>
           <a:p>
             <a:pPr lvl="1"/>
-            <a:r>
-              <a:rPr lang="ko-KR" altLang="en-US" dirty="0" smtClean="0"/>
-              <a:t>사용법</a:t>
+            <a:endParaRPr lang="en-US" altLang="ko-KR" dirty="0"/>
+          </a:p>
+          <a:p>
+            <a:pPr lvl="1"/>
+            <a:endParaRPr lang="en-US" altLang="ko-KR" dirty="0" smtClean="0"/>
+          </a:p>
+          <a:p>
+            <a:pPr lvl="1"/>
+            <a:r>
+              <a:rPr lang="ko-KR" altLang="en-US" dirty="0" smtClean="0"/>
+              <a:t>위의 그림과 같이 </a:t>
+            </a:r>
+            <a:r>
+              <a:rPr lang="en-US" altLang="ko-KR" dirty="0" smtClean="0"/>
+              <a:t>if </a:t>
+            </a:r>
+            <a:r>
+              <a:rPr lang="ko-KR" altLang="en-US" dirty="0" smtClean="0"/>
+              <a:t>다음 줄에서 들여쓰기를 하고 있는데 들여쓰기 간격이 일정해야 합니다</a:t>
+            </a:r>
+            <a:r>
+              <a:rPr lang="en-US" altLang="ko-KR" dirty="0" smtClean="0"/>
+              <a:t>.</a:t>
+            </a:r>
+          </a:p>
+          <a:p>
+            <a:pPr lvl="1"/>
+            <a:r>
+              <a:rPr lang="ko-KR" altLang="en-US" dirty="0" smtClean="0"/>
+              <a:t>예를 들어 더 실행할 문장이 있을 때 들여쓰기 간격이 다르다면 에러 띄웁니다</a:t>
+            </a:r>
+            <a:r>
+              <a:rPr lang="en-US" altLang="ko-KR" dirty="0" smtClean="0"/>
+              <a:t>.</a:t>
+            </a:r>
+          </a:p>
+          <a:p>
+            <a:pPr lvl="1"/>
+            <a:r>
+              <a:rPr lang="en-US" altLang="ko-KR" dirty="0" smtClean="0"/>
+              <a:t>PEP 8</a:t>
+            </a:r>
+            <a:r>
+              <a:rPr lang="ko-KR" altLang="en-US" dirty="0" smtClean="0"/>
+              <a:t>이라는 표준에서는 들여쓰기를 공백</a:t>
             </a:r>
             <a:r>
               <a:rPr lang="en-US" altLang="ko-KR" dirty="0" smtClean="0"/>
@@ -7623,258 +7657,24 @@
             </a:r>
             <a:r>
               <a:rPr lang="ko-KR" altLang="en-US" dirty="0" smtClean="0"/>
-              <a:t>다른 조건을 여러 개도 사용 가능</a:t>
-            </a:r>
-            <a:r>
-              <a:rPr lang="en-US" altLang="ko-KR" dirty="0" smtClean="0"/>
-              <a:t>)</a:t>
+              <a:t>스페이스</a:t>
+            </a:r>
+            <a:r>
+              <a:rPr lang="en-US" altLang="ko-KR" dirty="0" smtClean="0"/>
+              <a:t>) 4</a:t>
+            </a:r>
+            <a:r>
+              <a:rPr lang="ko-KR" altLang="en-US" dirty="0" smtClean="0"/>
+              <a:t>칸으로 정의하고 있습니다</a:t>
+            </a:r>
+            <a:r>
+              <a:rPr lang="en-US" altLang="ko-KR" dirty="0" smtClean="0"/>
+              <a:t>.</a:t>
             </a:r>
             <a:endParaRPr lang="en-US" altLang="ko-KR" dirty="0"/>
           </a:p>
-          <a:p>
-            <a:pPr lvl="2"/>
-            <a:r>
-              <a:rPr lang="en-US" altLang="ko-KR" dirty="0" smtClean="0"/>
-              <a:t>if </a:t>
-            </a:r>
-            <a:r>
-              <a:rPr lang="ko-KR" altLang="en-US" dirty="0" smtClean="0"/>
-              <a:t>조건</a:t>
-            </a:r>
-            <a:r>
-              <a:rPr lang="en-US" altLang="ko-KR" dirty="0" smtClean="0"/>
-              <a:t>:</a:t>
-            </a:r>
-            <a:endParaRPr lang="en-US" altLang="ko-KR" dirty="0"/>
-          </a:p>
-          <a:p>
-            <a:pPr marL="914400" lvl="2" indent="0">
-              <a:buNone/>
-            </a:pPr>
-            <a:r>
-              <a:rPr lang="en-US" altLang="ko-KR" dirty="0"/>
-              <a:t> </a:t>
-            </a:r>
-            <a:r>
-              <a:rPr lang="en-US" altLang="ko-KR" dirty="0" smtClean="0"/>
-              <a:t>         </a:t>
-            </a:r>
-            <a:r>
-              <a:rPr lang="ko-KR" altLang="en-US" dirty="0" smtClean="0"/>
-              <a:t>실행시킬 문장</a:t>
-            </a:r>
-            <a:r>
-              <a:rPr lang="en-US" altLang="ko-KR" dirty="0" smtClean="0"/>
-              <a:t>1</a:t>
-            </a:r>
-          </a:p>
-          <a:p>
-            <a:pPr marL="914400" lvl="2" indent="0">
-              <a:buNone/>
-            </a:pPr>
-            <a:r>
-              <a:rPr lang="en-US" altLang="ko-KR" dirty="0"/>
-              <a:t> </a:t>
-            </a:r>
-            <a:r>
-              <a:rPr lang="en-US" altLang="ko-KR" dirty="0" smtClean="0"/>
-              <a:t>         </a:t>
-            </a:r>
-            <a:r>
-              <a:rPr lang="ko-KR" altLang="en-US" dirty="0" smtClean="0"/>
-              <a:t>실행시킬 문장</a:t>
-            </a:r>
-            <a:r>
-              <a:rPr lang="en-US" altLang="ko-KR" dirty="0" smtClean="0"/>
-              <a:t>2</a:t>
-            </a:r>
-          </a:p>
-          <a:p>
-            <a:pPr marL="914400" lvl="2" indent="0">
-              <a:buNone/>
-            </a:pPr>
-            <a:r>
-              <a:rPr lang="en-US" altLang="ko-KR" dirty="0"/>
-              <a:t> </a:t>
-            </a:r>
-            <a:r>
-              <a:rPr lang="en-US" altLang="ko-KR" dirty="0" smtClean="0"/>
-              <a:t>         …</a:t>
-            </a:r>
-          </a:p>
-          <a:p>
-            <a:pPr lvl="2"/>
-            <a:r>
-              <a:rPr lang="en-US" altLang="ko-KR" dirty="0" err="1" smtClean="0"/>
-              <a:t>elif</a:t>
-            </a:r>
-            <a:r>
-              <a:rPr lang="en-US" altLang="ko-KR" dirty="0" smtClean="0"/>
-              <a:t> </a:t>
-            </a:r>
-            <a:r>
-              <a:rPr lang="ko-KR" altLang="en-US" dirty="0"/>
-              <a:t>조건</a:t>
-            </a:r>
-            <a:r>
-              <a:rPr lang="en-US" altLang="ko-KR" dirty="0"/>
-              <a:t>:</a:t>
-            </a:r>
-          </a:p>
-          <a:p>
-            <a:pPr marL="914400" lvl="2" indent="0">
-              <a:buNone/>
-            </a:pPr>
-            <a:r>
-              <a:rPr lang="en-US" altLang="ko-KR" dirty="0"/>
-              <a:t>          </a:t>
-            </a:r>
-            <a:r>
-              <a:rPr lang="ko-KR" altLang="en-US" dirty="0"/>
-              <a:t>실행시킬 문장</a:t>
-            </a:r>
-            <a:r>
-              <a:rPr lang="en-US" altLang="ko-KR" dirty="0"/>
-              <a:t>1</a:t>
-            </a:r>
-          </a:p>
-          <a:p>
-            <a:pPr marL="914400" lvl="2" indent="0">
-              <a:buNone/>
-            </a:pPr>
-            <a:r>
-              <a:rPr lang="en-US" altLang="ko-KR" dirty="0"/>
-              <a:t>          </a:t>
-            </a:r>
-            <a:r>
-              <a:rPr lang="ko-KR" altLang="en-US" dirty="0"/>
-              <a:t>실행시킬 문장</a:t>
-            </a:r>
-            <a:r>
-              <a:rPr lang="en-US" altLang="ko-KR" dirty="0"/>
-              <a:t>2</a:t>
-            </a:r>
-          </a:p>
-          <a:p>
-            <a:pPr marL="914400" lvl="2" indent="0">
-              <a:buNone/>
-            </a:pPr>
-            <a:r>
-              <a:rPr lang="en-US" altLang="ko-KR" dirty="0"/>
-              <a:t>          …</a:t>
-            </a:r>
-          </a:p>
-          <a:p>
-            <a:pPr marL="914400" lvl="2" indent="0">
-              <a:buNone/>
-            </a:pPr>
-            <a:endParaRPr lang="en-US" altLang="ko-KR" dirty="0"/>
-          </a:p>
-          <a:p>
-            <a:pPr lvl="1"/>
-            <a:r>
-              <a:rPr lang="en-US" altLang="ko-KR" dirty="0"/>
-              <a:t>a</a:t>
-            </a:r>
-            <a:r>
-              <a:rPr lang="en-US" altLang="ko-KR" dirty="0" smtClean="0"/>
-              <a:t> &gt; b</a:t>
-            </a:r>
-            <a:r>
-              <a:rPr lang="ko-KR" altLang="en-US" dirty="0"/>
-              <a:t>가</a:t>
-            </a:r>
-            <a:r>
-              <a:rPr lang="ko-KR" altLang="en-US" dirty="0" smtClean="0"/>
-              <a:t> 참이라면 </a:t>
-            </a:r>
-            <a:r>
-              <a:rPr lang="en-US" altLang="ko-KR" dirty="0" smtClean="0"/>
-              <a:t>“a</a:t>
-            </a:r>
-            <a:r>
-              <a:rPr lang="ko-KR" altLang="en-US" dirty="0" smtClean="0"/>
-              <a:t>는 </a:t>
-            </a:r>
-            <a:r>
-              <a:rPr lang="en-US" altLang="ko-KR" dirty="0" smtClean="0"/>
-              <a:t>b</a:t>
-            </a:r>
-            <a:r>
-              <a:rPr lang="ko-KR" altLang="en-US" dirty="0" smtClean="0"/>
-              <a:t>보다 크다</a:t>
-            </a:r>
-            <a:r>
-              <a:rPr lang="en-US" altLang="ko-KR" dirty="0" smtClean="0"/>
-              <a:t>”</a:t>
-            </a:r>
-            <a:r>
-              <a:rPr lang="ko-KR" altLang="en-US" dirty="0" smtClean="0"/>
-              <a:t>라고 출력</a:t>
-            </a:r>
-            <a:endParaRPr lang="en-US" altLang="ko-KR" dirty="0" smtClean="0"/>
-          </a:p>
-          <a:p>
-            <a:pPr lvl="1"/>
-            <a:r>
-              <a:rPr lang="en-US" altLang="ko-KR" dirty="0" smtClean="0"/>
-              <a:t>a &lt; b</a:t>
-            </a:r>
-            <a:r>
-              <a:rPr lang="ko-KR" altLang="en-US" dirty="0" smtClean="0"/>
-              <a:t>가 참이라면 </a:t>
-            </a:r>
-            <a:r>
-              <a:rPr lang="en-US" altLang="ko-KR" dirty="0" smtClean="0"/>
-              <a:t>“a</a:t>
-            </a:r>
-            <a:r>
-              <a:rPr lang="ko-KR" altLang="en-US" dirty="0" smtClean="0"/>
-              <a:t>는 </a:t>
-            </a:r>
-            <a:r>
-              <a:rPr lang="en-US" altLang="ko-KR" dirty="0" smtClean="0"/>
-              <a:t>b</a:t>
-            </a:r>
-            <a:r>
-              <a:rPr lang="ko-KR" altLang="en-US" dirty="0" smtClean="0"/>
-              <a:t>보다 작다</a:t>
-            </a:r>
-            <a:r>
-              <a:rPr lang="en-US" altLang="ko-KR" dirty="0" smtClean="0"/>
-              <a:t>”</a:t>
-            </a:r>
-            <a:r>
-              <a:rPr lang="ko-KR" altLang="en-US" dirty="0" smtClean="0"/>
-              <a:t>라고 출력</a:t>
-            </a:r>
-            <a:endParaRPr lang="en-US" altLang="ko-KR" dirty="0" smtClean="0"/>
-          </a:p>
-        </p:txBody>
-      </p:sp>
-      <p:pic>
-        <p:nvPicPr>
-          <p:cNvPr id="3" name="그림 2"/>
-          <p:cNvPicPr>
-            <a:picLocks noChangeAspect="1"/>
-          </p:cNvPicPr>
-          <p:nvPr/>
-        </p:nvPicPr>
-        <p:blipFill rotWithShape="1">
-          <a:blip r:embed="rId2"/>
-          <a:srcRect l="4963" t="52647" r="81558" b="37925"/>
-          <a:stretch/>
-        </p:blipFill>
-        <p:spPr>
-          <a:xfrm>
-            <a:off x="7528408" y="4645479"/>
-            <a:ext cx="3739148" cy="1539649"/>
-          </a:xfrm>
-          <a:prstGeom prst="rect">
-            <a:avLst/>
-          </a:prstGeom>
-        </p:spPr>
-      </p:pic>
+        </p:txBody>
+      </p:sp>
       <p:pic>
         <p:nvPicPr>
           <p:cNvPr id="7" name="그림 6"/>
@@ -7885,13 +7685,36 @@
         </p:nvPicPr>
         <p:blipFill rotWithShape="1">
           <a:blip r:embed="rId2"/>
-          <a:srcRect l="20160" t="20379" r="63189" b="61776"/>
+          <a:srcRect l="20556" t="25417" r="57436" b="68568"/>
           <a:stretch/>
         </p:blipFill>
         <p:spPr>
           <a:xfrm>
-            <a:off x="7541790" y="2294696"/>
-            <a:ext cx="3725766" cy="2350783"/>
+            <a:off x="1306286" y="2694214"/>
+            <a:ext cx="7315420" cy="1183822"/>
+          </a:xfrm>
+          <a:prstGeom prst="rect">
+            <a:avLst/>
+          </a:prstGeom>
+        </p:spPr>
+      </p:pic>
+      <p:pic>
+        <p:nvPicPr>
+          <p:cNvPr id="3" name="그림 2"/>
+          <p:cNvPicPr>
+            <a:picLocks noChangeAspect="1"/>
+          </p:cNvPicPr>
+          <p:nvPr/>
+        </p:nvPicPr>
+        <p:blipFill rotWithShape="1">
+          <a:blip r:embed="rId3"/>
+          <a:srcRect l="20694" t="25124" r="61359" b="62015"/>
+          <a:stretch/>
+        </p:blipFill>
+        <p:spPr>
+          <a:xfrm>
+            <a:off x="1306286" y="5012872"/>
+            <a:ext cx="3673928" cy="1549936"/>
           </a:xfrm>
           <a:prstGeom prst="rect">
             <a:avLst/>
@@ -7901,7 +7724,7 @@
     </p:spTree>
     <p:extLst>
       <p:ext uri="{BB962C8B-B14F-4D97-AF65-F5344CB8AC3E}">
-        <p14:creationId xmlns:p14="http://schemas.microsoft.com/office/powerpoint/2010/main" val="1818526057"/>
+        <p14:creationId xmlns:p14="http://schemas.microsoft.com/office/powerpoint/2010/main" val="2216607382"/>
       </p:ext>
     </p:extLst>
   </p:cSld>
@@ -7985,33 +7808,33 @@
         </p:spPr>
         <p:txBody>
           <a:bodyPr>
-            <a:normAutofit/>
+            <a:normAutofit fontScale="92500" lnSpcReduction="10000"/>
           </a:bodyPr>
           <a:lstStyle/>
           <a:p>
-            <a:r>
-              <a:rPr lang="en-US" altLang="ko-KR" dirty="0" smtClean="0"/>
-              <a:t>else</a:t>
-            </a:r>
-            <a:r>
-              <a:rPr lang="ko-KR" altLang="en-US" dirty="0" smtClean="0"/>
-              <a:t>문</a:t>
-            </a:r>
-            <a:r>
-              <a:rPr lang="en-US" altLang="ko-KR" dirty="0" smtClean="0"/>
-              <a:t>: if</a:t>
-            </a:r>
-            <a:r>
-              <a:rPr lang="ko-KR" altLang="en-US" dirty="0" smtClean="0"/>
-              <a:t>와 </a:t>
-            </a:r>
             <a:r>
               <a:rPr lang="en-US" altLang="ko-KR" dirty="0" err="1" smtClean="0"/>
               <a:t>elif</a:t>
             </a:r>
             <a:r>
               <a:rPr lang="ko-KR" altLang="en-US" dirty="0" smtClean="0"/>
-              <a:t>에서 실행되지 않는 모든 조건에 대해 실행시켜주는 문장</a:t>
+              <a:t>문</a:t>
+            </a:r>
+            <a:r>
+              <a:rPr lang="en-US" altLang="ko-KR" dirty="0" smtClean="0"/>
+              <a:t>: </a:t>
+            </a:r>
+            <a:r>
+              <a:rPr lang="ko-KR" altLang="en-US" dirty="0" smtClean="0"/>
+              <a:t>어떤 조건이 만족하지 않을 때</a:t>
+            </a:r>
+            <a:r>
+              <a:rPr lang="en-US" altLang="ko-KR" dirty="0" smtClean="0"/>
+              <a:t>, </a:t>
+            </a:r>
+            <a:r>
+              <a:rPr lang="ko-KR" altLang="en-US" dirty="0" smtClean="0"/>
+              <a:t>다른 조건인 경우를 추가하여 실행시켜주는 문장</a:t>
             </a:r>
             <a:endParaRPr lang="en-US" altLang="ko-KR" dirty="0" smtClean="0"/>
           </a:p>
@@ -8021,180 +7844,291 @@
               <a:rPr lang="ko-KR" altLang="en-US" dirty="0" smtClean="0"/>
               <a:t>사용법</a:t>
             </a:r>
+            <a:r>
+              <a:rPr lang="en-US" altLang="ko-KR" dirty="0" smtClean="0"/>
+              <a:t>(</a:t>
+            </a:r>
+            <a:r>
+              <a:rPr lang="ko-KR" altLang="en-US" dirty="0" smtClean="0"/>
+              <a:t>다른 조건을 여러 개도 사용 가능</a:t>
+            </a:r>
+            <a:r>
+              <a:rPr lang="en-US" altLang="ko-KR" dirty="0" smtClean="0"/>
+              <a:t>)</a:t>
+            </a:r>
             <a:endParaRPr lang="en-US" altLang="ko-KR" dirty="0"/>
           </a:p>
-        </p:txBody>
-      </p:sp>
-      <p:sp>
-        <p:nvSpPr>
-          <p:cNvPr id="4" name="직사각형 3"/>
-          <p:cNvSpPr/>
+          <a:p>
+            <a:pPr lvl="2"/>
+            <a:r>
+              <a:rPr lang="en-US" altLang="ko-KR" dirty="0" smtClean="0"/>
+              <a:t>if </a:t>
+            </a:r>
+            <a:r>
+              <a:rPr lang="ko-KR" altLang="en-US" dirty="0" smtClean="0"/>
+              <a:t>조건</a:t>
+            </a:r>
+            <a:r>
+              <a:rPr lang="en-US" altLang="ko-KR" dirty="0" smtClean="0"/>
+              <a:t>:</a:t>
+            </a:r>
+            <a:endParaRPr lang="en-US" altLang="ko-KR" dirty="0"/>
+          </a:p>
+          <a:p>
+            <a:pPr marL="914400" lvl="2" indent="0">
+              <a:buNone/>
+            </a:pPr>
+            <a:r>
+              <a:rPr lang="en-US" altLang="ko-KR" dirty="0"/>
+              <a:t> </a:t>
+            </a:r>
+            <a:r>
+              <a:rPr lang="en-US" altLang="ko-KR" dirty="0" smtClean="0"/>
+              <a:t>         </a:t>
+            </a:r>
+            <a:r>
+              <a:rPr lang="ko-KR" altLang="en-US" dirty="0" smtClean="0"/>
+              <a:t>실행시킬 문장</a:t>
+            </a:r>
+            <a:r>
+              <a:rPr lang="en-US" altLang="ko-KR" dirty="0" smtClean="0"/>
+              <a:t>1</a:t>
+            </a:r>
+          </a:p>
+          <a:p>
+            <a:pPr marL="914400" lvl="2" indent="0">
+              <a:buNone/>
+            </a:pPr>
+            <a:r>
+              <a:rPr lang="en-US" altLang="ko-KR" dirty="0"/>
+              <a:t> </a:t>
+            </a:r>
+            <a:r>
+              <a:rPr lang="en-US" altLang="ko-KR" dirty="0" smtClean="0"/>
+              <a:t>         </a:t>
+            </a:r>
+            <a:r>
+              <a:rPr lang="ko-KR" altLang="en-US" dirty="0" smtClean="0"/>
+              <a:t>실행시킬 문장</a:t>
+            </a:r>
+            <a:r>
+              <a:rPr lang="en-US" altLang="ko-KR" dirty="0" smtClean="0"/>
+              <a:t>2</a:t>
+            </a:r>
+          </a:p>
+          <a:p>
+            <a:pPr marL="914400" lvl="2" indent="0">
+              <a:buNone/>
+            </a:pPr>
+            <a:r>
+              <a:rPr lang="en-US" altLang="ko-KR" dirty="0"/>
+              <a:t> </a:t>
+            </a:r>
+            <a:r>
+              <a:rPr lang="en-US" altLang="ko-KR" dirty="0" smtClean="0"/>
+              <a:t>         …</a:t>
+            </a:r>
+          </a:p>
+          <a:p>
+            <a:pPr lvl="2"/>
+            <a:r>
+              <a:rPr lang="en-US" altLang="ko-KR" dirty="0" err="1" smtClean="0"/>
+              <a:t>elif</a:t>
+            </a:r>
+            <a:r>
+              <a:rPr lang="en-US" altLang="ko-KR" dirty="0" smtClean="0"/>
+              <a:t> </a:t>
+            </a:r>
+            <a:r>
+              <a:rPr lang="ko-KR" altLang="en-US" dirty="0"/>
+              <a:t>조건</a:t>
+            </a:r>
+            <a:r>
+              <a:rPr lang="en-US" altLang="ko-KR" dirty="0"/>
+              <a:t>:</a:t>
+            </a:r>
+          </a:p>
+          <a:p>
+            <a:pPr marL="914400" lvl="2" indent="0">
+              <a:buNone/>
+            </a:pPr>
+            <a:r>
+              <a:rPr lang="en-US" altLang="ko-KR" dirty="0"/>
+              <a:t>          </a:t>
+            </a:r>
+            <a:r>
+              <a:rPr lang="ko-KR" altLang="en-US" dirty="0"/>
+              <a:t>실행시킬 문장</a:t>
+            </a:r>
+            <a:r>
+              <a:rPr lang="en-US" altLang="ko-KR" dirty="0"/>
+              <a:t>1</a:t>
+            </a:r>
+          </a:p>
+          <a:p>
+            <a:pPr marL="914400" lvl="2" indent="0">
+              <a:buNone/>
+            </a:pPr>
+            <a:r>
+              <a:rPr lang="en-US" altLang="ko-KR" dirty="0"/>
+              <a:t>          </a:t>
+            </a:r>
+            <a:r>
+              <a:rPr lang="ko-KR" altLang="en-US" dirty="0"/>
+              <a:t>실행시킬 문장</a:t>
+            </a:r>
+            <a:r>
+              <a:rPr lang="en-US" altLang="ko-KR" dirty="0"/>
+              <a:t>2</a:t>
+            </a:r>
+          </a:p>
+          <a:p>
+            <a:pPr marL="914400" lvl="2" indent="0">
+              <a:buNone/>
+            </a:pPr>
+            <a:r>
+              <a:rPr lang="en-US" altLang="ko-KR" dirty="0"/>
+              <a:t>          …</a:t>
+            </a:r>
+          </a:p>
+          <a:p>
+            <a:pPr marL="914400" lvl="2" indent="0">
+              <a:buNone/>
+            </a:pPr>
+            <a:endParaRPr lang="en-US" altLang="ko-KR" dirty="0"/>
+          </a:p>
+          <a:p>
+            <a:pPr lvl="1"/>
+            <a:r>
+              <a:rPr lang="en-US" altLang="ko-KR" dirty="0"/>
+              <a:t>a</a:t>
+            </a:r>
+            <a:r>
+              <a:rPr lang="en-US" altLang="ko-KR" dirty="0" smtClean="0"/>
+              <a:t> &gt; b</a:t>
+            </a:r>
+            <a:r>
+              <a:rPr lang="ko-KR" altLang="en-US" dirty="0"/>
+              <a:t>가</a:t>
+            </a:r>
+            <a:r>
+              <a:rPr lang="ko-KR" altLang="en-US" dirty="0" smtClean="0"/>
+              <a:t> 참이라면 </a:t>
+            </a:r>
+            <a:r>
+              <a:rPr lang="en-US" altLang="ko-KR" dirty="0" smtClean="0"/>
+              <a:t>“a</a:t>
+            </a:r>
+            <a:r>
+              <a:rPr lang="ko-KR" altLang="en-US" dirty="0" smtClean="0"/>
+              <a:t>는 </a:t>
+            </a:r>
+            <a:r>
+              <a:rPr lang="en-US" altLang="ko-KR" dirty="0" smtClean="0"/>
+              <a:t>b</a:t>
+            </a:r>
+            <a:r>
+              <a:rPr lang="ko-KR" altLang="en-US" dirty="0" smtClean="0"/>
+              <a:t>보다 크다</a:t>
+            </a:r>
+            <a:r>
+              <a:rPr lang="en-US" altLang="ko-KR" dirty="0" smtClean="0"/>
+              <a:t>”</a:t>
+            </a:r>
+            <a:r>
+              <a:rPr lang="ko-KR" altLang="en-US" dirty="0" smtClean="0"/>
+              <a:t>라고 출력</a:t>
+            </a:r>
+            <a:endParaRPr lang="en-US" altLang="ko-KR" dirty="0" smtClean="0"/>
+          </a:p>
+          <a:p>
+            <a:pPr lvl="1"/>
+            <a:r>
+              <a:rPr lang="en-US" altLang="ko-KR" dirty="0" smtClean="0"/>
+              <a:t>a &lt; b</a:t>
+            </a:r>
+            <a:r>
+              <a:rPr lang="ko-KR" altLang="en-US" dirty="0" smtClean="0"/>
+              <a:t>가 참이라면 </a:t>
+            </a:r>
+            <a:r>
+              <a:rPr lang="en-US" altLang="ko-KR" dirty="0" smtClean="0"/>
+              <a:t>“a</a:t>
+            </a:r>
+            <a:r>
+              <a:rPr lang="ko-KR" altLang="en-US" dirty="0" smtClean="0"/>
+              <a:t>는 </a:t>
+            </a:r>
+            <a:r>
+              <a:rPr lang="en-US" altLang="ko-KR" dirty="0" smtClean="0"/>
+              <a:t>b</a:t>
+            </a:r>
+            <a:r>
+              <a:rPr lang="ko-KR" altLang="en-US" dirty="0" smtClean="0"/>
+              <a:t>보다 작다</a:t>
+            </a:r>
+            <a:r>
+              <a:rPr lang="en-US" altLang="ko-KR" dirty="0" smtClean="0"/>
+              <a:t>”</a:t>
+            </a:r>
+            <a:r>
+              <a:rPr lang="ko-KR" altLang="en-US" dirty="0" smtClean="0"/>
+              <a:t>라고 출력</a:t>
+            </a:r>
+            <a:endParaRPr lang="en-US" altLang="ko-KR" dirty="0" smtClean="0"/>
+          </a:p>
+        </p:txBody>
+      </p:sp>
+      <p:pic>
+        <p:nvPicPr>
+          <p:cNvPr id="3" name="그림 2"/>
+          <p:cNvPicPr>
+            <a:picLocks noChangeAspect="1"/>
+          </p:cNvPicPr>
           <p:nvPr/>
-        </p:nvSpPr>
-        <p:spPr>
-          <a:xfrm>
-            <a:off x="1545772" y="2567987"/>
-            <a:ext cx="2707822" cy="4154984"/>
+        </p:nvPicPr>
+        <p:blipFill rotWithShape="1">
+          <a:blip r:embed="rId2"/>
+          <a:srcRect l="4963" t="52647" r="81558" b="37925"/>
+          <a:stretch/>
+        </p:blipFill>
+        <p:spPr>
+          <a:xfrm>
+            <a:off x="7528408" y="4645479"/>
+            <a:ext cx="3739148" cy="1539649"/>
           </a:xfrm>
           <a:prstGeom prst="rect">
             <a:avLst/>
           </a:prstGeom>
         </p:spPr>
-        <p:txBody>
-          <a:bodyPr wrap="square">
-            <a:spAutoFit/>
-          </a:bodyPr>
-          <a:lstStyle/>
-          <a:p>
-            <a:r>
-              <a:rPr lang="en-US" altLang="ko-KR" sz="2200" dirty="0"/>
-              <a:t>if </a:t>
-            </a:r>
-            <a:r>
-              <a:rPr lang="ko-KR" altLang="en-US" sz="2200" dirty="0"/>
-              <a:t>조건</a:t>
-            </a:r>
-            <a:r>
-              <a:rPr lang="en-US" altLang="ko-KR" sz="2200" dirty="0"/>
-              <a:t>:</a:t>
-            </a:r>
-          </a:p>
-          <a:p>
-            <a:r>
-              <a:rPr lang="en-US" altLang="ko-KR" sz="2200" dirty="0"/>
-              <a:t>          </a:t>
-            </a:r>
-            <a:r>
-              <a:rPr lang="ko-KR" altLang="en-US" sz="2200" dirty="0"/>
-              <a:t>실행시킬 문장</a:t>
-            </a:r>
-            <a:r>
-              <a:rPr lang="en-US" altLang="ko-KR" sz="2200" dirty="0"/>
-              <a:t>1</a:t>
-            </a:r>
-          </a:p>
-          <a:p>
-            <a:r>
-              <a:rPr lang="en-US" altLang="ko-KR" sz="2200" dirty="0"/>
-              <a:t>          </a:t>
-            </a:r>
-            <a:r>
-              <a:rPr lang="ko-KR" altLang="en-US" sz="2200" dirty="0"/>
-              <a:t>실행시킬 문장</a:t>
-            </a:r>
-            <a:r>
-              <a:rPr lang="en-US" altLang="ko-KR" sz="2200" dirty="0"/>
-              <a:t>2</a:t>
-            </a:r>
-          </a:p>
-          <a:p>
-            <a:r>
-              <a:rPr lang="en-US" altLang="ko-KR" sz="2200" dirty="0"/>
-              <a:t>          </a:t>
-            </a:r>
-            <a:r>
-              <a:rPr lang="en-US" altLang="ko-KR" sz="2200" dirty="0" smtClean="0"/>
-              <a:t>…</a:t>
-            </a:r>
-          </a:p>
-          <a:p>
-            <a:r>
-              <a:rPr lang="en-US" altLang="ko-KR" sz="2200" dirty="0" err="1" smtClean="0"/>
-              <a:t>elif</a:t>
-            </a:r>
-            <a:r>
-              <a:rPr lang="en-US" altLang="ko-KR" sz="2200" dirty="0" smtClean="0"/>
-              <a:t> </a:t>
-            </a:r>
-            <a:r>
-              <a:rPr lang="ko-KR" altLang="en-US" sz="2200" dirty="0"/>
-              <a:t>조건</a:t>
-            </a:r>
-            <a:r>
-              <a:rPr lang="en-US" altLang="ko-KR" sz="2200" dirty="0"/>
-              <a:t>:</a:t>
-            </a:r>
-          </a:p>
-          <a:p>
-            <a:r>
-              <a:rPr lang="en-US" altLang="ko-KR" sz="2200" dirty="0"/>
-              <a:t>          </a:t>
-            </a:r>
-            <a:r>
-              <a:rPr lang="ko-KR" altLang="en-US" sz="2200" dirty="0"/>
-              <a:t>실행시킬 문장</a:t>
-            </a:r>
-            <a:r>
-              <a:rPr lang="en-US" altLang="ko-KR" sz="2200" dirty="0"/>
-              <a:t>1</a:t>
-            </a:r>
-          </a:p>
-          <a:p>
-            <a:r>
-              <a:rPr lang="en-US" altLang="ko-KR" sz="2200" dirty="0"/>
-              <a:t>          </a:t>
-            </a:r>
-            <a:r>
-              <a:rPr lang="ko-KR" altLang="en-US" sz="2200" dirty="0"/>
-              <a:t>실행시킬 문장</a:t>
-            </a:r>
-            <a:r>
-              <a:rPr lang="en-US" altLang="ko-KR" sz="2200" dirty="0"/>
-              <a:t>2</a:t>
-            </a:r>
-          </a:p>
-          <a:p>
-            <a:r>
-              <a:rPr lang="en-US" altLang="ko-KR" sz="2200" dirty="0"/>
-              <a:t>          …</a:t>
-            </a:r>
-          </a:p>
-          <a:p>
-            <a:r>
-              <a:rPr lang="en-US" altLang="ko-KR" sz="2200" dirty="0"/>
-              <a:t>else:</a:t>
-            </a:r>
-          </a:p>
-          <a:p>
-            <a:r>
-              <a:rPr lang="en-US" altLang="ko-KR" sz="2200" dirty="0"/>
-              <a:t>          </a:t>
-            </a:r>
-            <a:r>
-              <a:rPr lang="ko-KR" altLang="en-US" sz="2200" dirty="0"/>
-              <a:t>실행시킬 문장</a:t>
-            </a:r>
-            <a:r>
-              <a:rPr lang="en-US" altLang="ko-KR" sz="2200" dirty="0"/>
-              <a:t>1</a:t>
-            </a:r>
-          </a:p>
-          <a:p>
-            <a:r>
-              <a:rPr lang="en-US" altLang="ko-KR" sz="2200" dirty="0"/>
-              <a:t>          </a:t>
-            </a:r>
-            <a:r>
-              <a:rPr lang="ko-KR" altLang="en-US" sz="2200" dirty="0"/>
-              <a:t>실행시킬 문장</a:t>
-            </a:r>
-            <a:r>
-              <a:rPr lang="en-US" altLang="ko-KR" sz="2200" dirty="0"/>
-              <a:t>2</a:t>
-            </a:r>
-          </a:p>
-          <a:p>
-            <a:r>
-              <a:rPr lang="en-US" altLang="ko-KR" sz="2200" dirty="0"/>
-              <a:t>          …</a:t>
-            </a:r>
-          </a:p>
-        </p:txBody>
-      </p:sp>
+      </p:pic>
+      <p:pic>
+        <p:nvPicPr>
+          <p:cNvPr id="7" name="그림 6"/>
+          <p:cNvPicPr>
+            <a:picLocks noChangeAspect="1"/>
+          </p:cNvPicPr>
+          <p:nvPr/>
+        </p:nvPicPr>
+        <p:blipFill rotWithShape="1">
+          <a:blip r:embed="rId2"/>
+          <a:srcRect l="20160" t="20379" r="63189" b="61776"/>
+          <a:stretch/>
+        </p:blipFill>
+        <p:spPr>
+          <a:xfrm>
+            <a:off x="7541790" y="2294696"/>
+            <a:ext cx="3725766" cy="2350783"/>
+          </a:xfrm>
+          <a:prstGeom prst="rect">
+            <a:avLst/>
+          </a:prstGeom>
+        </p:spPr>
+      </p:pic>
     </p:spTree>
     <p:extLst>
       <p:ext uri="{BB962C8B-B14F-4D97-AF65-F5344CB8AC3E}">
-        <p14:creationId xmlns:p14="http://schemas.microsoft.com/office/powerpoint/2010/main" val="2222454413"/>
+        <p14:creationId xmlns:p14="http://schemas.microsoft.com/office/powerpoint/2010/main" val="1818526057"/>
       </p:ext>
     </p:extLst>
   </p:cSld>
@@ -8264,7 +8198,7 @@
         <p:spPr/>
         <p:txBody>
           <a:bodyPr>
-            <a:normAutofit lnSpcReduction="10000"/>
+            <a:normAutofit/>
           </a:bodyPr>
           <a:lstStyle/>
           <a:p>
@@ -8343,11 +8277,7 @@
             </a:r>
             <a:r>
               <a:rPr lang="en-US" altLang="ko-KR" dirty="0" smtClean="0"/>
-              <a:t>: </a:t>
-            </a:r>
-            <a:r>
-              <a:rPr lang="en-US" altLang="ko-KR" dirty="0" smtClean="0"/>
-              <a:t>IF</a:t>
+              <a:t>: IF</a:t>
             </a:r>
           </a:p>
           <a:p>
@@ -8357,20 +8287,13 @@
             </a:pPr>
             <a:r>
               <a:rPr lang="ko-KR" altLang="en-US" dirty="0" smtClean="0"/>
-              <a:t>논리 연산</a:t>
+              <a:t>논리 </a:t>
+            </a:r>
+            <a:r>
+              <a:rPr lang="ko-KR" altLang="en-US" dirty="0" smtClean="0"/>
+              <a:t>연산</a:t>
             </a:r>
             <a:endParaRPr lang="en-US" altLang="ko-KR" dirty="0" smtClean="0"/>
-          </a:p>
-          <a:p>
-            <a:pPr marL="514350" indent="-514350">
-              <a:buFont typeface="+mj-lt"/>
-              <a:buAutoNum type="arabicPeriod"/>
-            </a:pPr>
-            <a:r>
-              <a:rPr lang="ko-KR" altLang="en-US" dirty="0" smtClean="0"/>
-              <a:t>참고 문헌</a:t>
-            </a:r>
-            <a:endParaRPr lang="ko-KR" altLang="en-US" dirty="0"/>
           </a:p>
         </p:txBody>
       </p:sp>
@@ -8466,172 +8389,211 @@
           <a:lstStyle/>
           <a:p>
             <a:r>
-              <a:rPr lang="en-US" altLang="ko-KR" dirty="0"/>
-              <a:t>a &gt; b</a:t>
-            </a:r>
-            <a:r>
-              <a:rPr lang="ko-KR" altLang="en-US" dirty="0"/>
-              <a:t>가 참이라면 </a:t>
-            </a:r>
-            <a:r>
-              <a:rPr lang="en-US" altLang="ko-KR" dirty="0"/>
-              <a:t>“a</a:t>
-            </a:r>
-            <a:r>
-              <a:rPr lang="ko-KR" altLang="en-US" dirty="0"/>
-              <a:t>는 </a:t>
-            </a:r>
-            <a:r>
-              <a:rPr lang="en-US" altLang="ko-KR" dirty="0"/>
-              <a:t>b</a:t>
-            </a:r>
-            <a:r>
-              <a:rPr lang="ko-KR" altLang="en-US" dirty="0"/>
-              <a:t>보다 </a:t>
-            </a:r>
-            <a:r>
-              <a:rPr lang="ko-KR" altLang="en-US" dirty="0" smtClean="0"/>
-              <a:t>크다</a:t>
-            </a:r>
-            <a:r>
-              <a:rPr lang="en-US" altLang="ko-KR" dirty="0" smtClean="0"/>
-              <a:t>.”</a:t>
-            </a:r>
-            <a:r>
-              <a:rPr lang="ko-KR" altLang="en-US" dirty="0"/>
-              <a:t>라고 출력</a:t>
+              <a:rPr lang="en-US" altLang="ko-KR" dirty="0" smtClean="0"/>
+              <a:t>else</a:t>
+            </a:r>
+            <a:r>
+              <a:rPr lang="ko-KR" altLang="en-US" dirty="0" smtClean="0"/>
+              <a:t>문</a:t>
+            </a:r>
+            <a:r>
+              <a:rPr lang="en-US" altLang="ko-KR" dirty="0" smtClean="0"/>
+              <a:t>: if</a:t>
+            </a:r>
+            <a:r>
+              <a:rPr lang="ko-KR" altLang="en-US" dirty="0" smtClean="0"/>
+              <a:t>와 </a:t>
+            </a:r>
+            <a:r>
+              <a:rPr lang="en-US" altLang="ko-KR" dirty="0" err="1" smtClean="0"/>
+              <a:t>elif</a:t>
+            </a:r>
+            <a:r>
+              <a:rPr lang="ko-KR" altLang="en-US" dirty="0" smtClean="0"/>
+              <a:t>에서 실행되지 않는 모든 조건에 대해 실행시켜주는 문장</a:t>
+            </a:r>
+            <a:endParaRPr lang="en-US" altLang="ko-KR" dirty="0" smtClean="0"/>
+          </a:p>
+          <a:p>
+            <a:pPr lvl="1"/>
+            <a:r>
+              <a:rPr lang="ko-KR" altLang="en-US" dirty="0" smtClean="0"/>
+              <a:t>사용법</a:t>
             </a:r>
             <a:endParaRPr lang="en-US" altLang="ko-KR" dirty="0"/>
           </a:p>
-          <a:p>
-            <a:r>
-              <a:rPr lang="en-US" altLang="ko-KR" dirty="0"/>
-              <a:t>a &lt; b</a:t>
-            </a:r>
-            <a:r>
-              <a:rPr lang="ko-KR" altLang="en-US" dirty="0"/>
-              <a:t>가 참이라면 </a:t>
-            </a:r>
-            <a:r>
-              <a:rPr lang="en-US" altLang="ko-KR" dirty="0"/>
-              <a:t>“a</a:t>
-            </a:r>
-            <a:r>
-              <a:rPr lang="ko-KR" altLang="en-US" dirty="0"/>
-              <a:t>는 </a:t>
-            </a:r>
-            <a:r>
-              <a:rPr lang="en-US" altLang="ko-KR" dirty="0"/>
-              <a:t>b</a:t>
-            </a:r>
-            <a:r>
-              <a:rPr lang="ko-KR" altLang="en-US" dirty="0"/>
-              <a:t>보다 </a:t>
-            </a:r>
-            <a:r>
-              <a:rPr lang="ko-KR" altLang="en-US" dirty="0" smtClean="0"/>
-              <a:t>작다</a:t>
-            </a:r>
-            <a:r>
-              <a:rPr lang="en-US" altLang="ko-KR" dirty="0" smtClean="0"/>
-              <a:t>.”</a:t>
-            </a:r>
-            <a:r>
-              <a:rPr lang="ko-KR" altLang="en-US" dirty="0"/>
-              <a:t>라고 출력</a:t>
-            </a:r>
-            <a:endParaRPr lang="en-US" altLang="ko-KR" dirty="0"/>
-          </a:p>
-          <a:p>
-            <a:r>
-              <a:rPr lang="ko-KR" altLang="en-US" dirty="0"/>
-              <a:t>그도 아니라면 </a:t>
-            </a:r>
-            <a:r>
-              <a:rPr lang="en-US" altLang="ko-KR" dirty="0"/>
-              <a:t>“a</a:t>
-            </a:r>
-            <a:r>
-              <a:rPr lang="ko-KR" altLang="en-US" dirty="0"/>
-              <a:t>는 </a:t>
-            </a:r>
-            <a:r>
-              <a:rPr lang="en-US" altLang="ko-KR" dirty="0"/>
-              <a:t>b</a:t>
-            </a:r>
-            <a:r>
-              <a:rPr lang="ko-KR" altLang="en-US" dirty="0"/>
-              <a:t>와 </a:t>
-            </a:r>
-            <a:r>
-              <a:rPr lang="ko-KR" altLang="en-US" dirty="0" smtClean="0"/>
-              <a:t>같다</a:t>
-            </a:r>
-            <a:r>
-              <a:rPr lang="en-US" altLang="ko-KR" dirty="0" smtClean="0"/>
-              <a:t>.”</a:t>
-            </a:r>
-            <a:r>
-              <a:rPr lang="ko-KR" altLang="en-US" dirty="0"/>
-              <a:t>라고 출력</a:t>
-            </a:r>
-            <a:endParaRPr lang="en-US" altLang="ko-KR" dirty="0"/>
-          </a:p>
-          <a:p>
-            <a:endParaRPr lang="en-US" altLang="ko-KR" dirty="0"/>
-          </a:p>
-        </p:txBody>
-      </p:sp>
-      <p:pic>
-        <p:nvPicPr>
-          <p:cNvPr id="3" name="그림 2"/>
-          <p:cNvPicPr>
-            <a:picLocks noChangeAspect="1"/>
-          </p:cNvPicPr>
+        </p:txBody>
+      </p:sp>
+      <p:sp>
+        <p:nvSpPr>
+          <p:cNvPr id="4" name="직사각형 3"/>
+          <p:cNvSpPr/>
           <p:nvPr/>
-        </p:nvPicPr>
-        <p:blipFill rotWithShape="1">
-          <a:blip r:embed="rId2"/>
-          <a:srcRect l="6066" t="52971" r="82212" b="38474"/>
-          <a:stretch/>
-        </p:blipFill>
-        <p:spPr>
-          <a:xfrm>
-            <a:off x="6858000" y="3279902"/>
-            <a:ext cx="4409556" cy="1894734"/>
+        </p:nvSpPr>
+        <p:spPr>
+          <a:xfrm>
+            <a:off x="1545772" y="2567987"/>
+            <a:ext cx="2707822" cy="4154984"/>
           </a:xfrm>
           <a:prstGeom prst="rect">
             <a:avLst/>
           </a:prstGeom>
         </p:spPr>
-      </p:pic>
-      <p:pic>
-        <p:nvPicPr>
-          <p:cNvPr id="7" name="그림 6"/>
-          <p:cNvPicPr>
-            <a:picLocks noChangeAspect="1"/>
-          </p:cNvPicPr>
-          <p:nvPr/>
-        </p:nvPicPr>
-        <p:blipFill rotWithShape="1">
-          <a:blip r:embed="rId2"/>
-          <a:srcRect l="20566" t="20667" r="63224" b="57245"/>
-          <a:stretch/>
-        </p:blipFill>
-        <p:spPr>
-          <a:xfrm>
-            <a:off x="913794" y="3279902"/>
-            <a:ext cx="4066419" cy="3262325"/>
-          </a:xfrm>
-          <a:prstGeom prst="rect">
-            <a:avLst/>
-          </a:prstGeom>
-        </p:spPr>
-      </p:pic>
+        <p:txBody>
+          <a:bodyPr wrap="square">
+            <a:spAutoFit/>
+          </a:bodyPr>
+          <a:lstStyle/>
+          <a:p>
+            <a:r>
+              <a:rPr lang="en-US" altLang="ko-KR" sz="2200" dirty="0"/>
+              <a:t>if </a:t>
+            </a:r>
+            <a:r>
+              <a:rPr lang="ko-KR" altLang="en-US" sz="2200" dirty="0"/>
+              <a:t>조건</a:t>
+            </a:r>
+            <a:r>
+              <a:rPr lang="en-US" altLang="ko-KR" sz="2200" dirty="0"/>
+              <a:t>:</a:t>
+            </a:r>
+          </a:p>
+          <a:p>
+            <a:r>
+              <a:rPr lang="en-US" altLang="ko-KR" sz="2200" dirty="0"/>
+              <a:t>          </a:t>
+            </a:r>
+            <a:r>
+              <a:rPr lang="ko-KR" altLang="en-US" sz="2200" dirty="0"/>
+              <a:t>실행시킬 문장</a:t>
+            </a:r>
+            <a:r>
+              <a:rPr lang="en-US" altLang="ko-KR" sz="2200" dirty="0"/>
+              <a:t>1</a:t>
+            </a:r>
+          </a:p>
+          <a:p>
+            <a:r>
+              <a:rPr lang="en-US" altLang="ko-KR" sz="2200" dirty="0"/>
+              <a:t>          </a:t>
+            </a:r>
+            <a:r>
+              <a:rPr lang="ko-KR" altLang="en-US" sz="2200" dirty="0"/>
+              <a:t>실행시킬 문장</a:t>
+            </a:r>
+            <a:r>
+              <a:rPr lang="en-US" altLang="ko-KR" sz="2200" dirty="0"/>
+              <a:t>2</a:t>
+            </a:r>
+          </a:p>
+          <a:p>
+            <a:r>
+              <a:rPr lang="en-US" altLang="ko-KR" sz="2200" dirty="0"/>
+              <a:t>          </a:t>
+            </a:r>
+            <a:r>
+              <a:rPr lang="en-US" altLang="ko-KR" sz="2200" dirty="0" smtClean="0"/>
+              <a:t>…</a:t>
+            </a:r>
+          </a:p>
+          <a:p>
+            <a:r>
+              <a:rPr lang="en-US" altLang="ko-KR" sz="2200" dirty="0" err="1" smtClean="0"/>
+              <a:t>elif</a:t>
+            </a:r>
+            <a:r>
+              <a:rPr lang="en-US" altLang="ko-KR" sz="2200" dirty="0" smtClean="0"/>
+              <a:t> </a:t>
+            </a:r>
+            <a:r>
+              <a:rPr lang="ko-KR" altLang="en-US" sz="2200" dirty="0"/>
+              <a:t>조건</a:t>
+            </a:r>
+            <a:r>
+              <a:rPr lang="en-US" altLang="ko-KR" sz="2200" dirty="0"/>
+              <a:t>:</a:t>
+            </a:r>
+          </a:p>
+          <a:p>
+            <a:r>
+              <a:rPr lang="en-US" altLang="ko-KR" sz="2200" dirty="0"/>
+              <a:t>          </a:t>
+            </a:r>
+            <a:r>
+              <a:rPr lang="ko-KR" altLang="en-US" sz="2200" dirty="0"/>
+              <a:t>실행시킬 문장</a:t>
+            </a:r>
+            <a:r>
+              <a:rPr lang="en-US" altLang="ko-KR" sz="2200" dirty="0"/>
+              <a:t>1</a:t>
+            </a:r>
+          </a:p>
+          <a:p>
+            <a:r>
+              <a:rPr lang="en-US" altLang="ko-KR" sz="2200" dirty="0"/>
+              <a:t>          </a:t>
+            </a:r>
+            <a:r>
+              <a:rPr lang="ko-KR" altLang="en-US" sz="2200" dirty="0"/>
+              <a:t>실행시킬 문장</a:t>
+            </a:r>
+            <a:r>
+              <a:rPr lang="en-US" altLang="ko-KR" sz="2200" dirty="0"/>
+              <a:t>2</a:t>
+            </a:r>
+          </a:p>
+          <a:p>
+            <a:r>
+              <a:rPr lang="en-US" altLang="ko-KR" sz="2200" dirty="0"/>
+              <a:t>          …</a:t>
+            </a:r>
+          </a:p>
+          <a:p>
+            <a:r>
+              <a:rPr lang="en-US" altLang="ko-KR" sz="2200" dirty="0"/>
+              <a:t>else:</a:t>
+            </a:r>
+          </a:p>
+          <a:p>
+            <a:r>
+              <a:rPr lang="en-US" altLang="ko-KR" sz="2200" dirty="0"/>
+              <a:t>          </a:t>
+            </a:r>
+            <a:r>
+              <a:rPr lang="ko-KR" altLang="en-US" sz="2200" dirty="0"/>
+              <a:t>실행시킬 문장</a:t>
+            </a:r>
+            <a:r>
+              <a:rPr lang="en-US" altLang="ko-KR" sz="2200" dirty="0"/>
+              <a:t>1</a:t>
+            </a:r>
+          </a:p>
+          <a:p>
+            <a:r>
+              <a:rPr lang="en-US" altLang="ko-KR" sz="2200" dirty="0"/>
+              <a:t>          </a:t>
+            </a:r>
+            <a:r>
+              <a:rPr lang="ko-KR" altLang="en-US" sz="2200" dirty="0"/>
+              <a:t>실행시킬 문장</a:t>
+            </a:r>
+            <a:r>
+              <a:rPr lang="en-US" altLang="ko-KR" sz="2200" dirty="0"/>
+              <a:t>2</a:t>
+            </a:r>
+          </a:p>
+          <a:p>
+            <a:r>
+              <a:rPr lang="en-US" altLang="ko-KR" sz="2200" dirty="0"/>
+              <a:t>          …</a:t>
+            </a:r>
+          </a:p>
+        </p:txBody>
+      </p:sp>
     </p:spTree>
     <p:extLst>
       <p:ext uri="{BB962C8B-B14F-4D97-AF65-F5344CB8AC3E}">
-        <p14:creationId xmlns:p14="http://schemas.microsoft.com/office/powerpoint/2010/main" val="3229277901"/>
+        <p14:creationId xmlns:p14="http://schemas.microsoft.com/office/powerpoint/2010/main" val="2222454413"/>
       </p:ext>
     </p:extLst>
   </p:cSld>
@@ -8687,19 +8649,11 @@
           <a:p>
             <a:r>
               <a:rPr lang="ko-KR" altLang="en-US" dirty="0" smtClean="0"/>
-              <a:t>연습</a:t>
-            </a:r>
-            <a:r>
-              <a:rPr lang="en-US" altLang="ko-KR" dirty="0" smtClean="0"/>
-              <a:t>2. </a:t>
-            </a:r>
-            <a:r>
-              <a:rPr lang="ko-KR" altLang="en-US" dirty="0" smtClean="0"/>
-              <a:t>좌표와 직선과의 관계</a:t>
-            </a:r>
-            <a:r>
-              <a:rPr lang="en-US" altLang="ko-KR" dirty="0" smtClean="0"/>
-              <a:t>.</a:t>
+              <a:t>조건을 이용하자</a:t>
+            </a:r>
+            <a:r>
+              <a:rPr lang="en-US" altLang="ko-KR" dirty="0" smtClean="0"/>
+              <a:t>: IF</a:t>
             </a:r>
             <a:endParaRPr lang="ko-KR" altLang="en-US" dirty="0"/>
           </a:p>
@@ -8728,99 +8682,118 @@
           <a:lstStyle/>
           <a:p>
             <a:r>
-              <a:rPr lang="en-US" altLang="ko-KR" dirty="0" smtClean="0"/>
-              <a:t>Example) (1, 2)</a:t>
-            </a:r>
-            <a:r>
-              <a:rPr lang="ko-KR" altLang="en-US" dirty="0" smtClean="0"/>
-              <a:t>라는 좌표가 직선 </a:t>
-            </a:r>
-            <a:r>
-              <a:rPr lang="en-US" altLang="ko-KR" dirty="0" smtClean="0"/>
-              <a:t>y=2x+1</a:t>
-            </a:r>
-            <a:r>
-              <a:rPr lang="ko-KR" altLang="en-US" dirty="0" smtClean="0"/>
-              <a:t>에 대해 위쪽에 있는지 아래쪽에 있는지 혹은 직선 바로 위에 있는지 알아보자</a:t>
-            </a:r>
-            <a:r>
-              <a:rPr lang="en-US" altLang="ko-KR" dirty="0" smtClean="0"/>
-              <a:t>.(</a:t>
-            </a:r>
-            <a:r>
-              <a:rPr lang="ko-KR" altLang="en-US" dirty="0" smtClean="0"/>
-              <a:t>직선의 모양과 좌표를 고쳐가며 확인해봅시다</a:t>
-            </a:r>
-            <a:r>
-              <a:rPr lang="en-US" altLang="ko-KR" dirty="0" smtClean="0"/>
-              <a:t>.)</a:t>
-            </a:r>
-          </a:p>
-          <a:p>
-            <a:pPr lvl="1"/>
-            <a:r>
-              <a:rPr lang="en-US" altLang="ko-KR" dirty="0" smtClean="0"/>
-              <a:t>(1, 2)</a:t>
-            </a:r>
-            <a:r>
-              <a:rPr lang="ko-KR" altLang="en-US" dirty="0" smtClean="0"/>
-              <a:t>라는 좌표는 </a:t>
-            </a:r>
-            <a:r>
-              <a:rPr lang="en-US" altLang="ko-KR" dirty="0" smtClean="0"/>
-              <a:t>x=1</a:t>
-            </a:r>
-            <a:r>
-              <a:rPr lang="ko-KR" altLang="en-US" dirty="0" smtClean="0"/>
-              <a:t>일 때</a:t>
-            </a:r>
-            <a:r>
-              <a:rPr lang="en-US" altLang="ko-KR" dirty="0" smtClean="0"/>
-              <a:t>, y=2</a:t>
-            </a:r>
-            <a:r>
-              <a:rPr lang="ko-KR" altLang="en-US" dirty="0" smtClean="0"/>
-              <a:t>라는 의미로도 해석할 수 있습니다</a:t>
-            </a:r>
-            <a:r>
-              <a:rPr lang="en-US" altLang="ko-KR" dirty="0" smtClean="0"/>
-              <a:t>.</a:t>
-            </a:r>
-          </a:p>
-          <a:p>
-            <a:pPr lvl="1"/>
-            <a:r>
-              <a:rPr lang="ko-KR" altLang="en-US" dirty="0" smtClean="0"/>
-              <a:t>따라서</a:t>
-            </a:r>
-            <a:r>
-              <a:rPr lang="en-US" altLang="ko-KR" dirty="0" smtClean="0"/>
-              <a:t>, 2x+1</a:t>
-            </a:r>
-            <a:r>
-              <a:rPr lang="ko-KR" altLang="en-US" dirty="0" smtClean="0"/>
-              <a:t>에 </a:t>
-            </a:r>
-            <a:r>
-              <a:rPr lang="en-US" altLang="ko-KR" dirty="0" smtClean="0"/>
-              <a:t>x=1</a:t>
-            </a:r>
-            <a:r>
-              <a:rPr lang="ko-KR" altLang="en-US" dirty="0" smtClean="0"/>
-              <a:t>을 대입한 결과와 </a:t>
-            </a:r>
-            <a:r>
-              <a:rPr lang="en-US" altLang="ko-KR" dirty="0" smtClean="0"/>
-              <a:t>2</a:t>
-            </a:r>
-            <a:r>
-              <a:rPr lang="ko-KR" altLang="en-US" dirty="0" smtClean="0"/>
-              <a:t>를 비교해보면 알 수 있습니다</a:t>
-            </a:r>
-            <a:r>
-              <a:rPr lang="en-US" altLang="ko-KR" dirty="0" smtClean="0"/>
-              <a:t>.</a:t>
-            </a:r>
+              <a:rPr lang="en-US" altLang="ko-KR" dirty="0"/>
+              <a:t>a &gt; b</a:t>
+            </a:r>
+            <a:r>
+              <a:rPr lang="ko-KR" altLang="en-US" dirty="0"/>
+              <a:t>가 참이라면 </a:t>
+            </a:r>
+            <a:r>
+              <a:rPr lang="en-US" altLang="ko-KR" dirty="0"/>
+              <a:t>“a</a:t>
+            </a:r>
+            <a:r>
+              <a:rPr lang="ko-KR" altLang="en-US" dirty="0"/>
+              <a:t>는 </a:t>
+            </a:r>
+            <a:r>
+              <a:rPr lang="en-US" altLang="ko-KR" dirty="0"/>
+              <a:t>b</a:t>
+            </a:r>
+            <a:r>
+              <a:rPr lang="ko-KR" altLang="en-US" dirty="0"/>
+              <a:t>보다 </a:t>
+            </a:r>
+            <a:r>
+              <a:rPr lang="ko-KR" altLang="en-US" dirty="0" smtClean="0"/>
+              <a:t>크다</a:t>
+            </a:r>
+            <a:r>
+              <a:rPr lang="en-US" altLang="ko-KR" dirty="0" smtClean="0"/>
+              <a:t>.”</a:t>
+            </a:r>
+            <a:r>
+              <a:rPr lang="ko-KR" altLang="en-US" dirty="0"/>
+              <a:t>라고 출력</a:t>
+            </a:r>
+            <a:endParaRPr lang="en-US" altLang="ko-KR" dirty="0"/>
+          </a:p>
+          <a:p>
+            <a:r>
+              <a:rPr lang="en-US" altLang="ko-KR" dirty="0"/>
+              <a:t>a &lt; b</a:t>
+            </a:r>
+            <a:r>
+              <a:rPr lang="ko-KR" altLang="en-US" dirty="0"/>
+              <a:t>가 참이라면 </a:t>
+            </a:r>
+            <a:r>
+              <a:rPr lang="en-US" altLang="ko-KR" dirty="0"/>
+              <a:t>“a</a:t>
+            </a:r>
+            <a:r>
+              <a:rPr lang="ko-KR" altLang="en-US" dirty="0"/>
+              <a:t>는 </a:t>
+            </a:r>
+            <a:r>
+              <a:rPr lang="en-US" altLang="ko-KR" dirty="0"/>
+              <a:t>b</a:t>
+            </a:r>
+            <a:r>
+              <a:rPr lang="ko-KR" altLang="en-US" dirty="0"/>
+              <a:t>보다 </a:t>
+            </a:r>
+            <a:r>
+              <a:rPr lang="ko-KR" altLang="en-US" dirty="0" smtClean="0"/>
+              <a:t>작다</a:t>
+            </a:r>
+            <a:r>
+              <a:rPr lang="en-US" altLang="ko-KR" dirty="0" smtClean="0"/>
+              <a:t>.”</a:t>
+            </a:r>
+            <a:r>
+              <a:rPr lang="ko-KR" altLang="en-US" dirty="0"/>
+              <a:t>라고 출력</a:t>
+            </a:r>
+            <a:endParaRPr lang="en-US" altLang="ko-KR" dirty="0"/>
+          </a:p>
+          <a:p>
+            <a:r>
+              <a:rPr lang="ko-KR" altLang="en-US" dirty="0"/>
+              <a:t>그도 아니라면 </a:t>
+            </a:r>
+            <a:r>
+              <a:rPr lang="en-US" altLang="ko-KR" dirty="0"/>
+              <a:t>“a</a:t>
+            </a:r>
+            <a:r>
+              <a:rPr lang="ko-KR" altLang="en-US" dirty="0"/>
+              <a:t>는 </a:t>
+            </a:r>
+            <a:r>
+              <a:rPr lang="en-US" altLang="ko-KR" dirty="0"/>
+              <a:t>b</a:t>
+            </a:r>
+            <a:r>
+              <a:rPr lang="ko-KR" altLang="en-US" dirty="0"/>
+              <a:t>와 </a:t>
+            </a:r>
+            <a:r>
+              <a:rPr lang="ko-KR" altLang="en-US" dirty="0" smtClean="0"/>
+              <a:t>같다</a:t>
+            </a:r>
+            <a:r>
+              <a:rPr lang="en-US" altLang="ko-KR" dirty="0" smtClean="0"/>
+              <a:t>.”</a:t>
+            </a:r>
+            <a:r>
+              <a:rPr lang="ko-KR" altLang="en-US" dirty="0"/>
+              <a:t>라고 출력</a:t>
+            </a:r>
+            <a:endParaRPr lang="en-US" altLang="ko-KR" dirty="0"/>
+          </a:p>
+          <a:p>
             <a:endParaRPr lang="en-US" altLang="ko-KR" dirty="0"/>
           </a:p>
         </p:txBody>
@@ -8835,13 +8808,13 @@
         </p:nvPicPr>
         <p:blipFill rotWithShape="1">
           <a:blip r:embed="rId2"/>
-          <a:srcRect l="5253" t="52861" r="82284" b="37437"/>
+          <a:srcRect l="6066" t="52971" r="82212" b="38474"/>
           <a:stretch/>
         </p:blipFill>
         <p:spPr>
           <a:xfrm>
-            <a:off x="7279188" y="3434393"/>
-            <a:ext cx="3988368" cy="1828005"/>
+            <a:off x="6858000" y="3279902"/>
+            <a:ext cx="4409556" cy="1894734"/>
           </a:xfrm>
           <a:prstGeom prst="rect">
             <a:avLst/>
@@ -8850,7 +8823,7 @@
       </p:pic>
       <p:pic>
         <p:nvPicPr>
-          <p:cNvPr id="5" name="그림 4"/>
+          <p:cNvPr id="7" name="그림 6"/>
           <p:cNvPicPr>
             <a:picLocks noChangeAspect="1"/>
           </p:cNvPicPr>
@@ -8858,13 +8831,13 @@
         </p:nvPicPr>
         <p:blipFill rotWithShape="1">
           <a:blip r:embed="rId2"/>
-          <a:srcRect l="20406" t="12966" r="48307" b="53736"/>
+          <a:srcRect l="20566" t="20667" r="63224" b="57245"/>
           <a:stretch/>
         </p:blipFill>
         <p:spPr>
           <a:xfrm>
-            <a:off x="913795" y="3434393"/>
-            <a:ext cx="4390247" cy="2750735"/>
+            <a:off x="913794" y="3279902"/>
+            <a:ext cx="4066419" cy="3262325"/>
           </a:xfrm>
           <a:prstGeom prst="rect">
             <a:avLst/>
@@ -8874,7 +8847,7 @@
     </p:spTree>
     <p:extLst>
       <p:ext uri="{BB962C8B-B14F-4D97-AF65-F5344CB8AC3E}">
-        <p14:creationId xmlns:p14="http://schemas.microsoft.com/office/powerpoint/2010/main" val="341006222"/>
+        <p14:creationId xmlns:p14="http://schemas.microsoft.com/office/powerpoint/2010/main" val="3229277901"/>
       </p:ext>
     </p:extLst>
   </p:cSld>
@@ -8930,7 +8903,19 @@
           <a:p>
             <a:r>
               <a:rPr lang="ko-KR" altLang="en-US" dirty="0" smtClean="0"/>
-              <a:t>논리 연산</a:t>
+              <a:t>연습</a:t>
+            </a:r>
+            <a:r>
+              <a:rPr lang="en-US" altLang="ko-KR" dirty="0" smtClean="0"/>
+              <a:t>2. </a:t>
+            </a:r>
+            <a:r>
+              <a:rPr lang="ko-KR" altLang="en-US" dirty="0" smtClean="0"/>
+              <a:t>좌표와 직선과의 관계</a:t>
+            </a:r>
+            <a:r>
+              <a:rPr lang="en-US" altLang="ko-KR" dirty="0" smtClean="0"/>
+              <a:t>.</a:t>
             </a:r>
             <a:endParaRPr lang="ko-KR" altLang="en-US" dirty="0"/>
           </a:p>
@@ -8959,40 +8944,86 @@
           <a:lstStyle/>
           <a:p>
             <a:r>
-              <a:rPr lang="ko-KR" altLang="en-US" dirty="0" smtClean="0"/>
-              <a:t>논리 연산</a:t>
-            </a:r>
-            <a:r>
-              <a:rPr lang="en-US" altLang="ko-KR" dirty="0" smtClean="0"/>
-              <a:t>: True</a:t>
-            </a:r>
-            <a:r>
-              <a:rPr lang="ko-KR" altLang="en-US" dirty="0" smtClean="0"/>
-              <a:t>와 </a:t>
-            </a:r>
-            <a:r>
-              <a:rPr lang="en-US" altLang="ko-KR" dirty="0" smtClean="0"/>
-              <a:t>False</a:t>
-            </a:r>
-            <a:r>
-              <a:rPr lang="ko-KR" altLang="en-US" dirty="0" smtClean="0"/>
-              <a:t>에 관련되는 연산</a:t>
-            </a:r>
-            <a:endParaRPr lang="en-US" altLang="ko-KR" dirty="0" smtClean="0"/>
+              <a:rPr lang="en-US" altLang="ko-KR" dirty="0" smtClean="0"/>
+              <a:t>Example) (1, 2)</a:t>
+            </a:r>
+            <a:r>
+              <a:rPr lang="ko-KR" altLang="en-US" dirty="0" smtClean="0"/>
+              <a:t>라는 좌표가 직선 </a:t>
+            </a:r>
+            <a:r>
+              <a:rPr lang="en-US" altLang="ko-KR" dirty="0" smtClean="0"/>
+              <a:t>y=2x+1</a:t>
+            </a:r>
+            <a:r>
+              <a:rPr lang="ko-KR" altLang="en-US" dirty="0" smtClean="0"/>
+              <a:t>에 대해 위쪽에 있는지 아래쪽에 있는지 혹은 직선 바로 위에 있는지 알아보자</a:t>
+            </a:r>
+            <a:r>
+              <a:rPr lang="en-US" altLang="ko-KR" dirty="0" smtClean="0"/>
+              <a:t>.(</a:t>
+            </a:r>
+            <a:r>
+              <a:rPr lang="ko-KR" altLang="en-US" dirty="0" smtClean="0"/>
+              <a:t>직선의 모양과 좌표를 고쳐가며 확인해봅시다</a:t>
+            </a:r>
+            <a:r>
+              <a:rPr lang="en-US" altLang="ko-KR" dirty="0" smtClean="0"/>
+              <a:t>.)</a:t>
+            </a:r>
           </a:p>
           <a:p>
             <a:pPr lvl="1"/>
             <a:r>
               <a:rPr lang="en-US" altLang="ko-KR" dirty="0" smtClean="0"/>
-              <a:t>AND: </a:t>
-            </a:r>
-            <a:r>
-              <a:rPr lang="ko-KR" altLang="en-US" dirty="0" smtClean="0"/>
-              <a:t>입력</a:t>
-            </a:r>
-            <a:r>
-              <a:rPr lang="ko-KR" altLang="en-US" dirty="0" smtClean="0"/>
-              <a:t>이 </a:t>
+              <a:t>(1, 2)</a:t>
+            </a:r>
+            <a:r>
+              <a:rPr lang="ko-KR" altLang="en-US" dirty="0" smtClean="0"/>
+              <a:t>라는 좌표는 </a:t>
+            </a:r>
+            <a:r>
+              <a:rPr lang="en-US" altLang="ko-KR" dirty="0" smtClean="0"/>
+              <a:t>x=1</a:t>
+            </a:r>
+            <a:r>
+              <a:rPr lang="ko-KR" altLang="en-US" dirty="0" smtClean="0"/>
+              <a:t>일 때</a:t>
+            </a:r>
+            <a:r>
+              <a:rPr lang="en-US" altLang="ko-KR" dirty="0" smtClean="0"/>
+              <a:t>, y=2</a:t>
+            </a:r>
+            <a:r>
+              <a:rPr lang="ko-KR" altLang="en-US" dirty="0" smtClean="0"/>
+              <a:t>라는 의미로도 해석할 수 있습니다</a:t>
+            </a:r>
+            <a:r>
+              <a:rPr lang="en-US" altLang="ko-KR" dirty="0" smtClean="0"/>
+              <a:t>.</a:t>
+            </a:r>
+          </a:p>
+          <a:p>
+            <a:pPr lvl="1"/>
+            <a:r>
+              <a:rPr lang="ko-KR" altLang="en-US" dirty="0" smtClean="0"/>
+              <a:t>따라서</a:t>
+            </a:r>
+            <a:r>
+              <a:rPr lang="en-US" altLang="ko-KR" dirty="0" smtClean="0"/>
+              <a:t>, 2x+1</a:t>
+            </a:r>
+            <a:r>
+              <a:rPr lang="ko-KR" altLang="en-US" dirty="0" smtClean="0"/>
+              <a:t>에 </a:t>
+            </a:r>
+            <a:r>
+              <a:rPr lang="en-US" altLang="ko-KR" dirty="0" smtClean="0"/>
+              <a:t>x=1</a:t>
+            </a:r>
+            <a:r>
+              <a:rPr lang="ko-KR" altLang="en-US" dirty="0" smtClean="0"/>
+              <a:t>을 대입한 결과와 </a:t>
             </a:r>
             <a:r>
               <a:rPr lang="en-US" altLang="ko-KR" dirty="0" smtClean="0"/>
@@ -9000,35 +9031,19 @@
             </a:r>
             <a:r>
               <a:rPr lang="ko-KR" altLang="en-US" dirty="0" smtClean="0"/>
-              <a:t>개이고 </a:t>
-            </a:r>
-            <a:r>
-              <a:rPr lang="en-US" altLang="ko-KR" dirty="0" smtClean="0"/>
-              <a:t>2</a:t>
-            </a:r>
-            <a:r>
-              <a:rPr lang="ko-KR" altLang="en-US" dirty="0" smtClean="0"/>
-              <a:t>개 모두 </a:t>
-            </a:r>
-            <a:r>
-              <a:rPr lang="en-US" altLang="ko-KR" dirty="0" smtClean="0"/>
-              <a:t>True(1)</a:t>
-            </a:r>
-            <a:r>
-              <a:rPr lang="ko-KR" altLang="en-US" dirty="0" smtClean="0"/>
-              <a:t>인 경우에만 결과가 </a:t>
-            </a:r>
-            <a:r>
-              <a:rPr lang="en-US" altLang="ko-KR" dirty="0" smtClean="0"/>
-              <a:t>True</a:t>
-            </a:r>
-            <a:endParaRPr lang="en-US" altLang="ko-KR" dirty="0" smtClean="0"/>
+              <a:t>를 비교해보면 알 수 있습니다</a:t>
+            </a:r>
+            <a:r>
+              <a:rPr lang="en-US" altLang="ko-KR" dirty="0" smtClean="0"/>
+              <a:t>.</a:t>
+            </a:r>
+            <a:endParaRPr lang="en-US" altLang="ko-KR" dirty="0"/>
           </a:p>
         </p:txBody>
       </p:sp>
       <p:pic>
         <p:nvPicPr>
-          <p:cNvPr id="7" name="그림 6"/>
+          <p:cNvPr id="3" name="그림 2"/>
           <p:cNvPicPr>
             <a:picLocks noChangeAspect="1"/>
           </p:cNvPicPr>
@@ -9036,13 +9051,36 @@
         </p:nvPicPr>
         <p:blipFill rotWithShape="1">
           <a:blip r:embed="rId2"/>
-          <a:srcRect l="20433" t="31814" r="70755" b="61179"/>
+          <a:srcRect l="5253" t="52861" r="82284" b="37437"/>
           <a:stretch/>
         </p:blipFill>
         <p:spPr>
           <a:xfrm>
-            <a:off x="1559467" y="2731041"/>
-            <a:ext cx="3593039" cy="1681843"/>
+            <a:off x="7279188" y="3434393"/>
+            <a:ext cx="3988368" cy="1828005"/>
+          </a:xfrm>
+          <a:prstGeom prst="rect">
+            <a:avLst/>
+          </a:prstGeom>
+        </p:spPr>
+      </p:pic>
+      <p:pic>
+        <p:nvPicPr>
+          <p:cNvPr id="5" name="그림 4"/>
+          <p:cNvPicPr>
+            <a:picLocks noChangeAspect="1"/>
+          </p:cNvPicPr>
+          <p:nvPr/>
+        </p:nvPicPr>
+        <p:blipFill rotWithShape="1">
+          <a:blip r:embed="rId2"/>
+          <a:srcRect l="20406" t="12966" r="48307" b="53736"/>
+          <a:stretch/>
+        </p:blipFill>
+        <p:spPr>
+          <a:xfrm>
+            <a:off x="913795" y="3434393"/>
+            <a:ext cx="4390247" cy="2750735"/>
           </a:xfrm>
           <a:prstGeom prst="rect">
             <a:avLst/>
@@ -9052,7 +9090,7 @@
     </p:spTree>
     <p:extLst>
       <p:ext uri="{BB962C8B-B14F-4D97-AF65-F5344CB8AC3E}">
-        <p14:creationId xmlns:p14="http://schemas.microsoft.com/office/powerpoint/2010/main" val="3419785505"/>
+        <p14:creationId xmlns:p14="http://schemas.microsoft.com/office/powerpoint/2010/main" val="341006222"/>
       </p:ext>
     </p:extLst>
   </p:cSld>
@@ -9162,7 +9200,7 @@
             <a:pPr lvl="1"/>
             <a:r>
               <a:rPr lang="en-US" altLang="ko-KR" dirty="0" smtClean="0"/>
-              <a:t>OR: </a:t>
+              <a:t>AND: </a:t>
             </a:r>
             <a:r>
               <a:rPr lang="ko-KR" altLang="en-US" dirty="0" smtClean="0"/>
@@ -9182,15 +9220,15 @@
             </a:r>
             <a:r>
               <a:rPr lang="ko-KR" altLang="en-US" dirty="0" smtClean="0"/>
-              <a:t>개 중 하나라도 </a:t>
-            </a:r>
-            <a:r>
-              <a:rPr lang="en-US" altLang="ko-KR" dirty="0" smtClean="0"/>
-              <a:t>True</a:t>
-            </a:r>
-            <a:r>
-              <a:rPr lang="ko-KR" altLang="en-US" dirty="0" smtClean="0"/>
-              <a:t>인 경우에 결과가 </a:t>
+              <a:t>개 모두 </a:t>
+            </a:r>
+            <a:r>
+              <a:rPr lang="en-US" altLang="ko-KR" dirty="0" smtClean="0"/>
+              <a:t>True(1)</a:t>
+            </a:r>
+            <a:r>
+              <a:rPr lang="ko-KR" altLang="en-US" dirty="0" smtClean="0"/>
+              <a:t>인 경우에만 결과가 </a:t>
             </a:r>
             <a:r>
               <a:rPr lang="en-US" altLang="ko-KR" dirty="0" smtClean="0"/>
@@ -9201,7 +9239,7 @@
       </p:sp>
       <p:pic>
         <p:nvPicPr>
-          <p:cNvPr id="8" name="그림 7"/>
+          <p:cNvPr id="7" name="그림 6"/>
           <p:cNvPicPr>
             <a:picLocks noChangeAspect="1"/>
           </p:cNvPicPr>
@@ -9209,13 +9247,13 @@
         </p:nvPicPr>
         <p:blipFill rotWithShape="1">
           <a:blip r:embed="rId2"/>
-          <a:srcRect l="20558" t="38502" r="71567" b="54173"/>
+          <a:srcRect l="20433" t="31814" r="70755" b="61179"/>
           <a:stretch/>
         </p:blipFill>
         <p:spPr>
           <a:xfrm>
-            <a:off x="1592035" y="2686050"/>
-            <a:ext cx="2489754" cy="1363436"/>
+            <a:off x="1559467" y="2731041"/>
+            <a:ext cx="3593039" cy="1681843"/>
           </a:xfrm>
           <a:prstGeom prst="rect">
             <a:avLst/>
@@ -9225,7 +9263,7 @@
     </p:spTree>
     <p:extLst>
       <p:ext uri="{BB962C8B-B14F-4D97-AF65-F5344CB8AC3E}">
-        <p14:creationId xmlns:p14="http://schemas.microsoft.com/office/powerpoint/2010/main" val="1121494309"/>
+        <p14:creationId xmlns:p14="http://schemas.microsoft.com/office/powerpoint/2010/main" val="3419785505"/>
       </p:ext>
     </p:extLst>
   </p:cSld>
@@ -9335,23 +9373,39 @@
             <a:pPr lvl="1"/>
             <a:r>
               <a:rPr lang="en-US" altLang="ko-KR" dirty="0" smtClean="0"/>
-              <a:t>NAND: NOT AND</a:t>
-            </a:r>
-            <a:r>
-              <a:rPr lang="ko-KR" altLang="en-US" dirty="0" smtClean="0"/>
-              <a:t>의 약자로 </a:t>
-            </a:r>
-            <a:r>
-              <a:rPr lang="en-US" altLang="ko-KR" dirty="0" smtClean="0"/>
-              <a:t>AND</a:t>
-            </a:r>
-            <a:r>
-              <a:rPr lang="ko-KR" altLang="en-US" dirty="0" smtClean="0"/>
-              <a:t>와 반대의 결과를 낸다</a:t>
-            </a:r>
-            <a:r>
-              <a:rPr lang="en-US" altLang="ko-KR" dirty="0" smtClean="0"/>
-              <a:t>.</a:t>
+              <a:t>OR: </a:t>
+            </a:r>
+            <a:r>
+              <a:rPr lang="ko-KR" altLang="en-US" dirty="0" smtClean="0"/>
+              <a:t>입력이 </a:t>
+            </a:r>
+            <a:r>
+              <a:rPr lang="en-US" altLang="ko-KR" dirty="0" smtClean="0"/>
+              <a:t>2</a:t>
+            </a:r>
+            <a:r>
+              <a:rPr lang="ko-KR" altLang="en-US" dirty="0" smtClean="0"/>
+              <a:t>개이고 </a:t>
+            </a:r>
+            <a:r>
+              <a:rPr lang="en-US" altLang="ko-KR" dirty="0" smtClean="0"/>
+              <a:t>2</a:t>
+            </a:r>
+            <a:r>
+              <a:rPr lang="ko-KR" altLang="en-US" dirty="0" smtClean="0"/>
+              <a:t>개 중 하나라도 </a:t>
+            </a:r>
+            <a:r>
+              <a:rPr lang="en-US" altLang="ko-KR" dirty="0" smtClean="0"/>
+              <a:t>True</a:t>
+            </a:r>
+            <a:r>
+              <a:rPr lang="ko-KR" altLang="en-US" dirty="0" smtClean="0"/>
+              <a:t>인 경우에 결과가 </a:t>
+            </a:r>
+            <a:r>
+              <a:rPr lang="en-US" altLang="ko-KR" dirty="0" smtClean="0"/>
+              <a:t>True</a:t>
             </a:r>
           </a:p>
         </p:txBody>
@@ -9366,36 +9420,13 @@
         </p:nvPicPr>
         <p:blipFill rotWithShape="1">
           <a:blip r:embed="rId2"/>
-          <a:srcRect l="20933" t="46465" r="72317" b="47484"/>
+          <a:srcRect l="20558" t="38502" r="71567" b="54173"/>
           <a:stretch/>
         </p:blipFill>
         <p:spPr>
           <a:xfrm>
-            <a:off x="1600200" y="2686049"/>
-            <a:ext cx="2722555" cy="1436915"/>
-          </a:xfrm>
-          <a:prstGeom prst="rect">
-            <a:avLst/>
-          </a:prstGeom>
-        </p:spPr>
-      </p:pic>
-      <p:pic>
-        <p:nvPicPr>
-          <p:cNvPr id="3" name="그림 2"/>
-          <p:cNvPicPr>
-            <a:picLocks noChangeAspect="1"/>
-          </p:cNvPicPr>
-          <p:nvPr/>
-        </p:nvPicPr>
-        <p:blipFill rotWithShape="1">
-          <a:blip r:embed="rId3"/>
-          <a:srcRect l="20663" t="31672" r="68414" b="61068"/>
-          <a:stretch/>
-        </p:blipFill>
-        <p:spPr>
-          <a:xfrm>
-            <a:off x="1600200" y="4292714"/>
-            <a:ext cx="4402352" cy="1722664"/>
+            <a:off x="1592035" y="2686050"/>
+            <a:ext cx="2489754" cy="1363436"/>
           </a:xfrm>
           <a:prstGeom prst="rect">
             <a:avLst/>
@@ -9405,7 +9436,7 @@
     </p:spTree>
     <p:extLst>
       <p:ext uri="{BB962C8B-B14F-4D97-AF65-F5344CB8AC3E}">
-        <p14:creationId xmlns:p14="http://schemas.microsoft.com/office/powerpoint/2010/main" val="2428736358"/>
+        <p14:creationId xmlns:p14="http://schemas.microsoft.com/office/powerpoint/2010/main" val="1121494309"/>
       </p:ext>
     </p:extLst>
   </p:cSld>
@@ -9515,6 +9546,186 @@
             <a:pPr lvl="1"/>
             <a:r>
               <a:rPr lang="en-US" altLang="ko-KR" dirty="0" smtClean="0"/>
+              <a:t>NAND: NOT AND</a:t>
+            </a:r>
+            <a:r>
+              <a:rPr lang="ko-KR" altLang="en-US" dirty="0" smtClean="0"/>
+              <a:t>의 약자로 </a:t>
+            </a:r>
+            <a:r>
+              <a:rPr lang="en-US" altLang="ko-KR" dirty="0" smtClean="0"/>
+              <a:t>AND</a:t>
+            </a:r>
+            <a:r>
+              <a:rPr lang="ko-KR" altLang="en-US" dirty="0" smtClean="0"/>
+              <a:t>와 반대의 결과를 낸다</a:t>
+            </a:r>
+            <a:r>
+              <a:rPr lang="en-US" altLang="ko-KR" dirty="0" smtClean="0"/>
+              <a:t>.</a:t>
+            </a:r>
+          </a:p>
+        </p:txBody>
+      </p:sp>
+      <p:pic>
+        <p:nvPicPr>
+          <p:cNvPr id="8" name="그림 7"/>
+          <p:cNvPicPr>
+            <a:picLocks noChangeAspect="1"/>
+          </p:cNvPicPr>
+          <p:nvPr/>
+        </p:nvPicPr>
+        <p:blipFill rotWithShape="1">
+          <a:blip r:embed="rId2"/>
+          <a:srcRect l="20933" t="46465" r="72317" b="47484"/>
+          <a:stretch/>
+        </p:blipFill>
+        <p:spPr>
+          <a:xfrm>
+            <a:off x="1600200" y="2686049"/>
+            <a:ext cx="2722555" cy="1436915"/>
+          </a:xfrm>
+          <a:prstGeom prst="rect">
+            <a:avLst/>
+          </a:prstGeom>
+        </p:spPr>
+      </p:pic>
+      <p:pic>
+        <p:nvPicPr>
+          <p:cNvPr id="3" name="그림 2"/>
+          <p:cNvPicPr>
+            <a:picLocks noChangeAspect="1"/>
+          </p:cNvPicPr>
+          <p:nvPr/>
+        </p:nvPicPr>
+        <p:blipFill rotWithShape="1">
+          <a:blip r:embed="rId3"/>
+          <a:srcRect l="20663" t="31672" r="68414" b="61068"/>
+          <a:stretch/>
+        </p:blipFill>
+        <p:spPr>
+          <a:xfrm>
+            <a:off x="1600200" y="4292714"/>
+            <a:ext cx="4402352" cy="1722664"/>
+          </a:xfrm>
+          <a:prstGeom prst="rect">
+            <a:avLst/>
+          </a:prstGeom>
+        </p:spPr>
+      </p:pic>
+    </p:spTree>
+    <p:extLst>
+      <p:ext uri="{BB962C8B-B14F-4D97-AF65-F5344CB8AC3E}">
+        <p14:creationId xmlns:p14="http://schemas.microsoft.com/office/powerpoint/2010/main" val="2428736358"/>
+      </p:ext>
+    </p:extLst>
+  </p:cSld>
+  <p:clrMapOvr>
+    <a:masterClrMapping/>
+  </p:clrMapOvr>
+  <p:timing>
+    <p:tnLst>
+      <p:par>
+        <p:cTn id="1" dur="indefinite" restart="never" nodeType="tmRoot"/>
+      </p:par>
+    </p:tnLst>
+  </p:timing>
+</p:sld>
+</file>
+
+<file path=ppt/slides/slide26.xml><?xml version="1.0" encoding="utf-8"?>
+<p:sld xmlns:a="http://schemas.openxmlformats.org/drawingml/2006/main" xmlns:r="http://schemas.openxmlformats.org/officeDocument/2006/relationships" xmlns:p="http://schemas.openxmlformats.org/presentationml/2006/main">
+  <p:cSld>
+    <p:spTree>
+      <p:nvGrpSpPr>
+        <p:cNvPr id="1" name=""/>
+        <p:cNvGrpSpPr/>
+        <p:nvPr/>
+      </p:nvGrpSpPr>
+      <p:grpSpPr>
+        <a:xfrm>
+          <a:off x="0" y="0"/>
+          <a:ext cx="0" cy="0"/>
+          <a:chOff x="0" y="0"/>
+          <a:chExt cx="0" cy="0"/>
+        </a:xfrm>
+      </p:grpSpPr>
+      <p:sp>
+        <p:nvSpPr>
+          <p:cNvPr id="2" name="제목 1"/>
+          <p:cNvSpPr>
+            <a:spLocks noGrp="1"/>
+          </p:cNvSpPr>
+          <p:nvPr>
+            <p:ph type="title"/>
+          </p:nvPr>
+        </p:nvSpPr>
+        <p:spPr>
+          <a:xfrm>
+            <a:off x="913795" y="590145"/>
+            <a:ext cx="10353761" cy="1326321"/>
+          </a:xfrm>
+        </p:spPr>
+        <p:txBody>
+          <a:bodyPr/>
+          <a:lstStyle/>
+          <a:p>
+            <a:r>
+              <a:rPr lang="ko-KR" altLang="en-US" dirty="0" smtClean="0"/>
+              <a:t>논리 연산</a:t>
+            </a:r>
+            <a:endParaRPr lang="ko-KR" altLang="en-US" dirty="0"/>
+          </a:p>
+        </p:txBody>
+      </p:sp>
+      <p:sp>
+        <p:nvSpPr>
+          <p:cNvPr id="6" name="내용 개체 틀 3"/>
+          <p:cNvSpPr>
+            <a:spLocks noGrp="1"/>
+          </p:cNvSpPr>
+          <p:nvPr>
+            <p:ph idx="1"/>
+          </p:nvPr>
+        </p:nvSpPr>
+        <p:spPr>
+          <a:xfrm>
+            <a:off x="838200" y="1833790"/>
+            <a:ext cx="10429356" cy="4351338"/>
+          </a:xfrm>
+        </p:spPr>
+        <p:txBody>
+          <a:bodyPr>
+            <a:normAutofit/>
+          </a:bodyPr>
+          <a:lstStyle/>
+          <a:p>
+            <a:r>
+              <a:rPr lang="ko-KR" altLang="en-US" dirty="0" smtClean="0"/>
+              <a:t>논리 연산</a:t>
+            </a:r>
+            <a:r>
+              <a:rPr lang="en-US" altLang="ko-KR" dirty="0" smtClean="0"/>
+              <a:t>: True</a:t>
+            </a:r>
+            <a:r>
+              <a:rPr lang="ko-KR" altLang="en-US" dirty="0" smtClean="0"/>
+              <a:t>와 </a:t>
+            </a:r>
+            <a:r>
+              <a:rPr lang="en-US" altLang="ko-KR" dirty="0" smtClean="0"/>
+              <a:t>False</a:t>
+            </a:r>
+            <a:r>
+              <a:rPr lang="ko-KR" altLang="en-US" dirty="0" smtClean="0"/>
+              <a:t>에 관련되는 연산</a:t>
+            </a:r>
+            <a:endParaRPr lang="en-US" altLang="ko-KR" dirty="0" smtClean="0"/>
+          </a:p>
+          <a:p>
+            <a:pPr lvl="1"/>
+            <a:r>
+              <a:rPr lang="en-US" altLang="ko-KR" dirty="0" smtClean="0"/>
               <a:t>XOR: </a:t>
             </a:r>
             <a:r>
@@ -9587,7 +9798,7 @@
 </p:sld>
 </file>
 
-<file path=ppt/slides/slide26.xml><?xml version="1.0" encoding="utf-8"?>
+<file path=ppt/slides/slide27.xml><?xml version="1.0" encoding="utf-8"?>
 <p:sld xmlns:a="http://schemas.openxmlformats.org/drawingml/2006/main" xmlns:r="http://schemas.openxmlformats.org/officeDocument/2006/relationships" xmlns:p="http://schemas.openxmlformats.org/presentationml/2006/main">
   <p:cSld>
     <p:spTree>
@@ -10169,7 +10380,660 @@
 </p:sld>
 </file>
 
-<file path=ppt/slides/slide27.xml><?xml version="1.0" encoding="utf-8"?>
+<file path=ppt/slides/slide28.xml><?xml version="1.0" encoding="utf-8"?>
+<p:sld xmlns:a="http://schemas.openxmlformats.org/drawingml/2006/main" xmlns:r="http://schemas.openxmlformats.org/officeDocument/2006/relationships" xmlns:p="http://schemas.openxmlformats.org/presentationml/2006/main">
+  <p:cSld>
+    <p:spTree>
+      <p:nvGrpSpPr>
+        <p:cNvPr id="1" name=""/>
+        <p:cNvGrpSpPr/>
+        <p:nvPr/>
+      </p:nvGrpSpPr>
+      <p:grpSpPr>
+        <a:xfrm>
+          <a:off x="0" y="0"/>
+          <a:ext cx="0" cy="0"/>
+          <a:chOff x="0" y="0"/>
+          <a:chExt cx="0" cy="0"/>
+        </a:xfrm>
+      </p:grpSpPr>
+      <p:sp>
+        <p:nvSpPr>
+          <p:cNvPr id="2" name="제목 1"/>
+          <p:cNvSpPr>
+            <a:spLocks noGrp="1"/>
+          </p:cNvSpPr>
+          <p:nvPr>
+            <p:ph type="title"/>
+          </p:nvPr>
+        </p:nvSpPr>
+        <p:spPr>
+          <a:xfrm>
+            <a:off x="913795" y="590145"/>
+            <a:ext cx="10353761" cy="1326321"/>
+          </a:xfrm>
+        </p:spPr>
+        <p:txBody>
+          <a:bodyPr/>
+          <a:lstStyle/>
+          <a:p>
+            <a:r>
+              <a:rPr lang="ko-KR" altLang="en-US" dirty="0" err="1" smtClean="0"/>
+              <a:t>반복문</a:t>
+            </a:r>
+            <a:endParaRPr lang="ko-KR" altLang="en-US" dirty="0"/>
+          </a:p>
+        </p:txBody>
+      </p:sp>
+      <p:sp>
+        <p:nvSpPr>
+          <p:cNvPr id="6" name="내용 개체 틀 3"/>
+          <p:cNvSpPr>
+            <a:spLocks noGrp="1"/>
+          </p:cNvSpPr>
+          <p:nvPr>
+            <p:ph idx="1"/>
+          </p:nvPr>
+        </p:nvSpPr>
+        <p:spPr>
+          <a:xfrm>
+            <a:off x="838200" y="1833790"/>
+            <a:ext cx="10429356" cy="4351338"/>
+          </a:xfrm>
+        </p:spPr>
+        <p:txBody>
+          <a:bodyPr>
+            <a:normAutofit/>
+          </a:bodyPr>
+          <a:lstStyle/>
+          <a:p>
+            <a:r>
+              <a:rPr lang="en-US" altLang="ko-KR" dirty="0" smtClean="0"/>
+              <a:t>For-</a:t>
+            </a:r>
+            <a:r>
+              <a:rPr lang="en-US" altLang="ko-KR" dirty="0" smtClean="0"/>
+              <a:t>loop</a:t>
+            </a:r>
+          </a:p>
+          <a:p>
+            <a:pPr lvl="1"/>
+            <a:r>
+              <a:rPr lang="ko-KR" altLang="en-US" dirty="0" smtClean="0"/>
+              <a:t>특정 범위를 설정하여</a:t>
+            </a:r>
+            <a:r>
+              <a:rPr lang="en-US" altLang="ko-KR" dirty="0" smtClean="0"/>
+              <a:t>(</a:t>
+            </a:r>
+            <a:r>
+              <a:rPr lang="ko-KR" altLang="en-US" dirty="0" smtClean="0"/>
+              <a:t>예</a:t>
+            </a:r>
+            <a:r>
+              <a:rPr lang="en-US" altLang="ko-KR" dirty="0" smtClean="0"/>
+              <a:t>. 1~100</a:t>
+            </a:r>
+            <a:r>
+              <a:rPr lang="ko-KR" altLang="en-US" dirty="0" smtClean="0"/>
+              <a:t>까지</a:t>
+            </a:r>
+            <a:r>
+              <a:rPr lang="en-US" altLang="ko-KR" dirty="0" smtClean="0"/>
+              <a:t>) </a:t>
+            </a:r>
+            <a:r>
+              <a:rPr lang="ko-KR" altLang="en-US" dirty="0" smtClean="0"/>
+              <a:t>계산을 반복 </a:t>
+            </a:r>
+            <a:endParaRPr lang="en-US" altLang="ko-KR" dirty="0" smtClean="0"/>
+          </a:p>
+        </p:txBody>
+      </p:sp>
+      <p:pic>
+        <p:nvPicPr>
+          <p:cNvPr id="4" name="그림 3"/>
+          <p:cNvPicPr>
+            <a:picLocks noChangeAspect="1"/>
+          </p:cNvPicPr>
+          <p:nvPr/>
+        </p:nvPicPr>
+        <p:blipFill rotWithShape="1">
+          <a:blip r:embed="rId2"/>
+          <a:srcRect l="21026" t="14156" r="64144" b="65881"/>
+          <a:stretch/>
+        </p:blipFill>
+        <p:spPr>
+          <a:xfrm>
+            <a:off x="1363287" y="2679195"/>
+            <a:ext cx="4039985" cy="3220282"/>
+          </a:xfrm>
+          <a:prstGeom prst="rect">
+            <a:avLst/>
+          </a:prstGeom>
+        </p:spPr>
+      </p:pic>
+      <p:pic>
+        <p:nvPicPr>
+          <p:cNvPr id="7" name="그림 6"/>
+          <p:cNvPicPr>
+            <a:picLocks noChangeAspect="1"/>
+          </p:cNvPicPr>
+          <p:nvPr/>
+        </p:nvPicPr>
+        <p:blipFill rotWithShape="1">
+          <a:blip r:embed="rId2"/>
+          <a:srcRect l="5874" t="71090" r="92178" b="26819"/>
+          <a:stretch/>
+        </p:blipFill>
+        <p:spPr>
+          <a:xfrm>
+            <a:off x="5630486" y="2679195"/>
+            <a:ext cx="1294015" cy="822960"/>
+          </a:xfrm>
+          <a:prstGeom prst="rect">
+            <a:avLst/>
+          </a:prstGeom>
+        </p:spPr>
+      </p:pic>
+    </p:spTree>
+    <p:extLst>
+      <p:ext uri="{BB962C8B-B14F-4D97-AF65-F5344CB8AC3E}">
+        <p14:creationId xmlns:p14="http://schemas.microsoft.com/office/powerpoint/2010/main" val="664035536"/>
+      </p:ext>
+    </p:extLst>
+  </p:cSld>
+  <p:clrMapOvr>
+    <a:masterClrMapping/>
+  </p:clrMapOvr>
+  <p:timing>
+    <p:tnLst>
+      <p:par>
+        <p:cTn id="1" dur="indefinite" restart="never" nodeType="tmRoot"/>
+      </p:par>
+    </p:tnLst>
+  </p:timing>
+</p:sld>
+</file>
+
+<file path=ppt/slides/slide29.xml><?xml version="1.0" encoding="utf-8"?>
+<p:sld xmlns:a="http://schemas.openxmlformats.org/drawingml/2006/main" xmlns:r="http://schemas.openxmlformats.org/officeDocument/2006/relationships" xmlns:p="http://schemas.openxmlformats.org/presentationml/2006/main">
+  <p:cSld>
+    <p:spTree>
+      <p:nvGrpSpPr>
+        <p:cNvPr id="1" name=""/>
+        <p:cNvGrpSpPr/>
+        <p:nvPr/>
+      </p:nvGrpSpPr>
+      <p:grpSpPr>
+        <a:xfrm>
+          <a:off x="0" y="0"/>
+          <a:ext cx="0" cy="0"/>
+          <a:chOff x="0" y="0"/>
+          <a:chExt cx="0" cy="0"/>
+        </a:xfrm>
+      </p:grpSpPr>
+      <p:sp>
+        <p:nvSpPr>
+          <p:cNvPr id="2" name="제목 1"/>
+          <p:cNvSpPr>
+            <a:spLocks noGrp="1"/>
+          </p:cNvSpPr>
+          <p:nvPr>
+            <p:ph type="title"/>
+          </p:nvPr>
+        </p:nvSpPr>
+        <p:spPr>
+          <a:xfrm>
+            <a:off x="913795" y="590145"/>
+            <a:ext cx="10353761" cy="1326321"/>
+          </a:xfrm>
+        </p:spPr>
+        <p:txBody>
+          <a:bodyPr/>
+          <a:lstStyle/>
+          <a:p>
+            <a:r>
+              <a:rPr lang="ko-KR" altLang="en-US" dirty="0" smtClean="0"/>
+              <a:t>리스트</a:t>
+            </a:r>
+            <a:endParaRPr lang="ko-KR" altLang="en-US" dirty="0"/>
+          </a:p>
+        </p:txBody>
+      </p:sp>
+      <p:sp>
+        <p:nvSpPr>
+          <p:cNvPr id="6" name="내용 개체 틀 3"/>
+          <p:cNvSpPr>
+            <a:spLocks noGrp="1"/>
+          </p:cNvSpPr>
+          <p:nvPr>
+            <p:ph idx="1"/>
+          </p:nvPr>
+        </p:nvSpPr>
+        <p:spPr>
+          <a:xfrm>
+            <a:off x="838200" y="1833790"/>
+            <a:ext cx="10429356" cy="4351338"/>
+          </a:xfrm>
+        </p:spPr>
+        <p:txBody>
+          <a:bodyPr>
+            <a:normAutofit/>
+          </a:bodyPr>
+          <a:lstStyle/>
+          <a:p>
+            <a:r>
+              <a:rPr lang="ko-KR" altLang="en-US" dirty="0" smtClean="0"/>
+              <a:t>리스트</a:t>
+            </a:r>
+            <a:r>
+              <a:rPr lang="en-US" altLang="ko-KR" dirty="0" smtClean="0"/>
+              <a:t>: </a:t>
+            </a:r>
+            <a:r>
+              <a:rPr lang="ko-KR" altLang="en-US" dirty="0" smtClean="0"/>
+              <a:t>프로그래밍에서 자주 쓰이는 자료구조 중 하나</a:t>
+            </a:r>
+            <a:endParaRPr lang="en-US" altLang="ko-KR" dirty="0" smtClean="0"/>
+          </a:p>
+          <a:p>
+            <a:pPr lvl="1"/>
+            <a:r>
+              <a:rPr lang="ko-KR" altLang="en-US" dirty="0" smtClean="0"/>
+              <a:t>고등학교 수학에서 수열과 비슷합니다</a:t>
+            </a:r>
+            <a:r>
+              <a:rPr lang="en-US" altLang="ko-KR" dirty="0" smtClean="0"/>
+              <a:t>.</a:t>
+            </a:r>
+          </a:p>
+          <a:p>
+            <a:pPr lvl="1"/>
+            <a:r>
+              <a:rPr lang="ko-KR" altLang="en-US" dirty="0" smtClean="0"/>
+              <a:t>다만</a:t>
+            </a:r>
+            <a:r>
+              <a:rPr lang="en-US" altLang="ko-KR" dirty="0" smtClean="0"/>
+              <a:t>, </a:t>
+            </a:r>
+            <a:r>
+              <a:rPr lang="ko-KR" altLang="en-US" dirty="0" smtClean="0"/>
+              <a:t>규칙이 있든 없든 상관이 없습니다</a:t>
+            </a:r>
+            <a:r>
+              <a:rPr lang="en-US" altLang="ko-KR" dirty="0" smtClean="0"/>
+              <a:t>.</a:t>
+            </a:r>
+          </a:p>
+          <a:p>
+            <a:pPr lvl="1"/>
+            <a:r>
+              <a:rPr lang="ko-KR" altLang="en-US" dirty="0" smtClean="0"/>
+              <a:t>자료구조를 모르는 학생에게는 규칙과 상관없는 수열인 배열과 비슷하게 느껴집니다</a:t>
+            </a:r>
+            <a:r>
+              <a:rPr lang="en-US" altLang="ko-KR" dirty="0" smtClean="0"/>
+              <a:t>.</a:t>
+            </a:r>
+          </a:p>
+        </p:txBody>
+      </p:sp>
+      <p:pic>
+        <p:nvPicPr>
+          <p:cNvPr id="3" name="그림 2"/>
+          <p:cNvPicPr>
+            <a:picLocks noChangeAspect="1"/>
+          </p:cNvPicPr>
+          <p:nvPr/>
+        </p:nvPicPr>
+        <p:blipFill rotWithShape="1">
+          <a:blip r:embed="rId2"/>
+          <a:srcRect l="20756" t="14789" r="61441" b="75188"/>
+          <a:stretch/>
+        </p:blipFill>
+        <p:spPr>
+          <a:xfrm>
+            <a:off x="1330778" y="3426228"/>
+            <a:ext cx="5323266" cy="1774422"/>
+          </a:xfrm>
+          <a:prstGeom prst="rect">
+            <a:avLst/>
+          </a:prstGeom>
+        </p:spPr>
+      </p:pic>
+      <p:pic>
+        <p:nvPicPr>
+          <p:cNvPr id="8" name="그림 7"/>
+          <p:cNvPicPr>
+            <a:picLocks noChangeAspect="1"/>
+          </p:cNvPicPr>
+          <p:nvPr/>
+        </p:nvPicPr>
+        <p:blipFill rotWithShape="1">
+          <a:blip r:embed="rId2"/>
+          <a:srcRect l="5783" t="71128" r="90261" b="10006"/>
+          <a:stretch/>
+        </p:blipFill>
+        <p:spPr>
+          <a:xfrm>
+            <a:off x="6854339" y="3426228"/>
+            <a:ext cx="942554" cy="2661334"/>
+          </a:xfrm>
+          <a:prstGeom prst="rect">
+            <a:avLst/>
+          </a:prstGeom>
+        </p:spPr>
+      </p:pic>
+    </p:spTree>
+    <p:extLst>
+      <p:ext uri="{BB962C8B-B14F-4D97-AF65-F5344CB8AC3E}">
+        <p14:creationId xmlns:p14="http://schemas.microsoft.com/office/powerpoint/2010/main" val="2846852189"/>
+      </p:ext>
+    </p:extLst>
+  </p:cSld>
+  <p:clrMapOvr>
+    <a:masterClrMapping/>
+  </p:clrMapOvr>
+  <p:timing>
+    <p:tnLst>
+      <p:par>
+        <p:cTn id="1" dur="indefinite" restart="never" nodeType="tmRoot"/>
+      </p:par>
+    </p:tnLst>
+  </p:timing>
+</p:sld>
+</file>
+
+<file path=ppt/slides/slide3.xml><?xml version="1.0" encoding="utf-8"?>
+<p:sld xmlns:a="http://schemas.openxmlformats.org/drawingml/2006/main" xmlns:r="http://schemas.openxmlformats.org/officeDocument/2006/relationships" xmlns:p="http://schemas.openxmlformats.org/presentationml/2006/main">
+  <p:cSld>
+    <p:spTree>
+      <p:nvGrpSpPr>
+        <p:cNvPr id="1" name=""/>
+        <p:cNvGrpSpPr/>
+        <p:nvPr/>
+      </p:nvGrpSpPr>
+      <p:grpSpPr>
+        <a:xfrm>
+          <a:off x="0" y="0"/>
+          <a:ext cx="0" cy="0"/>
+          <a:chOff x="0" y="0"/>
+          <a:chExt cx="0" cy="0"/>
+        </a:xfrm>
+      </p:grpSpPr>
+      <p:sp>
+        <p:nvSpPr>
+          <p:cNvPr id="2" name="제목 1"/>
+          <p:cNvSpPr>
+            <a:spLocks noGrp="1"/>
+          </p:cNvSpPr>
+          <p:nvPr>
+            <p:ph type="title"/>
+          </p:nvPr>
+        </p:nvSpPr>
+        <p:spPr/>
+        <p:txBody>
+          <a:bodyPr/>
+          <a:lstStyle/>
+          <a:p>
+            <a:r>
+              <a:rPr lang="en-US" altLang="ko-KR" dirty="0" smtClean="0"/>
+              <a:t>Index</a:t>
+            </a:r>
+            <a:endParaRPr lang="ko-KR" altLang="en-US" dirty="0"/>
+          </a:p>
+        </p:txBody>
+      </p:sp>
+      <p:sp>
+        <p:nvSpPr>
+          <p:cNvPr id="3" name="내용 개체 틀 2"/>
+          <p:cNvSpPr>
+            <a:spLocks noGrp="1"/>
+          </p:cNvSpPr>
+          <p:nvPr>
+            <p:ph idx="1"/>
+          </p:nvPr>
+        </p:nvSpPr>
+        <p:spPr/>
+        <p:txBody>
+          <a:bodyPr>
+            <a:normAutofit/>
+          </a:bodyPr>
+          <a:lstStyle/>
+          <a:p>
+            <a:pPr marL="514350" indent="-514350">
+              <a:buFont typeface="+mj-lt"/>
+              <a:buAutoNum type="arabicPeriod" startAt="8"/>
+            </a:pPr>
+            <a:r>
+              <a:rPr lang="ko-KR" altLang="en-US" dirty="0" err="1" smtClean="0"/>
+              <a:t>반복문</a:t>
+            </a:r>
+            <a:endParaRPr lang="en-US" altLang="ko-KR" dirty="0" smtClean="0"/>
+          </a:p>
+          <a:p>
+            <a:pPr marL="514350" indent="-514350">
+              <a:buFont typeface="+mj-lt"/>
+              <a:buAutoNum type="arabicPeriod" startAt="8"/>
+            </a:pPr>
+            <a:r>
+              <a:rPr lang="ko-KR" altLang="en-US" dirty="0" smtClean="0"/>
+              <a:t>리스트</a:t>
+            </a:r>
+            <a:endParaRPr lang="en-US" altLang="ko-KR" dirty="0" smtClean="0"/>
+          </a:p>
+          <a:p>
+            <a:pPr marL="514350" indent="-514350">
+              <a:buFont typeface="+mj-lt"/>
+              <a:buAutoNum type="arabicPeriod" startAt="8"/>
+            </a:pPr>
+            <a:r>
+              <a:rPr lang="ko-KR" altLang="en-US" dirty="0" smtClean="0"/>
+              <a:t>함수</a:t>
+            </a:r>
+            <a:endParaRPr lang="en-US" altLang="ko-KR" dirty="0" smtClean="0"/>
+          </a:p>
+          <a:p>
+            <a:pPr marL="514350" indent="-514350">
+              <a:buFont typeface="+mj-lt"/>
+              <a:buAutoNum type="arabicPeriod" startAt="8"/>
+            </a:pPr>
+            <a:r>
+              <a:rPr lang="ko-KR" altLang="en-US" dirty="0" smtClean="0"/>
+              <a:t>참고 </a:t>
+            </a:r>
+            <a:r>
+              <a:rPr lang="ko-KR" altLang="en-US" dirty="0" smtClean="0"/>
+              <a:t>문헌</a:t>
+            </a:r>
+            <a:endParaRPr lang="ko-KR" altLang="en-US" dirty="0"/>
+          </a:p>
+        </p:txBody>
+      </p:sp>
+    </p:spTree>
+    <p:extLst>
+      <p:ext uri="{BB962C8B-B14F-4D97-AF65-F5344CB8AC3E}">
+        <p14:creationId xmlns:p14="http://schemas.microsoft.com/office/powerpoint/2010/main" val="1463461113"/>
+      </p:ext>
+    </p:extLst>
+  </p:cSld>
+  <p:clrMapOvr>
+    <a:masterClrMapping/>
+  </p:clrMapOvr>
+  <p:timing>
+    <p:tnLst>
+      <p:par>
+        <p:cTn id="1" dur="indefinite" restart="never" nodeType="tmRoot"/>
+      </p:par>
+    </p:tnLst>
+  </p:timing>
+</p:sld>
+</file>
+
+<file path=ppt/slides/slide30.xml><?xml version="1.0" encoding="utf-8"?>
+<p:sld xmlns:a="http://schemas.openxmlformats.org/drawingml/2006/main" xmlns:r="http://schemas.openxmlformats.org/officeDocument/2006/relationships" xmlns:p="http://schemas.openxmlformats.org/presentationml/2006/main">
+  <p:cSld>
+    <p:spTree>
+      <p:nvGrpSpPr>
+        <p:cNvPr id="1" name=""/>
+        <p:cNvGrpSpPr/>
+        <p:nvPr/>
+      </p:nvGrpSpPr>
+      <p:grpSpPr>
+        <a:xfrm>
+          <a:off x="0" y="0"/>
+          <a:ext cx="0" cy="0"/>
+          <a:chOff x="0" y="0"/>
+          <a:chExt cx="0" cy="0"/>
+        </a:xfrm>
+      </p:grpSpPr>
+      <p:sp>
+        <p:nvSpPr>
+          <p:cNvPr id="2" name="제목 1"/>
+          <p:cNvSpPr>
+            <a:spLocks noGrp="1"/>
+          </p:cNvSpPr>
+          <p:nvPr>
+            <p:ph type="title"/>
+          </p:nvPr>
+        </p:nvSpPr>
+        <p:spPr>
+          <a:xfrm>
+            <a:off x="913795" y="590145"/>
+            <a:ext cx="10353761" cy="1326321"/>
+          </a:xfrm>
+        </p:spPr>
+        <p:txBody>
+          <a:bodyPr/>
+          <a:lstStyle/>
+          <a:p>
+            <a:r>
+              <a:rPr lang="ko-KR" altLang="en-US" dirty="0" smtClean="0"/>
+              <a:t>함수</a:t>
+            </a:r>
+            <a:endParaRPr lang="ko-KR" altLang="en-US" dirty="0"/>
+          </a:p>
+        </p:txBody>
+      </p:sp>
+      <p:sp>
+        <p:nvSpPr>
+          <p:cNvPr id="6" name="내용 개체 틀 3"/>
+          <p:cNvSpPr>
+            <a:spLocks noGrp="1"/>
+          </p:cNvSpPr>
+          <p:nvPr>
+            <p:ph idx="1"/>
+          </p:nvPr>
+        </p:nvSpPr>
+        <p:spPr>
+          <a:xfrm>
+            <a:off x="838200" y="1833790"/>
+            <a:ext cx="10429356" cy="4351338"/>
+          </a:xfrm>
+        </p:spPr>
+        <p:txBody>
+          <a:bodyPr>
+            <a:normAutofit/>
+          </a:bodyPr>
+          <a:lstStyle/>
+          <a:p>
+            <a:r>
+              <a:rPr lang="ko-KR" altLang="en-US" dirty="0" smtClean="0"/>
+              <a:t>함수</a:t>
+            </a:r>
+            <a:r>
+              <a:rPr lang="en-US" altLang="ko-KR" dirty="0" smtClean="0"/>
+              <a:t>: </a:t>
+            </a:r>
+            <a:r>
+              <a:rPr lang="ko-KR" altLang="en-US" dirty="0" smtClean="0"/>
+              <a:t>입력에 대해 특정 연산을 하고 출력을 내보내는 구조</a:t>
+            </a:r>
+            <a:endParaRPr lang="en-US" altLang="ko-KR" dirty="0" smtClean="0"/>
+          </a:p>
+          <a:p>
+            <a:pPr lvl="1"/>
+            <a:r>
+              <a:rPr lang="ko-KR" altLang="en-US" dirty="0" smtClean="0"/>
+              <a:t>수학에서의 함수와도 같은 기능을 하게 할 수 있습니다</a:t>
+            </a:r>
+            <a:r>
+              <a:rPr lang="en-US" altLang="ko-KR" dirty="0" smtClean="0"/>
+              <a:t>.</a:t>
+            </a:r>
+            <a:endParaRPr lang="en-US" altLang="ko-KR" dirty="0" smtClean="0"/>
+          </a:p>
+        </p:txBody>
+      </p:sp>
+      <p:pic>
+        <p:nvPicPr>
+          <p:cNvPr id="3" name="그림 2"/>
+          <p:cNvPicPr>
+            <a:picLocks noChangeAspect="1"/>
+          </p:cNvPicPr>
+          <p:nvPr/>
+        </p:nvPicPr>
+        <p:blipFill rotWithShape="1">
+          <a:blip r:embed="rId2"/>
+          <a:srcRect l="5689" t="70902" r="90124" b="24511"/>
+          <a:stretch/>
+        </p:blipFill>
+        <p:spPr>
+          <a:xfrm>
+            <a:off x="5234531" y="4938148"/>
+            <a:ext cx="1516108" cy="983424"/>
+          </a:xfrm>
+          <a:prstGeom prst="rect">
+            <a:avLst/>
+          </a:prstGeom>
+        </p:spPr>
+      </p:pic>
+      <p:pic>
+        <p:nvPicPr>
+          <p:cNvPr id="8" name="그림 7"/>
+          <p:cNvPicPr>
+            <a:picLocks noChangeAspect="1"/>
+          </p:cNvPicPr>
+          <p:nvPr/>
+        </p:nvPicPr>
+        <p:blipFill rotWithShape="1">
+          <a:blip r:embed="rId2"/>
+          <a:srcRect l="20890" t="14015" r="28075" b="66109"/>
+          <a:stretch/>
+        </p:blipFill>
+        <p:spPr>
+          <a:xfrm>
+            <a:off x="1387928" y="2639380"/>
+            <a:ext cx="9209315" cy="2123656"/>
+          </a:xfrm>
+          <a:prstGeom prst="rect">
+            <a:avLst/>
+          </a:prstGeom>
+        </p:spPr>
+      </p:pic>
+    </p:spTree>
+    <p:extLst>
+      <p:ext uri="{BB962C8B-B14F-4D97-AF65-F5344CB8AC3E}">
+        <p14:creationId xmlns:p14="http://schemas.microsoft.com/office/powerpoint/2010/main" val="598028297"/>
+      </p:ext>
+    </p:extLst>
+  </p:cSld>
+  <p:clrMapOvr>
+    <a:masterClrMapping/>
+  </p:clrMapOvr>
+  <p:timing>
+    <p:tnLst>
+      <p:par>
+        <p:cTn id="1" dur="indefinite" restart="never" nodeType="tmRoot"/>
+      </p:par>
+    </p:tnLst>
+  </p:timing>
+</p:sld>
+</file>
+
+<file path=ppt/slides/slide31.xml><?xml version="1.0" encoding="utf-8"?>
 <p:sld xmlns:a="http://schemas.openxmlformats.org/drawingml/2006/main" xmlns:r="http://schemas.openxmlformats.org/officeDocument/2006/relationships" xmlns:p="http://schemas.openxmlformats.org/presentationml/2006/main">
   <p:cSld>
     <p:spTree>
@@ -10463,114 +11327,59 @@
               <a:buAutoNum type="arabicPeriod"/>
             </a:pPr>
             <a:r>
-              <a:rPr lang="en-US" altLang="ko-KR" i="1" dirty="0" err="1"/>
-              <a:t>Rumelhart</a:t>
-            </a:r>
-            <a:r>
-              <a:rPr lang="en-US" altLang="ko-KR" i="1" dirty="0"/>
-              <a:t>, David E.; Hinton, Geoffrey E.; Williams, Ronald J. (8 October 1986). "Learning representations by back-propagating errors". Nature. </a:t>
-            </a:r>
-            <a:r>
-              <a:rPr lang="en-US" altLang="ko-KR" b="1" i="1" dirty="0"/>
-              <a:t>323</a:t>
-            </a:r>
-            <a:r>
-              <a:rPr lang="en-US" altLang="ko-KR" i="1" dirty="0"/>
-              <a:t> (6088): 533–536. </a:t>
-            </a:r>
-            <a:r>
-              <a:rPr lang="en-US" altLang="ko-KR" i="1" dirty="0">
-                <a:hlinkClick r:id="rId2" tooltip="Digital object identifier"/>
+              <a:rPr lang="ko-KR" altLang="en-US" dirty="0" smtClean="0">
+                <a:effectLst/>
               </a:rPr>
-              <a:t>doi</a:t>
-            </a:r>
-            <a:r>
-              <a:rPr lang="en-US" altLang="ko-KR" i="1" dirty="0"/>
-              <a:t>:</a:t>
-            </a:r>
-            <a:r>
-              <a:rPr lang="en-US" altLang="ko-KR" i="1" dirty="0">
-                <a:hlinkClick r:id="rId3"/>
+              <a:t>이강성</a:t>
+            </a:r>
+            <a:r>
+              <a:rPr lang="en-US" altLang="ko-KR" dirty="0" smtClean="0">
+                <a:effectLst/>
               </a:rPr>
-              <a:t>10.1038/323533a0</a:t>
-            </a:r>
-            <a:r>
-              <a:rPr lang="en-US" altLang="ko-KR" dirty="0" smtClean="0"/>
+              <a:t>, “</a:t>
+            </a:r>
+            <a:r>
+              <a:rPr lang="ko-KR" altLang="en-US" dirty="0" err="1" smtClean="0">
+                <a:effectLst/>
+              </a:rPr>
+              <a:t>파이썬</a:t>
+            </a:r>
+            <a:r>
+              <a:rPr lang="ko-KR" altLang="en-US" dirty="0" smtClean="0">
+                <a:effectLst/>
+              </a:rPr>
               <a:t> </a:t>
             </a:r>
-          </a:p>
-          <a:p>
-            <a:pPr marL="457200" indent="-457200">
-              <a:buFont typeface="+mj-lt"/>
-              <a:buAutoNum type="arabicPeriod"/>
-            </a:pPr>
-            <a:r>
-              <a:rPr lang="ko-KR" altLang="en-US" dirty="0" smtClean="0"/>
-              <a:t>김의중</a:t>
-            </a:r>
-            <a:r>
-              <a:rPr lang="en-US" altLang="ko-KR" dirty="0" smtClean="0"/>
-              <a:t>, “</a:t>
-            </a:r>
-            <a:r>
-              <a:rPr lang="ko-KR" altLang="en-US" dirty="0" smtClean="0"/>
-              <a:t>인공지능</a:t>
-            </a:r>
-            <a:r>
-              <a:rPr lang="en-US" altLang="ko-KR" dirty="0" smtClean="0"/>
-              <a:t>, </a:t>
-            </a:r>
-            <a:r>
-              <a:rPr lang="ko-KR" altLang="en-US" dirty="0" err="1" smtClean="0"/>
-              <a:t>머신러닝</a:t>
-            </a:r>
-            <a:r>
-              <a:rPr lang="en-US" altLang="ko-KR" dirty="0" smtClean="0"/>
-              <a:t>, </a:t>
-            </a:r>
-            <a:r>
-              <a:rPr lang="ko-KR" altLang="en-US" dirty="0" err="1" smtClean="0"/>
-              <a:t>딥러닝</a:t>
-            </a:r>
-            <a:r>
-              <a:rPr lang="ko-KR" altLang="en-US" dirty="0" smtClean="0"/>
-              <a:t> 입문</a:t>
-            </a:r>
-            <a:r>
-              <a:rPr lang="en-US" altLang="ko-KR" dirty="0" smtClean="0"/>
+            <a:r>
+              <a:rPr lang="en-US" altLang="ko-KR" dirty="0" smtClean="0">
+                <a:effectLst/>
+              </a:rPr>
+              <a:t>3 </a:t>
+            </a:r>
+            <a:r>
+              <a:rPr lang="ko-KR" altLang="en-US" dirty="0" smtClean="0">
+                <a:effectLst/>
+              </a:rPr>
+              <a:t>바이블</a:t>
+            </a:r>
+            <a:r>
+              <a:rPr lang="en-US" altLang="ko-KR" dirty="0" smtClean="0">
+                <a:effectLst/>
+              </a:rPr>
               <a:t>”, </a:t>
             </a:r>
             <a:r>
-              <a:rPr lang="ko-KR" altLang="en-US" dirty="0" err="1" smtClean="0"/>
-              <a:t>위키북스</a:t>
-            </a:r>
-            <a:r>
-              <a:rPr lang="en-US" altLang="ko-KR" dirty="0" smtClean="0"/>
-              <a:t>, 2016.</a:t>
-            </a:r>
-          </a:p>
-          <a:p>
-            <a:pPr marL="457200" indent="-457200">
-              <a:buFont typeface="+mj-lt"/>
-              <a:buAutoNum type="arabicPeriod"/>
-            </a:pPr>
-            <a:r>
-              <a:rPr lang="en-US" altLang="ko-KR" dirty="0" err="1"/>
-              <a:t>Redmon</a:t>
-            </a:r>
-            <a:r>
-              <a:rPr lang="en-US" altLang="ko-KR" dirty="0"/>
-              <a:t>, Joseph, et al. "You only look once: Unified, real-time object detection." </a:t>
-            </a:r>
-            <a:r>
-              <a:rPr lang="en-US" altLang="ko-KR" i="1" dirty="0"/>
-              <a:t>Proceedings of the IEEE Conference on Computer Vision and Pattern Recognition</a:t>
-            </a:r>
-            <a:r>
-              <a:rPr lang="en-US" altLang="ko-KR" dirty="0"/>
-              <a:t>. 2016.</a:t>
-            </a:r>
-            <a:endParaRPr lang="en-US" altLang="ko-KR" dirty="0" smtClean="0"/>
+              <a:rPr lang="ko-KR" altLang="en-US" dirty="0" err="1" smtClean="0">
+                <a:effectLst/>
+              </a:rPr>
+              <a:t>프리렉</a:t>
+            </a:r>
+            <a:r>
+              <a:rPr lang="en-US" altLang="ko-KR" dirty="0" smtClean="0">
+                <a:effectLst/>
+              </a:rPr>
+              <a:t>, 2013.</a:t>
+            </a:r>
           </a:p>
           <a:p>
             <a:pPr marL="457200" indent="-457200">
@@ -10580,13 +11389,6 @@
             <a:endParaRPr lang="en-US" altLang="ko-KR" dirty="0" smtClean="0"/>
           </a:p>
           <a:p>
-            <a:pPr marL="457200" indent="-457200">
-              <a:buFont typeface="+mj-lt"/>
-              <a:buAutoNum type="arabicPeriod"/>
-            </a:pPr>
-            <a:endParaRPr lang="en-US" altLang="ko-KR" dirty="0" smtClean="0"/>
-          </a:p>
-          <a:p>
             <a:endParaRPr lang="en-US" altLang="ko-KR" dirty="0" smtClean="0"/>
           </a:p>
           <a:p>
@@ -10598,175 +11400,6 @@
     <p:extLst>
       <p:ext uri="{BB962C8B-B14F-4D97-AF65-F5344CB8AC3E}">
         <p14:creationId xmlns:p14="http://schemas.microsoft.com/office/powerpoint/2010/main" val="3102446479"/>
-      </p:ext>
-    </p:extLst>
-  </p:cSld>
-  <p:clrMapOvr>
-    <a:masterClrMapping/>
-  </p:clrMapOvr>
-  <p:timing>
-    <p:tnLst>
-      <p:par>
-        <p:cTn id="1" dur="indefinite" restart="never" nodeType="tmRoot"/>
-      </p:par>
-    </p:tnLst>
-  </p:timing>
-</p:sld>
-</file>
-
-<file path=ppt/slides/slide3.xml><?xml version="1.0" encoding="utf-8"?>
-<p:sld xmlns:a="http://schemas.openxmlformats.org/drawingml/2006/main" xmlns:r="http://schemas.openxmlformats.org/officeDocument/2006/relationships" xmlns:p="http://schemas.openxmlformats.org/presentationml/2006/main">
-  <p:cSld>
-    <p:spTree>
-      <p:nvGrpSpPr>
-        <p:cNvPr id="1" name=""/>
-        <p:cNvGrpSpPr/>
-        <p:nvPr/>
-      </p:nvGrpSpPr>
-      <p:grpSpPr>
-        <a:xfrm>
-          <a:off x="0" y="0"/>
-          <a:ext cx="0" cy="0"/>
-          <a:chOff x="0" y="0"/>
-          <a:chExt cx="0" cy="0"/>
-        </a:xfrm>
-      </p:grpSpPr>
-      <p:sp>
-        <p:nvSpPr>
-          <p:cNvPr id="2" name="제목 1"/>
-          <p:cNvSpPr>
-            <a:spLocks noGrp="1"/>
-          </p:cNvSpPr>
-          <p:nvPr>
-            <p:ph type="title"/>
-          </p:nvPr>
-        </p:nvSpPr>
-        <p:spPr/>
-        <p:txBody>
-          <a:bodyPr/>
-          <a:lstStyle/>
-          <a:p>
-            <a:r>
-              <a:rPr lang="ko-KR" altLang="en-US" dirty="0" smtClean="0"/>
-              <a:t>실습환경</a:t>
-            </a:r>
-            <a:endParaRPr lang="ko-KR" altLang="en-US" dirty="0"/>
-          </a:p>
-        </p:txBody>
-      </p:sp>
-      <p:sp>
-        <p:nvSpPr>
-          <p:cNvPr id="6" name="내용 개체 틀 3"/>
-          <p:cNvSpPr>
-            <a:spLocks noGrp="1"/>
-          </p:cNvSpPr>
-          <p:nvPr>
-            <p:ph idx="1"/>
-          </p:nvPr>
-        </p:nvSpPr>
-        <p:spPr>
-          <a:xfrm>
-            <a:off x="838200" y="1825625"/>
-            <a:ext cx="10429356" cy="4351338"/>
-          </a:xfrm>
-        </p:spPr>
-        <p:txBody>
-          <a:bodyPr>
-            <a:normAutofit/>
-          </a:bodyPr>
-          <a:lstStyle/>
-          <a:p>
-            <a:r>
-              <a:rPr lang="ko-KR" altLang="en-US" dirty="0" smtClean="0"/>
-              <a:t>장소</a:t>
-            </a:r>
-            <a:r>
-              <a:rPr lang="en-US" altLang="ko-KR" dirty="0" smtClean="0"/>
-              <a:t>: </a:t>
-            </a:r>
-            <a:r>
-              <a:rPr lang="ko-KR" altLang="en-US" dirty="0" smtClean="0"/>
-              <a:t>경상대학교 컴퓨터과학관</a:t>
-            </a:r>
-            <a:r>
-              <a:rPr lang="en-US" altLang="ko-KR" dirty="0" smtClean="0"/>
-              <a:t>(30</a:t>
-            </a:r>
-            <a:r>
-              <a:rPr lang="ko-KR" altLang="en-US" dirty="0" smtClean="0"/>
-              <a:t>동</a:t>
-            </a:r>
-            <a:r>
-              <a:rPr lang="en-US" altLang="ko-KR" dirty="0" smtClean="0"/>
-              <a:t>) 308</a:t>
-            </a:r>
-            <a:r>
-              <a:rPr lang="ko-KR" altLang="en-US" dirty="0" smtClean="0"/>
-              <a:t>호 실습실</a:t>
-            </a:r>
-            <a:endParaRPr lang="en-US" altLang="ko-KR" dirty="0" smtClean="0"/>
-          </a:p>
-          <a:p>
-            <a:r>
-              <a:rPr lang="ko-KR" altLang="en-US" dirty="0" smtClean="0"/>
-              <a:t>실습 </a:t>
-            </a:r>
-            <a:r>
-              <a:rPr lang="en-US" altLang="ko-KR" dirty="0" smtClean="0"/>
-              <a:t>PC: 30</a:t>
-            </a:r>
-            <a:r>
-              <a:rPr lang="ko-KR" altLang="en-US" dirty="0" smtClean="0"/>
-              <a:t>대</a:t>
-            </a:r>
-            <a:endParaRPr lang="en-US" altLang="ko-KR" dirty="0" smtClean="0"/>
-          </a:p>
-          <a:p>
-            <a:pPr lvl="1"/>
-            <a:r>
-              <a:rPr lang="ko-KR" altLang="en-US" dirty="0" smtClean="0"/>
-              <a:t>운영체제</a:t>
-            </a:r>
-            <a:r>
-              <a:rPr lang="en-US" altLang="ko-KR" dirty="0" smtClean="0"/>
-              <a:t>: Windows 10 Pro</a:t>
-            </a:r>
-          </a:p>
-          <a:p>
-            <a:pPr lvl="1"/>
-            <a:r>
-              <a:rPr lang="en-US" altLang="ko-KR" dirty="0" smtClean="0"/>
-              <a:t>CPU: Intel i3-4130 3.40GHz * 4 cores</a:t>
-            </a:r>
-          </a:p>
-          <a:p>
-            <a:pPr lvl="1"/>
-            <a:r>
-              <a:rPr lang="en-US" altLang="ko-KR" dirty="0" smtClean="0"/>
-              <a:t>RAM: 4GB</a:t>
-            </a:r>
-          </a:p>
-          <a:p>
-            <a:pPr lvl="1"/>
-            <a:r>
-              <a:rPr lang="ko-KR" altLang="en-US" dirty="0" smtClean="0"/>
-              <a:t>사용 언어</a:t>
-            </a:r>
-            <a:r>
-              <a:rPr lang="en-US" altLang="ko-KR" dirty="0" smtClean="0"/>
-              <a:t>: Python 3.</a:t>
-            </a:r>
-            <a:r>
-              <a:rPr lang="en-US" altLang="ko-KR" dirty="0"/>
-              <a:t>x</a:t>
-            </a:r>
-          </a:p>
-        </p:txBody>
-      </p:sp>
-    </p:spTree>
-    <p:extLst>
-      <p:ext uri="{BB962C8B-B14F-4D97-AF65-F5344CB8AC3E}">
-        <p14:creationId xmlns:p14="http://schemas.microsoft.com/office/powerpoint/2010/main" val="4143695950"/>
       </p:ext>
     </p:extLst>
   </p:cSld>
@@ -10817,15 +11450,7 @@
           <a:p>
             <a:r>
               <a:rPr lang="ko-KR" altLang="en-US" dirty="0" smtClean="0"/>
-              <a:t>실습도구</a:t>
-            </a:r>
-            <a:r>
-              <a:rPr lang="en-US" altLang="ko-KR" dirty="0" smtClean="0"/>
-              <a:t>: </a:t>
-            </a:r>
-            <a:r>
-              <a:rPr lang="en-US" altLang="ko-KR" dirty="0" err="1" smtClean="0"/>
-              <a:t>Pycharm</a:t>
+              <a:t>실습환경</a:t>
             </a:r>
             <a:endParaRPr lang="ko-KR" altLang="en-US" dirty="0"/>
           </a:p>
@@ -10854,49 +11479,96 @@
           <a:lstStyle/>
           <a:p>
             <a:r>
-              <a:rPr lang="en-US" altLang="ko-KR" dirty="0" err="1" smtClean="0"/>
-              <a:t>Pycharm</a:t>
-            </a:r>
-            <a:r>
-              <a:rPr lang="en-US" altLang="ko-KR" dirty="0" smtClean="0"/>
-              <a:t>: Python </a:t>
-            </a:r>
-            <a:r>
-              <a:rPr lang="ko-KR" altLang="en-US" dirty="0" smtClean="0"/>
-              <a:t>개발 도구 중 하나</a:t>
-            </a:r>
-            <a:endParaRPr lang="en-US" altLang="ko-KR" dirty="0"/>
-          </a:p>
-        </p:txBody>
-      </p:sp>
-      <p:pic>
-        <p:nvPicPr>
-          <p:cNvPr id="3" name="그림 2"/>
-          <p:cNvPicPr>
-            <a:picLocks noChangeAspect="1"/>
-          </p:cNvPicPr>
-          <p:nvPr/>
-        </p:nvPicPr>
-        <p:blipFill>
-          <a:blip r:embed="rId2"/>
-          <a:stretch>
-            <a:fillRect/>
-          </a:stretch>
-        </p:blipFill>
-        <p:spPr>
-          <a:xfrm>
-            <a:off x="838201" y="2356959"/>
-            <a:ext cx="10429356" cy="4060170"/>
-          </a:xfrm>
-          <a:prstGeom prst="rect">
-            <a:avLst/>
-          </a:prstGeom>
-        </p:spPr>
-      </p:pic>
+              <a:rPr lang="ko-KR" altLang="en-US" dirty="0" smtClean="0"/>
+              <a:t>장소</a:t>
+            </a:r>
+            <a:r>
+              <a:rPr lang="en-US" altLang="ko-KR" dirty="0" smtClean="0"/>
+              <a:t>: </a:t>
+            </a:r>
+            <a:r>
+              <a:rPr lang="ko-KR" altLang="en-US" dirty="0" smtClean="0"/>
+              <a:t>경상대학교 컴퓨터과학관</a:t>
+            </a:r>
+            <a:r>
+              <a:rPr lang="en-US" altLang="ko-KR" dirty="0" smtClean="0"/>
+              <a:t>(30</a:t>
+            </a:r>
+            <a:r>
+              <a:rPr lang="ko-KR" altLang="en-US" dirty="0" smtClean="0"/>
+              <a:t>동</a:t>
+            </a:r>
+            <a:r>
+              <a:rPr lang="en-US" altLang="ko-KR" dirty="0" smtClean="0"/>
+              <a:t>) 308</a:t>
+            </a:r>
+            <a:r>
+              <a:rPr lang="ko-KR" altLang="en-US" dirty="0" smtClean="0"/>
+              <a:t>호 실습실</a:t>
+            </a:r>
+            <a:endParaRPr lang="en-US" altLang="ko-KR" dirty="0" smtClean="0"/>
+          </a:p>
+          <a:p>
+            <a:r>
+              <a:rPr lang="ko-KR" altLang="en-US" dirty="0" smtClean="0"/>
+              <a:t>실습 </a:t>
+            </a:r>
+            <a:r>
+              <a:rPr lang="en-US" altLang="ko-KR" dirty="0" smtClean="0"/>
+              <a:t>PC: 30</a:t>
+            </a:r>
+            <a:r>
+              <a:rPr lang="ko-KR" altLang="en-US" dirty="0" smtClean="0"/>
+              <a:t>대</a:t>
+            </a:r>
+            <a:endParaRPr lang="en-US" altLang="ko-KR" dirty="0" smtClean="0"/>
+          </a:p>
+          <a:p>
+            <a:pPr lvl="1"/>
+            <a:r>
+              <a:rPr lang="ko-KR" altLang="en-US" dirty="0" smtClean="0"/>
+              <a:t>운영체제</a:t>
+            </a:r>
+            <a:r>
+              <a:rPr lang="en-US" altLang="ko-KR" dirty="0" smtClean="0"/>
+              <a:t>: Windows 10 Pro</a:t>
+            </a:r>
+          </a:p>
+          <a:p>
+            <a:pPr lvl="1"/>
+            <a:r>
+              <a:rPr lang="en-US" altLang="ko-KR" dirty="0" smtClean="0"/>
+              <a:t>CPU: Intel i3-4130 3.40GHz * 4 cores</a:t>
+            </a:r>
+          </a:p>
+          <a:p>
+            <a:pPr lvl="1"/>
+            <a:r>
+              <a:rPr lang="en-US" altLang="ko-KR" dirty="0" smtClean="0"/>
+              <a:t>RAM: 4GB</a:t>
+            </a:r>
+          </a:p>
+          <a:p>
+            <a:pPr lvl="1"/>
+            <a:r>
+              <a:rPr lang="ko-KR" altLang="en-US" dirty="0" smtClean="0"/>
+              <a:t>사용 언어</a:t>
+            </a:r>
+            <a:r>
+              <a:rPr lang="en-US" altLang="ko-KR" dirty="0" smtClean="0"/>
+              <a:t>: Python 3.</a:t>
+            </a:r>
+            <a:r>
+              <a:rPr lang="en-US" altLang="ko-KR" dirty="0"/>
+              <a:t>x</a:t>
+            </a:r>
+          </a:p>
+        </p:txBody>
+      </p:sp>
     </p:spTree>
     <p:extLst>
       <p:ext uri="{BB962C8B-B14F-4D97-AF65-F5344CB8AC3E}">
-        <p14:creationId xmlns:p14="http://schemas.microsoft.com/office/powerpoint/2010/main" val="234625358"/>
+        <p14:creationId xmlns:p14="http://schemas.microsoft.com/office/powerpoint/2010/main" val="4143695950"/>
       </p:ext>
     </p:extLst>
   </p:cSld>
@@ -10984,55 +11656,39 @@
           <a:lstStyle/>
           <a:p>
             <a:r>
-              <a:rPr lang="ko-KR" altLang="en-US" dirty="0" smtClean="0"/>
-              <a:t>혹시나 캠프에서 본인의 결과물을 가져가실 분들이라면</a:t>
-            </a:r>
-            <a:r>
-              <a:rPr lang="en-US" altLang="ko-KR" dirty="0" smtClean="0"/>
-              <a:t>?</a:t>
+              <a:rPr lang="en-US" altLang="ko-KR" dirty="0" err="1" smtClean="0"/>
+              <a:t>Pycharm</a:t>
+            </a:r>
+            <a:r>
+              <a:rPr lang="en-US" altLang="ko-KR" dirty="0" smtClean="0"/>
+              <a:t>: Python </a:t>
+            </a:r>
+            <a:r>
+              <a:rPr lang="ko-KR" altLang="en-US" dirty="0" smtClean="0"/>
+              <a:t>개발 도구 중 하나</a:t>
             </a:r>
             <a:endParaRPr lang="en-US" altLang="ko-KR" dirty="0"/>
-          </a:p>
-          <a:p>
-            <a:pPr marL="0" indent="0">
-              <a:buNone/>
-            </a:pPr>
-            <a:r>
-              <a:rPr lang="en-US" altLang="ko-KR" dirty="0" smtClean="0"/>
-              <a:t>=&gt; </a:t>
-            </a:r>
-            <a:r>
-              <a:rPr lang="ko-KR" altLang="en-US" dirty="0" err="1" smtClean="0"/>
-              <a:t>틈틈히</a:t>
-            </a:r>
-            <a:r>
-              <a:rPr lang="ko-KR" altLang="en-US" dirty="0" smtClean="0"/>
-              <a:t> 저장해주세요</a:t>
-            </a:r>
-            <a:r>
-              <a:rPr lang="en-US" altLang="ko-KR" dirty="0" smtClean="0"/>
-              <a:t>~</a:t>
-            </a:r>
           </a:p>
         </p:txBody>
       </p:sp>
       <p:pic>
         <p:nvPicPr>
-          <p:cNvPr id="4" name="그림 3"/>
+          <p:cNvPr id="3" name="그림 2"/>
           <p:cNvPicPr>
             <a:picLocks noChangeAspect="1"/>
           </p:cNvPicPr>
           <p:nvPr/>
         </p:nvPicPr>
-        <p:blipFill rotWithShape="1">
+        <p:blipFill>
           <a:blip r:embed="rId2"/>
-          <a:srcRect r="81447" b="55479"/>
-          <a:stretch/>
+          <a:stretch>
+            <a:fillRect/>
+          </a:stretch>
         </p:blipFill>
         <p:spPr>
           <a:xfrm>
-            <a:off x="8033657" y="1581928"/>
-            <a:ext cx="3233899" cy="4595035"/>
+            <a:off x="838201" y="2356959"/>
+            <a:ext cx="10429356" cy="4060170"/>
           </a:xfrm>
           <a:prstGeom prst="rect">
             <a:avLst/>
@@ -11042,7 +11698,7 @@
     </p:spTree>
     <p:extLst>
       <p:ext uri="{BB962C8B-B14F-4D97-AF65-F5344CB8AC3E}">
-        <p14:creationId xmlns:p14="http://schemas.microsoft.com/office/powerpoint/2010/main" val="2218926556"/>
+        <p14:creationId xmlns:p14="http://schemas.microsoft.com/office/powerpoint/2010/main" val="234625358"/>
       </p:ext>
     </p:extLst>
   </p:cSld>
@@ -11092,16 +11748,16 @@
           <a:lstStyle/>
           <a:p>
             <a:r>
-              <a:rPr lang="en-US" altLang="ko-KR" dirty="0" smtClean="0"/>
-              <a:t>Python </a:t>
-            </a:r>
-            <a:r>
-              <a:rPr lang="ko-KR" altLang="en-US" dirty="0" smtClean="0"/>
-              <a:t>첫걸음</a:t>
-            </a:r>
-            <a:r>
-              <a:rPr lang="en-US" altLang="ko-KR" dirty="0" smtClean="0"/>
-              <a:t>: Hello world</a:t>
+              <a:rPr lang="ko-KR" altLang="en-US" dirty="0" smtClean="0"/>
+              <a:t>실습도구</a:t>
+            </a:r>
+            <a:r>
+              <a:rPr lang="en-US" altLang="ko-KR" dirty="0" smtClean="0"/>
+              <a:t>: </a:t>
+            </a:r>
+            <a:r>
+              <a:rPr lang="en-US" altLang="ko-KR" dirty="0" err="1" smtClean="0"/>
+              <a:t>Pycharm</a:t>
             </a:r>
             <a:endParaRPr lang="ko-KR" altLang="en-US" dirty="0"/>
           </a:p>
@@ -11119,7 +11775,7 @@
         </p:nvSpPr>
         <p:spPr>
           <a:xfrm>
-            <a:off x="838200" y="1833790"/>
+            <a:off x="838200" y="1825625"/>
             <a:ext cx="10429356" cy="4351338"/>
           </a:xfrm>
         </p:spPr>
@@ -11131,31 +11787,34 @@
           <a:p>
             <a:r>
               <a:rPr lang="ko-KR" altLang="en-US" dirty="0" smtClean="0"/>
-              <a:t>대부분 프로그래밍에 첫걸음으로 </a:t>
-            </a:r>
-            <a:r>
-              <a:rPr lang="en-US" altLang="ko-KR" dirty="0" smtClean="0"/>
-              <a:t>“Hello World”</a:t>
-            </a:r>
-            <a:r>
-              <a:rPr lang="ko-KR" altLang="en-US" dirty="0" smtClean="0"/>
-              <a:t>라는 문구를 출력하는 것을 많이 합니다</a:t>
-            </a:r>
-            <a:r>
-              <a:rPr lang="en-US" altLang="ko-KR" dirty="0" smtClean="0"/>
-              <a:t>.</a:t>
-            </a:r>
-          </a:p>
-          <a:p>
-            <a:r>
-              <a:rPr lang="ko-KR" altLang="en-US" dirty="0" smtClean="0"/>
-              <a:t>오른쪽 문장을 키보드로 입력해봅시다</a:t>
-            </a:r>
-            <a:r>
-              <a:rPr lang="en-US" altLang="ko-KR" dirty="0" smtClean="0"/>
-              <a:t>.</a:t>
+              <a:t>혹시나 캠프에서 본인의 결과물을 가져가실 분들이라면</a:t>
+            </a:r>
+            <a:r>
+              <a:rPr lang="en-US" altLang="ko-KR" dirty="0" smtClean="0"/>
+              <a:t>?</a:t>
             </a:r>
             <a:endParaRPr lang="en-US" altLang="ko-KR" dirty="0"/>
+          </a:p>
+          <a:p>
+            <a:pPr marL="0" indent="0">
+              <a:buNone/>
+            </a:pPr>
+            <a:r>
+              <a:rPr lang="en-US" altLang="ko-KR" dirty="0" smtClean="0"/>
+              <a:t>=&gt; </a:t>
+            </a:r>
+            <a:r>
+              <a:rPr lang="ko-KR" altLang="en-US" dirty="0" err="1" smtClean="0"/>
+              <a:t>틈틈히</a:t>
+            </a:r>
+            <a:r>
+              <a:rPr lang="ko-KR" altLang="en-US" dirty="0" smtClean="0"/>
+              <a:t> 저장해주세요</a:t>
+            </a:r>
+            <a:r>
+              <a:rPr lang="en-US" altLang="ko-KR" dirty="0" smtClean="0"/>
+              <a:t>~</a:t>
+            </a:r>
           </a:p>
         </p:txBody>
       </p:sp>
@@ -11167,16 +11826,15 @@
           </p:cNvPicPr>
           <p:nvPr/>
         </p:nvPicPr>
-        <p:blipFill>
+        <p:blipFill rotWithShape="1">
           <a:blip r:embed="rId2"/>
-          <a:stretch>
-            <a:fillRect/>
-          </a:stretch>
+          <a:srcRect r="81447" b="55479"/>
+          <a:stretch/>
         </p:blipFill>
         <p:spPr>
           <a:xfrm>
-            <a:off x="5941888" y="2305033"/>
-            <a:ext cx="5325668" cy="1246432"/>
+            <a:off x="8033657" y="1581928"/>
+            <a:ext cx="3233899" cy="4595035"/>
           </a:xfrm>
           <a:prstGeom prst="rect">
             <a:avLst/>
@@ -11186,7 +11844,7 @@
     </p:spTree>
     <p:extLst>
       <p:ext uri="{BB962C8B-B14F-4D97-AF65-F5344CB8AC3E}">
-        <p14:creationId xmlns:p14="http://schemas.microsoft.com/office/powerpoint/2010/main" val="988184687"/>
+        <p14:creationId xmlns:p14="http://schemas.microsoft.com/office/powerpoint/2010/main" val="2218926556"/>
       </p:ext>
     </p:extLst>
   </p:cSld>
@@ -11264,7 +11922,7 @@
         <p:spPr>
           <a:xfrm>
             <a:off x="838200" y="1833790"/>
-            <a:ext cx="5786336" cy="4351338"/>
+            <a:ext cx="10429356" cy="4351338"/>
           </a:xfrm>
         </p:spPr>
         <p:txBody>
@@ -11275,58 +11933,52 @@
           <a:p>
             <a:r>
               <a:rPr lang="ko-KR" altLang="en-US" dirty="0" smtClean="0"/>
-              <a:t>입력이 되었으면</a:t>
-            </a:r>
-            <a:r>
-              <a:rPr lang="en-US" altLang="ko-KR" dirty="0" smtClean="0"/>
-              <a:t>, </a:t>
-            </a:r>
-            <a:r>
-              <a:rPr lang="ko-KR" altLang="en-US" dirty="0" smtClean="0"/>
-              <a:t>그림과 같이 마우스 오른쪽 버튼을 클릭해보세요</a:t>
+              <a:t>대부분 프로그래밍에 첫걸음으로 </a:t>
+            </a:r>
+            <a:r>
+              <a:rPr lang="en-US" altLang="ko-KR" dirty="0" smtClean="0"/>
+              <a:t>“Hello World”</a:t>
+            </a:r>
+            <a:r>
+              <a:rPr lang="ko-KR" altLang="en-US" dirty="0" smtClean="0"/>
+              <a:t>라는 문구를 출력하는 것을 많이 합니다</a:t>
             </a:r>
             <a:r>
               <a:rPr lang="en-US" altLang="ko-KR" dirty="0" smtClean="0"/>
               <a:t>.</a:t>
             </a:r>
+          </a:p>
+          <a:p>
+            <a:r>
+              <a:rPr lang="ko-KR" altLang="en-US" dirty="0" smtClean="0"/>
+              <a:t>오른쪽 문장을 키보드로 입력해봅시다</a:t>
+            </a:r>
+            <a:r>
+              <a:rPr lang="en-US" altLang="ko-KR" dirty="0" smtClean="0"/>
+              <a:t>.</a:t>
+            </a:r>
             <a:endParaRPr lang="en-US" altLang="ko-KR" dirty="0"/>
-          </a:p>
-          <a:p>
-            <a:r>
-              <a:rPr lang="ko-KR" altLang="en-US" dirty="0" smtClean="0"/>
-              <a:t>빨간색 직사각형 부분과 같은 메뉴를 클릭</a:t>
-            </a:r>
-            <a:r>
-              <a:rPr lang="en-US" altLang="ko-KR" dirty="0" smtClean="0"/>
-              <a:t>!</a:t>
-            </a:r>
           </a:p>
         </p:txBody>
       </p:sp>
       <p:pic>
         <p:nvPicPr>
-          <p:cNvPr id="9" name="그림 8"/>
+          <p:cNvPr id="4" name="그림 3"/>
           <p:cNvPicPr>
             <a:picLocks noChangeAspect="1"/>
           </p:cNvPicPr>
           <p:nvPr/>
         </p:nvPicPr>
         <p:blipFill>
-          <a:blip r:embed="rId2">
-            <a:extLst>
-              <a:ext uri="{28A0092B-C50C-407E-A947-70E740481C1C}">
-                <a14:useLocalDpi xmlns:a14="http://schemas.microsoft.com/office/drawing/2010/main" val="0"/>
-              </a:ext>
-            </a:extLst>
-          </a:blip>
+          <a:blip r:embed="rId2"/>
           <a:stretch>
             <a:fillRect/>
           </a:stretch>
         </p:blipFill>
         <p:spPr>
           <a:xfrm>
-            <a:off x="6624536" y="1833790"/>
-            <a:ext cx="4643020" cy="4738028"/>
+            <a:off x="5941888" y="2305033"/>
+            <a:ext cx="5325668" cy="1246432"/>
           </a:xfrm>
           <a:prstGeom prst="rect">
             <a:avLst/>
@@ -11336,7 +11988,7 @@
     </p:spTree>
     <p:extLst>
       <p:ext uri="{BB962C8B-B14F-4D97-AF65-F5344CB8AC3E}">
-        <p14:creationId xmlns:p14="http://schemas.microsoft.com/office/powerpoint/2010/main" val="1974734368"/>
+        <p14:creationId xmlns:p14="http://schemas.microsoft.com/office/powerpoint/2010/main" val="988184687"/>
       </p:ext>
     </p:extLst>
   </p:cSld>
@@ -11414,7 +12066,7 @@
         <p:spPr>
           <a:xfrm>
             <a:off x="838200" y="1833790"/>
-            <a:ext cx="5192949" cy="4351338"/>
+            <a:ext cx="5786336" cy="4351338"/>
           </a:xfrm>
         </p:spPr>
         <p:txBody>
@@ -11425,75 +12077,58 @@
           <a:p>
             <a:r>
               <a:rPr lang="ko-KR" altLang="en-US" dirty="0" smtClean="0"/>
-              <a:t>실행결과로 프로그램 밑부분에 그림과 같이 나오면 성공</a:t>
+              <a:t>입력이 되었으면</a:t>
+            </a:r>
+            <a:r>
+              <a:rPr lang="en-US" altLang="ko-KR" dirty="0" smtClean="0"/>
+              <a:t>, </a:t>
+            </a:r>
+            <a:r>
+              <a:rPr lang="ko-KR" altLang="en-US" dirty="0" smtClean="0"/>
+              <a:t>그림과 같이 마우스 오른쪽 버튼을 클릭해보세요</a:t>
+            </a:r>
+            <a:r>
+              <a:rPr lang="en-US" altLang="ko-KR" dirty="0" smtClean="0"/>
+              <a:t>.</a:t>
+            </a:r>
+            <a:endParaRPr lang="en-US" altLang="ko-KR" dirty="0"/>
+          </a:p>
+          <a:p>
+            <a:r>
+              <a:rPr lang="ko-KR" altLang="en-US" dirty="0" smtClean="0"/>
+              <a:t>빨간색 직사각형 부분과 같은 메뉴를 클릭</a:t>
             </a:r>
             <a:r>
               <a:rPr lang="en-US" altLang="ko-KR" dirty="0" smtClean="0"/>
               <a:t>!</a:t>
             </a:r>
-          </a:p>
-          <a:p>
-            <a:endParaRPr lang="en-US" altLang="ko-KR" dirty="0" smtClean="0"/>
-          </a:p>
-          <a:p>
-            <a:r>
-              <a:rPr lang="en-US" altLang="ko-KR" dirty="0" smtClean="0"/>
-              <a:t>Python</a:t>
-            </a:r>
-            <a:r>
-              <a:rPr lang="ko-KR" altLang="en-US" dirty="0" smtClean="0"/>
-              <a:t>이 처음이라면 </a:t>
-            </a:r>
-            <a:r>
-              <a:rPr lang="ko-KR" altLang="en-US" dirty="0" err="1" smtClean="0"/>
-              <a:t>축하드려요</a:t>
-            </a:r>
-            <a:r>
-              <a:rPr lang="en-US" altLang="ko-KR" dirty="0" smtClean="0"/>
-              <a:t>!</a:t>
-            </a:r>
-          </a:p>
-          <a:p>
-            <a:pPr marL="0" indent="0">
-              <a:buNone/>
-            </a:pPr>
-            <a:r>
-              <a:rPr lang="en-US" altLang="ko-KR" dirty="0"/>
-              <a:t> </a:t>
-            </a:r>
-            <a:r>
-              <a:rPr lang="en-US" altLang="ko-KR" dirty="0" smtClean="0"/>
-              <a:t>   </a:t>
-            </a:r>
-            <a:r>
-              <a:rPr lang="ko-KR" altLang="en-US" dirty="0" smtClean="0"/>
-              <a:t>첫 프로그램을 완성시키셨습니다</a:t>
-            </a:r>
-            <a:r>
-              <a:rPr lang="en-US" altLang="ko-KR" dirty="0" smtClean="0"/>
-              <a:t>.</a:t>
-            </a:r>
-            <a:endParaRPr lang="en-US" altLang="ko-KR" dirty="0"/>
           </a:p>
         </p:txBody>
       </p:sp>
       <p:pic>
         <p:nvPicPr>
-          <p:cNvPr id="10" name="그림 9"/>
+          <p:cNvPr id="9" name="그림 8"/>
           <p:cNvPicPr>
             <a:picLocks noChangeAspect="1"/>
           </p:cNvPicPr>
           <p:nvPr/>
         </p:nvPicPr>
-        <p:blipFill rotWithShape="1">
-          <a:blip r:embed="rId2"/>
-          <a:srcRect l="3391" t="66507" r="81198" b="21846"/>
-          <a:stretch/>
+        <p:blipFill>
+          <a:blip r:embed="rId2">
+            <a:extLst>
+              <a:ext uri="{28A0092B-C50C-407E-A947-70E740481C1C}">
+                <a14:useLocalDpi xmlns:a14="http://schemas.microsoft.com/office/drawing/2010/main" val="0"/>
+              </a:ext>
+            </a:extLst>
+          </a:blip>
+          <a:stretch>
+            <a:fillRect/>
+          </a:stretch>
         </p:blipFill>
         <p:spPr>
           <a:xfrm>
-            <a:off x="6031149" y="1833790"/>
-            <a:ext cx="5236407" cy="2602023"/>
+            <a:off x="6624536" y="1833790"/>
+            <a:ext cx="4643020" cy="4738028"/>
           </a:xfrm>
           <a:prstGeom prst="rect">
             <a:avLst/>
@@ -11503,7 +12138,7 @@
     </p:spTree>
     <p:extLst>
       <p:ext uri="{BB962C8B-B14F-4D97-AF65-F5344CB8AC3E}">
-        <p14:creationId xmlns:p14="http://schemas.microsoft.com/office/powerpoint/2010/main" val="3802858710"/>
+        <p14:creationId xmlns:p14="http://schemas.microsoft.com/office/powerpoint/2010/main" val="1974734368"/>
       </p:ext>
     </p:extLst>
   </p:cSld>
@@ -11547,19 +12182,22 @@
             <p:ph type="title"/>
           </p:nvPr>
         </p:nvSpPr>
-        <p:spPr>
-          <a:xfrm>
-            <a:off x="913795" y="590145"/>
-            <a:ext cx="10353761" cy="1326321"/>
-          </a:xfrm>
-        </p:spPr>
+        <p:spPr/>
         <p:txBody>
           <a:bodyPr/>
           <a:lstStyle/>
           <a:p>
             <a:r>
-              <a:rPr lang="ko-KR" altLang="en-US" dirty="0" smtClean="0"/>
-              <a:t>산술 연산</a:t>
+              <a:rPr lang="en-US" altLang="ko-KR" dirty="0" smtClean="0"/>
+              <a:t>Python </a:t>
+            </a:r>
+            <a:r>
+              <a:rPr lang="ko-KR" altLang="en-US" dirty="0" smtClean="0"/>
+              <a:t>첫걸음</a:t>
+            </a:r>
+            <a:r>
+              <a:rPr lang="en-US" altLang="ko-KR" dirty="0" smtClean="0"/>
+              <a:t>: Hello world</a:t>
             </a:r>
             <a:endParaRPr lang="ko-KR" altLang="en-US" dirty="0"/>
           </a:p>
@@ -11578,7 +12216,7 @@
         <p:spPr>
           <a:xfrm>
             <a:off x="838200" y="1833790"/>
-            <a:ext cx="10429356" cy="4351338"/>
+            <a:ext cx="5192949" cy="4351338"/>
           </a:xfrm>
         </p:spPr>
         <p:txBody>
@@ -11589,81 +12227,53 @@
           <a:p>
             <a:r>
               <a:rPr lang="ko-KR" altLang="en-US" dirty="0" smtClean="0"/>
-              <a:t>기본적인 계산</a:t>
-            </a:r>
+              <a:t>실행결과로 프로그램 밑부분에 그림과 같이 나오면 성공</a:t>
+            </a:r>
+            <a:r>
+              <a:rPr lang="en-US" altLang="ko-KR" dirty="0" smtClean="0"/>
+              <a:t>!</a:t>
+            </a:r>
+          </a:p>
+          <a:p>
             <a:endParaRPr lang="en-US" altLang="ko-KR" dirty="0" smtClean="0"/>
           </a:p>
           <a:p>
-            <a:pPr lvl="1"/>
-            <a:r>
-              <a:rPr lang="en-US" altLang="ko-KR" dirty="0" smtClean="0"/>
-              <a:t>+</a:t>
-            </a:r>
-          </a:p>
-          <a:p>
-            <a:pPr lvl="1"/>
-            <a:r>
-              <a:rPr lang="en-US" altLang="ko-KR" dirty="0" smtClean="0"/>
-              <a:t>-</a:t>
-            </a:r>
-          </a:p>
-          <a:p>
-            <a:pPr lvl="1"/>
-            <a:r>
-              <a:rPr lang="en-US" altLang="ko-KR" dirty="0" smtClean="0"/>
-              <a:t>*</a:t>
-            </a:r>
-          </a:p>
-          <a:p>
-            <a:pPr lvl="1"/>
-            <a:r>
-              <a:rPr lang="en-US" altLang="ko-KR" dirty="0" smtClean="0"/>
-              <a:t>/</a:t>
-            </a:r>
-          </a:p>
-          <a:p>
-            <a:pPr lvl="1"/>
-            <a:r>
-              <a:rPr lang="en-US" altLang="ko-KR" dirty="0" smtClean="0"/>
-              <a:t>//(</a:t>
-            </a:r>
-            <a:r>
-              <a:rPr lang="ko-KR" altLang="en-US" dirty="0" smtClean="0"/>
-              <a:t>몫</a:t>
-            </a:r>
-            <a:r>
-              <a:rPr lang="en-US" altLang="ko-KR" dirty="0" smtClean="0"/>
-              <a:t>)</a:t>
-            </a:r>
-          </a:p>
-          <a:p>
-            <a:pPr lvl="1"/>
-            <a:r>
-              <a:rPr lang="en-US" altLang="ko-KR" dirty="0" smtClean="0"/>
-              <a:t>**(n</a:t>
-            </a:r>
-            <a:r>
-              <a:rPr lang="ko-KR" altLang="en-US" dirty="0" smtClean="0"/>
-              <a:t>제곱</a:t>
-            </a:r>
-            <a:r>
-              <a:rPr lang="en-US" altLang="ko-KR" dirty="0" smtClean="0"/>
-              <a:t>)</a:t>
-            </a:r>
-          </a:p>
-          <a:p>
-            <a:pPr lvl="1"/>
-            <a:r>
-              <a:rPr lang="en-US" altLang="ko-KR" dirty="0" smtClean="0"/>
-              <a:t>%(</a:t>
-            </a:r>
-            <a:r>
-              <a:rPr lang="ko-KR" altLang="en-US" dirty="0" smtClean="0"/>
-              <a:t>나머지</a:t>
-            </a:r>
-            <a:r>
-              <a:rPr lang="en-US" altLang="ko-KR" dirty="0" smtClean="0"/>
-              <a:t>)</a:t>
+            <a:r>
+              <a:rPr lang="en-US" altLang="ko-KR" dirty="0" smtClean="0"/>
+              <a:t>Python</a:t>
+            </a:r>
+            <a:r>
+              <a:rPr lang="ko-KR" altLang="en-US" dirty="0" smtClean="0"/>
+              <a:t>이 처음이라면 </a:t>
+            </a:r>
+            <a:r>
+              <a:rPr lang="ko-KR" altLang="en-US" dirty="0" err="1" smtClean="0"/>
+              <a:t>축하드려요</a:t>
+            </a:r>
+            <a:r>
+              <a:rPr lang="en-US" altLang="ko-KR" dirty="0" smtClean="0"/>
+              <a:t>!</a:t>
+            </a:r>
+          </a:p>
+          <a:p>
+            <a:pPr marL="0" indent="0">
+              <a:buNone/>
+            </a:pPr>
+            <a:r>
+              <a:rPr lang="en-US" altLang="ko-KR" dirty="0"/>
+              <a:t> </a:t>
+            </a:r>
+            <a:r>
+              <a:rPr lang="en-US" altLang="ko-KR" dirty="0" smtClean="0"/>
+              <a:t>   </a:t>
+            </a:r>
+            <a:r>
+              <a:rPr lang="ko-KR" altLang="en-US" dirty="0" smtClean="0"/>
+              <a:t>첫 프로그램을 완성시키셨습니다</a:t>
+            </a:r>
+            <a:r>
+              <a:rPr lang="en-US" altLang="ko-KR" dirty="0" smtClean="0"/>
+              <a:t>.</a:t>
             </a:r>
             <a:endParaRPr lang="en-US" altLang="ko-KR" dirty="0"/>
           </a:p>
@@ -11671,7 +12281,7 @@
       </p:sp>
       <p:pic>
         <p:nvPicPr>
-          <p:cNvPr id="3" name="그림 2"/>
+          <p:cNvPr id="10" name="그림 9"/>
           <p:cNvPicPr>
             <a:picLocks noChangeAspect="1"/>
           </p:cNvPicPr>
@@ -11679,36 +12289,13 @@
         </p:nvPicPr>
         <p:blipFill rotWithShape="1">
           <a:blip r:embed="rId2"/>
-          <a:srcRect l="26801" t="14943" r="62588" b="67409"/>
+          <a:srcRect l="3391" t="66507" r="81198" b="21846"/>
           <a:stretch/>
         </p:blipFill>
         <p:spPr>
           <a:xfrm>
-            <a:off x="2944181" y="1916465"/>
-            <a:ext cx="4185820" cy="4114879"/>
-          </a:xfrm>
-          <a:prstGeom prst="rect">
-            <a:avLst/>
-          </a:prstGeom>
-        </p:spPr>
-      </p:pic>
-      <p:pic>
-        <p:nvPicPr>
-          <p:cNvPr id="5" name="그림 4"/>
-          <p:cNvPicPr>
-            <a:picLocks noChangeAspect="1"/>
-          </p:cNvPicPr>
-          <p:nvPr/>
-        </p:nvPicPr>
-        <p:blipFill rotWithShape="1">
-          <a:blip r:embed="rId3"/>
-          <a:srcRect l="5520" t="68839" r="81609" b="11971"/>
-          <a:stretch/>
-        </p:blipFill>
-        <p:spPr>
-          <a:xfrm>
-            <a:off x="7366765" y="1916466"/>
-            <a:ext cx="3900791" cy="4114879"/>
+            <a:off x="6031149" y="1833790"/>
+            <a:ext cx="5236407" cy="2602023"/>
           </a:xfrm>
           <a:prstGeom prst="rect">
             <a:avLst/>
@@ -11718,7 +12305,7 @@
     </p:spTree>
     <p:extLst>
       <p:ext uri="{BB962C8B-B14F-4D97-AF65-F5344CB8AC3E}">
-        <p14:creationId xmlns:p14="http://schemas.microsoft.com/office/powerpoint/2010/main" val="2437160666"/>
+        <p14:creationId xmlns:p14="http://schemas.microsoft.com/office/powerpoint/2010/main" val="3802858710"/>
       </p:ext>
     </p:extLst>
   </p:cSld>
